--- a/doc/框架示意图.pptx
+++ b/doc/框架示意图.pptx
@@ -2,7 +2,7 @@
 <file path=ppt/presentation.xml><?xml version="1.0" encoding="utf-8"?>
 <p:presentation xmlns:a="http://schemas.openxmlformats.org/drawingml/2006/main" xmlns:r="http://schemas.openxmlformats.org/officeDocument/2006/relationships" xmlns:p="http://schemas.openxmlformats.org/presentationml/2006/main" saveSubsetFonts="1">
   <p:sldMasterIdLst>
-    <p:sldMasterId id="2147483648" r:id="rId1"/>
+    <p:sldMasterId id="2147483660" r:id="rId1"/>
   </p:sldMasterIdLst>
   <p:sldIdLst>
     <p:sldId id="260" r:id="rId2"/>
@@ -12,14 +12,16 @@
     <p:sldId id="258" r:id="rId6"/>
     <p:sldId id="257" r:id="rId7"/>
     <p:sldId id="259" r:id="rId8"/>
+    <p:sldId id="263" r:id="rId9"/>
+    <p:sldId id="264" r:id="rId10"/>
   </p:sldIdLst>
-  <p:sldSz cx="12192000" cy="6858000"/>
-  <p:notesSz cx="6858000" cy="9144000"/>
+  <p:sldSz cx="46080363" cy="25920700"/>
+  <p:notesSz cx="9144000" cy="6858000"/>
   <p:defaultTextStyle>
     <a:defPPr>
-      <a:defRPr lang="zh-CN"/>
+      <a:defRPr lang="en-US"/>
     </a:defPPr>
-    <a:lvl1pPr marL="0" algn="l" defTabSz="914400" rtl="0" eaLnBrk="1" latinLnBrk="0" hangingPunct="1">
+    <a:lvl1pPr marL="0" algn="l" defTabSz="457200" rtl="0" eaLnBrk="1" latinLnBrk="0" hangingPunct="1">
       <a:defRPr sz="1800" kern="1200">
         <a:solidFill>
           <a:schemeClr val="tx1"/>
@@ -29,7 +31,7 @@
         <a:cs typeface="+mn-cs"/>
       </a:defRPr>
     </a:lvl1pPr>
-    <a:lvl2pPr marL="457200" algn="l" defTabSz="914400" rtl="0" eaLnBrk="1" latinLnBrk="0" hangingPunct="1">
+    <a:lvl2pPr marL="457200" algn="l" defTabSz="457200" rtl="0" eaLnBrk="1" latinLnBrk="0" hangingPunct="1">
       <a:defRPr sz="1800" kern="1200">
         <a:solidFill>
           <a:schemeClr val="tx1"/>
@@ -39,7 +41,7 @@
         <a:cs typeface="+mn-cs"/>
       </a:defRPr>
     </a:lvl2pPr>
-    <a:lvl3pPr marL="914400" algn="l" defTabSz="914400" rtl="0" eaLnBrk="1" latinLnBrk="0" hangingPunct="1">
+    <a:lvl3pPr marL="914400" algn="l" defTabSz="457200" rtl="0" eaLnBrk="1" latinLnBrk="0" hangingPunct="1">
       <a:defRPr sz="1800" kern="1200">
         <a:solidFill>
           <a:schemeClr val="tx1"/>
@@ -49,7 +51,7 @@
         <a:cs typeface="+mn-cs"/>
       </a:defRPr>
     </a:lvl3pPr>
-    <a:lvl4pPr marL="1371600" algn="l" defTabSz="914400" rtl="0" eaLnBrk="1" latinLnBrk="0" hangingPunct="1">
+    <a:lvl4pPr marL="1371600" algn="l" defTabSz="457200" rtl="0" eaLnBrk="1" latinLnBrk="0" hangingPunct="1">
       <a:defRPr sz="1800" kern="1200">
         <a:solidFill>
           <a:schemeClr val="tx1"/>
@@ -59,7 +61,7 @@
         <a:cs typeface="+mn-cs"/>
       </a:defRPr>
     </a:lvl4pPr>
-    <a:lvl5pPr marL="1828800" algn="l" defTabSz="914400" rtl="0" eaLnBrk="1" latinLnBrk="0" hangingPunct="1">
+    <a:lvl5pPr marL="1828800" algn="l" defTabSz="457200" rtl="0" eaLnBrk="1" latinLnBrk="0" hangingPunct="1">
       <a:defRPr sz="1800" kern="1200">
         <a:solidFill>
           <a:schemeClr val="tx1"/>
@@ -69,7 +71,7 @@
         <a:cs typeface="+mn-cs"/>
       </a:defRPr>
     </a:lvl5pPr>
-    <a:lvl6pPr marL="2286000" algn="l" defTabSz="914400" rtl="0" eaLnBrk="1" latinLnBrk="0" hangingPunct="1">
+    <a:lvl6pPr marL="2286000" algn="l" defTabSz="457200" rtl="0" eaLnBrk="1" latinLnBrk="0" hangingPunct="1">
       <a:defRPr sz="1800" kern="1200">
         <a:solidFill>
           <a:schemeClr val="tx1"/>
@@ -79,7 +81,7 @@
         <a:cs typeface="+mn-cs"/>
       </a:defRPr>
     </a:lvl6pPr>
-    <a:lvl7pPr marL="2743200" algn="l" defTabSz="914400" rtl="0" eaLnBrk="1" latinLnBrk="0" hangingPunct="1">
+    <a:lvl7pPr marL="2743200" algn="l" defTabSz="457200" rtl="0" eaLnBrk="1" latinLnBrk="0" hangingPunct="1">
       <a:defRPr sz="1800" kern="1200">
         <a:solidFill>
           <a:schemeClr val="tx1"/>
@@ -89,7 +91,7 @@
         <a:cs typeface="+mn-cs"/>
       </a:defRPr>
     </a:lvl7pPr>
-    <a:lvl8pPr marL="3200400" algn="l" defTabSz="914400" rtl="0" eaLnBrk="1" latinLnBrk="0" hangingPunct="1">
+    <a:lvl8pPr marL="3200400" algn="l" defTabSz="457200" rtl="0" eaLnBrk="1" latinLnBrk="0" hangingPunct="1">
       <a:defRPr sz="1800" kern="1200">
         <a:solidFill>
           <a:schemeClr val="tx1"/>
@@ -99,7 +101,7 @@
         <a:cs typeface="+mn-cs"/>
       </a:defRPr>
     </a:lvl8pPr>
-    <a:lvl9pPr marL="3657600" algn="l" defTabSz="914400" rtl="0" eaLnBrk="1" latinLnBrk="0" hangingPunct="1">
+    <a:lvl9pPr marL="3657600" algn="l" defTabSz="457200" rtl="0" eaLnBrk="1" latinLnBrk="0" hangingPunct="1">
       <a:defRPr sz="1800" kern="1200">
         <a:solidFill>
           <a:schemeClr val="tx1"/>
@@ -113,12 +115,12 @@
   <p:extLst>
     <p:ext uri="{EFAFB233-063F-42B5-8137-9DF3F51BA10A}">
       <p15:sldGuideLst xmlns:p15="http://schemas.microsoft.com/office/powerpoint/2012/main">
-        <p15:guide id="1" orient="horz" pos="2160" userDrawn="1">
+        <p15:guide id="1" orient="horz" pos="8141" userDrawn="1">
           <p15:clr>
             <a:srgbClr val="A4A3A4"/>
           </p15:clr>
         </p15:guide>
-        <p15:guide id="2" pos="3840">
+        <p15:guide id="2" pos="14514" userDrawn="1">
           <p15:clr>
             <a:srgbClr val="A4A3A4"/>
           </p15:clr>
@@ -148,13 +150,7 @@
       </p:grpSpPr>
       <p:sp>
         <p:nvSpPr>
-          <p:cNvPr id="2" name="标题 1">
-            <a:extLst>
-              <a:ext uri="{FF2B5EF4-FFF2-40B4-BE49-F238E27FC236}">
-                <a16:creationId xmlns:a16="http://schemas.microsoft.com/office/drawing/2014/main" id="{C4544D80-6AD5-B85B-B07A-3E6B56698B82}"/>
-              </a:ext>
-            </a:extLst>
-          </p:cNvPr>
+          <p:cNvPr id="2" name="Title 1"/>
           <p:cNvSpPr>
             <a:spLocks noGrp="1"/>
           </p:cNvSpPr>
@@ -164,15 +160,15 @@
         </p:nvSpPr>
         <p:spPr>
           <a:xfrm>
-            <a:off x="1524000" y="1122363"/>
-            <a:ext cx="9144000" cy="2387600"/>
+            <a:off x="5760046" y="4242116"/>
+            <a:ext cx="34560272" cy="9024244"/>
           </a:xfrm>
         </p:spPr>
         <p:txBody>
           <a:bodyPr anchor="b"/>
           <a:lstStyle>
             <a:lvl1pPr algn="ctr">
-              <a:defRPr sz="6000"/>
+              <a:defRPr sz="22678"/>
             </a:lvl1pPr>
           </a:lstStyle>
           <a:p>
@@ -180,18 +176,13 @@
               <a:rPr lang="zh-CN" altLang="en-US"/>
               <a:t>单击此处编辑母版标题样式</a:t>
             </a:r>
+            <a:endParaRPr lang="en-US" dirty="0"/>
           </a:p>
         </p:txBody>
       </p:sp>
       <p:sp>
         <p:nvSpPr>
-          <p:cNvPr id="3" name="副标题 2">
-            <a:extLst>
-              <a:ext uri="{FF2B5EF4-FFF2-40B4-BE49-F238E27FC236}">
-                <a16:creationId xmlns:a16="http://schemas.microsoft.com/office/drawing/2014/main" id="{70B90540-FF2A-0A13-AD38-141A5043AE7C}"/>
-              </a:ext>
-            </a:extLst>
-          </p:cNvPr>
+          <p:cNvPr id="3" name="Subtitle 2"/>
           <p:cNvSpPr>
             <a:spLocks noGrp="1"/>
           </p:cNvSpPr>
@@ -201,8 +192,8 @@
         </p:nvSpPr>
         <p:spPr>
           <a:xfrm>
-            <a:off x="1524000" y="3602038"/>
-            <a:ext cx="9144000" cy="1655762"/>
+            <a:off x="5760046" y="13614370"/>
+            <a:ext cx="34560272" cy="6258167"/>
           </a:xfrm>
         </p:spPr>
         <p:txBody>
@@ -210,39 +201,39 @@
           <a:lstStyle>
             <a:lvl1pPr marL="0" indent="0" algn="ctr">
               <a:buNone/>
-              <a:defRPr sz="2400"/>
+              <a:defRPr sz="9071"/>
             </a:lvl1pPr>
-            <a:lvl2pPr marL="457200" indent="0" algn="ctr">
+            <a:lvl2pPr marL="1728033" indent="0" algn="ctr">
               <a:buNone/>
-              <a:defRPr sz="2000"/>
+              <a:defRPr sz="7559"/>
             </a:lvl2pPr>
-            <a:lvl3pPr marL="914400" indent="0" algn="ctr">
+            <a:lvl3pPr marL="3456066" indent="0" algn="ctr">
               <a:buNone/>
-              <a:defRPr sz="1800"/>
+              <a:defRPr sz="6803"/>
             </a:lvl3pPr>
-            <a:lvl4pPr marL="1371600" indent="0" algn="ctr">
+            <a:lvl4pPr marL="5184099" indent="0" algn="ctr">
               <a:buNone/>
-              <a:defRPr sz="1600"/>
+              <a:defRPr sz="6047"/>
             </a:lvl4pPr>
-            <a:lvl5pPr marL="1828800" indent="0" algn="ctr">
+            <a:lvl5pPr marL="6912132" indent="0" algn="ctr">
               <a:buNone/>
-              <a:defRPr sz="1600"/>
+              <a:defRPr sz="6047"/>
             </a:lvl5pPr>
-            <a:lvl6pPr marL="2286000" indent="0" algn="ctr">
+            <a:lvl6pPr marL="8640166" indent="0" algn="ctr">
               <a:buNone/>
-              <a:defRPr sz="1600"/>
+              <a:defRPr sz="6047"/>
             </a:lvl6pPr>
-            <a:lvl7pPr marL="2743200" indent="0" algn="ctr">
+            <a:lvl7pPr marL="10368199" indent="0" algn="ctr">
               <a:buNone/>
-              <a:defRPr sz="1600"/>
+              <a:defRPr sz="6047"/>
             </a:lvl7pPr>
-            <a:lvl8pPr marL="3200400" indent="0" algn="ctr">
+            <a:lvl8pPr marL="12096232" indent="0" algn="ctr">
               <a:buNone/>
-              <a:defRPr sz="1600"/>
+              <a:defRPr sz="6047"/>
             </a:lvl8pPr>
-            <a:lvl9pPr marL="3657600" indent="0" algn="ctr">
+            <a:lvl9pPr marL="13824265" indent="0" algn="ctr">
               <a:buNone/>
-              <a:defRPr sz="1600"/>
+              <a:defRPr sz="6047"/>
             </a:lvl9pPr>
           </a:lstStyle>
           <a:p>
@@ -250,18 +241,13 @@
               <a:rPr lang="zh-CN" altLang="en-US"/>
               <a:t>单击此处编辑母版副标题样式</a:t>
             </a:r>
+            <a:endParaRPr lang="en-US" dirty="0"/>
           </a:p>
         </p:txBody>
       </p:sp>
       <p:sp>
         <p:nvSpPr>
-          <p:cNvPr id="4" name="日期占位符 3">
-            <a:extLst>
-              <a:ext uri="{FF2B5EF4-FFF2-40B4-BE49-F238E27FC236}">
-                <a16:creationId xmlns:a16="http://schemas.microsoft.com/office/drawing/2014/main" id="{D66AA222-1F7F-9E44-DD68-561523F0F13E}"/>
-              </a:ext>
-            </a:extLst>
-          </p:cNvPr>
+          <p:cNvPr id="4" name="Date Placeholder 3"/>
           <p:cNvSpPr>
             <a:spLocks noGrp="1"/>
           </p:cNvSpPr>
@@ -276,7 +262,7 @@
           <a:p>
             <a:fld id="{491C741C-B799-49C2-8687-763E5822C94D}" type="datetimeFigureOut">
               <a:rPr lang="zh-CN" altLang="en-US" smtClean="0"/>
-              <a:t>2024/9/30</a:t>
+              <a:t>2024/11/14</a:t>
             </a:fld>
             <a:endParaRPr lang="zh-CN" altLang="en-US"/>
           </a:p>
@@ -284,13 +270,7 @@
       </p:sp>
       <p:sp>
         <p:nvSpPr>
-          <p:cNvPr id="5" name="页脚占位符 4">
-            <a:extLst>
-              <a:ext uri="{FF2B5EF4-FFF2-40B4-BE49-F238E27FC236}">
-                <a16:creationId xmlns:a16="http://schemas.microsoft.com/office/drawing/2014/main" id="{7F63D0BF-D85C-B421-5E7F-D9322FB3BCB1}"/>
-              </a:ext>
-            </a:extLst>
-          </p:cNvPr>
+          <p:cNvPr id="5" name="Footer Placeholder 4"/>
           <p:cNvSpPr>
             <a:spLocks noGrp="1"/>
           </p:cNvSpPr>
@@ -309,13 +289,7 @@
       </p:sp>
       <p:sp>
         <p:nvSpPr>
-          <p:cNvPr id="6" name="灯片编号占位符 5">
-            <a:extLst>
-              <a:ext uri="{FF2B5EF4-FFF2-40B4-BE49-F238E27FC236}">
-                <a16:creationId xmlns:a16="http://schemas.microsoft.com/office/drawing/2014/main" id="{2B40B29B-945E-6E35-EC80-E2D105F25288}"/>
-              </a:ext>
-            </a:extLst>
-          </p:cNvPr>
+          <p:cNvPr id="6" name="Slide Number Placeholder 5"/>
           <p:cNvSpPr>
             <a:spLocks noGrp="1"/>
           </p:cNvSpPr>
@@ -339,7 +313,7 @@
     </p:spTree>
     <p:extLst>
       <p:ext uri="{BB962C8B-B14F-4D97-AF65-F5344CB8AC3E}">
-        <p14:creationId xmlns:p14="http://schemas.microsoft.com/office/powerpoint/2010/main" val="2417332388"/>
+        <p14:creationId xmlns:p14="http://schemas.microsoft.com/office/powerpoint/2010/main" val="3452861694"/>
       </p:ext>
     </p:extLst>
   </p:cSld>
@@ -368,13 +342,7 @@
       </p:grpSpPr>
       <p:sp>
         <p:nvSpPr>
-          <p:cNvPr id="2" name="标题 1">
-            <a:extLst>
-              <a:ext uri="{FF2B5EF4-FFF2-40B4-BE49-F238E27FC236}">
-                <a16:creationId xmlns:a16="http://schemas.microsoft.com/office/drawing/2014/main" id="{185DD3A6-6BD6-3515-0576-8E8ED9CE5BF2}"/>
-              </a:ext>
-            </a:extLst>
-          </p:cNvPr>
+          <p:cNvPr id="2" name="Title 1"/>
           <p:cNvSpPr>
             <a:spLocks noGrp="1"/>
           </p:cNvSpPr>
@@ -391,18 +359,13 @@
               <a:rPr lang="zh-CN" altLang="en-US"/>
               <a:t>单击此处编辑母版标题样式</a:t>
             </a:r>
+            <a:endParaRPr lang="en-US" dirty="0"/>
           </a:p>
         </p:txBody>
       </p:sp>
       <p:sp>
         <p:nvSpPr>
-          <p:cNvPr id="3" name="竖排文字占位符 2">
-            <a:extLst>
-              <a:ext uri="{FF2B5EF4-FFF2-40B4-BE49-F238E27FC236}">
-                <a16:creationId xmlns:a16="http://schemas.microsoft.com/office/drawing/2014/main" id="{2CFA4E6E-441C-24C2-F786-7C03ECAB1177}"/>
-              </a:ext>
-            </a:extLst>
-          </p:cNvPr>
+          <p:cNvPr id="3" name="Vertical Text Placeholder 2"/>
           <p:cNvSpPr>
             <a:spLocks noGrp="1"/>
           </p:cNvSpPr>
@@ -448,18 +411,13 @@
               <a:rPr lang="zh-CN" altLang="en-US"/>
               <a:t>五级</a:t>
             </a:r>
+            <a:endParaRPr lang="en-US" dirty="0"/>
           </a:p>
         </p:txBody>
       </p:sp>
       <p:sp>
         <p:nvSpPr>
-          <p:cNvPr id="4" name="日期占位符 3">
-            <a:extLst>
-              <a:ext uri="{FF2B5EF4-FFF2-40B4-BE49-F238E27FC236}">
-                <a16:creationId xmlns:a16="http://schemas.microsoft.com/office/drawing/2014/main" id="{83F40B52-B2E3-10E3-5A74-323B97944D2C}"/>
-              </a:ext>
-            </a:extLst>
-          </p:cNvPr>
+          <p:cNvPr id="4" name="Date Placeholder 3"/>
           <p:cNvSpPr>
             <a:spLocks noGrp="1"/>
           </p:cNvSpPr>
@@ -474,7 +432,7 @@
           <a:p>
             <a:fld id="{491C741C-B799-49C2-8687-763E5822C94D}" type="datetimeFigureOut">
               <a:rPr lang="zh-CN" altLang="en-US" smtClean="0"/>
-              <a:t>2024/9/30</a:t>
+              <a:t>2024/11/14</a:t>
             </a:fld>
             <a:endParaRPr lang="zh-CN" altLang="en-US"/>
           </a:p>
@@ -482,13 +440,7 @@
       </p:sp>
       <p:sp>
         <p:nvSpPr>
-          <p:cNvPr id="5" name="页脚占位符 4">
-            <a:extLst>
-              <a:ext uri="{FF2B5EF4-FFF2-40B4-BE49-F238E27FC236}">
-                <a16:creationId xmlns:a16="http://schemas.microsoft.com/office/drawing/2014/main" id="{9A890BFF-3BCB-FC2B-577A-F9EE8AF14C12}"/>
-              </a:ext>
-            </a:extLst>
-          </p:cNvPr>
+          <p:cNvPr id="5" name="Footer Placeholder 4"/>
           <p:cNvSpPr>
             <a:spLocks noGrp="1"/>
           </p:cNvSpPr>
@@ -507,13 +459,7 @@
       </p:sp>
       <p:sp>
         <p:nvSpPr>
-          <p:cNvPr id="6" name="灯片编号占位符 5">
-            <a:extLst>
-              <a:ext uri="{FF2B5EF4-FFF2-40B4-BE49-F238E27FC236}">
-                <a16:creationId xmlns:a16="http://schemas.microsoft.com/office/drawing/2014/main" id="{EC838724-0174-1BF7-D38F-CA0DCCB9EA0B}"/>
-              </a:ext>
-            </a:extLst>
-          </p:cNvPr>
+          <p:cNvPr id="6" name="Slide Number Placeholder 5"/>
           <p:cNvSpPr>
             <a:spLocks noGrp="1"/>
           </p:cNvSpPr>
@@ -537,7 +483,7 @@
     </p:spTree>
     <p:extLst>
       <p:ext uri="{BB962C8B-B14F-4D97-AF65-F5344CB8AC3E}">
-        <p14:creationId xmlns:p14="http://schemas.microsoft.com/office/powerpoint/2010/main" val="3309072662"/>
+        <p14:creationId xmlns:p14="http://schemas.microsoft.com/office/powerpoint/2010/main" val="1403760434"/>
       </p:ext>
     </p:extLst>
   </p:cSld>
@@ -566,13 +512,7 @@
       </p:grpSpPr>
       <p:sp>
         <p:nvSpPr>
-          <p:cNvPr id="2" name="竖排标题 1">
-            <a:extLst>
-              <a:ext uri="{FF2B5EF4-FFF2-40B4-BE49-F238E27FC236}">
-                <a16:creationId xmlns:a16="http://schemas.microsoft.com/office/drawing/2014/main" id="{02A5F5A7-3AA9-BE4A-ADDD-2AB20FDAC6DE}"/>
-              </a:ext>
-            </a:extLst>
-          </p:cNvPr>
+          <p:cNvPr id="2" name="Vertical Title 1"/>
           <p:cNvSpPr>
             <a:spLocks noGrp="1"/>
           </p:cNvSpPr>
@@ -582,8 +522,8 @@
         </p:nvSpPr>
         <p:spPr>
           <a:xfrm>
-            <a:off x="8724900" y="365125"/>
-            <a:ext cx="2628900" cy="5811838"/>
+            <a:off x="32976260" y="1380037"/>
+            <a:ext cx="9936078" cy="21966595"/>
           </a:xfrm>
         </p:spPr>
         <p:txBody>
@@ -594,18 +534,13 @@
               <a:rPr lang="zh-CN" altLang="en-US"/>
               <a:t>单击此处编辑母版标题样式</a:t>
             </a:r>
+            <a:endParaRPr lang="en-US" dirty="0"/>
           </a:p>
         </p:txBody>
       </p:sp>
       <p:sp>
         <p:nvSpPr>
-          <p:cNvPr id="3" name="竖排文字占位符 2">
-            <a:extLst>
-              <a:ext uri="{FF2B5EF4-FFF2-40B4-BE49-F238E27FC236}">
-                <a16:creationId xmlns:a16="http://schemas.microsoft.com/office/drawing/2014/main" id="{AD06B265-0A06-AA59-84E4-404512ED4D1A}"/>
-              </a:ext>
-            </a:extLst>
-          </p:cNvPr>
+          <p:cNvPr id="3" name="Vertical Text Placeholder 2"/>
           <p:cNvSpPr>
             <a:spLocks noGrp="1"/>
           </p:cNvSpPr>
@@ -615,8 +550,8 @@
         </p:nvSpPr>
         <p:spPr>
           <a:xfrm>
-            <a:off x="838200" y="365125"/>
-            <a:ext cx="7734300" cy="5811838"/>
+            <a:off x="3168025" y="1380037"/>
+            <a:ext cx="29232230" cy="21966595"/>
           </a:xfrm>
         </p:spPr>
         <p:txBody>
@@ -656,18 +591,13 @@
               <a:rPr lang="zh-CN" altLang="en-US"/>
               <a:t>五级</a:t>
             </a:r>
+            <a:endParaRPr lang="en-US" dirty="0"/>
           </a:p>
         </p:txBody>
       </p:sp>
       <p:sp>
         <p:nvSpPr>
-          <p:cNvPr id="4" name="日期占位符 3">
-            <a:extLst>
-              <a:ext uri="{FF2B5EF4-FFF2-40B4-BE49-F238E27FC236}">
-                <a16:creationId xmlns:a16="http://schemas.microsoft.com/office/drawing/2014/main" id="{D5CF3728-5BAC-7720-E757-EA40C5B28A6B}"/>
-              </a:ext>
-            </a:extLst>
-          </p:cNvPr>
+          <p:cNvPr id="4" name="Date Placeholder 3"/>
           <p:cNvSpPr>
             <a:spLocks noGrp="1"/>
           </p:cNvSpPr>
@@ -682,7 +612,7 @@
           <a:p>
             <a:fld id="{491C741C-B799-49C2-8687-763E5822C94D}" type="datetimeFigureOut">
               <a:rPr lang="zh-CN" altLang="en-US" smtClean="0"/>
-              <a:t>2024/9/30</a:t>
+              <a:t>2024/11/14</a:t>
             </a:fld>
             <a:endParaRPr lang="zh-CN" altLang="en-US"/>
           </a:p>
@@ -690,13 +620,7 @@
       </p:sp>
       <p:sp>
         <p:nvSpPr>
-          <p:cNvPr id="5" name="页脚占位符 4">
-            <a:extLst>
-              <a:ext uri="{FF2B5EF4-FFF2-40B4-BE49-F238E27FC236}">
-                <a16:creationId xmlns:a16="http://schemas.microsoft.com/office/drawing/2014/main" id="{D4C7CCA7-B002-F077-8BF7-A17F614CA96B}"/>
-              </a:ext>
-            </a:extLst>
-          </p:cNvPr>
+          <p:cNvPr id="5" name="Footer Placeholder 4"/>
           <p:cNvSpPr>
             <a:spLocks noGrp="1"/>
           </p:cNvSpPr>
@@ -715,13 +639,7 @@
       </p:sp>
       <p:sp>
         <p:nvSpPr>
-          <p:cNvPr id="6" name="灯片编号占位符 5">
-            <a:extLst>
-              <a:ext uri="{FF2B5EF4-FFF2-40B4-BE49-F238E27FC236}">
-                <a16:creationId xmlns:a16="http://schemas.microsoft.com/office/drawing/2014/main" id="{721D9C98-0344-6B41-A71E-57EDD31A0815}"/>
-              </a:ext>
-            </a:extLst>
-          </p:cNvPr>
+          <p:cNvPr id="6" name="Slide Number Placeholder 5"/>
           <p:cNvSpPr>
             <a:spLocks noGrp="1"/>
           </p:cNvSpPr>
@@ -745,7 +663,7 @@
     </p:spTree>
     <p:extLst>
       <p:ext uri="{BB962C8B-B14F-4D97-AF65-F5344CB8AC3E}">
-        <p14:creationId xmlns:p14="http://schemas.microsoft.com/office/powerpoint/2010/main" val="3542815917"/>
+        <p14:creationId xmlns:p14="http://schemas.microsoft.com/office/powerpoint/2010/main" val="1782110769"/>
       </p:ext>
     </p:extLst>
   </p:cSld>
@@ -774,13 +692,7 @@
       </p:grpSpPr>
       <p:sp>
         <p:nvSpPr>
-          <p:cNvPr id="2" name="标题 1">
-            <a:extLst>
-              <a:ext uri="{FF2B5EF4-FFF2-40B4-BE49-F238E27FC236}">
-                <a16:creationId xmlns:a16="http://schemas.microsoft.com/office/drawing/2014/main" id="{F5889A6C-6CDD-1D1E-1764-DADEE6039F3C}"/>
-              </a:ext>
-            </a:extLst>
-          </p:cNvPr>
+          <p:cNvPr id="2" name="Title 1"/>
           <p:cNvSpPr>
             <a:spLocks noGrp="1"/>
           </p:cNvSpPr>
@@ -797,18 +709,13 @@
               <a:rPr lang="zh-CN" altLang="en-US"/>
               <a:t>单击此处编辑母版标题样式</a:t>
             </a:r>
+            <a:endParaRPr lang="en-US" dirty="0"/>
           </a:p>
         </p:txBody>
       </p:sp>
       <p:sp>
         <p:nvSpPr>
-          <p:cNvPr id="3" name="内容占位符 2">
-            <a:extLst>
-              <a:ext uri="{FF2B5EF4-FFF2-40B4-BE49-F238E27FC236}">
-                <a16:creationId xmlns:a16="http://schemas.microsoft.com/office/drawing/2014/main" id="{7956D729-8DC2-9812-F37B-974122BB1681}"/>
-              </a:ext>
-            </a:extLst>
-          </p:cNvPr>
+          <p:cNvPr id="3" name="Content Placeholder 2"/>
           <p:cNvSpPr>
             <a:spLocks noGrp="1"/>
           </p:cNvSpPr>
@@ -854,18 +761,13 @@
               <a:rPr lang="zh-CN" altLang="en-US"/>
               <a:t>五级</a:t>
             </a:r>
+            <a:endParaRPr lang="en-US" dirty="0"/>
           </a:p>
         </p:txBody>
       </p:sp>
       <p:sp>
         <p:nvSpPr>
-          <p:cNvPr id="4" name="日期占位符 3">
-            <a:extLst>
-              <a:ext uri="{FF2B5EF4-FFF2-40B4-BE49-F238E27FC236}">
-                <a16:creationId xmlns:a16="http://schemas.microsoft.com/office/drawing/2014/main" id="{1FAB8C6E-1B29-2E62-1D97-18BBA0C796FD}"/>
-              </a:ext>
-            </a:extLst>
-          </p:cNvPr>
+          <p:cNvPr id="4" name="Date Placeholder 3"/>
           <p:cNvSpPr>
             <a:spLocks noGrp="1"/>
           </p:cNvSpPr>
@@ -880,7 +782,7 @@
           <a:p>
             <a:fld id="{491C741C-B799-49C2-8687-763E5822C94D}" type="datetimeFigureOut">
               <a:rPr lang="zh-CN" altLang="en-US" smtClean="0"/>
-              <a:t>2024/9/30</a:t>
+              <a:t>2024/11/14</a:t>
             </a:fld>
             <a:endParaRPr lang="zh-CN" altLang="en-US"/>
           </a:p>
@@ -888,13 +790,7 @@
       </p:sp>
       <p:sp>
         <p:nvSpPr>
-          <p:cNvPr id="5" name="页脚占位符 4">
-            <a:extLst>
-              <a:ext uri="{FF2B5EF4-FFF2-40B4-BE49-F238E27FC236}">
-                <a16:creationId xmlns:a16="http://schemas.microsoft.com/office/drawing/2014/main" id="{C9E9563C-1A9B-0C47-71BB-9488AB968AD4}"/>
-              </a:ext>
-            </a:extLst>
-          </p:cNvPr>
+          <p:cNvPr id="5" name="Footer Placeholder 4"/>
           <p:cNvSpPr>
             <a:spLocks noGrp="1"/>
           </p:cNvSpPr>
@@ -913,13 +809,7 @@
       </p:sp>
       <p:sp>
         <p:nvSpPr>
-          <p:cNvPr id="6" name="灯片编号占位符 5">
-            <a:extLst>
-              <a:ext uri="{FF2B5EF4-FFF2-40B4-BE49-F238E27FC236}">
-                <a16:creationId xmlns:a16="http://schemas.microsoft.com/office/drawing/2014/main" id="{963E0A05-93AF-8C74-B50F-EB4B47A4DBE1}"/>
-              </a:ext>
-            </a:extLst>
-          </p:cNvPr>
+          <p:cNvPr id="6" name="Slide Number Placeholder 5"/>
           <p:cNvSpPr>
             <a:spLocks noGrp="1"/>
           </p:cNvSpPr>
@@ -943,7 +833,7 @@
     </p:spTree>
     <p:extLst>
       <p:ext uri="{BB962C8B-B14F-4D97-AF65-F5344CB8AC3E}">
-        <p14:creationId xmlns:p14="http://schemas.microsoft.com/office/powerpoint/2010/main" val="3882149003"/>
+        <p14:creationId xmlns:p14="http://schemas.microsoft.com/office/powerpoint/2010/main" val="608173057"/>
       </p:ext>
     </p:extLst>
   </p:cSld>
@@ -972,13 +862,7 @@
       </p:grpSpPr>
       <p:sp>
         <p:nvSpPr>
-          <p:cNvPr id="2" name="标题 1">
-            <a:extLst>
-              <a:ext uri="{FF2B5EF4-FFF2-40B4-BE49-F238E27FC236}">
-                <a16:creationId xmlns:a16="http://schemas.microsoft.com/office/drawing/2014/main" id="{16D36FB8-3330-DBBB-54A4-E2D4B55AA110}"/>
-              </a:ext>
-            </a:extLst>
-          </p:cNvPr>
+          <p:cNvPr id="2" name="Title 1"/>
           <p:cNvSpPr>
             <a:spLocks noGrp="1"/>
           </p:cNvSpPr>
@@ -988,15 +872,15 @@
         </p:nvSpPr>
         <p:spPr>
           <a:xfrm>
-            <a:off x="831850" y="1709738"/>
-            <a:ext cx="10515600" cy="2852737"/>
+            <a:off x="3144025" y="6462178"/>
+            <a:ext cx="39744313" cy="10782289"/>
           </a:xfrm>
         </p:spPr>
         <p:txBody>
           <a:bodyPr anchor="b"/>
           <a:lstStyle>
             <a:lvl1pPr>
-              <a:defRPr sz="6000"/>
+              <a:defRPr sz="22678"/>
             </a:lvl1pPr>
           </a:lstStyle>
           <a:p>
@@ -1004,18 +888,13 @@
               <a:rPr lang="zh-CN" altLang="en-US"/>
               <a:t>单击此处编辑母版标题样式</a:t>
             </a:r>
+            <a:endParaRPr lang="en-US" dirty="0"/>
           </a:p>
         </p:txBody>
       </p:sp>
       <p:sp>
         <p:nvSpPr>
-          <p:cNvPr id="3" name="文本占位符 2">
-            <a:extLst>
-              <a:ext uri="{FF2B5EF4-FFF2-40B4-BE49-F238E27FC236}">
-                <a16:creationId xmlns:a16="http://schemas.microsoft.com/office/drawing/2014/main" id="{FAA67CFA-EC9E-9103-D5D8-1A1F382EA1CC}"/>
-              </a:ext>
-            </a:extLst>
-          </p:cNvPr>
+          <p:cNvPr id="3" name="Text Placeholder 2"/>
           <p:cNvSpPr>
             <a:spLocks noGrp="1"/>
           </p:cNvSpPr>
@@ -1025,8 +904,8 @@
         </p:nvSpPr>
         <p:spPr>
           <a:xfrm>
-            <a:off x="831850" y="4589463"/>
-            <a:ext cx="10515600" cy="1500187"/>
+            <a:off x="3144025" y="17346472"/>
+            <a:ext cx="39744313" cy="5670151"/>
           </a:xfrm>
         </p:spPr>
         <p:txBody>
@@ -1034,7 +913,7 @@
           <a:lstStyle>
             <a:lvl1pPr marL="0" indent="0">
               <a:buNone/>
-              <a:defRPr sz="2400">
+              <a:defRPr sz="9071">
                 <a:solidFill>
                   <a:schemeClr val="tx1">
                     <a:tint val="75000"/>
@@ -1042,9 +921,9 @@
                 </a:solidFill>
               </a:defRPr>
             </a:lvl1pPr>
-            <a:lvl2pPr marL="457200" indent="0">
+            <a:lvl2pPr marL="1728033" indent="0">
               <a:buNone/>
-              <a:defRPr sz="2000">
+              <a:defRPr sz="7559">
                 <a:solidFill>
                   <a:schemeClr val="tx1">
                     <a:tint val="75000"/>
@@ -1052,9 +931,9 @@
                 </a:solidFill>
               </a:defRPr>
             </a:lvl2pPr>
-            <a:lvl3pPr marL="914400" indent="0">
+            <a:lvl3pPr marL="3456066" indent="0">
               <a:buNone/>
-              <a:defRPr sz="1800">
+              <a:defRPr sz="6803">
                 <a:solidFill>
                   <a:schemeClr val="tx1">
                     <a:tint val="75000"/>
@@ -1062,9 +941,9 @@
                 </a:solidFill>
               </a:defRPr>
             </a:lvl3pPr>
-            <a:lvl4pPr marL="1371600" indent="0">
+            <a:lvl4pPr marL="5184099" indent="0">
               <a:buNone/>
-              <a:defRPr sz="1600">
+              <a:defRPr sz="6047">
                 <a:solidFill>
                   <a:schemeClr val="tx1">
                     <a:tint val="75000"/>
@@ -1072,9 +951,9 @@
                 </a:solidFill>
               </a:defRPr>
             </a:lvl4pPr>
-            <a:lvl5pPr marL="1828800" indent="0">
+            <a:lvl5pPr marL="6912132" indent="0">
               <a:buNone/>
-              <a:defRPr sz="1600">
+              <a:defRPr sz="6047">
                 <a:solidFill>
                   <a:schemeClr val="tx1">
                     <a:tint val="75000"/>
@@ -1082,9 +961,9 @@
                 </a:solidFill>
               </a:defRPr>
             </a:lvl5pPr>
-            <a:lvl6pPr marL="2286000" indent="0">
+            <a:lvl6pPr marL="8640166" indent="0">
               <a:buNone/>
-              <a:defRPr sz="1600">
+              <a:defRPr sz="6047">
                 <a:solidFill>
                   <a:schemeClr val="tx1">
                     <a:tint val="75000"/>
@@ -1092,9 +971,9 @@
                 </a:solidFill>
               </a:defRPr>
             </a:lvl6pPr>
-            <a:lvl7pPr marL="2743200" indent="0">
+            <a:lvl7pPr marL="10368199" indent="0">
               <a:buNone/>
-              <a:defRPr sz="1600">
+              <a:defRPr sz="6047">
                 <a:solidFill>
                   <a:schemeClr val="tx1">
                     <a:tint val="75000"/>
@@ -1102,9 +981,9 @@
                 </a:solidFill>
               </a:defRPr>
             </a:lvl7pPr>
-            <a:lvl8pPr marL="3200400" indent="0">
+            <a:lvl8pPr marL="12096232" indent="0">
               <a:buNone/>
-              <a:defRPr sz="1600">
+              <a:defRPr sz="6047">
                 <a:solidFill>
                   <a:schemeClr val="tx1">
                     <a:tint val="75000"/>
@@ -1112,9 +991,9 @@
                 </a:solidFill>
               </a:defRPr>
             </a:lvl8pPr>
-            <a:lvl9pPr marL="3657600" indent="0">
+            <a:lvl9pPr marL="13824265" indent="0">
               <a:buNone/>
-              <a:defRPr sz="1600">
+              <a:defRPr sz="6047">
                 <a:solidFill>
                   <a:schemeClr val="tx1">
                     <a:tint val="75000"/>
@@ -1134,13 +1013,7 @@
       </p:sp>
       <p:sp>
         <p:nvSpPr>
-          <p:cNvPr id="4" name="日期占位符 3">
-            <a:extLst>
-              <a:ext uri="{FF2B5EF4-FFF2-40B4-BE49-F238E27FC236}">
-                <a16:creationId xmlns:a16="http://schemas.microsoft.com/office/drawing/2014/main" id="{7E0B3A9A-ADAA-AA18-11F9-A1A10F5D7E41}"/>
-              </a:ext>
-            </a:extLst>
-          </p:cNvPr>
+          <p:cNvPr id="4" name="Date Placeholder 3"/>
           <p:cNvSpPr>
             <a:spLocks noGrp="1"/>
           </p:cNvSpPr>
@@ -1155,7 +1028,7 @@
           <a:p>
             <a:fld id="{491C741C-B799-49C2-8687-763E5822C94D}" type="datetimeFigureOut">
               <a:rPr lang="zh-CN" altLang="en-US" smtClean="0"/>
-              <a:t>2024/9/30</a:t>
+              <a:t>2024/11/14</a:t>
             </a:fld>
             <a:endParaRPr lang="zh-CN" altLang="en-US"/>
           </a:p>
@@ -1163,13 +1036,7 @@
       </p:sp>
       <p:sp>
         <p:nvSpPr>
-          <p:cNvPr id="5" name="页脚占位符 4">
-            <a:extLst>
-              <a:ext uri="{FF2B5EF4-FFF2-40B4-BE49-F238E27FC236}">
-                <a16:creationId xmlns:a16="http://schemas.microsoft.com/office/drawing/2014/main" id="{08D074C7-1324-0A02-7E5C-EFC3B788BF35}"/>
-              </a:ext>
-            </a:extLst>
-          </p:cNvPr>
+          <p:cNvPr id="5" name="Footer Placeholder 4"/>
           <p:cNvSpPr>
             <a:spLocks noGrp="1"/>
           </p:cNvSpPr>
@@ -1188,13 +1055,7 @@
       </p:sp>
       <p:sp>
         <p:nvSpPr>
-          <p:cNvPr id="6" name="灯片编号占位符 5">
-            <a:extLst>
-              <a:ext uri="{FF2B5EF4-FFF2-40B4-BE49-F238E27FC236}">
-                <a16:creationId xmlns:a16="http://schemas.microsoft.com/office/drawing/2014/main" id="{AD0BF1A5-F034-011E-4878-7A3A5FB03323}"/>
-              </a:ext>
-            </a:extLst>
-          </p:cNvPr>
+          <p:cNvPr id="6" name="Slide Number Placeholder 5"/>
           <p:cNvSpPr>
             <a:spLocks noGrp="1"/>
           </p:cNvSpPr>
@@ -1218,7 +1079,7 @@
     </p:spTree>
     <p:extLst>
       <p:ext uri="{BB962C8B-B14F-4D97-AF65-F5344CB8AC3E}">
-        <p14:creationId xmlns:p14="http://schemas.microsoft.com/office/powerpoint/2010/main" val="408160870"/>
+        <p14:creationId xmlns:p14="http://schemas.microsoft.com/office/powerpoint/2010/main" val="1774945871"/>
       </p:ext>
     </p:extLst>
   </p:cSld>
@@ -1247,13 +1108,7 @@
       </p:grpSpPr>
       <p:sp>
         <p:nvSpPr>
-          <p:cNvPr id="2" name="标题 1">
-            <a:extLst>
-              <a:ext uri="{FF2B5EF4-FFF2-40B4-BE49-F238E27FC236}">
-                <a16:creationId xmlns:a16="http://schemas.microsoft.com/office/drawing/2014/main" id="{6D996963-FD22-3C53-7A75-938A16346BD0}"/>
-              </a:ext>
-            </a:extLst>
-          </p:cNvPr>
+          <p:cNvPr id="2" name="Title 1"/>
           <p:cNvSpPr>
             <a:spLocks noGrp="1"/>
           </p:cNvSpPr>
@@ -1270,18 +1125,13 @@
               <a:rPr lang="zh-CN" altLang="en-US"/>
               <a:t>单击此处编辑母版标题样式</a:t>
             </a:r>
+            <a:endParaRPr lang="en-US" dirty="0"/>
           </a:p>
         </p:txBody>
       </p:sp>
       <p:sp>
         <p:nvSpPr>
-          <p:cNvPr id="3" name="内容占位符 2">
-            <a:extLst>
-              <a:ext uri="{FF2B5EF4-FFF2-40B4-BE49-F238E27FC236}">
-                <a16:creationId xmlns:a16="http://schemas.microsoft.com/office/drawing/2014/main" id="{F90D5031-AA26-3F0B-B5AF-2873B0F258F0}"/>
-              </a:ext>
-            </a:extLst>
-          </p:cNvPr>
+          <p:cNvPr id="3" name="Content Placeholder 2"/>
           <p:cNvSpPr>
             <a:spLocks noGrp="1"/>
           </p:cNvSpPr>
@@ -1291,8 +1141,8 @@
         </p:nvSpPr>
         <p:spPr>
           <a:xfrm>
-            <a:off x="838200" y="1825625"/>
-            <a:ext cx="5181600" cy="4351338"/>
+            <a:off x="3168025" y="6900186"/>
+            <a:ext cx="19584154" cy="16446446"/>
           </a:xfrm>
         </p:spPr>
         <p:txBody>
@@ -1332,18 +1182,13 @@
               <a:rPr lang="zh-CN" altLang="en-US"/>
               <a:t>五级</a:t>
             </a:r>
+            <a:endParaRPr lang="en-US" dirty="0"/>
           </a:p>
         </p:txBody>
       </p:sp>
       <p:sp>
         <p:nvSpPr>
-          <p:cNvPr id="4" name="内容占位符 3">
-            <a:extLst>
-              <a:ext uri="{FF2B5EF4-FFF2-40B4-BE49-F238E27FC236}">
-                <a16:creationId xmlns:a16="http://schemas.microsoft.com/office/drawing/2014/main" id="{9F8C98CB-693C-E6C3-AF7C-792D12F09C98}"/>
-              </a:ext>
-            </a:extLst>
-          </p:cNvPr>
+          <p:cNvPr id="4" name="Content Placeholder 3"/>
           <p:cNvSpPr>
             <a:spLocks noGrp="1"/>
           </p:cNvSpPr>
@@ -1353,8 +1198,8 @@
         </p:nvSpPr>
         <p:spPr>
           <a:xfrm>
-            <a:off x="6172200" y="1825625"/>
-            <a:ext cx="5181600" cy="4351338"/>
+            <a:off x="23328184" y="6900186"/>
+            <a:ext cx="19584154" cy="16446446"/>
           </a:xfrm>
         </p:spPr>
         <p:txBody>
@@ -1394,18 +1239,13 @@
               <a:rPr lang="zh-CN" altLang="en-US"/>
               <a:t>五级</a:t>
             </a:r>
+            <a:endParaRPr lang="en-US" dirty="0"/>
           </a:p>
         </p:txBody>
       </p:sp>
       <p:sp>
         <p:nvSpPr>
-          <p:cNvPr id="5" name="日期占位符 4">
-            <a:extLst>
-              <a:ext uri="{FF2B5EF4-FFF2-40B4-BE49-F238E27FC236}">
-                <a16:creationId xmlns:a16="http://schemas.microsoft.com/office/drawing/2014/main" id="{6DFB2367-C701-3CB2-3E33-DCB0868CE5E7}"/>
-              </a:ext>
-            </a:extLst>
-          </p:cNvPr>
+          <p:cNvPr id="5" name="Date Placeholder 4"/>
           <p:cNvSpPr>
             <a:spLocks noGrp="1"/>
           </p:cNvSpPr>
@@ -1420,7 +1260,7 @@
           <a:p>
             <a:fld id="{491C741C-B799-49C2-8687-763E5822C94D}" type="datetimeFigureOut">
               <a:rPr lang="zh-CN" altLang="en-US" smtClean="0"/>
-              <a:t>2024/9/30</a:t>
+              <a:t>2024/11/14</a:t>
             </a:fld>
             <a:endParaRPr lang="zh-CN" altLang="en-US"/>
           </a:p>
@@ -1428,13 +1268,7 @@
       </p:sp>
       <p:sp>
         <p:nvSpPr>
-          <p:cNvPr id="6" name="页脚占位符 5">
-            <a:extLst>
-              <a:ext uri="{FF2B5EF4-FFF2-40B4-BE49-F238E27FC236}">
-                <a16:creationId xmlns:a16="http://schemas.microsoft.com/office/drawing/2014/main" id="{37DEE715-FBE2-6BC1-2375-289BA184A9D1}"/>
-              </a:ext>
-            </a:extLst>
-          </p:cNvPr>
+          <p:cNvPr id="6" name="Footer Placeholder 5"/>
           <p:cNvSpPr>
             <a:spLocks noGrp="1"/>
           </p:cNvSpPr>
@@ -1453,13 +1287,7 @@
       </p:sp>
       <p:sp>
         <p:nvSpPr>
-          <p:cNvPr id="7" name="灯片编号占位符 6">
-            <a:extLst>
-              <a:ext uri="{FF2B5EF4-FFF2-40B4-BE49-F238E27FC236}">
-                <a16:creationId xmlns:a16="http://schemas.microsoft.com/office/drawing/2014/main" id="{909C6B2D-B7DA-5ED8-CC79-E1C3772B7BA1}"/>
-              </a:ext>
-            </a:extLst>
-          </p:cNvPr>
+          <p:cNvPr id="7" name="Slide Number Placeholder 6"/>
           <p:cNvSpPr>
             <a:spLocks noGrp="1"/>
           </p:cNvSpPr>
@@ -1483,7 +1311,7 @@
     </p:spTree>
     <p:extLst>
       <p:ext uri="{BB962C8B-B14F-4D97-AF65-F5344CB8AC3E}">
-        <p14:creationId xmlns:p14="http://schemas.microsoft.com/office/powerpoint/2010/main" val="3582582036"/>
+        <p14:creationId xmlns:p14="http://schemas.microsoft.com/office/powerpoint/2010/main" val="3143995917"/>
       </p:ext>
     </p:extLst>
   </p:cSld>
@@ -1512,13 +1340,7 @@
       </p:grpSpPr>
       <p:sp>
         <p:nvSpPr>
-          <p:cNvPr id="2" name="标题 1">
-            <a:extLst>
-              <a:ext uri="{FF2B5EF4-FFF2-40B4-BE49-F238E27FC236}">
-                <a16:creationId xmlns:a16="http://schemas.microsoft.com/office/drawing/2014/main" id="{F0E34395-2304-3CD4-C68B-11B7E1892D10}"/>
-              </a:ext>
-            </a:extLst>
-          </p:cNvPr>
+          <p:cNvPr id="2" name="Title 1"/>
           <p:cNvSpPr>
             <a:spLocks noGrp="1"/>
           </p:cNvSpPr>
@@ -1528,8 +1350,8 @@
         </p:nvSpPr>
         <p:spPr>
           <a:xfrm>
-            <a:off x="839788" y="365125"/>
-            <a:ext cx="10515600" cy="1325563"/>
+            <a:off x="3174027" y="1380039"/>
+            <a:ext cx="39744313" cy="5010137"/>
           </a:xfrm>
         </p:spPr>
         <p:txBody>
@@ -1540,18 +1362,13 @@
               <a:rPr lang="zh-CN" altLang="en-US"/>
               <a:t>单击此处编辑母版标题样式</a:t>
             </a:r>
+            <a:endParaRPr lang="en-US" dirty="0"/>
           </a:p>
         </p:txBody>
       </p:sp>
       <p:sp>
         <p:nvSpPr>
-          <p:cNvPr id="3" name="文本占位符 2">
-            <a:extLst>
-              <a:ext uri="{FF2B5EF4-FFF2-40B4-BE49-F238E27FC236}">
-                <a16:creationId xmlns:a16="http://schemas.microsoft.com/office/drawing/2014/main" id="{03B117AA-4F28-9106-6F7D-1A8DE5983A3A}"/>
-              </a:ext>
-            </a:extLst>
-          </p:cNvPr>
+          <p:cNvPr id="3" name="Text Placeholder 2"/>
           <p:cNvSpPr>
             <a:spLocks noGrp="1"/>
           </p:cNvSpPr>
@@ -1561,8 +1378,8 @@
         </p:nvSpPr>
         <p:spPr>
           <a:xfrm>
-            <a:off x="839788" y="1681163"/>
-            <a:ext cx="5157787" cy="823912"/>
+            <a:off x="3174029" y="6354174"/>
+            <a:ext cx="19494152" cy="3114082"/>
           </a:xfrm>
         </p:spPr>
         <p:txBody>
@@ -1570,39 +1387,39 @@
           <a:lstStyle>
             <a:lvl1pPr marL="0" indent="0">
               <a:buNone/>
-              <a:defRPr sz="2400" b="1"/>
+              <a:defRPr sz="9071" b="1"/>
             </a:lvl1pPr>
-            <a:lvl2pPr marL="457200" indent="0">
+            <a:lvl2pPr marL="1728033" indent="0">
               <a:buNone/>
-              <a:defRPr sz="2000" b="1"/>
+              <a:defRPr sz="7559" b="1"/>
             </a:lvl2pPr>
-            <a:lvl3pPr marL="914400" indent="0">
+            <a:lvl3pPr marL="3456066" indent="0">
               <a:buNone/>
-              <a:defRPr sz="1800" b="1"/>
+              <a:defRPr sz="6803" b="1"/>
             </a:lvl3pPr>
-            <a:lvl4pPr marL="1371600" indent="0">
+            <a:lvl4pPr marL="5184099" indent="0">
               <a:buNone/>
-              <a:defRPr sz="1600" b="1"/>
+              <a:defRPr sz="6047" b="1"/>
             </a:lvl4pPr>
-            <a:lvl5pPr marL="1828800" indent="0">
+            <a:lvl5pPr marL="6912132" indent="0">
               <a:buNone/>
-              <a:defRPr sz="1600" b="1"/>
+              <a:defRPr sz="6047" b="1"/>
             </a:lvl5pPr>
-            <a:lvl6pPr marL="2286000" indent="0">
+            <a:lvl6pPr marL="8640166" indent="0">
               <a:buNone/>
-              <a:defRPr sz="1600" b="1"/>
+              <a:defRPr sz="6047" b="1"/>
             </a:lvl6pPr>
-            <a:lvl7pPr marL="2743200" indent="0">
+            <a:lvl7pPr marL="10368199" indent="0">
               <a:buNone/>
-              <a:defRPr sz="1600" b="1"/>
+              <a:defRPr sz="6047" b="1"/>
             </a:lvl7pPr>
-            <a:lvl8pPr marL="3200400" indent="0">
+            <a:lvl8pPr marL="12096232" indent="0">
               <a:buNone/>
-              <a:defRPr sz="1600" b="1"/>
+              <a:defRPr sz="6047" b="1"/>
             </a:lvl8pPr>
-            <a:lvl9pPr marL="3657600" indent="0">
+            <a:lvl9pPr marL="13824265" indent="0">
               <a:buNone/>
-              <a:defRPr sz="1600" b="1"/>
+              <a:defRPr sz="6047" b="1"/>
             </a:lvl9pPr>
           </a:lstStyle>
           <a:p>
@@ -1616,13 +1433,7 @@
       </p:sp>
       <p:sp>
         <p:nvSpPr>
-          <p:cNvPr id="4" name="内容占位符 3">
-            <a:extLst>
-              <a:ext uri="{FF2B5EF4-FFF2-40B4-BE49-F238E27FC236}">
-                <a16:creationId xmlns:a16="http://schemas.microsoft.com/office/drawing/2014/main" id="{7A071FD2-446E-AEAC-CB99-AFB8267839C8}"/>
-              </a:ext>
-            </a:extLst>
-          </p:cNvPr>
+          <p:cNvPr id="4" name="Content Placeholder 3"/>
           <p:cNvSpPr>
             <a:spLocks noGrp="1"/>
           </p:cNvSpPr>
@@ -1632,8 +1443,8 @@
         </p:nvSpPr>
         <p:spPr>
           <a:xfrm>
-            <a:off x="839788" y="2505075"/>
-            <a:ext cx="5157787" cy="3684588"/>
+            <a:off x="3174029" y="9468256"/>
+            <a:ext cx="19494152" cy="13926378"/>
           </a:xfrm>
         </p:spPr>
         <p:txBody>
@@ -1673,18 +1484,13 @@
               <a:rPr lang="zh-CN" altLang="en-US"/>
               <a:t>五级</a:t>
             </a:r>
+            <a:endParaRPr lang="en-US" dirty="0"/>
           </a:p>
         </p:txBody>
       </p:sp>
       <p:sp>
         <p:nvSpPr>
-          <p:cNvPr id="5" name="文本占位符 4">
-            <a:extLst>
-              <a:ext uri="{FF2B5EF4-FFF2-40B4-BE49-F238E27FC236}">
-                <a16:creationId xmlns:a16="http://schemas.microsoft.com/office/drawing/2014/main" id="{ABC6FA97-F0E4-307B-78DE-79986DF10BE1}"/>
-              </a:ext>
-            </a:extLst>
-          </p:cNvPr>
+          <p:cNvPr id="5" name="Text Placeholder 4"/>
           <p:cNvSpPr>
             <a:spLocks noGrp="1"/>
           </p:cNvSpPr>
@@ -1694,8 +1500,8 @@
         </p:nvSpPr>
         <p:spPr>
           <a:xfrm>
-            <a:off x="6172200" y="1681163"/>
-            <a:ext cx="5183188" cy="823912"/>
+            <a:off x="23328184" y="6354174"/>
+            <a:ext cx="19590156" cy="3114082"/>
           </a:xfrm>
         </p:spPr>
         <p:txBody>
@@ -1703,39 +1509,39 @@
           <a:lstStyle>
             <a:lvl1pPr marL="0" indent="0">
               <a:buNone/>
-              <a:defRPr sz="2400" b="1"/>
+              <a:defRPr sz="9071" b="1"/>
             </a:lvl1pPr>
-            <a:lvl2pPr marL="457200" indent="0">
+            <a:lvl2pPr marL="1728033" indent="0">
               <a:buNone/>
-              <a:defRPr sz="2000" b="1"/>
+              <a:defRPr sz="7559" b="1"/>
             </a:lvl2pPr>
-            <a:lvl3pPr marL="914400" indent="0">
+            <a:lvl3pPr marL="3456066" indent="0">
               <a:buNone/>
-              <a:defRPr sz="1800" b="1"/>
+              <a:defRPr sz="6803" b="1"/>
             </a:lvl3pPr>
-            <a:lvl4pPr marL="1371600" indent="0">
+            <a:lvl4pPr marL="5184099" indent="0">
               <a:buNone/>
-              <a:defRPr sz="1600" b="1"/>
+              <a:defRPr sz="6047" b="1"/>
             </a:lvl4pPr>
-            <a:lvl5pPr marL="1828800" indent="0">
+            <a:lvl5pPr marL="6912132" indent="0">
               <a:buNone/>
-              <a:defRPr sz="1600" b="1"/>
+              <a:defRPr sz="6047" b="1"/>
             </a:lvl5pPr>
-            <a:lvl6pPr marL="2286000" indent="0">
+            <a:lvl6pPr marL="8640166" indent="0">
               <a:buNone/>
-              <a:defRPr sz="1600" b="1"/>
+              <a:defRPr sz="6047" b="1"/>
             </a:lvl6pPr>
-            <a:lvl7pPr marL="2743200" indent="0">
+            <a:lvl7pPr marL="10368199" indent="0">
               <a:buNone/>
-              <a:defRPr sz="1600" b="1"/>
+              <a:defRPr sz="6047" b="1"/>
             </a:lvl7pPr>
-            <a:lvl8pPr marL="3200400" indent="0">
+            <a:lvl8pPr marL="12096232" indent="0">
               <a:buNone/>
-              <a:defRPr sz="1600" b="1"/>
+              <a:defRPr sz="6047" b="1"/>
             </a:lvl8pPr>
-            <a:lvl9pPr marL="3657600" indent="0">
+            <a:lvl9pPr marL="13824265" indent="0">
               <a:buNone/>
-              <a:defRPr sz="1600" b="1"/>
+              <a:defRPr sz="6047" b="1"/>
             </a:lvl9pPr>
           </a:lstStyle>
           <a:p>
@@ -1749,13 +1555,7 @@
       </p:sp>
       <p:sp>
         <p:nvSpPr>
-          <p:cNvPr id="6" name="内容占位符 5">
-            <a:extLst>
-              <a:ext uri="{FF2B5EF4-FFF2-40B4-BE49-F238E27FC236}">
-                <a16:creationId xmlns:a16="http://schemas.microsoft.com/office/drawing/2014/main" id="{969E9E0C-7103-4C2A-4FAB-1EC1D4009BD7}"/>
-              </a:ext>
-            </a:extLst>
-          </p:cNvPr>
+          <p:cNvPr id="6" name="Content Placeholder 5"/>
           <p:cNvSpPr>
             <a:spLocks noGrp="1"/>
           </p:cNvSpPr>
@@ -1765,8 +1565,8 @@
         </p:nvSpPr>
         <p:spPr>
           <a:xfrm>
-            <a:off x="6172200" y="2505075"/>
-            <a:ext cx="5183188" cy="3684588"/>
+            <a:off x="23328184" y="9468256"/>
+            <a:ext cx="19590156" cy="13926378"/>
           </a:xfrm>
         </p:spPr>
         <p:txBody>
@@ -1806,18 +1606,13 @@
               <a:rPr lang="zh-CN" altLang="en-US"/>
               <a:t>五级</a:t>
             </a:r>
+            <a:endParaRPr lang="en-US" dirty="0"/>
           </a:p>
         </p:txBody>
       </p:sp>
       <p:sp>
         <p:nvSpPr>
-          <p:cNvPr id="7" name="日期占位符 6">
-            <a:extLst>
-              <a:ext uri="{FF2B5EF4-FFF2-40B4-BE49-F238E27FC236}">
-                <a16:creationId xmlns:a16="http://schemas.microsoft.com/office/drawing/2014/main" id="{62B57B08-8737-2229-3569-D374038F339E}"/>
-              </a:ext>
-            </a:extLst>
-          </p:cNvPr>
+          <p:cNvPr id="7" name="Date Placeholder 6"/>
           <p:cNvSpPr>
             <a:spLocks noGrp="1"/>
           </p:cNvSpPr>
@@ -1832,7 +1627,7 @@
           <a:p>
             <a:fld id="{491C741C-B799-49C2-8687-763E5822C94D}" type="datetimeFigureOut">
               <a:rPr lang="zh-CN" altLang="en-US" smtClean="0"/>
-              <a:t>2024/9/30</a:t>
+              <a:t>2024/11/14</a:t>
             </a:fld>
             <a:endParaRPr lang="zh-CN" altLang="en-US"/>
           </a:p>
@@ -1840,13 +1635,7 @@
       </p:sp>
       <p:sp>
         <p:nvSpPr>
-          <p:cNvPr id="8" name="页脚占位符 7">
-            <a:extLst>
-              <a:ext uri="{FF2B5EF4-FFF2-40B4-BE49-F238E27FC236}">
-                <a16:creationId xmlns:a16="http://schemas.microsoft.com/office/drawing/2014/main" id="{3525CBA0-6B8B-32A0-BD84-33914B90D84E}"/>
-              </a:ext>
-            </a:extLst>
-          </p:cNvPr>
+          <p:cNvPr id="8" name="Footer Placeholder 7"/>
           <p:cNvSpPr>
             <a:spLocks noGrp="1"/>
           </p:cNvSpPr>
@@ -1865,13 +1654,7 @@
       </p:sp>
       <p:sp>
         <p:nvSpPr>
-          <p:cNvPr id="9" name="灯片编号占位符 8">
-            <a:extLst>
-              <a:ext uri="{FF2B5EF4-FFF2-40B4-BE49-F238E27FC236}">
-                <a16:creationId xmlns:a16="http://schemas.microsoft.com/office/drawing/2014/main" id="{901875A5-0DD0-1A4F-EBC7-C7E315467E8F}"/>
-              </a:ext>
-            </a:extLst>
-          </p:cNvPr>
+          <p:cNvPr id="9" name="Slide Number Placeholder 8"/>
           <p:cNvSpPr>
             <a:spLocks noGrp="1"/>
           </p:cNvSpPr>
@@ -1895,7 +1678,7 @@
     </p:spTree>
     <p:extLst>
       <p:ext uri="{BB962C8B-B14F-4D97-AF65-F5344CB8AC3E}">
-        <p14:creationId xmlns:p14="http://schemas.microsoft.com/office/powerpoint/2010/main" val="2396350930"/>
+        <p14:creationId xmlns:p14="http://schemas.microsoft.com/office/powerpoint/2010/main" val="2251033548"/>
       </p:ext>
     </p:extLst>
   </p:cSld>
@@ -1924,13 +1707,7 @@
       </p:grpSpPr>
       <p:sp>
         <p:nvSpPr>
-          <p:cNvPr id="2" name="标题 1">
-            <a:extLst>
-              <a:ext uri="{FF2B5EF4-FFF2-40B4-BE49-F238E27FC236}">
-                <a16:creationId xmlns:a16="http://schemas.microsoft.com/office/drawing/2014/main" id="{286F185D-F30B-A5A3-809A-41CA1CF61A27}"/>
-              </a:ext>
-            </a:extLst>
-          </p:cNvPr>
+          <p:cNvPr id="2" name="Title 1"/>
           <p:cNvSpPr>
             <a:spLocks noGrp="1"/>
           </p:cNvSpPr>
@@ -1947,18 +1724,13 @@
               <a:rPr lang="zh-CN" altLang="en-US"/>
               <a:t>单击此处编辑母版标题样式</a:t>
             </a:r>
+            <a:endParaRPr lang="en-US" dirty="0"/>
           </a:p>
         </p:txBody>
       </p:sp>
       <p:sp>
         <p:nvSpPr>
-          <p:cNvPr id="3" name="日期占位符 2">
-            <a:extLst>
-              <a:ext uri="{FF2B5EF4-FFF2-40B4-BE49-F238E27FC236}">
-                <a16:creationId xmlns:a16="http://schemas.microsoft.com/office/drawing/2014/main" id="{757AB794-9D48-2FCD-4C33-85A39499F7D7}"/>
-              </a:ext>
-            </a:extLst>
-          </p:cNvPr>
+          <p:cNvPr id="3" name="Date Placeholder 2"/>
           <p:cNvSpPr>
             <a:spLocks noGrp="1"/>
           </p:cNvSpPr>
@@ -1973,7 +1745,7 @@
           <a:p>
             <a:fld id="{491C741C-B799-49C2-8687-763E5822C94D}" type="datetimeFigureOut">
               <a:rPr lang="zh-CN" altLang="en-US" smtClean="0"/>
-              <a:t>2024/9/30</a:t>
+              <a:t>2024/11/14</a:t>
             </a:fld>
             <a:endParaRPr lang="zh-CN" altLang="en-US"/>
           </a:p>
@@ -1981,13 +1753,7 @@
       </p:sp>
       <p:sp>
         <p:nvSpPr>
-          <p:cNvPr id="4" name="页脚占位符 3">
-            <a:extLst>
-              <a:ext uri="{FF2B5EF4-FFF2-40B4-BE49-F238E27FC236}">
-                <a16:creationId xmlns:a16="http://schemas.microsoft.com/office/drawing/2014/main" id="{521D5CEE-8127-C56E-C5FD-45724DB2D23D}"/>
-              </a:ext>
-            </a:extLst>
-          </p:cNvPr>
+          <p:cNvPr id="4" name="Footer Placeholder 3"/>
           <p:cNvSpPr>
             <a:spLocks noGrp="1"/>
           </p:cNvSpPr>
@@ -2006,13 +1772,7 @@
       </p:sp>
       <p:sp>
         <p:nvSpPr>
-          <p:cNvPr id="5" name="灯片编号占位符 4">
-            <a:extLst>
-              <a:ext uri="{FF2B5EF4-FFF2-40B4-BE49-F238E27FC236}">
-                <a16:creationId xmlns:a16="http://schemas.microsoft.com/office/drawing/2014/main" id="{D12B362A-D04C-55A7-3A83-E778B3EA3CE6}"/>
-              </a:ext>
-            </a:extLst>
-          </p:cNvPr>
+          <p:cNvPr id="5" name="Slide Number Placeholder 4"/>
           <p:cNvSpPr>
             <a:spLocks noGrp="1"/>
           </p:cNvSpPr>
@@ -2036,7 +1796,7 @@
     </p:spTree>
     <p:extLst>
       <p:ext uri="{BB962C8B-B14F-4D97-AF65-F5344CB8AC3E}">
-        <p14:creationId xmlns:p14="http://schemas.microsoft.com/office/powerpoint/2010/main" val="1313244232"/>
+        <p14:creationId xmlns:p14="http://schemas.microsoft.com/office/powerpoint/2010/main" val="739596395"/>
       </p:ext>
     </p:extLst>
   </p:cSld>
@@ -2065,13 +1825,7 @@
       </p:grpSpPr>
       <p:sp>
         <p:nvSpPr>
-          <p:cNvPr id="2" name="日期占位符 1">
-            <a:extLst>
-              <a:ext uri="{FF2B5EF4-FFF2-40B4-BE49-F238E27FC236}">
-                <a16:creationId xmlns:a16="http://schemas.microsoft.com/office/drawing/2014/main" id="{C3F8A49E-EAF1-9927-95A2-61148443FD3F}"/>
-              </a:ext>
-            </a:extLst>
-          </p:cNvPr>
+          <p:cNvPr id="2" name="Date Placeholder 1"/>
           <p:cNvSpPr>
             <a:spLocks noGrp="1"/>
           </p:cNvSpPr>
@@ -2086,7 +1840,7 @@
           <a:p>
             <a:fld id="{491C741C-B799-49C2-8687-763E5822C94D}" type="datetimeFigureOut">
               <a:rPr lang="zh-CN" altLang="en-US" smtClean="0"/>
-              <a:t>2024/9/30</a:t>
+              <a:t>2024/11/14</a:t>
             </a:fld>
             <a:endParaRPr lang="zh-CN" altLang="en-US"/>
           </a:p>
@@ -2094,13 +1848,7 @@
       </p:sp>
       <p:sp>
         <p:nvSpPr>
-          <p:cNvPr id="3" name="页脚占位符 2">
-            <a:extLst>
-              <a:ext uri="{FF2B5EF4-FFF2-40B4-BE49-F238E27FC236}">
-                <a16:creationId xmlns:a16="http://schemas.microsoft.com/office/drawing/2014/main" id="{8B4041B4-0E1B-E484-3F6D-E8FA541E5DB9}"/>
-              </a:ext>
-            </a:extLst>
-          </p:cNvPr>
+          <p:cNvPr id="3" name="Footer Placeholder 2"/>
           <p:cNvSpPr>
             <a:spLocks noGrp="1"/>
           </p:cNvSpPr>
@@ -2119,13 +1867,7 @@
       </p:sp>
       <p:sp>
         <p:nvSpPr>
-          <p:cNvPr id="4" name="灯片编号占位符 3">
-            <a:extLst>
-              <a:ext uri="{FF2B5EF4-FFF2-40B4-BE49-F238E27FC236}">
-                <a16:creationId xmlns:a16="http://schemas.microsoft.com/office/drawing/2014/main" id="{BE32360C-E14B-12E1-41AB-FD2470D766FE}"/>
-              </a:ext>
-            </a:extLst>
-          </p:cNvPr>
+          <p:cNvPr id="4" name="Slide Number Placeholder 3"/>
           <p:cNvSpPr>
             <a:spLocks noGrp="1"/>
           </p:cNvSpPr>
@@ -2149,7 +1891,7 @@
     </p:spTree>
     <p:extLst>
       <p:ext uri="{BB962C8B-B14F-4D97-AF65-F5344CB8AC3E}">
-        <p14:creationId xmlns:p14="http://schemas.microsoft.com/office/powerpoint/2010/main" val="451470928"/>
+        <p14:creationId xmlns:p14="http://schemas.microsoft.com/office/powerpoint/2010/main" val="2370926627"/>
       </p:ext>
     </p:extLst>
   </p:cSld>
@@ -2178,13 +1920,7 @@
       </p:grpSpPr>
       <p:sp>
         <p:nvSpPr>
-          <p:cNvPr id="2" name="标题 1">
-            <a:extLst>
-              <a:ext uri="{FF2B5EF4-FFF2-40B4-BE49-F238E27FC236}">
-                <a16:creationId xmlns:a16="http://schemas.microsoft.com/office/drawing/2014/main" id="{748B573F-5210-D8CD-5A5F-37938E31A615}"/>
-              </a:ext>
-            </a:extLst>
-          </p:cNvPr>
+          <p:cNvPr id="2" name="Title 1"/>
           <p:cNvSpPr>
             <a:spLocks noGrp="1"/>
           </p:cNvSpPr>
@@ -2194,15 +1930,15 @@
         </p:nvSpPr>
         <p:spPr>
           <a:xfrm>
-            <a:off x="839788" y="457200"/>
-            <a:ext cx="3932237" cy="1600200"/>
+            <a:off x="3174029" y="1728047"/>
+            <a:ext cx="14862115" cy="6048163"/>
           </a:xfrm>
         </p:spPr>
         <p:txBody>
           <a:bodyPr anchor="b"/>
           <a:lstStyle>
             <a:lvl1pPr>
-              <a:defRPr sz="3200"/>
+              <a:defRPr sz="12095"/>
             </a:lvl1pPr>
           </a:lstStyle>
           <a:p>
@@ -2210,18 +1946,13 @@
               <a:rPr lang="zh-CN" altLang="en-US"/>
               <a:t>单击此处编辑母版标题样式</a:t>
             </a:r>
+            <a:endParaRPr lang="en-US" dirty="0"/>
           </a:p>
         </p:txBody>
       </p:sp>
       <p:sp>
         <p:nvSpPr>
-          <p:cNvPr id="3" name="内容占位符 2">
-            <a:extLst>
-              <a:ext uri="{FF2B5EF4-FFF2-40B4-BE49-F238E27FC236}">
-                <a16:creationId xmlns:a16="http://schemas.microsoft.com/office/drawing/2014/main" id="{FAD48D23-F1F3-C1DA-8613-61A5822C22E5}"/>
-              </a:ext>
-            </a:extLst>
-          </p:cNvPr>
+          <p:cNvPr id="3" name="Content Placeholder 2"/>
           <p:cNvSpPr>
             <a:spLocks noGrp="1"/>
           </p:cNvSpPr>
@@ -2231,39 +1962,39 @@
         </p:nvSpPr>
         <p:spPr>
           <a:xfrm>
-            <a:off x="5183188" y="987425"/>
-            <a:ext cx="6172200" cy="4873625"/>
+            <a:off x="19590156" y="3732103"/>
+            <a:ext cx="23328184" cy="18420497"/>
           </a:xfrm>
         </p:spPr>
         <p:txBody>
           <a:bodyPr/>
           <a:lstStyle>
             <a:lvl1pPr>
-              <a:defRPr sz="3200"/>
+              <a:defRPr sz="12095"/>
             </a:lvl1pPr>
             <a:lvl2pPr>
-              <a:defRPr sz="2800"/>
+              <a:defRPr sz="10583"/>
             </a:lvl2pPr>
             <a:lvl3pPr>
-              <a:defRPr sz="2400"/>
+              <a:defRPr sz="9071"/>
             </a:lvl3pPr>
             <a:lvl4pPr>
-              <a:defRPr sz="2000"/>
+              <a:defRPr sz="7559"/>
             </a:lvl4pPr>
             <a:lvl5pPr>
-              <a:defRPr sz="2000"/>
+              <a:defRPr sz="7559"/>
             </a:lvl5pPr>
             <a:lvl6pPr>
-              <a:defRPr sz="2000"/>
+              <a:defRPr sz="7559"/>
             </a:lvl6pPr>
             <a:lvl7pPr>
-              <a:defRPr sz="2000"/>
+              <a:defRPr sz="7559"/>
             </a:lvl7pPr>
             <a:lvl8pPr>
-              <a:defRPr sz="2000"/>
+              <a:defRPr sz="7559"/>
             </a:lvl8pPr>
             <a:lvl9pPr>
-              <a:defRPr sz="2000"/>
+              <a:defRPr sz="7559"/>
             </a:lvl9pPr>
           </a:lstStyle>
           <a:p>
@@ -2300,18 +2031,13 @@
               <a:rPr lang="zh-CN" altLang="en-US"/>
               <a:t>五级</a:t>
             </a:r>
+            <a:endParaRPr lang="en-US" dirty="0"/>
           </a:p>
         </p:txBody>
       </p:sp>
       <p:sp>
         <p:nvSpPr>
-          <p:cNvPr id="4" name="文本占位符 3">
-            <a:extLst>
-              <a:ext uri="{FF2B5EF4-FFF2-40B4-BE49-F238E27FC236}">
-                <a16:creationId xmlns:a16="http://schemas.microsoft.com/office/drawing/2014/main" id="{570BB6F8-0AF6-700C-C0A4-90D7C7D2C262}"/>
-              </a:ext>
-            </a:extLst>
-          </p:cNvPr>
+          <p:cNvPr id="4" name="Text Placeholder 3"/>
           <p:cNvSpPr>
             <a:spLocks noGrp="1"/>
           </p:cNvSpPr>
@@ -2321,8 +2047,8 @@
         </p:nvSpPr>
         <p:spPr>
           <a:xfrm>
-            <a:off x="839788" y="2057400"/>
-            <a:ext cx="3932237" cy="3811588"/>
+            <a:off x="3174029" y="7776210"/>
+            <a:ext cx="14862115" cy="14406391"/>
           </a:xfrm>
         </p:spPr>
         <p:txBody>
@@ -2330,39 +2056,39 @@
           <a:lstStyle>
             <a:lvl1pPr marL="0" indent="0">
               <a:buNone/>
-              <a:defRPr sz="1600"/>
+              <a:defRPr sz="6047"/>
             </a:lvl1pPr>
-            <a:lvl2pPr marL="457200" indent="0">
+            <a:lvl2pPr marL="1728033" indent="0">
               <a:buNone/>
-              <a:defRPr sz="1400"/>
+              <a:defRPr sz="5291"/>
             </a:lvl2pPr>
-            <a:lvl3pPr marL="914400" indent="0">
+            <a:lvl3pPr marL="3456066" indent="0">
               <a:buNone/>
-              <a:defRPr sz="1200"/>
+              <a:defRPr sz="4536"/>
             </a:lvl3pPr>
-            <a:lvl4pPr marL="1371600" indent="0">
+            <a:lvl4pPr marL="5184099" indent="0">
               <a:buNone/>
-              <a:defRPr sz="1000"/>
+              <a:defRPr sz="3780"/>
             </a:lvl4pPr>
-            <a:lvl5pPr marL="1828800" indent="0">
+            <a:lvl5pPr marL="6912132" indent="0">
               <a:buNone/>
-              <a:defRPr sz="1000"/>
+              <a:defRPr sz="3780"/>
             </a:lvl5pPr>
-            <a:lvl6pPr marL="2286000" indent="0">
+            <a:lvl6pPr marL="8640166" indent="0">
               <a:buNone/>
-              <a:defRPr sz="1000"/>
+              <a:defRPr sz="3780"/>
             </a:lvl6pPr>
-            <a:lvl7pPr marL="2743200" indent="0">
+            <a:lvl7pPr marL="10368199" indent="0">
               <a:buNone/>
-              <a:defRPr sz="1000"/>
+              <a:defRPr sz="3780"/>
             </a:lvl7pPr>
-            <a:lvl8pPr marL="3200400" indent="0">
+            <a:lvl8pPr marL="12096232" indent="0">
               <a:buNone/>
-              <a:defRPr sz="1000"/>
+              <a:defRPr sz="3780"/>
             </a:lvl8pPr>
-            <a:lvl9pPr marL="3657600" indent="0">
+            <a:lvl9pPr marL="13824265" indent="0">
               <a:buNone/>
-              <a:defRPr sz="1000"/>
+              <a:defRPr sz="3780"/>
             </a:lvl9pPr>
           </a:lstStyle>
           <a:p>
@@ -2376,13 +2102,7 @@
       </p:sp>
       <p:sp>
         <p:nvSpPr>
-          <p:cNvPr id="5" name="日期占位符 4">
-            <a:extLst>
-              <a:ext uri="{FF2B5EF4-FFF2-40B4-BE49-F238E27FC236}">
-                <a16:creationId xmlns:a16="http://schemas.microsoft.com/office/drawing/2014/main" id="{FD6A2077-A469-9885-985D-6F015E78DFEA}"/>
-              </a:ext>
-            </a:extLst>
-          </p:cNvPr>
+          <p:cNvPr id="5" name="Date Placeholder 4"/>
           <p:cNvSpPr>
             <a:spLocks noGrp="1"/>
           </p:cNvSpPr>
@@ -2397,7 +2117,7 @@
           <a:p>
             <a:fld id="{491C741C-B799-49C2-8687-763E5822C94D}" type="datetimeFigureOut">
               <a:rPr lang="zh-CN" altLang="en-US" smtClean="0"/>
-              <a:t>2024/9/30</a:t>
+              <a:t>2024/11/14</a:t>
             </a:fld>
             <a:endParaRPr lang="zh-CN" altLang="en-US"/>
           </a:p>
@@ -2405,13 +2125,7 @@
       </p:sp>
       <p:sp>
         <p:nvSpPr>
-          <p:cNvPr id="6" name="页脚占位符 5">
-            <a:extLst>
-              <a:ext uri="{FF2B5EF4-FFF2-40B4-BE49-F238E27FC236}">
-                <a16:creationId xmlns:a16="http://schemas.microsoft.com/office/drawing/2014/main" id="{F380CF76-5163-09D7-7FE8-E5CC945537BB}"/>
-              </a:ext>
-            </a:extLst>
-          </p:cNvPr>
+          <p:cNvPr id="6" name="Footer Placeholder 5"/>
           <p:cNvSpPr>
             <a:spLocks noGrp="1"/>
           </p:cNvSpPr>
@@ -2430,13 +2144,7 @@
       </p:sp>
       <p:sp>
         <p:nvSpPr>
-          <p:cNvPr id="7" name="灯片编号占位符 6">
-            <a:extLst>
-              <a:ext uri="{FF2B5EF4-FFF2-40B4-BE49-F238E27FC236}">
-                <a16:creationId xmlns:a16="http://schemas.microsoft.com/office/drawing/2014/main" id="{78190B50-4D28-E6A3-FCCD-ECF3C906D384}"/>
-              </a:ext>
-            </a:extLst>
-          </p:cNvPr>
+          <p:cNvPr id="7" name="Slide Number Placeholder 6"/>
           <p:cNvSpPr>
             <a:spLocks noGrp="1"/>
           </p:cNvSpPr>
@@ -2460,7 +2168,7 @@
     </p:spTree>
     <p:extLst>
       <p:ext uri="{BB962C8B-B14F-4D97-AF65-F5344CB8AC3E}">
-        <p14:creationId xmlns:p14="http://schemas.microsoft.com/office/powerpoint/2010/main" val="3391038783"/>
+        <p14:creationId xmlns:p14="http://schemas.microsoft.com/office/powerpoint/2010/main" val="772302827"/>
       </p:ext>
     </p:extLst>
   </p:cSld>
@@ -2489,13 +2197,7 @@
       </p:grpSpPr>
       <p:sp>
         <p:nvSpPr>
-          <p:cNvPr id="2" name="标题 1">
-            <a:extLst>
-              <a:ext uri="{FF2B5EF4-FFF2-40B4-BE49-F238E27FC236}">
-                <a16:creationId xmlns:a16="http://schemas.microsoft.com/office/drawing/2014/main" id="{2982D1FA-8932-5EFD-AC64-77AF0C2FC448}"/>
-              </a:ext>
-            </a:extLst>
-          </p:cNvPr>
+          <p:cNvPr id="2" name="Title 1"/>
           <p:cNvSpPr>
             <a:spLocks noGrp="1"/>
           </p:cNvSpPr>
@@ -2505,15 +2207,15 @@
         </p:nvSpPr>
         <p:spPr>
           <a:xfrm>
-            <a:off x="839788" y="457200"/>
-            <a:ext cx="3932237" cy="1600200"/>
+            <a:off x="3174029" y="1728047"/>
+            <a:ext cx="14862115" cy="6048163"/>
           </a:xfrm>
         </p:spPr>
         <p:txBody>
           <a:bodyPr anchor="b"/>
           <a:lstStyle>
             <a:lvl1pPr>
-              <a:defRPr sz="3200"/>
+              <a:defRPr sz="12095"/>
             </a:lvl1pPr>
           </a:lstStyle>
           <a:p>
@@ -2521,20 +2223,15 @@
               <a:rPr lang="zh-CN" altLang="en-US"/>
               <a:t>单击此处编辑母版标题样式</a:t>
             </a:r>
+            <a:endParaRPr lang="en-US" dirty="0"/>
           </a:p>
         </p:txBody>
       </p:sp>
       <p:sp>
         <p:nvSpPr>
-          <p:cNvPr id="3" name="图片占位符 2">
-            <a:extLst>
-              <a:ext uri="{FF2B5EF4-FFF2-40B4-BE49-F238E27FC236}">
-                <a16:creationId xmlns:a16="http://schemas.microsoft.com/office/drawing/2014/main" id="{87CF705E-FEF6-8DB0-4798-12E74D628945}"/>
-              </a:ext>
-            </a:extLst>
-          </p:cNvPr>
+          <p:cNvPr id="3" name="Picture Placeholder 2"/>
           <p:cNvSpPr>
-            <a:spLocks noGrp="1"/>
+            <a:spLocks noGrp="1" noChangeAspect="1"/>
           </p:cNvSpPr>
           <p:nvPr>
             <p:ph type="pic" idx="1"/>
@@ -2542,64 +2239,62 @@
         </p:nvSpPr>
         <p:spPr>
           <a:xfrm>
-            <a:off x="5183188" y="987425"/>
-            <a:ext cx="6172200" cy="4873625"/>
+            <a:off x="19590156" y="3732103"/>
+            <a:ext cx="23328184" cy="18420497"/>
           </a:xfrm>
         </p:spPr>
         <p:txBody>
-          <a:bodyPr/>
+          <a:bodyPr anchor="t"/>
           <a:lstStyle>
             <a:lvl1pPr marL="0" indent="0">
               <a:buNone/>
-              <a:defRPr sz="3200"/>
+              <a:defRPr sz="12095"/>
             </a:lvl1pPr>
-            <a:lvl2pPr marL="457200" indent="0">
+            <a:lvl2pPr marL="1728033" indent="0">
               <a:buNone/>
-              <a:defRPr sz="2800"/>
+              <a:defRPr sz="10583"/>
             </a:lvl2pPr>
-            <a:lvl3pPr marL="914400" indent="0">
+            <a:lvl3pPr marL="3456066" indent="0">
               <a:buNone/>
-              <a:defRPr sz="2400"/>
+              <a:defRPr sz="9071"/>
             </a:lvl3pPr>
-            <a:lvl4pPr marL="1371600" indent="0">
+            <a:lvl4pPr marL="5184099" indent="0">
               <a:buNone/>
-              <a:defRPr sz="2000"/>
+              <a:defRPr sz="7559"/>
             </a:lvl4pPr>
-            <a:lvl5pPr marL="1828800" indent="0">
+            <a:lvl5pPr marL="6912132" indent="0">
               <a:buNone/>
-              <a:defRPr sz="2000"/>
+              <a:defRPr sz="7559"/>
             </a:lvl5pPr>
-            <a:lvl6pPr marL="2286000" indent="0">
+            <a:lvl6pPr marL="8640166" indent="0">
               <a:buNone/>
-              <a:defRPr sz="2000"/>
+              <a:defRPr sz="7559"/>
             </a:lvl6pPr>
-            <a:lvl7pPr marL="2743200" indent="0">
+            <a:lvl7pPr marL="10368199" indent="0">
               <a:buNone/>
-              <a:defRPr sz="2000"/>
+              <a:defRPr sz="7559"/>
             </a:lvl7pPr>
-            <a:lvl8pPr marL="3200400" indent="0">
+            <a:lvl8pPr marL="12096232" indent="0">
               <a:buNone/>
-              <a:defRPr sz="2000"/>
+              <a:defRPr sz="7559"/>
             </a:lvl8pPr>
-            <a:lvl9pPr marL="3657600" indent="0">
+            <a:lvl9pPr marL="13824265" indent="0">
               <a:buNone/>
-              <a:defRPr sz="2000"/>
+              <a:defRPr sz="7559"/>
             </a:lvl9pPr>
           </a:lstStyle>
           <a:p>
-            <a:endParaRPr lang="zh-CN" altLang="en-US"/>
+            <a:r>
+              <a:rPr lang="zh-CN" altLang="en-US"/>
+              <a:t>单击图标添加图片</a:t>
+            </a:r>
+            <a:endParaRPr lang="en-US" dirty="0"/>
           </a:p>
         </p:txBody>
       </p:sp>
       <p:sp>
         <p:nvSpPr>
-          <p:cNvPr id="4" name="文本占位符 3">
-            <a:extLst>
-              <a:ext uri="{FF2B5EF4-FFF2-40B4-BE49-F238E27FC236}">
-                <a16:creationId xmlns:a16="http://schemas.microsoft.com/office/drawing/2014/main" id="{D2444C7D-D333-8CAF-6346-D0D8998602D4}"/>
-              </a:ext>
-            </a:extLst>
-          </p:cNvPr>
+          <p:cNvPr id="4" name="Text Placeholder 3"/>
           <p:cNvSpPr>
             <a:spLocks noGrp="1"/>
           </p:cNvSpPr>
@@ -2609,8 +2304,8 @@
         </p:nvSpPr>
         <p:spPr>
           <a:xfrm>
-            <a:off x="839788" y="2057400"/>
-            <a:ext cx="3932237" cy="3811588"/>
+            <a:off x="3174029" y="7776210"/>
+            <a:ext cx="14862115" cy="14406391"/>
           </a:xfrm>
         </p:spPr>
         <p:txBody>
@@ -2618,39 +2313,39 @@
           <a:lstStyle>
             <a:lvl1pPr marL="0" indent="0">
               <a:buNone/>
-              <a:defRPr sz="1600"/>
+              <a:defRPr sz="6047"/>
             </a:lvl1pPr>
-            <a:lvl2pPr marL="457200" indent="0">
+            <a:lvl2pPr marL="1728033" indent="0">
               <a:buNone/>
-              <a:defRPr sz="1400"/>
+              <a:defRPr sz="5291"/>
             </a:lvl2pPr>
-            <a:lvl3pPr marL="914400" indent="0">
+            <a:lvl3pPr marL="3456066" indent="0">
               <a:buNone/>
-              <a:defRPr sz="1200"/>
+              <a:defRPr sz="4536"/>
             </a:lvl3pPr>
-            <a:lvl4pPr marL="1371600" indent="0">
+            <a:lvl4pPr marL="5184099" indent="0">
               <a:buNone/>
-              <a:defRPr sz="1000"/>
+              <a:defRPr sz="3780"/>
             </a:lvl4pPr>
-            <a:lvl5pPr marL="1828800" indent="0">
+            <a:lvl5pPr marL="6912132" indent="0">
               <a:buNone/>
-              <a:defRPr sz="1000"/>
+              <a:defRPr sz="3780"/>
             </a:lvl5pPr>
-            <a:lvl6pPr marL="2286000" indent="0">
+            <a:lvl6pPr marL="8640166" indent="0">
               <a:buNone/>
-              <a:defRPr sz="1000"/>
+              <a:defRPr sz="3780"/>
             </a:lvl6pPr>
-            <a:lvl7pPr marL="2743200" indent="0">
+            <a:lvl7pPr marL="10368199" indent="0">
               <a:buNone/>
-              <a:defRPr sz="1000"/>
+              <a:defRPr sz="3780"/>
             </a:lvl7pPr>
-            <a:lvl8pPr marL="3200400" indent="0">
+            <a:lvl8pPr marL="12096232" indent="0">
               <a:buNone/>
-              <a:defRPr sz="1000"/>
+              <a:defRPr sz="3780"/>
             </a:lvl8pPr>
-            <a:lvl9pPr marL="3657600" indent="0">
+            <a:lvl9pPr marL="13824265" indent="0">
               <a:buNone/>
-              <a:defRPr sz="1000"/>
+              <a:defRPr sz="3780"/>
             </a:lvl9pPr>
           </a:lstStyle>
           <a:p>
@@ -2664,13 +2359,7 @@
       </p:sp>
       <p:sp>
         <p:nvSpPr>
-          <p:cNvPr id="5" name="日期占位符 4">
-            <a:extLst>
-              <a:ext uri="{FF2B5EF4-FFF2-40B4-BE49-F238E27FC236}">
-                <a16:creationId xmlns:a16="http://schemas.microsoft.com/office/drawing/2014/main" id="{0023704A-F285-604C-18EC-69BCEC55E507}"/>
-              </a:ext>
-            </a:extLst>
-          </p:cNvPr>
+          <p:cNvPr id="5" name="Date Placeholder 4"/>
           <p:cNvSpPr>
             <a:spLocks noGrp="1"/>
           </p:cNvSpPr>
@@ -2685,7 +2374,7 @@
           <a:p>
             <a:fld id="{491C741C-B799-49C2-8687-763E5822C94D}" type="datetimeFigureOut">
               <a:rPr lang="zh-CN" altLang="en-US" smtClean="0"/>
-              <a:t>2024/9/30</a:t>
+              <a:t>2024/11/14</a:t>
             </a:fld>
             <a:endParaRPr lang="zh-CN" altLang="en-US"/>
           </a:p>
@@ -2693,13 +2382,7 @@
       </p:sp>
       <p:sp>
         <p:nvSpPr>
-          <p:cNvPr id="6" name="页脚占位符 5">
-            <a:extLst>
-              <a:ext uri="{FF2B5EF4-FFF2-40B4-BE49-F238E27FC236}">
-                <a16:creationId xmlns:a16="http://schemas.microsoft.com/office/drawing/2014/main" id="{054ECE96-04A1-75B8-19FB-96846E1A831E}"/>
-              </a:ext>
-            </a:extLst>
-          </p:cNvPr>
+          <p:cNvPr id="6" name="Footer Placeholder 5"/>
           <p:cNvSpPr>
             <a:spLocks noGrp="1"/>
           </p:cNvSpPr>
@@ -2718,13 +2401,7 @@
       </p:sp>
       <p:sp>
         <p:nvSpPr>
-          <p:cNvPr id="7" name="灯片编号占位符 6">
-            <a:extLst>
-              <a:ext uri="{FF2B5EF4-FFF2-40B4-BE49-F238E27FC236}">
-                <a16:creationId xmlns:a16="http://schemas.microsoft.com/office/drawing/2014/main" id="{36613B46-8568-0674-8B50-0D3C5C7D0E91}"/>
-              </a:ext>
-            </a:extLst>
-          </p:cNvPr>
+          <p:cNvPr id="7" name="Slide Number Placeholder 6"/>
           <p:cNvSpPr>
             <a:spLocks noGrp="1"/>
           </p:cNvSpPr>
@@ -2748,7 +2425,7 @@
     </p:spTree>
     <p:extLst>
       <p:ext uri="{BB962C8B-B14F-4D97-AF65-F5344CB8AC3E}">
-        <p14:creationId xmlns:p14="http://schemas.microsoft.com/office/powerpoint/2010/main" val="923519115"/>
+        <p14:creationId xmlns:p14="http://schemas.microsoft.com/office/powerpoint/2010/main" val="1610924071"/>
       </p:ext>
     </p:extLst>
   </p:cSld>
@@ -2782,13 +2459,7 @@
       </p:grpSpPr>
       <p:sp>
         <p:nvSpPr>
-          <p:cNvPr id="2" name="标题占位符 1">
-            <a:extLst>
-              <a:ext uri="{FF2B5EF4-FFF2-40B4-BE49-F238E27FC236}">
-                <a16:creationId xmlns:a16="http://schemas.microsoft.com/office/drawing/2014/main" id="{4B29250D-24C8-50B5-8486-147D8A271427}"/>
-              </a:ext>
-            </a:extLst>
-          </p:cNvPr>
+          <p:cNvPr id="2" name="Title Placeholder 1"/>
           <p:cNvSpPr>
             <a:spLocks noGrp="1"/>
           </p:cNvSpPr>
@@ -2798,8 +2469,8 @@
         </p:nvSpPr>
         <p:spPr>
           <a:xfrm>
-            <a:off x="838200" y="365125"/>
-            <a:ext cx="10515600" cy="1325563"/>
+            <a:off x="3168025" y="1380039"/>
+            <a:ext cx="39744313" cy="5010137"/>
           </a:xfrm>
           <a:prstGeom prst="rect">
             <a:avLst/>
@@ -2815,18 +2486,13 @@
               <a:rPr lang="zh-CN" altLang="en-US"/>
               <a:t>单击此处编辑母版标题样式</a:t>
             </a:r>
+            <a:endParaRPr lang="en-US" dirty="0"/>
           </a:p>
         </p:txBody>
       </p:sp>
       <p:sp>
         <p:nvSpPr>
-          <p:cNvPr id="3" name="文本占位符 2">
-            <a:extLst>
-              <a:ext uri="{FF2B5EF4-FFF2-40B4-BE49-F238E27FC236}">
-                <a16:creationId xmlns:a16="http://schemas.microsoft.com/office/drawing/2014/main" id="{4A4DDBE0-5115-4A6E-9C6D-396E5A10890D}"/>
-              </a:ext>
-            </a:extLst>
-          </p:cNvPr>
+          <p:cNvPr id="3" name="Text Placeholder 2"/>
           <p:cNvSpPr>
             <a:spLocks noGrp="1"/>
           </p:cNvSpPr>
@@ -2836,8 +2502,8 @@
         </p:nvSpPr>
         <p:spPr>
           <a:xfrm>
-            <a:off x="838200" y="1825625"/>
-            <a:ext cx="10515600" cy="4351338"/>
+            <a:off x="3168025" y="6900186"/>
+            <a:ext cx="39744313" cy="16446446"/>
           </a:xfrm>
           <a:prstGeom prst="rect">
             <a:avLst/>
@@ -2882,18 +2548,13 @@
               <a:rPr lang="zh-CN" altLang="en-US"/>
               <a:t>五级</a:t>
             </a:r>
+            <a:endParaRPr lang="en-US" dirty="0"/>
           </a:p>
         </p:txBody>
       </p:sp>
       <p:sp>
         <p:nvSpPr>
-          <p:cNvPr id="4" name="日期占位符 3">
-            <a:extLst>
-              <a:ext uri="{FF2B5EF4-FFF2-40B4-BE49-F238E27FC236}">
-                <a16:creationId xmlns:a16="http://schemas.microsoft.com/office/drawing/2014/main" id="{53567059-366C-7B77-477B-59C37B02D436}"/>
-              </a:ext>
-            </a:extLst>
-          </p:cNvPr>
+          <p:cNvPr id="4" name="Date Placeholder 3"/>
           <p:cNvSpPr>
             <a:spLocks noGrp="1"/>
           </p:cNvSpPr>
@@ -2903,8 +2564,8 @@
         </p:nvSpPr>
         <p:spPr>
           <a:xfrm>
-            <a:off x="838200" y="6356350"/>
-            <a:ext cx="2743200" cy="365125"/>
+            <a:off x="3168025" y="24024651"/>
+            <a:ext cx="10368082" cy="1380037"/>
           </a:xfrm>
           <a:prstGeom prst="rect">
             <a:avLst/>
@@ -2914,7 +2575,7 @@
           <a:bodyPr vert="horz" lIns="91440" tIns="45720" rIns="91440" bIns="45720" rtlCol="0" anchor="ctr"/>
           <a:lstStyle>
             <a:lvl1pPr algn="l">
-              <a:defRPr sz="1200">
+              <a:defRPr sz="4536">
                 <a:solidFill>
                   <a:schemeClr val="tx1">
                     <a:tint val="75000"/>
@@ -2926,7 +2587,7 @@
           <a:p>
             <a:fld id="{491C741C-B799-49C2-8687-763E5822C94D}" type="datetimeFigureOut">
               <a:rPr lang="zh-CN" altLang="en-US" smtClean="0"/>
-              <a:t>2024/9/30</a:t>
+              <a:t>2024/11/14</a:t>
             </a:fld>
             <a:endParaRPr lang="zh-CN" altLang="en-US"/>
           </a:p>
@@ -2934,13 +2595,7 @@
       </p:sp>
       <p:sp>
         <p:nvSpPr>
-          <p:cNvPr id="5" name="页脚占位符 4">
-            <a:extLst>
-              <a:ext uri="{FF2B5EF4-FFF2-40B4-BE49-F238E27FC236}">
-                <a16:creationId xmlns:a16="http://schemas.microsoft.com/office/drawing/2014/main" id="{ED94273B-11B2-CAE9-0221-8903CAD3E3A1}"/>
-              </a:ext>
-            </a:extLst>
-          </p:cNvPr>
+          <p:cNvPr id="5" name="Footer Placeholder 4"/>
           <p:cNvSpPr>
             <a:spLocks noGrp="1"/>
           </p:cNvSpPr>
@@ -2950,8 +2605,8 @@
         </p:nvSpPr>
         <p:spPr>
           <a:xfrm>
-            <a:off x="4038600" y="6356350"/>
-            <a:ext cx="4114800" cy="365125"/>
+            <a:off x="15264120" y="24024651"/>
+            <a:ext cx="15552123" cy="1380037"/>
           </a:xfrm>
           <a:prstGeom prst="rect">
             <a:avLst/>
@@ -2961,7 +2616,7 @@
           <a:bodyPr vert="horz" lIns="91440" tIns="45720" rIns="91440" bIns="45720" rtlCol="0" anchor="ctr"/>
           <a:lstStyle>
             <a:lvl1pPr algn="ctr">
-              <a:defRPr sz="1200">
+              <a:defRPr sz="4536">
                 <a:solidFill>
                   <a:schemeClr val="tx1">
                     <a:tint val="75000"/>
@@ -2977,13 +2632,7 @@
       </p:sp>
       <p:sp>
         <p:nvSpPr>
-          <p:cNvPr id="6" name="灯片编号占位符 5">
-            <a:extLst>
-              <a:ext uri="{FF2B5EF4-FFF2-40B4-BE49-F238E27FC236}">
-                <a16:creationId xmlns:a16="http://schemas.microsoft.com/office/drawing/2014/main" id="{0D68D475-4348-146C-8D2F-FA82A7BB6D33}"/>
-              </a:ext>
-            </a:extLst>
-          </p:cNvPr>
+          <p:cNvPr id="6" name="Slide Number Placeholder 5"/>
           <p:cNvSpPr>
             <a:spLocks noGrp="1"/>
           </p:cNvSpPr>
@@ -2993,8 +2642,8 @@
         </p:nvSpPr>
         <p:spPr>
           <a:xfrm>
-            <a:off x="8610600" y="6356350"/>
-            <a:ext cx="2743200" cy="365125"/>
+            <a:off x="32544256" y="24024651"/>
+            <a:ext cx="10368082" cy="1380037"/>
           </a:xfrm>
           <a:prstGeom prst="rect">
             <a:avLst/>
@@ -3004,7 +2653,7 @@
           <a:bodyPr vert="horz" lIns="91440" tIns="45720" rIns="91440" bIns="45720" rtlCol="0" anchor="ctr"/>
           <a:lstStyle>
             <a:lvl1pPr algn="r">
-              <a:defRPr sz="1200">
+              <a:defRPr sz="4536">
                 <a:solidFill>
                   <a:schemeClr val="tx1">
                     <a:tint val="75000"/>
@@ -3025,27 +2674,27 @@
     </p:spTree>
     <p:extLst>
       <p:ext uri="{BB962C8B-B14F-4D97-AF65-F5344CB8AC3E}">
-        <p14:creationId xmlns:p14="http://schemas.microsoft.com/office/powerpoint/2010/main" val="830170332"/>
+        <p14:creationId xmlns:p14="http://schemas.microsoft.com/office/powerpoint/2010/main" val="448992225"/>
       </p:ext>
     </p:extLst>
   </p:cSld>
   <p:clrMap bg1="lt1" tx1="dk1" bg2="lt2" tx2="dk2" accent1="accent1" accent2="accent2" accent3="accent3" accent4="accent4" accent5="accent5" accent6="accent6" hlink="hlink" folHlink="folHlink"/>
   <p:sldLayoutIdLst>
-    <p:sldLayoutId id="2147483649" r:id="rId1"/>
-    <p:sldLayoutId id="2147483650" r:id="rId2"/>
-    <p:sldLayoutId id="2147483651" r:id="rId3"/>
-    <p:sldLayoutId id="2147483652" r:id="rId4"/>
-    <p:sldLayoutId id="2147483653" r:id="rId5"/>
-    <p:sldLayoutId id="2147483654" r:id="rId6"/>
-    <p:sldLayoutId id="2147483655" r:id="rId7"/>
-    <p:sldLayoutId id="2147483656" r:id="rId8"/>
-    <p:sldLayoutId id="2147483657" r:id="rId9"/>
-    <p:sldLayoutId id="2147483658" r:id="rId10"/>
-    <p:sldLayoutId id="2147483659" r:id="rId11"/>
+    <p:sldLayoutId id="2147483661" r:id="rId1"/>
+    <p:sldLayoutId id="2147483662" r:id="rId2"/>
+    <p:sldLayoutId id="2147483663" r:id="rId3"/>
+    <p:sldLayoutId id="2147483664" r:id="rId4"/>
+    <p:sldLayoutId id="2147483665" r:id="rId5"/>
+    <p:sldLayoutId id="2147483666" r:id="rId6"/>
+    <p:sldLayoutId id="2147483667" r:id="rId7"/>
+    <p:sldLayoutId id="2147483668" r:id="rId8"/>
+    <p:sldLayoutId id="2147483669" r:id="rId9"/>
+    <p:sldLayoutId id="2147483670" r:id="rId10"/>
+    <p:sldLayoutId id="2147483671" r:id="rId11"/>
   </p:sldLayoutIdLst>
   <p:txStyles>
     <p:titleStyle>
-      <a:lvl1pPr algn="l" defTabSz="914400" rtl="0" eaLnBrk="1" latinLnBrk="0" hangingPunct="1">
+      <a:lvl1pPr algn="l" defTabSz="3456066" rtl="0" eaLnBrk="1" latinLnBrk="0" hangingPunct="1">
         <a:lnSpc>
           <a:spcPct val="90000"/>
         </a:lnSpc>
@@ -3053,7 +2702,7 @@
           <a:spcPct val="0"/>
         </a:spcBef>
         <a:buNone/>
-        <a:defRPr sz="4400" kern="1200">
+        <a:defRPr sz="16630" kern="1200">
           <a:solidFill>
             <a:schemeClr val="tx1"/>
           </a:solidFill>
@@ -3064,16 +2713,16 @@
       </a:lvl1pPr>
     </p:titleStyle>
     <p:bodyStyle>
-      <a:lvl1pPr marL="228600" indent="-228600" algn="l" defTabSz="914400" rtl="0" eaLnBrk="1" latinLnBrk="0" hangingPunct="1">
+      <a:lvl1pPr marL="864017" indent="-864017" algn="l" defTabSz="3456066" rtl="0" eaLnBrk="1" latinLnBrk="0" hangingPunct="1">
         <a:lnSpc>
           <a:spcPct val="90000"/>
         </a:lnSpc>
         <a:spcBef>
-          <a:spcPts val="1000"/>
+          <a:spcPts val="3780"/>
         </a:spcBef>
         <a:buFont typeface="Arial" panose="020B0604020202020204" pitchFamily="34" charset="0"/>
         <a:buChar char="•"/>
-        <a:defRPr sz="2800" kern="1200">
+        <a:defRPr sz="10583" kern="1200">
           <a:solidFill>
             <a:schemeClr val="tx1"/>
           </a:solidFill>
@@ -3082,16 +2731,16 @@
           <a:cs typeface="+mn-cs"/>
         </a:defRPr>
       </a:lvl1pPr>
-      <a:lvl2pPr marL="685800" indent="-228600" algn="l" defTabSz="914400" rtl="0" eaLnBrk="1" latinLnBrk="0" hangingPunct="1">
+      <a:lvl2pPr marL="2592050" indent="-864017" algn="l" defTabSz="3456066" rtl="0" eaLnBrk="1" latinLnBrk="0" hangingPunct="1">
         <a:lnSpc>
           <a:spcPct val="90000"/>
         </a:lnSpc>
         <a:spcBef>
-          <a:spcPts val="500"/>
+          <a:spcPts val="1890"/>
         </a:spcBef>
         <a:buFont typeface="Arial" panose="020B0604020202020204" pitchFamily="34" charset="0"/>
         <a:buChar char="•"/>
-        <a:defRPr sz="2400" kern="1200">
+        <a:defRPr sz="9071" kern="1200">
           <a:solidFill>
             <a:schemeClr val="tx1"/>
           </a:solidFill>
@@ -3100,16 +2749,16 @@
           <a:cs typeface="+mn-cs"/>
         </a:defRPr>
       </a:lvl2pPr>
-      <a:lvl3pPr marL="1143000" indent="-228600" algn="l" defTabSz="914400" rtl="0" eaLnBrk="1" latinLnBrk="0" hangingPunct="1">
+      <a:lvl3pPr marL="4320083" indent="-864017" algn="l" defTabSz="3456066" rtl="0" eaLnBrk="1" latinLnBrk="0" hangingPunct="1">
         <a:lnSpc>
           <a:spcPct val="90000"/>
         </a:lnSpc>
         <a:spcBef>
-          <a:spcPts val="500"/>
+          <a:spcPts val="1890"/>
         </a:spcBef>
         <a:buFont typeface="Arial" panose="020B0604020202020204" pitchFamily="34" charset="0"/>
         <a:buChar char="•"/>
-        <a:defRPr sz="2000" kern="1200">
+        <a:defRPr sz="7559" kern="1200">
           <a:solidFill>
             <a:schemeClr val="tx1"/>
           </a:solidFill>
@@ -3118,16 +2767,16 @@
           <a:cs typeface="+mn-cs"/>
         </a:defRPr>
       </a:lvl3pPr>
-      <a:lvl4pPr marL="1600200" indent="-228600" algn="l" defTabSz="914400" rtl="0" eaLnBrk="1" latinLnBrk="0" hangingPunct="1">
+      <a:lvl4pPr marL="6048116" indent="-864017" algn="l" defTabSz="3456066" rtl="0" eaLnBrk="1" latinLnBrk="0" hangingPunct="1">
         <a:lnSpc>
           <a:spcPct val="90000"/>
         </a:lnSpc>
         <a:spcBef>
-          <a:spcPts val="500"/>
+          <a:spcPts val="1890"/>
         </a:spcBef>
         <a:buFont typeface="Arial" panose="020B0604020202020204" pitchFamily="34" charset="0"/>
         <a:buChar char="•"/>
-        <a:defRPr sz="1800" kern="1200">
+        <a:defRPr sz="6803" kern="1200">
           <a:solidFill>
             <a:schemeClr val="tx1"/>
           </a:solidFill>
@@ -3136,16 +2785,16 @@
           <a:cs typeface="+mn-cs"/>
         </a:defRPr>
       </a:lvl4pPr>
-      <a:lvl5pPr marL="2057400" indent="-228600" algn="l" defTabSz="914400" rtl="0" eaLnBrk="1" latinLnBrk="0" hangingPunct="1">
+      <a:lvl5pPr marL="7776149" indent="-864017" algn="l" defTabSz="3456066" rtl="0" eaLnBrk="1" latinLnBrk="0" hangingPunct="1">
         <a:lnSpc>
           <a:spcPct val="90000"/>
         </a:lnSpc>
         <a:spcBef>
-          <a:spcPts val="500"/>
+          <a:spcPts val="1890"/>
         </a:spcBef>
         <a:buFont typeface="Arial" panose="020B0604020202020204" pitchFamily="34" charset="0"/>
         <a:buChar char="•"/>
-        <a:defRPr sz="1800" kern="1200">
+        <a:defRPr sz="6803" kern="1200">
           <a:solidFill>
             <a:schemeClr val="tx1"/>
           </a:solidFill>
@@ -3154,16 +2803,16 @@
           <a:cs typeface="+mn-cs"/>
         </a:defRPr>
       </a:lvl5pPr>
-      <a:lvl6pPr marL="2514600" indent="-228600" algn="l" defTabSz="914400" rtl="0" eaLnBrk="1" latinLnBrk="0" hangingPunct="1">
+      <a:lvl6pPr marL="9504182" indent="-864017" algn="l" defTabSz="3456066" rtl="0" eaLnBrk="1" latinLnBrk="0" hangingPunct="1">
         <a:lnSpc>
           <a:spcPct val="90000"/>
         </a:lnSpc>
         <a:spcBef>
-          <a:spcPts val="500"/>
+          <a:spcPts val="1890"/>
         </a:spcBef>
         <a:buFont typeface="Arial" panose="020B0604020202020204" pitchFamily="34" charset="0"/>
         <a:buChar char="•"/>
-        <a:defRPr sz="1800" kern="1200">
+        <a:defRPr sz="6803" kern="1200">
           <a:solidFill>
             <a:schemeClr val="tx1"/>
           </a:solidFill>
@@ -3172,16 +2821,16 @@
           <a:cs typeface="+mn-cs"/>
         </a:defRPr>
       </a:lvl6pPr>
-      <a:lvl7pPr marL="2971800" indent="-228600" algn="l" defTabSz="914400" rtl="0" eaLnBrk="1" latinLnBrk="0" hangingPunct="1">
+      <a:lvl7pPr marL="11232215" indent="-864017" algn="l" defTabSz="3456066" rtl="0" eaLnBrk="1" latinLnBrk="0" hangingPunct="1">
         <a:lnSpc>
           <a:spcPct val="90000"/>
         </a:lnSpc>
         <a:spcBef>
-          <a:spcPts val="500"/>
+          <a:spcPts val="1890"/>
         </a:spcBef>
         <a:buFont typeface="Arial" panose="020B0604020202020204" pitchFamily="34" charset="0"/>
         <a:buChar char="•"/>
-        <a:defRPr sz="1800" kern="1200">
+        <a:defRPr sz="6803" kern="1200">
           <a:solidFill>
             <a:schemeClr val="tx1"/>
           </a:solidFill>
@@ -3190,16 +2839,16 @@
           <a:cs typeface="+mn-cs"/>
         </a:defRPr>
       </a:lvl7pPr>
-      <a:lvl8pPr marL="3429000" indent="-228600" algn="l" defTabSz="914400" rtl="0" eaLnBrk="1" latinLnBrk="0" hangingPunct="1">
+      <a:lvl8pPr marL="12960248" indent="-864017" algn="l" defTabSz="3456066" rtl="0" eaLnBrk="1" latinLnBrk="0" hangingPunct="1">
         <a:lnSpc>
           <a:spcPct val="90000"/>
         </a:lnSpc>
         <a:spcBef>
-          <a:spcPts val="500"/>
+          <a:spcPts val="1890"/>
         </a:spcBef>
         <a:buFont typeface="Arial" panose="020B0604020202020204" pitchFamily="34" charset="0"/>
         <a:buChar char="•"/>
-        <a:defRPr sz="1800" kern="1200">
+        <a:defRPr sz="6803" kern="1200">
           <a:solidFill>
             <a:schemeClr val="tx1"/>
           </a:solidFill>
@@ -3208,16 +2857,16 @@
           <a:cs typeface="+mn-cs"/>
         </a:defRPr>
       </a:lvl8pPr>
-      <a:lvl9pPr marL="3886200" indent="-228600" algn="l" defTabSz="914400" rtl="0" eaLnBrk="1" latinLnBrk="0" hangingPunct="1">
+      <a:lvl9pPr marL="14688282" indent="-864017" algn="l" defTabSz="3456066" rtl="0" eaLnBrk="1" latinLnBrk="0" hangingPunct="1">
         <a:lnSpc>
           <a:spcPct val="90000"/>
         </a:lnSpc>
         <a:spcBef>
-          <a:spcPts val="500"/>
+          <a:spcPts val="1890"/>
         </a:spcBef>
         <a:buFont typeface="Arial" panose="020B0604020202020204" pitchFamily="34" charset="0"/>
         <a:buChar char="•"/>
-        <a:defRPr sz="1800" kern="1200">
+        <a:defRPr sz="6803" kern="1200">
           <a:solidFill>
             <a:schemeClr val="tx1"/>
           </a:solidFill>
@@ -3229,10 +2878,10 @@
     </p:bodyStyle>
     <p:otherStyle>
       <a:defPPr>
-        <a:defRPr lang="zh-CN"/>
+        <a:defRPr lang="en-US"/>
       </a:defPPr>
-      <a:lvl1pPr marL="0" algn="l" defTabSz="914400" rtl="0" eaLnBrk="1" latinLnBrk="0" hangingPunct="1">
-        <a:defRPr sz="1800" kern="1200">
+      <a:lvl1pPr marL="0" algn="l" defTabSz="3456066" rtl="0" eaLnBrk="1" latinLnBrk="0" hangingPunct="1">
+        <a:defRPr sz="6803" kern="1200">
           <a:solidFill>
             <a:schemeClr val="tx1"/>
           </a:solidFill>
@@ -3241,8 +2890,8 @@
           <a:cs typeface="+mn-cs"/>
         </a:defRPr>
       </a:lvl1pPr>
-      <a:lvl2pPr marL="457200" algn="l" defTabSz="914400" rtl="0" eaLnBrk="1" latinLnBrk="0" hangingPunct="1">
-        <a:defRPr sz="1800" kern="1200">
+      <a:lvl2pPr marL="1728033" algn="l" defTabSz="3456066" rtl="0" eaLnBrk="1" latinLnBrk="0" hangingPunct="1">
+        <a:defRPr sz="6803" kern="1200">
           <a:solidFill>
             <a:schemeClr val="tx1"/>
           </a:solidFill>
@@ -3251,8 +2900,8 @@
           <a:cs typeface="+mn-cs"/>
         </a:defRPr>
       </a:lvl2pPr>
-      <a:lvl3pPr marL="914400" algn="l" defTabSz="914400" rtl="0" eaLnBrk="1" latinLnBrk="0" hangingPunct="1">
-        <a:defRPr sz="1800" kern="1200">
+      <a:lvl3pPr marL="3456066" algn="l" defTabSz="3456066" rtl="0" eaLnBrk="1" latinLnBrk="0" hangingPunct="1">
+        <a:defRPr sz="6803" kern="1200">
           <a:solidFill>
             <a:schemeClr val="tx1"/>
           </a:solidFill>
@@ -3261,8 +2910,8 @@
           <a:cs typeface="+mn-cs"/>
         </a:defRPr>
       </a:lvl3pPr>
-      <a:lvl4pPr marL="1371600" algn="l" defTabSz="914400" rtl="0" eaLnBrk="1" latinLnBrk="0" hangingPunct="1">
-        <a:defRPr sz="1800" kern="1200">
+      <a:lvl4pPr marL="5184099" algn="l" defTabSz="3456066" rtl="0" eaLnBrk="1" latinLnBrk="0" hangingPunct="1">
+        <a:defRPr sz="6803" kern="1200">
           <a:solidFill>
             <a:schemeClr val="tx1"/>
           </a:solidFill>
@@ -3271,8 +2920,8 @@
           <a:cs typeface="+mn-cs"/>
         </a:defRPr>
       </a:lvl4pPr>
-      <a:lvl5pPr marL="1828800" algn="l" defTabSz="914400" rtl="0" eaLnBrk="1" latinLnBrk="0" hangingPunct="1">
-        <a:defRPr sz="1800" kern="1200">
+      <a:lvl5pPr marL="6912132" algn="l" defTabSz="3456066" rtl="0" eaLnBrk="1" latinLnBrk="0" hangingPunct="1">
+        <a:defRPr sz="6803" kern="1200">
           <a:solidFill>
             <a:schemeClr val="tx1"/>
           </a:solidFill>
@@ -3281,8 +2930,8 @@
           <a:cs typeface="+mn-cs"/>
         </a:defRPr>
       </a:lvl5pPr>
-      <a:lvl6pPr marL="2286000" algn="l" defTabSz="914400" rtl="0" eaLnBrk="1" latinLnBrk="0" hangingPunct="1">
-        <a:defRPr sz="1800" kern="1200">
+      <a:lvl6pPr marL="8640166" algn="l" defTabSz="3456066" rtl="0" eaLnBrk="1" latinLnBrk="0" hangingPunct="1">
+        <a:defRPr sz="6803" kern="1200">
           <a:solidFill>
             <a:schemeClr val="tx1"/>
           </a:solidFill>
@@ -3291,8 +2940,8 @@
           <a:cs typeface="+mn-cs"/>
         </a:defRPr>
       </a:lvl6pPr>
-      <a:lvl7pPr marL="2743200" algn="l" defTabSz="914400" rtl="0" eaLnBrk="1" latinLnBrk="0" hangingPunct="1">
-        <a:defRPr sz="1800" kern="1200">
+      <a:lvl7pPr marL="10368199" algn="l" defTabSz="3456066" rtl="0" eaLnBrk="1" latinLnBrk="0" hangingPunct="1">
+        <a:defRPr sz="6803" kern="1200">
           <a:solidFill>
             <a:schemeClr val="tx1"/>
           </a:solidFill>
@@ -3301,8 +2950,8 @@
           <a:cs typeface="+mn-cs"/>
         </a:defRPr>
       </a:lvl7pPr>
-      <a:lvl8pPr marL="3200400" algn="l" defTabSz="914400" rtl="0" eaLnBrk="1" latinLnBrk="0" hangingPunct="1">
-        <a:defRPr sz="1800" kern="1200">
+      <a:lvl8pPr marL="12096232" algn="l" defTabSz="3456066" rtl="0" eaLnBrk="1" latinLnBrk="0" hangingPunct="1">
+        <a:defRPr sz="6803" kern="1200">
           <a:solidFill>
             <a:schemeClr val="tx1"/>
           </a:solidFill>
@@ -3311,8 +2960,8 @@
           <a:cs typeface="+mn-cs"/>
         </a:defRPr>
       </a:lvl8pPr>
-      <a:lvl9pPr marL="3657600" algn="l" defTabSz="914400" rtl="0" eaLnBrk="1" latinLnBrk="0" hangingPunct="1">
-        <a:defRPr sz="1800" kern="1200">
+      <a:lvl9pPr marL="13824265" algn="l" defTabSz="3456066" rtl="0" eaLnBrk="1" latinLnBrk="0" hangingPunct="1">
+        <a:defRPr sz="6803" kern="1200">
           <a:solidFill>
             <a:schemeClr val="tx1"/>
           </a:solidFill>
@@ -3548,7 +3197,7 @@
           </p:nvPr>
         </p:nvGraphicFramePr>
         <p:xfrm>
-          <a:off x="2032000" y="4968936"/>
+          <a:off x="18976184" y="14500286"/>
           <a:ext cx="8127999" cy="1112520"/>
         </p:xfrm>
         <a:graphic>
@@ -3890,7 +3539,7 @@
         </p:nvCxnSpPr>
         <p:spPr>
           <a:xfrm flipV="1">
-            <a:off x="1942539" y="1811055"/>
+            <a:off x="18886720" y="11342408"/>
             <a:ext cx="0" cy="4549401"/>
           </a:xfrm>
           <a:prstGeom prst="straightConnector1">
@@ -3929,7 +3578,7 @@
         </p:nvGrpSpPr>
         <p:grpSpPr>
           <a:xfrm>
-            <a:off x="6621469" y="2143123"/>
+            <a:off x="23565650" y="11674476"/>
             <a:ext cx="1874532" cy="1997647"/>
             <a:chOff x="4061812" y="2143124"/>
             <a:chExt cx="1874532" cy="1997647"/>
@@ -4094,7 +3743,7 @@
         </p:nvGrpSpPr>
         <p:grpSpPr>
           <a:xfrm>
-            <a:off x="706884" y="1440522"/>
+            <a:off x="17651065" y="10971872"/>
             <a:ext cx="2340894" cy="4263332"/>
             <a:chOff x="706883" y="1440522"/>
             <a:chExt cx="2786760" cy="4263332"/>
@@ -4427,7 +4076,7 @@
         </p:nvCxnSpPr>
         <p:spPr>
           <a:xfrm>
-            <a:off x="2462134" y="1746624"/>
+            <a:off x="19406318" y="11277977"/>
             <a:ext cx="2619619" cy="510801"/>
           </a:xfrm>
           <a:prstGeom prst="bentConnector3">
@@ -4471,7 +4120,7 @@
         </p:nvCxnSpPr>
         <p:spPr>
           <a:xfrm>
-            <a:off x="2567941" y="2504608"/>
+            <a:off x="19512122" y="12035961"/>
             <a:ext cx="1959362" cy="1"/>
           </a:xfrm>
           <a:prstGeom prst="straightConnector1">
@@ -4513,7 +4162,7 @@
         </p:nvCxnSpPr>
         <p:spPr>
           <a:xfrm flipV="1">
-            <a:off x="2691439" y="3272169"/>
+            <a:off x="19635620" y="12803519"/>
             <a:ext cx="1752482" cy="7718"/>
           </a:xfrm>
           <a:prstGeom prst="straightConnector1">
@@ -4556,7 +4205,7 @@
         </p:nvCxnSpPr>
         <p:spPr>
           <a:xfrm flipV="1">
-            <a:off x="2820081" y="4012610"/>
+            <a:off x="19764265" y="13543960"/>
             <a:ext cx="1546171" cy="2"/>
           </a:xfrm>
           <a:prstGeom prst="straightConnector1">
@@ -4595,7 +4244,7 @@
         </p:nvGrpSpPr>
         <p:grpSpPr>
           <a:xfrm>
-            <a:off x="4061812" y="2143124"/>
+            <a:off x="21005993" y="11674477"/>
             <a:ext cx="1874532" cy="1997647"/>
             <a:chOff x="4061812" y="2143124"/>
             <a:chExt cx="1874532" cy="1997647"/>
@@ -4847,7 +4496,7 @@
         </p:nvCxnSpPr>
         <p:spPr>
           <a:xfrm flipV="1">
-            <a:off x="5684202" y="2504607"/>
+            <a:off x="22628383" y="12035960"/>
             <a:ext cx="1445484" cy="1"/>
           </a:xfrm>
           <a:prstGeom prst="straightConnector1">
@@ -4890,7 +4539,7 @@
         </p:nvCxnSpPr>
         <p:spPr>
           <a:xfrm flipV="1">
-            <a:off x="5807700" y="3272168"/>
+            <a:off x="22751881" y="12803521"/>
             <a:ext cx="1246244" cy="1"/>
           </a:xfrm>
           <a:prstGeom prst="straightConnector1">
@@ -4931,7 +4580,7 @@
         </p:nvCxnSpPr>
         <p:spPr>
           <a:xfrm>
-            <a:off x="5936344" y="3993036"/>
+            <a:off x="22880525" y="13524386"/>
             <a:ext cx="1035956" cy="0"/>
           </a:xfrm>
           <a:prstGeom prst="straightConnector1">
@@ -4972,7 +4621,7 @@
         </p:nvCxnSpPr>
         <p:spPr>
           <a:xfrm>
-            <a:off x="8257135" y="2509986"/>
+            <a:off x="25201316" y="12041336"/>
             <a:ext cx="1259928" cy="0"/>
           </a:xfrm>
           <a:prstGeom prst="straightConnector1">
@@ -5013,7 +4662,7 @@
         </p:nvCxnSpPr>
         <p:spPr>
           <a:xfrm>
-            <a:off x="8367357" y="3272168"/>
+            <a:off x="25311538" y="12803518"/>
             <a:ext cx="1119928" cy="2340"/>
           </a:xfrm>
           <a:prstGeom prst="straightConnector1">
@@ -5054,7 +4703,7 @@
         </p:nvCxnSpPr>
         <p:spPr>
           <a:xfrm>
-            <a:off x="8509277" y="3998414"/>
+            <a:off x="25453458" y="13529764"/>
             <a:ext cx="1007786" cy="0"/>
           </a:xfrm>
           <a:prstGeom prst="straightConnector1">
@@ -5093,7 +4742,7 @@
         </p:nvGrpSpPr>
         <p:grpSpPr>
           <a:xfrm>
-            <a:off x="9624059" y="2257293"/>
+            <a:off x="26568240" y="11788643"/>
             <a:ext cx="505820" cy="428938"/>
             <a:chOff x="9624059" y="2269139"/>
             <a:chExt cx="1444438" cy="1357421"/>
@@ -5142,7 +4791,7 @@
             <a:lstStyle/>
             <a:p>
               <a:pPr algn="ctr"/>
-              <a:endParaRPr lang="en-US" altLang="zh-CN" sz="2400" b="0" dirty="0"/>
+              <a:endParaRPr lang="en-US" altLang="zh-CN" sz="2400" dirty="0"/>
             </a:p>
           </p:txBody>
         </p:sp>
@@ -5188,7 +4837,7 @@
             <a:lstStyle/>
             <a:p>
               <a:pPr algn="ctr"/>
-              <a:endParaRPr lang="en-US" altLang="zh-CN" sz="2400" b="0" dirty="0"/>
+              <a:endParaRPr lang="en-US" altLang="zh-CN" sz="2400" dirty="0"/>
             </a:p>
           </p:txBody>
         </p:sp>
@@ -5235,7 +4884,7 @@
             <a:lstStyle/>
             <a:p>
               <a:pPr algn="ctr"/>
-              <a:endParaRPr lang="en-US" altLang="zh-CN" sz="2400" b="0" dirty="0"/>
+              <a:endParaRPr lang="en-US" altLang="zh-CN" sz="2400" dirty="0"/>
             </a:p>
           </p:txBody>
         </p:sp>
@@ -5282,7 +4931,7 @@
             <a:lstStyle/>
             <a:p>
               <a:pPr algn="ctr"/>
-              <a:endParaRPr lang="en-US" altLang="zh-CN" sz="2400" b="0" dirty="0"/>
+              <a:endParaRPr lang="en-US" altLang="zh-CN" sz="2400" dirty="0"/>
             </a:p>
           </p:txBody>
         </p:sp>
@@ -5329,7 +4978,7 @@
             <a:lstStyle/>
             <a:p>
               <a:pPr algn="ctr"/>
-              <a:endParaRPr lang="en-US" altLang="zh-CN" sz="2400" b="0" dirty="0"/>
+              <a:endParaRPr lang="en-US" altLang="zh-CN" sz="2400" dirty="0"/>
             </a:p>
           </p:txBody>
         </p:sp>
@@ -5375,7 +5024,7 @@
             <a:lstStyle/>
             <a:p>
               <a:pPr algn="ctr"/>
-              <a:endParaRPr lang="en-US" altLang="zh-CN" sz="2400" b="0" dirty="0"/>
+              <a:endParaRPr lang="en-US" altLang="zh-CN" sz="2400" dirty="0"/>
             </a:p>
           </p:txBody>
         </p:sp>
@@ -5422,7 +5071,7 @@
             <a:lstStyle/>
             <a:p>
               <a:pPr algn="ctr"/>
-              <a:endParaRPr lang="en-US" altLang="zh-CN" sz="2400" b="0" dirty="0"/>
+              <a:endParaRPr lang="en-US" altLang="zh-CN" sz="2400" dirty="0"/>
             </a:p>
           </p:txBody>
         </p:sp>
@@ -5469,7 +5118,7 @@
             <a:lstStyle/>
             <a:p>
               <a:pPr algn="ctr"/>
-              <a:endParaRPr lang="en-US" altLang="zh-CN" sz="2400" b="0" dirty="0"/>
+              <a:endParaRPr lang="en-US" altLang="zh-CN" sz="2400" dirty="0"/>
             </a:p>
           </p:txBody>
         </p:sp>
@@ -5516,7 +5165,7 @@
             <a:lstStyle/>
             <a:p>
               <a:pPr algn="ctr"/>
-              <a:endParaRPr lang="en-US" altLang="zh-CN" sz="2400" b="0" dirty="0"/>
+              <a:endParaRPr lang="en-US" altLang="zh-CN" sz="2400" dirty="0"/>
             </a:p>
           </p:txBody>
         </p:sp>
@@ -5565,7 +5214,7 @@
             <a:lstStyle/>
             <a:p>
               <a:pPr algn="ctr"/>
-              <a:endParaRPr lang="en-US" altLang="zh-CN" sz="2400" b="0" dirty="0"/>
+              <a:endParaRPr lang="en-US" altLang="zh-CN" sz="2400" dirty="0"/>
             </a:p>
           </p:txBody>
         </p:sp>
@@ -5612,7 +5261,7 @@
             <a:lstStyle/>
             <a:p>
               <a:pPr algn="ctr"/>
-              <a:endParaRPr lang="en-US" altLang="zh-CN" sz="2400" b="0" dirty="0"/>
+              <a:endParaRPr lang="en-US" altLang="zh-CN" sz="2400" dirty="0"/>
             </a:p>
           </p:txBody>
         </p:sp>
@@ -5659,7 +5308,7 @@
             <a:lstStyle/>
             <a:p>
               <a:pPr algn="ctr"/>
-              <a:endParaRPr lang="en-US" altLang="zh-CN" sz="2400" b="0" dirty="0"/>
+              <a:endParaRPr lang="en-US" altLang="zh-CN" sz="2400" dirty="0"/>
             </a:p>
           </p:txBody>
         </p:sp>
@@ -5706,7 +5355,7 @@
             <a:lstStyle/>
             <a:p>
               <a:pPr algn="ctr"/>
-              <a:endParaRPr lang="en-US" altLang="zh-CN" sz="2400" b="0" dirty="0"/>
+              <a:endParaRPr lang="en-US" altLang="zh-CN" sz="2400" dirty="0"/>
             </a:p>
           </p:txBody>
         </p:sp>
@@ -5755,7 +5404,7 @@
             <a:lstStyle/>
             <a:p>
               <a:pPr algn="ctr"/>
-              <a:endParaRPr lang="en-US" altLang="zh-CN" sz="2400" b="0" dirty="0"/>
+              <a:endParaRPr lang="en-US" altLang="zh-CN" sz="2400" dirty="0"/>
             </a:p>
           </p:txBody>
         </p:sp>
@@ -5802,7 +5451,7 @@
             <a:lstStyle/>
             <a:p>
               <a:pPr algn="ctr"/>
-              <a:endParaRPr lang="en-US" altLang="zh-CN" sz="2400" b="0" dirty="0"/>
+              <a:endParaRPr lang="en-US" altLang="zh-CN" sz="2400" dirty="0"/>
             </a:p>
           </p:txBody>
         </p:sp>
@@ -5849,7 +5498,7 @@
             <a:lstStyle/>
             <a:p>
               <a:pPr algn="ctr"/>
-              <a:endParaRPr lang="en-US" altLang="zh-CN" sz="2400" b="0" dirty="0"/>
+              <a:endParaRPr lang="en-US" altLang="zh-CN" sz="2400" dirty="0"/>
             </a:p>
           </p:txBody>
         </p:sp>
@@ -5868,7 +5517,7 @@
         </p:nvGrpSpPr>
         <p:grpSpPr>
           <a:xfrm>
-            <a:off x="9617629" y="2917520"/>
+            <a:off x="26561810" y="12448873"/>
             <a:ext cx="1023516" cy="856417"/>
             <a:chOff x="9178397" y="4461092"/>
             <a:chExt cx="1023516" cy="856417"/>
@@ -5937,7 +5586,7 @@
               <a:lstStyle/>
               <a:p>
                 <a:pPr algn="ctr"/>
-                <a:endParaRPr lang="en-US" altLang="zh-CN" sz="2400" b="0" dirty="0"/>
+                <a:endParaRPr lang="en-US" altLang="zh-CN" sz="2400" dirty="0"/>
               </a:p>
             </p:txBody>
           </p:sp>
@@ -5983,7 +5632,7 @@
               <a:lstStyle/>
               <a:p>
                 <a:pPr algn="ctr"/>
-                <a:endParaRPr lang="en-US" altLang="zh-CN" sz="2400" b="0" dirty="0"/>
+                <a:endParaRPr lang="en-US" altLang="zh-CN" sz="2400" dirty="0"/>
               </a:p>
             </p:txBody>
           </p:sp>
@@ -6030,7 +5679,7 @@
               <a:lstStyle/>
               <a:p>
                 <a:pPr algn="ctr"/>
-                <a:endParaRPr lang="en-US" altLang="zh-CN" sz="2400" b="0" dirty="0"/>
+                <a:endParaRPr lang="en-US" altLang="zh-CN" sz="2400" dirty="0"/>
               </a:p>
             </p:txBody>
           </p:sp>
@@ -6077,7 +5726,7 @@
               <a:lstStyle/>
               <a:p>
                 <a:pPr algn="ctr"/>
-                <a:endParaRPr lang="en-US" altLang="zh-CN" sz="2400" b="0" dirty="0"/>
+                <a:endParaRPr lang="en-US" altLang="zh-CN" sz="2400" dirty="0"/>
               </a:p>
             </p:txBody>
           </p:sp>
@@ -6124,7 +5773,7 @@
               <a:lstStyle/>
               <a:p>
                 <a:pPr algn="ctr"/>
-                <a:endParaRPr lang="en-US" altLang="zh-CN" sz="2400" b="0" dirty="0"/>
+                <a:endParaRPr lang="en-US" altLang="zh-CN" sz="2400" dirty="0"/>
               </a:p>
             </p:txBody>
           </p:sp>
@@ -6170,7 +5819,7 @@
               <a:lstStyle/>
               <a:p>
                 <a:pPr algn="ctr"/>
-                <a:endParaRPr lang="en-US" altLang="zh-CN" sz="2400" b="0" dirty="0"/>
+                <a:endParaRPr lang="en-US" altLang="zh-CN" sz="2400" dirty="0"/>
               </a:p>
             </p:txBody>
           </p:sp>
@@ -6217,7 +5866,7 @@
               <a:lstStyle/>
               <a:p>
                 <a:pPr algn="ctr"/>
-                <a:endParaRPr lang="en-US" altLang="zh-CN" sz="2400" b="0" dirty="0"/>
+                <a:endParaRPr lang="en-US" altLang="zh-CN" sz="2400" dirty="0"/>
               </a:p>
             </p:txBody>
           </p:sp>
@@ -6264,7 +5913,7 @@
               <a:lstStyle/>
               <a:p>
                 <a:pPr algn="ctr"/>
-                <a:endParaRPr lang="en-US" altLang="zh-CN" sz="2400" b="0" dirty="0"/>
+                <a:endParaRPr lang="en-US" altLang="zh-CN" sz="2400" dirty="0"/>
               </a:p>
             </p:txBody>
           </p:sp>
@@ -6311,7 +5960,7 @@
               <a:lstStyle/>
               <a:p>
                 <a:pPr algn="ctr"/>
-                <a:endParaRPr lang="en-US" altLang="zh-CN" sz="2400" b="0" dirty="0"/>
+                <a:endParaRPr lang="en-US" altLang="zh-CN" sz="2400" dirty="0"/>
               </a:p>
             </p:txBody>
           </p:sp>
@@ -6360,7 +6009,7 @@
               <a:lstStyle/>
               <a:p>
                 <a:pPr algn="ctr"/>
-                <a:endParaRPr lang="en-US" altLang="zh-CN" sz="2400" b="0" dirty="0"/>
+                <a:endParaRPr lang="en-US" altLang="zh-CN" sz="2400" dirty="0"/>
               </a:p>
             </p:txBody>
           </p:sp>
@@ -6407,7 +6056,7 @@
               <a:lstStyle/>
               <a:p>
                 <a:pPr algn="ctr"/>
-                <a:endParaRPr lang="en-US" altLang="zh-CN" sz="2400" b="0" dirty="0"/>
+                <a:endParaRPr lang="en-US" altLang="zh-CN" sz="2400" dirty="0"/>
               </a:p>
             </p:txBody>
           </p:sp>
@@ -6454,7 +6103,7 @@
               <a:lstStyle/>
               <a:p>
                 <a:pPr algn="ctr"/>
-                <a:endParaRPr lang="en-US" altLang="zh-CN" sz="2400" b="0" dirty="0"/>
+                <a:endParaRPr lang="en-US" altLang="zh-CN" sz="2400" dirty="0"/>
               </a:p>
             </p:txBody>
           </p:sp>
@@ -6501,7 +6150,7 @@
               <a:lstStyle/>
               <a:p>
                 <a:pPr algn="ctr"/>
-                <a:endParaRPr lang="en-US" altLang="zh-CN" sz="2400" b="0" dirty="0"/>
+                <a:endParaRPr lang="en-US" altLang="zh-CN" sz="2400" dirty="0"/>
               </a:p>
             </p:txBody>
           </p:sp>
@@ -6550,7 +6199,7 @@
               <a:lstStyle/>
               <a:p>
                 <a:pPr algn="ctr"/>
-                <a:endParaRPr lang="en-US" altLang="zh-CN" sz="2400" b="0" dirty="0"/>
+                <a:endParaRPr lang="en-US" altLang="zh-CN" sz="2400" dirty="0"/>
               </a:p>
             </p:txBody>
           </p:sp>
@@ -6597,7 +6246,7 @@
               <a:lstStyle/>
               <a:p>
                 <a:pPr algn="ctr"/>
-                <a:endParaRPr lang="en-US" altLang="zh-CN" sz="2400" b="0" dirty="0"/>
+                <a:endParaRPr lang="en-US" altLang="zh-CN" sz="2400" dirty="0"/>
               </a:p>
             </p:txBody>
           </p:sp>
@@ -6644,7 +6293,7 @@
               <a:lstStyle/>
               <a:p>
                 <a:pPr algn="ctr"/>
-                <a:endParaRPr lang="en-US" altLang="zh-CN" sz="2400" b="0" dirty="0"/>
+                <a:endParaRPr lang="en-US" altLang="zh-CN" sz="2400" dirty="0"/>
               </a:p>
             </p:txBody>
           </p:sp>
@@ -6712,7 +6361,7 @@
               <a:lstStyle/>
               <a:p>
                 <a:pPr algn="ctr"/>
-                <a:endParaRPr lang="en-US" altLang="zh-CN" sz="2400" b="0" dirty="0"/>
+                <a:endParaRPr lang="en-US" altLang="zh-CN" sz="2400" dirty="0"/>
               </a:p>
             </p:txBody>
           </p:sp>
@@ -6758,7 +6407,7 @@
               <a:lstStyle/>
               <a:p>
                 <a:pPr algn="ctr"/>
-                <a:endParaRPr lang="en-US" altLang="zh-CN" sz="2400" b="0" dirty="0"/>
+                <a:endParaRPr lang="en-US" altLang="zh-CN" sz="2400" dirty="0"/>
               </a:p>
             </p:txBody>
           </p:sp>
@@ -6805,7 +6454,7 @@
               <a:lstStyle/>
               <a:p>
                 <a:pPr algn="ctr"/>
-                <a:endParaRPr lang="en-US" altLang="zh-CN" sz="2400" b="0" dirty="0"/>
+                <a:endParaRPr lang="en-US" altLang="zh-CN" sz="2400" dirty="0"/>
               </a:p>
             </p:txBody>
           </p:sp>
@@ -6852,7 +6501,7 @@
               <a:lstStyle/>
               <a:p>
                 <a:pPr algn="ctr"/>
-                <a:endParaRPr lang="en-US" altLang="zh-CN" sz="2400" b="0" dirty="0"/>
+                <a:endParaRPr lang="en-US" altLang="zh-CN" sz="2400" dirty="0"/>
               </a:p>
             </p:txBody>
           </p:sp>
@@ -6899,7 +6548,7 @@
               <a:lstStyle/>
               <a:p>
                 <a:pPr algn="ctr"/>
-                <a:endParaRPr lang="en-US" altLang="zh-CN" sz="2400" b="0" dirty="0"/>
+                <a:endParaRPr lang="en-US" altLang="zh-CN" sz="2400" dirty="0"/>
               </a:p>
             </p:txBody>
           </p:sp>
@@ -6945,7 +6594,7 @@
               <a:lstStyle/>
               <a:p>
                 <a:pPr algn="ctr"/>
-                <a:endParaRPr lang="en-US" altLang="zh-CN" sz="2400" b="0" dirty="0"/>
+                <a:endParaRPr lang="en-US" altLang="zh-CN" sz="2400" dirty="0"/>
               </a:p>
             </p:txBody>
           </p:sp>
@@ -6992,7 +6641,7 @@
               <a:lstStyle/>
               <a:p>
                 <a:pPr algn="ctr"/>
-                <a:endParaRPr lang="en-US" altLang="zh-CN" sz="2400" b="0" dirty="0"/>
+                <a:endParaRPr lang="en-US" altLang="zh-CN" sz="2400" dirty="0"/>
               </a:p>
             </p:txBody>
           </p:sp>
@@ -7039,7 +6688,7 @@
               <a:lstStyle/>
               <a:p>
                 <a:pPr algn="ctr"/>
-                <a:endParaRPr lang="en-US" altLang="zh-CN" sz="2400" b="0" dirty="0"/>
+                <a:endParaRPr lang="en-US" altLang="zh-CN" sz="2400" dirty="0"/>
               </a:p>
             </p:txBody>
           </p:sp>
@@ -7086,7 +6735,7 @@
               <a:lstStyle/>
               <a:p>
                 <a:pPr algn="ctr"/>
-                <a:endParaRPr lang="en-US" altLang="zh-CN" sz="2400" b="0" dirty="0"/>
+                <a:endParaRPr lang="en-US" altLang="zh-CN" sz="2400" dirty="0"/>
               </a:p>
             </p:txBody>
           </p:sp>
@@ -7135,7 +6784,7 @@
               <a:lstStyle/>
               <a:p>
                 <a:pPr algn="ctr"/>
-                <a:endParaRPr lang="en-US" altLang="zh-CN" sz="2400" b="0" dirty="0"/>
+                <a:endParaRPr lang="en-US" altLang="zh-CN" sz="2400" dirty="0"/>
               </a:p>
             </p:txBody>
           </p:sp>
@@ -7182,7 +6831,7 @@
               <a:lstStyle/>
               <a:p>
                 <a:pPr algn="ctr"/>
-                <a:endParaRPr lang="en-US" altLang="zh-CN" sz="2400" b="0" dirty="0"/>
+                <a:endParaRPr lang="en-US" altLang="zh-CN" sz="2400" dirty="0"/>
               </a:p>
             </p:txBody>
           </p:sp>
@@ -7229,7 +6878,7 @@
               <a:lstStyle/>
               <a:p>
                 <a:pPr algn="ctr"/>
-                <a:endParaRPr lang="en-US" altLang="zh-CN" sz="2400" b="0" dirty="0"/>
+                <a:endParaRPr lang="en-US" altLang="zh-CN" sz="2400" dirty="0"/>
               </a:p>
             </p:txBody>
           </p:sp>
@@ -7276,7 +6925,7 @@
               <a:lstStyle/>
               <a:p>
                 <a:pPr algn="ctr"/>
-                <a:endParaRPr lang="en-US" altLang="zh-CN" sz="2400" b="0" dirty="0"/>
+                <a:endParaRPr lang="en-US" altLang="zh-CN" sz="2400" dirty="0"/>
               </a:p>
             </p:txBody>
           </p:sp>
@@ -7325,7 +6974,7 @@
               <a:lstStyle/>
               <a:p>
                 <a:pPr algn="ctr"/>
-                <a:endParaRPr lang="en-US" altLang="zh-CN" sz="2400" b="0" dirty="0"/>
+                <a:endParaRPr lang="en-US" altLang="zh-CN" sz="2400" dirty="0"/>
               </a:p>
             </p:txBody>
           </p:sp>
@@ -7372,7 +7021,7 @@
               <a:lstStyle/>
               <a:p>
                 <a:pPr algn="ctr"/>
-                <a:endParaRPr lang="en-US" altLang="zh-CN" sz="2400" b="0" dirty="0"/>
+                <a:endParaRPr lang="en-US" altLang="zh-CN" sz="2400" dirty="0"/>
               </a:p>
             </p:txBody>
           </p:sp>
@@ -7419,7 +7068,7 @@
               <a:lstStyle/>
               <a:p>
                 <a:pPr algn="ctr"/>
-                <a:endParaRPr lang="en-US" altLang="zh-CN" sz="2400" b="0" dirty="0"/>
+                <a:endParaRPr lang="en-US" altLang="zh-CN" sz="2400" dirty="0"/>
               </a:p>
             </p:txBody>
           </p:sp>
@@ -7507,7 +7156,7 @@
                 <a:lstStyle/>
                 <a:p>
                   <a:pPr algn="ctr"/>
-                  <a:endParaRPr lang="en-US" altLang="zh-CN" sz="2400" b="0" dirty="0"/>
+                  <a:endParaRPr lang="en-US" altLang="zh-CN" sz="2400" dirty="0"/>
                 </a:p>
               </p:txBody>
             </p:sp>
@@ -7553,7 +7202,7 @@
                 <a:lstStyle/>
                 <a:p>
                   <a:pPr algn="ctr"/>
-                  <a:endParaRPr lang="en-US" altLang="zh-CN" sz="2400" b="0" dirty="0"/>
+                  <a:endParaRPr lang="en-US" altLang="zh-CN" sz="2400" dirty="0"/>
                 </a:p>
               </p:txBody>
             </p:sp>
@@ -7600,7 +7249,7 @@
                 <a:lstStyle/>
                 <a:p>
                   <a:pPr algn="ctr"/>
-                  <a:endParaRPr lang="en-US" altLang="zh-CN" sz="2400" b="0" dirty="0"/>
+                  <a:endParaRPr lang="en-US" altLang="zh-CN" sz="2400" dirty="0"/>
                 </a:p>
               </p:txBody>
             </p:sp>
@@ -7647,7 +7296,7 @@
                 <a:lstStyle/>
                 <a:p>
                   <a:pPr algn="ctr"/>
-                  <a:endParaRPr lang="en-US" altLang="zh-CN" sz="2400" b="0" dirty="0"/>
+                  <a:endParaRPr lang="en-US" altLang="zh-CN" sz="2400" dirty="0"/>
                 </a:p>
               </p:txBody>
             </p:sp>
@@ -7694,7 +7343,7 @@
                 <a:lstStyle/>
                 <a:p>
                   <a:pPr algn="ctr"/>
-                  <a:endParaRPr lang="en-US" altLang="zh-CN" sz="2400" b="0" dirty="0"/>
+                  <a:endParaRPr lang="en-US" altLang="zh-CN" sz="2400" dirty="0"/>
                 </a:p>
               </p:txBody>
             </p:sp>
@@ -7740,7 +7389,7 @@
                 <a:lstStyle/>
                 <a:p>
                   <a:pPr algn="ctr"/>
-                  <a:endParaRPr lang="en-US" altLang="zh-CN" sz="2400" b="0" dirty="0"/>
+                  <a:endParaRPr lang="en-US" altLang="zh-CN" sz="2400" dirty="0"/>
                 </a:p>
               </p:txBody>
             </p:sp>
@@ -7787,7 +7436,7 @@
                 <a:lstStyle/>
                 <a:p>
                   <a:pPr algn="ctr"/>
-                  <a:endParaRPr lang="en-US" altLang="zh-CN" sz="2400" b="0" dirty="0"/>
+                  <a:endParaRPr lang="en-US" altLang="zh-CN" sz="2400" dirty="0"/>
                 </a:p>
               </p:txBody>
             </p:sp>
@@ -7834,7 +7483,7 @@
                 <a:lstStyle/>
                 <a:p>
                   <a:pPr algn="ctr"/>
-                  <a:endParaRPr lang="en-US" altLang="zh-CN" sz="2400" b="0" dirty="0"/>
+                  <a:endParaRPr lang="en-US" altLang="zh-CN" sz="2400" dirty="0"/>
                 </a:p>
               </p:txBody>
             </p:sp>
@@ -7881,7 +7530,7 @@
                 <a:lstStyle/>
                 <a:p>
                   <a:pPr algn="ctr"/>
-                  <a:endParaRPr lang="en-US" altLang="zh-CN" sz="2400" b="0" dirty="0"/>
+                  <a:endParaRPr lang="en-US" altLang="zh-CN" sz="2400" dirty="0"/>
                 </a:p>
               </p:txBody>
             </p:sp>
@@ -7930,7 +7579,7 @@
                 <a:lstStyle/>
                 <a:p>
                   <a:pPr algn="ctr"/>
-                  <a:endParaRPr lang="en-US" altLang="zh-CN" sz="2400" b="0" dirty="0"/>
+                  <a:endParaRPr lang="en-US" altLang="zh-CN" sz="2400" dirty="0"/>
                 </a:p>
               </p:txBody>
             </p:sp>
@@ -7977,7 +7626,7 @@
                 <a:lstStyle/>
                 <a:p>
                   <a:pPr algn="ctr"/>
-                  <a:endParaRPr lang="en-US" altLang="zh-CN" sz="2400" b="0" dirty="0"/>
+                  <a:endParaRPr lang="en-US" altLang="zh-CN" sz="2400" dirty="0"/>
                 </a:p>
               </p:txBody>
             </p:sp>
@@ -8024,7 +7673,7 @@
                 <a:lstStyle/>
                 <a:p>
                   <a:pPr algn="ctr"/>
-                  <a:endParaRPr lang="en-US" altLang="zh-CN" sz="2400" b="0" dirty="0"/>
+                  <a:endParaRPr lang="en-US" altLang="zh-CN" sz="2400" dirty="0"/>
                 </a:p>
               </p:txBody>
             </p:sp>
@@ -8071,7 +7720,7 @@
                 <a:lstStyle/>
                 <a:p>
                   <a:pPr algn="ctr"/>
-                  <a:endParaRPr lang="en-US" altLang="zh-CN" sz="2400" b="0" dirty="0"/>
+                  <a:endParaRPr lang="en-US" altLang="zh-CN" sz="2400" dirty="0"/>
                 </a:p>
               </p:txBody>
             </p:sp>
@@ -8120,7 +7769,7 @@
                 <a:lstStyle/>
                 <a:p>
                   <a:pPr algn="ctr"/>
-                  <a:endParaRPr lang="en-US" altLang="zh-CN" sz="2400" b="0" dirty="0"/>
+                  <a:endParaRPr lang="en-US" altLang="zh-CN" sz="2400" dirty="0"/>
                 </a:p>
               </p:txBody>
             </p:sp>
@@ -8167,7 +7816,7 @@
                 <a:lstStyle/>
                 <a:p>
                   <a:pPr algn="ctr"/>
-                  <a:endParaRPr lang="en-US" altLang="zh-CN" sz="2400" b="0" dirty="0"/>
+                  <a:endParaRPr lang="en-US" altLang="zh-CN" sz="2400" dirty="0"/>
                 </a:p>
               </p:txBody>
             </p:sp>
@@ -8214,7 +7863,7 @@
                 <a:lstStyle/>
                 <a:p>
                   <a:pPr algn="ctr"/>
-                  <a:endParaRPr lang="en-US" altLang="zh-CN" sz="2400" b="0" dirty="0"/>
+                  <a:endParaRPr lang="en-US" altLang="zh-CN" sz="2400" dirty="0"/>
                 </a:p>
               </p:txBody>
             </p:sp>
@@ -8282,7 +7931,7 @@
                 <a:lstStyle/>
                 <a:p>
                   <a:pPr algn="ctr"/>
-                  <a:endParaRPr lang="en-US" altLang="zh-CN" sz="2400" b="0" dirty="0"/>
+                  <a:endParaRPr lang="en-US" altLang="zh-CN" sz="2400" dirty="0"/>
                 </a:p>
               </p:txBody>
             </p:sp>
@@ -8328,7 +7977,7 @@
                 <a:lstStyle/>
                 <a:p>
                   <a:pPr algn="ctr"/>
-                  <a:endParaRPr lang="en-US" altLang="zh-CN" sz="2400" b="0" dirty="0"/>
+                  <a:endParaRPr lang="en-US" altLang="zh-CN" sz="2400" dirty="0"/>
                 </a:p>
               </p:txBody>
             </p:sp>
@@ -8375,7 +8024,7 @@
                 <a:lstStyle/>
                 <a:p>
                   <a:pPr algn="ctr"/>
-                  <a:endParaRPr lang="en-US" altLang="zh-CN" sz="2400" b="0" dirty="0"/>
+                  <a:endParaRPr lang="en-US" altLang="zh-CN" sz="2400" dirty="0"/>
                 </a:p>
               </p:txBody>
             </p:sp>
@@ -8422,7 +8071,7 @@
                 <a:lstStyle/>
                 <a:p>
                   <a:pPr algn="ctr"/>
-                  <a:endParaRPr lang="en-US" altLang="zh-CN" sz="2400" b="0" dirty="0"/>
+                  <a:endParaRPr lang="en-US" altLang="zh-CN" sz="2400" dirty="0"/>
                 </a:p>
               </p:txBody>
             </p:sp>
@@ -8469,7 +8118,7 @@
                 <a:lstStyle/>
                 <a:p>
                   <a:pPr algn="ctr"/>
-                  <a:endParaRPr lang="en-US" altLang="zh-CN" sz="2400" b="0" dirty="0"/>
+                  <a:endParaRPr lang="en-US" altLang="zh-CN" sz="2400" dirty="0"/>
                 </a:p>
               </p:txBody>
             </p:sp>
@@ -8515,7 +8164,7 @@
                 <a:lstStyle/>
                 <a:p>
                   <a:pPr algn="ctr"/>
-                  <a:endParaRPr lang="en-US" altLang="zh-CN" sz="2400" b="0" dirty="0"/>
+                  <a:endParaRPr lang="en-US" altLang="zh-CN" sz="2400" dirty="0"/>
                 </a:p>
               </p:txBody>
             </p:sp>
@@ -8562,7 +8211,7 @@
                 <a:lstStyle/>
                 <a:p>
                   <a:pPr algn="ctr"/>
-                  <a:endParaRPr lang="en-US" altLang="zh-CN" sz="2400" b="0" dirty="0"/>
+                  <a:endParaRPr lang="en-US" altLang="zh-CN" sz="2400" dirty="0"/>
                 </a:p>
               </p:txBody>
             </p:sp>
@@ -8609,7 +8258,7 @@
                 <a:lstStyle/>
                 <a:p>
                   <a:pPr algn="ctr"/>
-                  <a:endParaRPr lang="en-US" altLang="zh-CN" sz="2400" b="0" dirty="0"/>
+                  <a:endParaRPr lang="en-US" altLang="zh-CN" sz="2400" dirty="0"/>
                 </a:p>
               </p:txBody>
             </p:sp>
@@ -8656,7 +8305,7 @@
                 <a:lstStyle/>
                 <a:p>
                   <a:pPr algn="ctr"/>
-                  <a:endParaRPr lang="en-US" altLang="zh-CN" sz="2400" b="0" dirty="0"/>
+                  <a:endParaRPr lang="en-US" altLang="zh-CN" sz="2400" dirty="0"/>
                 </a:p>
               </p:txBody>
             </p:sp>
@@ -8705,7 +8354,7 @@
                 <a:lstStyle/>
                 <a:p>
                   <a:pPr algn="ctr"/>
-                  <a:endParaRPr lang="en-US" altLang="zh-CN" sz="2400" b="0" dirty="0"/>
+                  <a:endParaRPr lang="en-US" altLang="zh-CN" sz="2400" dirty="0"/>
                 </a:p>
               </p:txBody>
             </p:sp>
@@ -8752,7 +8401,7 @@
                 <a:lstStyle/>
                 <a:p>
                   <a:pPr algn="ctr"/>
-                  <a:endParaRPr lang="en-US" altLang="zh-CN" sz="2400" b="0" dirty="0"/>
+                  <a:endParaRPr lang="en-US" altLang="zh-CN" sz="2400" dirty="0"/>
                 </a:p>
               </p:txBody>
             </p:sp>
@@ -8799,7 +8448,7 @@
                 <a:lstStyle/>
                 <a:p>
                   <a:pPr algn="ctr"/>
-                  <a:endParaRPr lang="en-US" altLang="zh-CN" sz="2400" b="0" dirty="0"/>
+                  <a:endParaRPr lang="en-US" altLang="zh-CN" sz="2400" dirty="0"/>
                 </a:p>
               </p:txBody>
             </p:sp>
@@ -8846,7 +8495,7 @@
                 <a:lstStyle/>
                 <a:p>
                   <a:pPr algn="ctr"/>
-                  <a:endParaRPr lang="en-US" altLang="zh-CN" sz="2400" b="0" dirty="0"/>
+                  <a:endParaRPr lang="en-US" altLang="zh-CN" sz="2400" dirty="0"/>
                 </a:p>
               </p:txBody>
             </p:sp>
@@ -8895,7 +8544,7 @@
                 <a:lstStyle/>
                 <a:p>
                   <a:pPr algn="ctr"/>
-                  <a:endParaRPr lang="en-US" altLang="zh-CN" sz="2400" b="0" dirty="0"/>
+                  <a:endParaRPr lang="en-US" altLang="zh-CN" sz="2400" dirty="0"/>
                 </a:p>
               </p:txBody>
             </p:sp>
@@ -8942,7 +8591,7 @@
                 <a:lstStyle/>
                 <a:p>
                   <a:pPr algn="ctr"/>
-                  <a:endParaRPr lang="en-US" altLang="zh-CN" sz="2400" b="0" dirty="0"/>
+                  <a:endParaRPr lang="en-US" altLang="zh-CN" sz="2400" dirty="0"/>
                 </a:p>
               </p:txBody>
             </p:sp>
@@ -8989,7 +8638,7 @@
                 <a:lstStyle/>
                 <a:p>
                   <a:pPr algn="ctr"/>
-                  <a:endParaRPr lang="en-US" altLang="zh-CN" sz="2400" b="0" dirty="0"/>
+                  <a:endParaRPr lang="en-US" altLang="zh-CN" sz="2400" dirty="0"/>
                 </a:p>
               </p:txBody>
             </p:sp>
@@ -9010,7 +8659,7 @@
         </p:nvGrpSpPr>
         <p:grpSpPr>
           <a:xfrm>
-            <a:off x="9590190" y="3881633"/>
+            <a:off x="26534371" y="13412986"/>
             <a:ext cx="2047032" cy="1726603"/>
             <a:chOff x="8450884" y="4583902"/>
             <a:chExt cx="2047032" cy="1726603"/>
@@ -9099,7 +8748,7 @@
                 <a:lstStyle/>
                 <a:p>
                   <a:pPr algn="ctr"/>
-                  <a:endParaRPr lang="en-US" altLang="zh-CN" sz="2400" b="0" dirty="0"/>
+                  <a:endParaRPr lang="en-US" altLang="zh-CN" sz="2400" dirty="0"/>
                 </a:p>
               </p:txBody>
             </p:sp>
@@ -9145,7 +8794,7 @@
                 <a:lstStyle/>
                 <a:p>
                   <a:pPr algn="ctr"/>
-                  <a:endParaRPr lang="en-US" altLang="zh-CN" sz="2400" b="0" dirty="0"/>
+                  <a:endParaRPr lang="en-US" altLang="zh-CN" sz="2400" dirty="0"/>
                 </a:p>
               </p:txBody>
             </p:sp>
@@ -9192,7 +8841,7 @@
                 <a:lstStyle/>
                 <a:p>
                   <a:pPr algn="ctr"/>
-                  <a:endParaRPr lang="en-US" altLang="zh-CN" sz="2400" b="0" dirty="0"/>
+                  <a:endParaRPr lang="en-US" altLang="zh-CN" sz="2400" dirty="0"/>
                 </a:p>
               </p:txBody>
             </p:sp>
@@ -9239,7 +8888,7 @@
                 <a:lstStyle/>
                 <a:p>
                   <a:pPr algn="ctr"/>
-                  <a:endParaRPr lang="en-US" altLang="zh-CN" sz="2400" b="0" dirty="0"/>
+                  <a:endParaRPr lang="en-US" altLang="zh-CN" sz="2400" dirty="0"/>
                 </a:p>
               </p:txBody>
             </p:sp>
@@ -9286,7 +8935,7 @@
                 <a:lstStyle/>
                 <a:p>
                   <a:pPr algn="ctr"/>
-                  <a:endParaRPr lang="en-US" altLang="zh-CN" sz="2400" b="0" dirty="0"/>
+                  <a:endParaRPr lang="en-US" altLang="zh-CN" sz="2400" dirty="0"/>
                 </a:p>
               </p:txBody>
             </p:sp>
@@ -9332,7 +8981,7 @@
                 <a:lstStyle/>
                 <a:p>
                   <a:pPr algn="ctr"/>
-                  <a:endParaRPr lang="en-US" altLang="zh-CN" sz="2400" b="0" dirty="0"/>
+                  <a:endParaRPr lang="en-US" altLang="zh-CN" sz="2400" dirty="0"/>
                 </a:p>
               </p:txBody>
             </p:sp>
@@ -9379,7 +9028,7 @@
                 <a:lstStyle/>
                 <a:p>
                   <a:pPr algn="ctr"/>
-                  <a:endParaRPr lang="en-US" altLang="zh-CN" sz="2400" b="0" dirty="0"/>
+                  <a:endParaRPr lang="en-US" altLang="zh-CN" sz="2400" dirty="0"/>
                 </a:p>
               </p:txBody>
             </p:sp>
@@ -9426,7 +9075,7 @@
                 <a:lstStyle/>
                 <a:p>
                   <a:pPr algn="ctr"/>
-                  <a:endParaRPr lang="en-US" altLang="zh-CN" sz="2400" b="0" dirty="0"/>
+                  <a:endParaRPr lang="en-US" altLang="zh-CN" sz="2400" dirty="0"/>
                 </a:p>
               </p:txBody>
             </p:sp>
@@ -9473,7 +9122,7 @@
                 <a:lstStyle/>
                 <a:p>
                   <a:pPr algn="ctr"/>
-                  <a:endParaRPr lang="en-US" altLang="zh-CN" sz="2400" b="0" dirty="0"/>
+                  <a:endParaRPr lang="en-US" altLang="zh-CN" sz="2400" dirty="0"/>
                 </a:p>
               </p:txBody>
             </p:sp>
@@ -9522,7 +9171,7 @@
                 <a:lstStyle/>
                 <a:p>
                   <a:pPr algn="ctr"/>
-                  <a:endParaRPr lang="en-US" altLang="zh-CN" sz="2400" b="0" dirty="0"/>
+                  <a:endParaRPr lang="en-US" altLang="zh-CN" sz="2400" dirty="0"/>
                 </a:p>
               </p:txBody>
             </p:sp>
@@ -9569,7 +9218,7 @@
                 <a:lstStyle/>
                 <a:p>
                   <a:pPr algn="ctr"/>
-                  <a:endParaRPr lang="en-US" altLang="zh-CN" sz="2400" b="0" dirty="0"/>
+                  <a:endParaRPr lang="en-US" altLang="zh-CN" sz="2400" dirty="0"/>
                 </a:p>
               </p:txBody>
             </p:sp>
@@ -9616,7 +9265,7 @@
                 <a:lstStyle/>
                 <a:p>
                   <a:pPr algn="ctr"/>
-                  <a:endParaRPr lang="en-US" altLang="zh-CN" sz="2400" b="0" dirty="0"/>
+                  <a:endParaRPr lang="en-US" altLang="zh-CN" sz="2400" dirty="0"/>
                 </a:p>
               </p:txBody>
             </p:sp>
@@ -9663,7 +9312,7 @@
                 <a:lstStyle/>
                 <a:p>
                   <a:pPr algn="ctr"/>
-                  <a:endParaRPr lang="en-US" altLang="zh-CN" sz="2400" b="0" dirty="0"/>
+                  <a:endParaRPr lang="en-US" altLang="zh-CN" sz="2400" dirty="0"/>
                 </a:p>
               </p:txBody>
             </p:sp>
@@ -9712,7 +9361,7 @@
                 <a:lstStyle/>
                 <a:p>
                   <a:pPr algn="ctr"/>
-                  <a:endParaRPr lang="en-US" altLang="zh-CN" sz="2400" b="0" dirty="0"/>
+                  <a:endParaRPr lang="en-US" altLang="zh-CN" sz="2400" dirty="0"/>
                 </a:p>
               </p:txBody>
             </p:sp>
@@ -9759,7 +9408,7 @@
                 <a:lstStyle/>
                 <a:p>
                   <a:pPr algn="ctr"/>
-                  <a:endParaRPr lang="en-US" altLang="zh-CN" sz="2400" b="0" dirty="0"/>
+                  <a:endParaRPr lang="en-US" altLang="zh-CN" sz="2400" dirty="0"/>
                 </a:p>
               </p:txBody>
             </p:sp>
@@ -9806,7 +9455,7 @@
                 <a:lstStyle/>
                 <a:p>
                   <a:pPr algn="ctr"/>
-                  <a:endParaRPr lang="en-US" altLang="zh-CN" sz="2400" b="0" dirty="0"/>
+                  <a:endParaRPr lang="en-US" altLang="zh-CN" sz="2400" dirty="0"/>
                 </a:p>
               </p:txBody>
             </p:sp>
@@ -9874,7 +9523,7 @@
                 <a:lstStyle/>
                 <a:p>
                   <a:pPr algn="ctr"/>
-                  <a:endParaRPr lang="en-US" altLang="zh-CN" sz="2400" b="0" dirty="0"/>
+                  <a:endParaRPr lang="en-US" altLang="zh-CN" sz="2400" dirty="0"/>
                 </a:p>
               </p:txBody>
             </p:sp>
@@ -9920,7 +9569,7 @@
                 <a:lstStyle/>
                 <a:p>
                   <a:pPr algn="ctr"/>
-                  <a:endParaRPr lang="en-US" altLang="zh-CN" sz="2400" b="0" dirty="0"/>
+                  <a:endParaRPr lang="en-US" altLang="zh-CN" sz="2400" dirty="0"/>
                 </a:p>
               </p:txBody>
             </p:sp>
@@ -9967,7 +9616,7 @@
                 <a:lstStyle/>
                 <a:p>
                   <a:pPr algn="ctr"/>
-                  <a:endParaRPr lang="en-US" altLang="zh-CN" sz="2400" b="0" dirty="0"/>
+                  <a:endParaRPr lang="en-US" altLang="zh-CN" sz="2400" dirty="0"/>
                 </a:p>
               </p:txBody>
             </p:sp>
@@ -10014,7 +9663,7 @@
                 <a:lstStyle/>
                 <a:p>
                   <a:pPr algn="ctr"/>
-                  <a:endParaRPr lang="en-US" altLang="zh-CN" sz="2400" b="0" dirty="0"/>
+                  <a:endParaRPr lang="en-US" altLang="zh-CN" sz="2400" dirty="0"/>
                 </a:p>
               </p:txBody>
             </p:sp>
@@ -10061,7 +9710,7 @@
                 <a:lstStyle/>
                 <a:p>
                   <a:pPr algn="ctr"/>
-                  <a:endParaRPr lang="en-US" altLang="zh-CN" sz="2400" b="0" dirty="0"/>
+                  <a:endParaRPr lang="en-US" altLang="zh-CN" sz="2400" dirty="0"/>
                 </a:p>
               </p:txBody>
             </p:sp>
@@ -10107,7 +9756,7 @@
                 <a:lstStyle/>
                 <a:p>
                   <a:pPr algn="ctr"/>
-                  <a:endParaRPr lang="en-US" altLang="zh-CN" sz="2400" b="0" dirty="0"/>
+                  <a:endParaRPr lang="en-US" altLang="zh-CN" sz="2400" dirty="0"/>
                 </a:p>
               </p:txBody>
             </p:sp>
@@ -10154,7 +9803,7 @@
                 <a:lstStyle/>
                 <a:p>
                   <a:pPr algn="ctr"/>
-                  <a:endParaRPr lang="en-US" altLang="zh-CN" sz="2400" b="0" dirty="0"/>
+                  <a:endParaRPr lang="en-US" altLang="zh-CN" sz="2400" dirty="0"/>
                 </a:p>
               </p:txBody>
             </p:sp>
@@ -10201,7 +9850,7 @@
                 <a:lstStyle/>
                 <a:p>
                   <a:pPr algn="ctr"/>
-                  <a:endParaRPr lang="en-US" altLang="zh-CN" sz="2400" b="0" dirty="0"/>
+                  <a:endParaRPr lang="en-US" altLang="zh-CN" sz="2400" dirty="0"/>
                 </a:p>
               </p:txBody>
             </p:sp>
@@ -10248,7 +9897,7 @@
                 <a:lstStyle/>
                 <a:p>
                   <a:pPr algn="ctr"/>
-                  <a:endParaRPr lang="en-US" altLang="zh-CN" sz="2400" b="0" dirty="0"/>
+                  <a:endParaRPr lang="en-US" altLang="zh-CN" sz="2400" dirty="0"/>
                 </a:p>
               </p:txBody>
             </p:sp>
@@ -10297,7 +9946,7 @@
                 <a:lstStyle/>
                 <a:p>
                   <a:pPr algn="ctr"/>
-                  <a:endParaRPr lang="en-US" altLang="zh-CN" sz="2400" b="0" dirty="0"/>
+                  <a:endParaRPr lang="en-US" altLang="zh-CN" sz="2400" dirty="0"/>
                 </a:p>
               </p:txBody>
             </p:sp>
@@ -10344,7 +9993,7 @@
                 <a:lstStyle/>
                 <a:p>
                   <a:pPr algn="ctr"/>
-                  <a:endParaRPr lang="en-US" altLang="zh-CN" sz="2400" b="0" dirty="0"/>
+                  <a:endParaRPr lang="en-US" altLang="zh-CN" sz="2400" dirty="0"/>
                 </a:p>
               </p:txBody>
             </p:sp>
@@ -10391,7 +10040,7 @@
                 <a:lstStyle/>
                 <a:p>
                   <a:pPr algn="ctr"/>
-                  <a:endParaRPr lang="en-US" altLang="zh-CN" sz="2400" b="0" dirty="0"/>
+                  <a:endParaRPr lang="en-US" altLang="zh-CN" sz="2400" dirty="0"/>
                 </a:p>
               </p:txBody>
             </p:sp>
@@ -10438,7 +10087,7 @@
                 <a:lstStyle/>
                 <a:p>
                   <a:pPr algn="ctr"/>
-                  <a:endParaRPr lang="en-US" altLang="zh-CN" sz="2400" b="0" dirty="0"/>
+                  <a:endParaRPr lang="en-US" altLang="zh-CN" sz="2400" dirty="0"/>
                 </a:p>
               </p:txBody>
             </p:sp>
@@ -10487,7 +10136,7 @@
                 <a:lstStyle/>
                 <a:p>
                   <a:pPr algn="ctr"/>
-                  <a:endParaRPr lang="en-US" altLang="zh-CN" sz="2400" b="0" dirty="0"/>
+                  <a:endParaRPr lang="en-US" altLang="zh-CN" sz="2400" dirty="0"/>
                 </a:p>
               </p:txBody>
             </p:sp>
@@ -10534,7 +10183,7 @@
                 <a:lstStyle/>
                 <a:p>
                   <a:pPr algn="ctr"/>
-                  <a:endParaRPr lang="en-US" altLang="zh-CN" sz="2400" b="0" dirty="0"/>
+                  <a:endParaRPr lang="en-US" altLang="zh-CN" sz="2400" dirty="0"/>
                 </a:p>
               </p:txBody>
             </p:sp>
@@ -10581,7 +10230,7 @@
                 <a:lstStyle/>
                 <a:p>
                   <a:pPr algn="ctr"/>
-                  <a:endParaRPr lang="en-US" altLang="zh-CN" sz="2400" b="0" dirty="0"/>
+                  <a:endParaRPr lang="en-US" altLang="zh-CN" sz="2400" dirty="0"/>
                 </a:p>
               </p:txBody>
             </p:sp>
@@ -10669,7 +10318,7 @@
                   <a:lstStyle/>
                   <a:p>
                     <a:pPr algn="ctr"/>
-                    <a:endParaRPr lang="en-US" altLang="zh-CN" sz="2400" b="0" dirty="0"/>
+                    <a:endParaRPr lang="en-US" altLang="zh-CN" sz="2400" dirty="0"/>
                   </a:p>
                 </p:txBody>
               </p:sp>
@@ -10715,7 +10364,7 @@
                   <a:lstStyle/>
                   <a:p>
                     <a:pPr algn="ctr"/>
-                    <a:endParaRPr lang="en-US" altLang="zh-CN" sz="2400" b="0" dirty="0"/>
+                    <a:endParaRPr lang="en-US" altLang="zh-CN" sz="2400" dirty="0"/>
                   </a:p>
                 </p:txBody>
               </p:sp>
@@ -10762,7 +10411,7 @@
                   <a:lstStyle/>
                   <a:p>
                     <a:pPr algn="ctr"/>
-                    <a:endParaRPr lang="en-US" altLang="zh-CN" sz="2400" b="0" dirty="0"/>
+                    <a:endParaRPr lang="en-US" altLang="zh-CN" sz="2400" dirty="0"/>
                   </a:p>
                 </p:txBody>
               </p:sp>
@@ -10809,7 +10458,7 @@
                   <a:lstStyle/>
                   <a:p>
                     <a:pPr algn="ctr"/>
-                    <a:endParaRPr lang="en-US" altLang="zh-CN" sz="2400" b="0" dirty="0"/>
+                    <a:endParaRPr lang="en-US" altLang="zh-CN" sz="2400" dirty="0"/>
                   </a:p>
                 </p:txBody>
               </p:sp>
@@ -10856,7 +10505,7 @@
                   <a:lstStyle/>
                   <a:p>
                     <a:pPr algn="ctr"/>
-                    <a:endParaRPr lang="en-US" altLang="zh-CN" sz="2400" b="0" dirty="0"/>
+                    <a:endParaRPr lang="en-US" altLang="zh-CN" sz="2400" dirty="0"/>
                   </a:p>
                 </p:txBody>
               </p:sp>
@@ -10902,7 +10551,7 @@
                   <a:lstStyle/>
                   <a:p>
                     <a:pPr algn="ctr"/>
-                    <a:endParaRPr lang="en-US" altLang="zh-CN" sz="2400" b="0" dirty="0"/>
+                    <a:endParaRPr lang="en-US" altLang="zh-CN" sz="2400" dirty="0"/>
                   </a:p>
                 </p:txBody>
               </p:sp>
@@ -10949,7 +10598,7 @@
                   <a:lstStyle/>
                   <a:p>
                     <a:pPr algn="ctr"/>
-                    <a:endParaRPr lang="en-US" altLang="zh-CN" sz="2400" b="0" dirty="0"/>
+                    <a:endParaRPr lang="en-US" altLang="zh-CN" sz="2400" dirty="0"/>
                   </a:p>
                 </p:txBody>
               </p:sp>
@@ -10996,7 +10645,7 @@
                   <a:lstStyle/>
                   <a:p>
                     <a:pPr algn="ctr"/>
-                    <a:endParaRPr lang="en-US" altLang="zh-CN" sz="2400" b="0" dirty="0"/>
+                    <a:endParaRPr lang="en-US" altLang="zh-CN" sz="2400" dirty="0"/>
                   </a:p>
                 </p:txBody>
               </p:sp>
@@ -11043,7 +10692,7 @@
                   <a:lstStyle/>
                   <a:p>
                     <a:pPr algn="ctr"/>
-                    <a:endParaRPr lang="en-US" altLang="zh-CN" sz="2400" b="0" dirty="0"/>
+                    <a:endParaRPr lang="en-US" altLang="zh-CN" sz="2400" dirty="0"/>
                   </a:p>
                 </p:txBody>
               </p:sp>
@@ -11092,7 +10741,7 @@
                   <a:lstStyle/>
                   <a:p>
                     <a:pPr algn="ctr"/>
-                    <a:endParaRPr lang="en-US" altLang="zh-CN" sz="2400" b="0" dirty="0"/>
+                    <a:endParaRPr lang="en-US" altLang="zh-CN" sz="2400" dirty="0"/>
                   </a:p>
                 </p:txBody>
               </p:sp>
@@ -11139,7 +10788,7 @@
                   <a:lstStyle/>
                   <a:p>
                     <a:pPr algn="ctr"/>
-                    <a:endParaRPr lang="en-US" altLang="zh-CN" sz="2400" b="0" dirty="0"/>
+                    <a:endParaRPr lang="en-US" altLang="zh-CN" sz="2400" dirty="0"/>
                   </a:p>
                 </p:txBody>
               </p:sp>
@@ -11186,7 +10835,7 @@
                   <a:lstStyle/>
                   <a:p>
                     <a:pPr algn="ctr"/>
-                    <a:endParaRPr lang="en-US" altLang="zh-CN" sz="2400" b="0" dirty="0"/>
+                    <a:endParaRPr lang="en-US" altLang="zh-CN" sz="2400" dirty="0"/>
                   </a:p>
                 </p:txBody>
               </p:sp>
@@ -11233,7 +10882,7 @@
                   <a:lstStyle/>
                   <a:p>
                     <a:pPr algn="ctr"/>
-                    <a:endParaRPr lang="en-US" altLang="zh-CN" sz="2400" b="0" dirty="0"/>
+                    <a:endParaRPr lang="en-US" altLang="zh-CN" sz="2400" dirty="0"/>
                   </a:p>
                 </p:txBody>
               </p:sp>
@@ -11282,7 +10931,7 @@
                   <a:lstStyle/>
                   <a:p>
                     <a:pPr algn="ctr"/>
-                    <a:endParaRPr lang="en-US" altLang="zh-CN" sz="2400" b="0" dirty="0"/>
+                    <a:endParaRPr lang="en-US" altLang="zh-CN" sz="2400" dirty="0"/>
                   </a:p>
                 </p:txBody>
               </p:sp>
@@ -11329,7 +10978,7 @@
                   <a:lstStyle/>
                   <a:p>
                     <a:pPr algn="ctr"/>
-                    <a:endParaRPr lang="en-US" altLang="zh-CN" sz="2400" b="0" dirty="0"/>
+                    <a:endParaRPr lang="en-US" altLang="zh-CN" sz="2400" dirty="0"/>
                   </a:p>
                 </p:txBody>
               </p:sp>
@@ -11376,7 +11025,7 @@
                   <a:lstStyle/>
                   <a:p>
                     <a:pPr algn="ctr"/>
-                    <a:endParaRPr lang="en-US" altLang="zh-CN" sz="2400" b="0" dirty="0"/>
+                    <a:endParaRPr lang="en-US" altLang="zh-CN" sz="2400" dirty="0"/>
                   </a:p>
                 </p:txBody>
               </p:sp>
@@ -11444,7 +11093,7 @@
                   <a:lstStyle/>
                   <a:p>
                     <a:pPr algn="ctr"/>
-                    <a:endParaRPr lang="en-US" altLang="zh-CN" sz="2400" b="0" dirty="0"/>
+                    <a:endParaRPr lang="en-US" altLang="zh-CN" sz="2400" dirty="0"/>
                   </a:p>
                 </p:txBody>
               </p:sp>
@@ -11490,7 +11139,7 @@
                   <a:lstStyle/>
                   <a:p>
                     <a:pPr algn="ctr"/>
-                    <a:endParaRPr lang="en-US" altLang="zh-CN" sz="2400" b="0" dirty="0"/>
+                    <a:endParaRPr lang="en-US" altLang="zh-CN" sz="2400" dirty="0"/>
                   </a:p>
                 </p:txBody>
               </p:sp>
@@ -11537,7 +11186,7 @@
                   <a:lstStyle/>
                   <a:p>
                     <a:pPr algn="ctr"/>
-                    <a:endParaRPr lang="en-US" altLang="zh-CN" sz="2400" b="0" dirty="0"/>
+                    <a:endParaRPr lang="en-US" altLang="zh-CN" sz="2400" dirty="0"/>
                   </a:p>
                 </p:txBody>
               </p:sp>
@@ -11584,7 +11233,7 @@
                   <a:lstStyle/>
                   <a:p>
                     <a:pPr algn="ctr"/>
-                    <a:endParaRPr lang="en-US" altLang="zh-CN" sz="2400" b="0" dirty="0"/>
+                    <a:endParaRPr lang="en-US" altLang="zh-CN" sz="2400" dirty="0"/>
                   </a:p>
                 </p:txBody>
               </p:sp>
@@ -11631,7 +11280,7 @@
                   <a:lstStyle/>
                   <a:p>
                     <a:pPr algn="ctr"/>
-                    <a:endParaRPr lang="en-US" altLang="zh-CN" sz="2400" b="0" dirty="0"/>
+                    <a:endParaRPr lang="en-US" altLang="zh-CN" sz="2400" dirty="0"/>
                   </a:p>
                 </p:txBody>
               </p:sp>
@@ -11677,7 +11326,7 @@
                   <a:lstStyle/>
                   <a:p>
                     <a:pPr algn="ctr"/>
-                    <a:endParaRPr lang="en-US" altLang="zh-CN" sz="2400" b="0" dirty="0"/>
+                    <a:endParaRPr lang="en-US" altLang="zh-CN" sz="2400" dirty="0"/>
                   </a:p>
                 </p:txBody>
               </p:sp>
@@ -11724,7 +11373,7 @@
                   <a:lstStyle/>
                   <a:p>
                     <a:pPr algn="ctr"/>
-                    <a:endParaRPr lang="en-US" altLang="zh-CN" sz="2400" b="0" dirty="0"/>
+                    <a:endParaRPr lang="en-US" altLang="zh-CN" sz="2400" dirty="0"/>
                   </a:p>
                 </p:txBody>
               </p:sp>
@@ -11771,7 +11420,7 @@
                   <a:lstStyle/>
                   <a:p>
                     <a:pPr algn="ctr"/>
-                    <a:endParaRPr lang="en-US" altLang="zh-CN" sz="2400" b="0" dirty="0"/>
+                    <a:endParaRPr lang="en-US" altLang="zh-CN" sz="2400" dirty="0"/>
                   </a:p>
                 </p:txBody>
               </p:sp>
@@ -11818,7 +11467,7 @@
                   <a:lstStyle/>
                   <a:p>
                     <a:pPr algn="ctr"/>
-                    <a:endParaRPr lang="en-US" altLang="zh-CN" sz="2400" b="0" dirty="0"/>
+                    <a:endParaRPr lang="en-US" altLang="zh-CN" sz="2400" dirty="0"/>
                   </a:p>
                 </p:txBody>
               </p:sp>
@@ -11867,7 +11516,7 @@
                   <a:lstStyle/>
                   <a:p>
                     <a:pPr algn="ctr"/>
-                    <a:endParaRPr lang="en-US" altLang="zh-CN" sz="2400" b="0" dirty="0"/>
+                    <a:endParaRPr lang="en-US" altLang="zh-CN" sz="2400" dirty="0"/>
                   </a:p>
                 </p:txBody>
               </p:sp>
@@ -11914,7 +11563,7 @@
                   <a:lstStyle/>
                   <a:p>
                     <a:pPr algn="ctr"/>
-                    <a:endParaRPr lang="en-US" altLang="zh-CN" sz="2400" b="0" dirty="0"/>
+                    <a:endParaRPr lang="en-US" altLang="zh-CN" sz="2400" dirty="0"/>
                   </a:p>
                 </p:txBody>
               </p:sp>
@@ -11961,7 +11610,7 @@
                   <a:lstStyle/>
                   <a:p>
                     <a:pPr algn="ctr"/>
-                    <a:endParaRPr lang="en-US" altLang="zh-CN" sz="2400" b="0" dirty="0"/>
+                    <a:endParaRPr lang="en-US" altLang="zh-CN" sz="2400" dirty="0"/>
                   </a:p>
                 </p:txBody>
               </p:sp>
@@ -12008,7 +11657,7 @@
                   <a:lstStyle/>
                   <a:p>
                     <a:pPr algn="ctr"/>
-                    <a:endParaRPr lang="en-US" altLang="zh-CN" sz="2400" b="0" dirty="0"/>
+                    <a:endParaRPr lang="en-US" altLang="zh-CN" sz="2400" dirty="0"/>
                   </a:p>
                 </p:txBody>
               </p:sp>
@@ -12057,7 +11706,7 @@
                   <a:lstStyle/>
                   <a:p>
                     <a:pPr algn="ctr"/>
-                    <a:endParaRPr lang="en-US" altLang="zh-CN" sz="2400" b="0" dirty="0"/>
+                    <a:endParaRPr lang="en-US" altLang="zh-CN" sz="2400" dirty="0"/>
                   </a:p>
                 </p:txBody>
               </p:sp>
@@ -12104,7 +11753,7 @@
                   <a:lstStyle/>
                   <a:p>
                     <a:pPr algn="ctr"/>
-                    <a:endParaRPr lang="en-US" altLang="zh-CN" sz="2400" b="0" dirty="0"/>
+                    <a:endParaRPr lang="en-US" altLang="zh-CN" sz="2400" dirty="0"/>
                   </a:p>
                 </p:txBody>
               </p:sp>
@@ -12151,7 +11800,7 @@
                   <a:lstStyle/>
                   <a:p>
                     <a:pPr algn="ctr"/>
-                    <a:endParaRPr lang="en-US" altLang="zh-CN" sz="2400" b="0" dirty="0"/>
+                    <a:endParaRPr lang="en-US" altLang="zh-CN" sz="2400" dirty="0"/>
                   </a:p>
                 </p:txBody>
               </p:sp>
@@ -12241,7 +11890,7 @@
                 <a:lstStyle/>
                 <a:p>
                   <a:pPr algn="ctr"/>
-                  <a:endParaRPr lang="en-US" altLang="zh-CN" sz="2400" b="0" dirty="0"/>
+                  <a:endParaRPr lang="en-US" altLang="zh-CN" sz="2400" dirty="0"/>
                 </a:p>
               </p:txBody>
             </p:sp>
@@ -12287,7 +11936,7 @@
                 <a:lstStyle/>
                 <a:p>
                   <a:pPr algn="ctr"/>
-                  <a:endParaRPr lang="en-US" altLang="zh-CN" sz="2400" b="0" dirty="0"/>
+                  <a:endParaRPr lang="en-US" altLang="zh-CN" sz="2400" dirty="0"/>
                 </a:p>
               </p:txBody>
             </p:sp>
@@ -12334,7 +11983,7 @@
                 <a:lstStyle/>
                 <a:p>
                   <a:pPr algn="ctr"/>
-                  <a:endParaRPr lang="en-US" altLang="zh-CN" sz="2400" b="0" dirty="0"/>
+                  <a:endParaRPr lang="en-US" altLang="zh-CN" sz="2400" dirty="0"/>
                 </a:p>
               </p:txBody>
             </p:sp>
@@ -12381,7 +12030,7 @@
                 <a:lstStyle/>
                 <a:p>
                   <a:pPr algn="ctr"/>
-                  <a:endParaRPr lang="en-US" altLang="zh-CN" sz="2400" b="0" dirty="0"/>
+                  <a:endParaRPr lang="en-US" altLang="zh-CN" sz="2400" dirty="0"/>
                 </a:p>
               </p:txBody>
             </p:sp>
@@ -12428,7 +12077,7 @@
                 <a:lstStyle/>
                 <a:p>
                   <a:pPr algn="ctr"/>
-                  <a:endParaRPr lang="en-US" altLang="zh-CN" sz="2400" b="0" dirty="0"/>
+                  <a:endParaRPr lang="en-US" altLang="zh-CN" sz="2400" dirty="0"/>
                 </a:p>
               </p:txBody>
             </p:sp>
@@ -12474,7 +12123,7 @@
                 <a:lstStyle/>
                 <a:p>
                   <a:pPr algn="ctr"/>
-                  <a:endParaRPr lang="en-US" altLang="zh-CN" sz="2400" b="0" dirty="0"/>
+                  <a:endParaRPr lang="en-US" altLang="zh-CN" sz="2400" dirty="0"/>
                 </a:p>
               </p:txBody>
             </p:sp>
@@ -12521,7 +12170,7 @@
                 <a:lstStyle/>
                 <a:p>
                   <a:pPr algn="ctr"/>
-                  <a:endParaRPr lang="en-US" altLang="zh-CN" sz="2400" b="0" dirty="0"/>
+                  <a:endParaRPr lang="en-US" altLang="zh-CN" sz="2400" dirty="0"/>
                 </a:p>
               </p:txBody>
             </p:sp>
@@ -12568,7 +12217,7 @@
                 <a:lstStyle/>
                 <a:p>
                   <a:pPr algn="ctr"/>
-                  <a:endParaRPr lang="en-US" altLang="zh-CN" sz="2400" b="0" dirty="0"/>
+                  <a:endParaRPr lang="en-US" altLang="zh-CN" sz="2400" dirty="0"/>
                 </a:p>
               </p:txBody>
             </p:sp>
@@ -12615,7 +12264,7 @@
                 <a:lstStyle/>
                 <a:p>
                   <a:pPr algn="ctr"/>
-                  <a:endParaRPr lang="en-US" altLang="zh-CN" sz="2400" b="0" dirty="0"/>
+                  <a:endParaRPr lang="en-US" altLang="zh-CN" sz="2400" dirty="0"/>
                 </a:p>
               </p:txBody>
             </p:sp>
@@ -12664,7 +12313,7 @@
                 <a:lstStyle/>
                 <a:p>
                   <a:pPr algn="ctr"/>
-                  <a:endParaRPr lang="en-US" altLang="zh-CN" sz="2400" b="0" dirty="0"/>
+                  <a:endParaRPr lang="en-US" altLang="zh-CN" sz="2400" dirty="0"/>
                 </a:p>
               </p:txBody>
             </p:sp>
@@ -12711,7 +12360,7 @@
                 <a:lstStyle/>
                 <a:p>
                   <a:pPr algn="ctr"/>
-                  <a:endParaRPr lang="en-US" altLang="zh-CN" sz="2400" b="0" dirty="0"/>
+                  <a:endParaRPr lang="en-US" altLang="zh-CN" sz="2400" dirty="0"/>
                 </a:p>
               </p:txBody>
             </p:sp>
@@ -12758,7 +12407,7 @@
                 <a:lstStyle/>
                 <a:p>
                   <a:pPr algn="ctr"/>
-                  <a:endParaRPr lang="en-US" altLang="zh-CN" sz="2400" b="0" dirty="0"/>
+                  <a:endParaRPr lang="en-US" altLang="zh-CN" sz="2400" dirty="0"/>
                 </a:p>
               </p:txBody>
             </p:sp>
@@ -12805,7 +12454,7 @@
                 <a:lstStyle/>
                 <a:p>
                   <a:pPr algn="ctr"/>
-                  <a:endParaRPr lang="en-US" altLang="zh-CN" sz="2400" b="0" dirty="0"/>
+                  <a:endParaRPr lang="en-US" altLang="zh-CN" sz="2400" dirty="0"/>
                 </a:p>
               </p:txBody>
             </p:sp>
@@ -12854,7 +12503,7 @@
                 <a:lstStyle/>
                 <a:p>
                   <a:pPr algn="ctr"/>
-                  <a:endParaRPr lang="en-US" altLang="zh-CN" sz="2400" b="0" dirty="0"/>
+                  <a:endParaRPr lang="en-US" altLang="zh-CN" sz="2400" dirty="0"/>
                 </a:p>
               </p:txBody>
             </p:sp>
@@ -12901,7 +12550,7 @@
                 <a:lstStyle/>
                 <a:p>
                   <a:pPr algn="ctr"/>
-                  <a:endParaRPr lang="en-US" altLang="zh-CN" sz="2400" b="0" dirty="0"/>
+                  <a:endParaRPr lang="en-US" altLang="zh-CN" sz="2400" dirty="0"/>
                 </a:p>
               </p:txBody>
             </p:sp>
@@ -12948,7 +12597,7 @@
                 <a:lstStyle/>
                 <a:p>
                   <a:pPr algn="ctr"/>
-                  <a:endParaRPr lang="en-US" altLang="zh-CN" sz="2400" b="0" dirty="0"/>
+                  <a:endParaRPr lang="en-US" altLang="zh-CN" sz="2400" dirty="0"/>
                 </a:p>
               </p:txBody>
             </p:sp>
@@ -13016,7 +12665,7 @@
                 <a:lstStyle/>
                 <a:p>
                   <a:pPr algn="ctr"/>
-                  <a:endParaRPr lang="en-US" altLang="zh-CN" sz="2400" b="0" dirty="0"/>
+                  <a:endParaRPr lang="en-US" altLang="zh-CN" sz="2400" dirty="0"/>
                 </a:p>
               </p:txBody>
             </p:sp>
@@ -13062,7 +12711,7 @@
                 <a:lstStyle/>
                 <a:p>
                   <a:pPr algn="ctr"/>
-                  <a:endParaRPr lang="en-US" altLang="zh-CN" sz="2400" b="0" dirty="0"/>
+                  <a:endParaRPr lang="en-US" altLang="zh-CN" sz="2400" dirty="0"/>
                 </a:p>
               </p:txBody>
             </p:sp>
@@ -13109,7 +12758,7 @@
                 <a:lstStyle/>
                 <a:p>
                   <a:pPr algn="ctr"/>
-                  <a:endParaRPr lang="en-US" altLang="zh-CN" sz="2400" b="0" dirty="0"/>
+                  <a:endParaRPr lang="en-US" altLang="zh-CN" sz="2400" dirty="0"/>
                 </a:p>
               </p:txBody>
             </p:sp>
@@ -13156,7 +12805,7 @@
                 <a:lstStyle/>
                 <a:p>
                   <a:pPr algn="ctr"/>
-                  <a:endParaRPr lang="en-US" altLang="zh-CN" sz="2400" b="0" dirty="0"/>
+                  <a:endParaRPr lang="en-US" altLang="zh-CN" sz="2400" dirty="0"/>
                 </a:p>
               </p:txBody>
             </p:sp>
@@ -13203,7 +12852,7 @@
                 <a:lstStyle/>
                 <a:p>
                   <a:pPr algn="ctr"/>
-                  <a:endParaRPr lang="en-US" altLang="zh-CN" sz="2400" b="0" dirty="0"/>
+                  <a:endParaRPr lang="en-US" altLang="zh-CN" sz="2400" dirty="0"/>
                 </a:p>
               </p:txBody>
             </p:sp>
@@ -13249,7 +12898,7 @@
                 <a:lstStyle/>
                 <a:p>
                   <a:pPr algn="ctr"/>
-                  <a:endParaRPr lang="en-US" altLang="zh-CN" sz="2400" b="0" dirty="0"/>
+                  <a:endParaRPr lang="en-US" altLang="zh-CN" sz="2400" dirty="0"/>
                 </a:p>
               </p:txBody>
             </p:sp>
@@ -13296,7 +12945,7 @@
                 <a:lstStyle/>
                 <a:p>
                   <a:pPr algn="ctr"/>
-                  <a:endParaRPr lang="en-US" altLang="zh-CN" sz="2400" b="0" dirty="0"/>
+                  <a:endParaRPr lang="en-US" altLang="zh-CN" sz="2400" dirty="0"/>
                 </a:p>
               </p:txBody>
             </p:sp>
@@ -13343,7 +12992,7 @@
                 <a:lstStyle/>
                 <a:p>
                   <a:pPr algn="ctr"/>
-                  <a:endParaRPr lang="en-US" altLang="zh-CN" sz="2400" b="0" dirty="0"/>
+                  <a:endParaRPr lang="en-US" altLang="zh-CN" sz="2400" dirty="0"/>
                 </a:p>
               </p:txBody>
             </p:sp>
@@ -13390,7 +13039,7 @@
                 <a:lstStyle/>
                 <a:p>
                   <a:pPr algn="ctr"/>
-                  <a:endParaRPr lang="en-US" altLang="zh-CN" sz="2400" b="0" dirty="0"/>
+                  <a:endParaRPr lang="en-US" altLang="zh-CN" sz="2400" dirty="0"/>
                 </a:p>
               </p:txBody>
             </p:sp>
@@ -13439,7 +13088,7 @@
                 <a:lstStyle/>
                 <a:p>
                   <a:pPr algn="ctr"/>
-                  <a:endParaRPr lang="en-US" altLang="zh-CN" sz="2400" b="0" dirty="0"/>
+                  <a:endParaRPr lang="en-US" altLang="zh-CN" sz="2400" dirty="0"/>
                 </a:p>
               </p:txBody>
             </p:sp>
@@ -13486,7 +13135,7 @@
                 <a:lstStyle/>
                 <a:p>
                   <a:pPr algn="ctr"/>
-                  <a:endParaRPr lang="en-US" altLang="zh-CN" sz="2400" b="0" dirty="0"/>
+                  <a:endParaRPr lang="en-US" altLang="zh-CN" sz="2400" dirty="0"/>
                 </a:p>
               </p:txBody>
             </p:sp>
@@ -13533,7 +13182,7 @@
                 <a:lstStyle/>
                 <a:p>
                   <a:pPr algn="ctr"/>
-                  <a:endParaRPr lang="en-US" altLang="zh-CN" sz="2400" b="0" dirty="0"/>
+                  <a:endParaRPr lang="en-US" altLang="zh-CN" sz="2400" dirty="0"/>
                 </a:p>
               </p:txBody>
             </p:sp>
@@ -13580,7 +13229,7 @@
                 <a:lstStyle/>
                 <a:p>
                   <a:pPr algn="ctr"/>
-                  <a:endParaRPr lang="en-US" altLang="zh-CN" sz="2400" b="0" dirty="0"/>
+                  <a:endParaRPr lang="en-US" altLang="zh-CN" sz="2400" dirty="0"/>
                 </a:p>
               </p:txBody>
             </p:sp>
@@ -13629,7 +13278,7 @@
                 <a:lstStyle/>
                 <a:p>
                   <a:pPr algn="ctr"/>
-                  <a:endParaRPr lang="en-US" altLang="zh-CN" sz="2400" b="0" dirty="0"/>
+                  <a:endParaRPr lang="en-US" altLang="zh-CN" sz="2400" dirty="0"/>
                 </a:p>
               </p:txBody>
             </p:sp>
@@ -13676,7 +13325,7 @@
                 <a:lstStyle/>
                 <a:p>
                   <a:pPr algn="ctr"/>
-                  <a:endParaRPr lang="en-US" altLang="zh-CN" sz="2400" b="0" dirty="0"/>
+                  <a:endParaRPr lang="en-US" altLang="zh-CN" sz="2400" dirty="0"/>
                 </a:p>
               </p:txBody>
             </p:sp>
@@ -13723,7 +13372,7 @@
                 <a:lstStyle/>
                 <a:p>
                   <a:pPr algn="ctr"/>
-                  <a:endParaRPr lang="en-US" altLang="zh-CN" sz="2400" b="0" dirty="0"/>
+                  <a:endParaRPr lang="en-US" altLang="zh-CN" sz="2400" dirty="0"/>
                 </a:p>
               </p:txBody>
             </p:sp>
@@ -13811,7 +13460,7 @@
                   <a:lstStyle/>
                   <a:p>
                     <a:pPr algn="ctr"/>
-                    <a:endParaRPr lang="en-US" altLang="zh-CN" sz="2400" b="0" dirty="0"/>
+                    <a:endParaRPr lang="en-US" altLang="zh-CN" sz="2400" dirty="0"/>
                   </a:p>
                 </p:txBody>
               </p:sp>
@@ -13857,7 +13506,7 @@
                   <a:lstStyle/>
                   <a:p>
                     <a:pPr algn="ctr"/>
-                    <a:endParaRPr lang="en-US" altLang="zh-CN" sz="2400" b="0" dirty="0"/>
+                    <a:endParaRPr lang="en-US" altLang="zh-CN" sz="2400" dirty="0"/>
                   </a:p>
                 </p:txBody>
               </p:sp>
@@ -13904,7 +13553,7 @@
                   <a:lstStyle/>
                   <a:p>
                     <a:pPr algn="ctr"/>
-                    <a:endParaRPr lang="en-US" altLang="zh-CN" sz="2400" b="0" dirty="0"/>
+                    <a:endParaRPr lang="en-US" altLang="zh-CN" sz="2400" dirty="0"/>
                   </a:p>
                 </p:txBody>
               </p:sp>
@@ -13951,7 +13600,7 @@
                   <a:lstStyle/>
                   <a:p>
                     <a:pPr algn="ctr"/>
-                    <a:endParaRPr lang="en-US" altLang="zh-CN" sz="2400" b="0" dirty="0"/>
+                    <a:endParaRPr lang="en-US" altLang="zh-CN" sz="2400" dirty="0"/>
                   </a:p>
                 </p:txBody>
               </p:sp>
@@ -13998,7 +13647,7 @@
                   <a:lstStyle/>
                   <a:p>
                     <a:pPr algn="ctr"/>
-                    <a:endParaRPr lang="en-US" altLang="zh-CN" sz="2400" b="0" dirty="0"/>
+                    <a:endParaRPr lang="en-US" altLang="zh-CN" sz="2400" dirty="0"/>
                   </a:p>
                 </p:txBody>
               </p:sp>
@@ -14044,7 +13693,7 @@
                   <a:lstStyle/>
                   <a:p>
                     <a:pPr algn="ctr"/>
-                    <a:endParaRPr lang="en-US" altLang="zh-CN" sz="2400" b="0" dirty="0"/>
+                    <a:endParaRPr lang="en-US" altLang="zh-CN" sz="2400" dirty="0"/>
                   </a:p>
                 </p:txBody>
               </p:sp>
@@ -14091,7 +13740,7 @@
                   <a:lstStyle/>
                   <a:p>
                     <a:pPr algn="ctr"/>
-                    <a:endParaRPr lang="en-US" altLang="zh-CN" sz="2400" b="0" dirty="0"/>
+                    <a:endParaRPr lang="en-US" altLang="zh-CN" sz="2400" dirty="0"/>
                   </a:p>
                 </p:txBody>
               </p:sp>
@@ -14138,7 +13787,7 @@
                   <a:lstStyle/>
                   <a:p>
                     <a:pPr algn="ctr"/>
-                    <a:endParaRPr lang="en-US" altLang="zh-CN" sz="2400" b="0" dirty="0"/>
+                    <a:endParaRPr lang="en-US" altLang="zh-CN" sz="2400" dirty="0"/>
                   </a:p>
                 </p:txBody>
               </p:sp>
@@ -14185,7 +13834,7 @@
                   <a:lstStyle/>
                   <a:p>
                     <a:pPr algn="ctr"/>
-                    <a:endParaRPr lang="en-US" altLang="zh-CN" sz="2400" b="0" dirty="0"/>
+                    <a:endParaRPr lang="en-US" altLang="zh-CN" sz="2400" dirty="0"/>
                   </a:p>
                 </p:txBody>
               </p:sp>
@@ -14234,7 +13883,7 @@
                   <a:lstStyle/>
                   <a:p>
                     <a:pPr algn="ctr"/>
-                    <a:endParaRPr lang="en-US" altLang="zh-CN" sz="2400" b="0" dirty="0"/>
+                    <a:endParaRPr lang="en-US" altLang="zh-CN" sz="2400" dirty="0"/>
                   </a:p>
                 </p:txBody>
               </p:sp>
@@ -14281,7 +13930,7 @@
                   <a:lstStyle/>
                   <a:p>
                     <a:pPr algn="ctr"/>
-                    <a:endParaRPr lang="en-US" altLang="zh-CN" sz="2400" b="0" dirty="0"/>
+                    <a:endParaRPr lang="en-US" altLang="zh-CN" sz="2400" dirty="0"/>
                   </a:p>
                 </p:txBody>
               </p:sp>
@@ -14328,7 +13977,7 @@
                   <a:lstStyle/>
                   <a:p>
                     <a:pPr algn="ctr"/>
-                    <a:endParaRPr lang="en-US" altLang="zh-CN" sz="2400" b="0" dirty="0"/>
+                    <a:endParaRPr lang="en-US" altLang="zh-CN" sz="2400" dirty="0"/>
                   </a:p>
                 </p:txBody>
               </p:sp>
@@ -14375,7 +14024,7 @@
                   <a:lstStyle/>
                   <a:p>
                     <a:pPr algn="ctr"/>
-                    <a:endParaRPr lang="en-US" altLang="zh-CN" sz="2400" b="0" dirty="0"/>
+                    <a:endParaRPr lang="en-US" altLang="zh-CN" sz="2400" dirty="0"/>
                   </a:p>
                 </p:txBody>
               </p:sp>
@@ -14424,7 +14073,7 @@
                   <a:lstStyle/>
                   <a:p>
                     <a:pPr algn="ctr"/>
-                    <a:endParaRPr lang="en-US" altLang="zh-CN" sz="2400" b="0" dirty="0"/>
+                    <a:endParaRPr lang="en-US" altLang="zh-CN" sz="2400" dirty="0"/>
                   </a:p>
                 </p:txBody>
               </p:sp>
@@ -14471,7 +14120,7 @@
                   <a:lstStyle/>
                   <a:p>
                     <a:pPr algn="ctr"/>
-                    <a:endParaRPr lang="en-US" altLang="zh-CN" sz="2400" b="0" dirty="0"/>
+                    <a:endParaRPr lang="en-US" altLang="zh-CN" sz="2400" dirty="0"/>
                   </a:p>
                 </p:txBody>
               </p:sp>
@@ -14518,7 +14167,7 @@
                   <a:lstStyle/>
                   <a:p>
                     <a:pPr algn="ctr"/>
-                    <a:endParaRPr lang="en-US" altLang="zh-CN" sz="2400" b="0" dirty="0"/>
+                    <a:endParaRPr lang="en-US" altLang="zh-CN" sz="2400" dirty="0"/>
                   </a:p>
                 </p:txBody>
               </p:sp>
@@ -14586,7 +14235,7 @@
                   <a:lstStyle/>
                   <a:p>
                     <a:pPr algn="ctr"/>
-                    <a:endParaRPr lang="en-US" altLang="zh-CN" sz="2400" b="0" dirty="0"/>
+                    <a:endParaRPr lang="en-US" altLang="zh-CN" sz="2400" dirty="0"/>
                   </a:p>
                 </p:txBody>
               </p:sp>
@@ -14632,7 +14281,7 @@
                   <a:lstStyle/>
                   <a:p>
                     <a:pPr algn="ctr"/>
-                    <a:endParaRPr lang="en-US" altLang="zh-CN" sz="2400" b="0" dirty="0"/>
+                    <a:endParaRPr lang="en-US" altLang="zh-CN" sz="2400" dirty="0"/>
                   </a:p>
                 </p:txBody>
               </p:sp>
@@ -14679,7 +14328,7 @@
                   <a:lstStyle/>
                   <a:p>
                     <a:pPr algn="ctr"/>
-                    <a:endParaRPr lang="en-US" altLang="zh-CN" sz="2400" b="0" dirty="0"/>
+                    <a:endParaRPr lang="en-US" altLang="zh-CN" sz="2400" dirty="0"/>
                   </a:p>
                 </p:txBody>
               </p:sp>
@@ -14726,7 +14375,7 @@
                   <a:lstStyle/>
                   <a:p>
                     <a:pPr algn="ctr"/>
-                    <a:endParaRPr lang="en-US" altLang="zh-CN" sz="2400" b="0" dirty="0"/>
+                    <a:endParaRPr lang="en-US" altLang="zh-CN" sz="2400" dirty="0"/>
                   </a:p>
                 </p:txBody>
               </p:sp>
@@ -14773,7 +14422,7 @@
                   <a:lstStyle/>
                   <a:p>
                     <a:pPr algn="ctr"/>
-                    <a:endParaRPr lang="en-US" altLang="zh-CN" sz="2400" b="0" dirty="0"/>
+                    <a:endParaRPr lang="en-US" altLang="zh-CN" sz="2400" dirty="0"/>
                   </a:p>
                 </p:txBody>
               </p:sp>
@@ -14819,7 +14468,7 @@
                   <a:lstStyle/>
                   <a:p>
                     <a:pPr algn="ctr"/>
-                    <a:endParaRPr lang="en-US" altLang="zh-CN" sz="2400" b="0" dirty="0"/>
+                    <a:endParaRPr lang="en-US" altLang="zh-CN" sz="2400" dirty="0"/>
                   </a:p>
                 </p:txBody>
               </p:sp>
@@ -14866,7 +14515,7 @@
                   <a:lstStyle/>
                   <a:p>
                     <a:pPr algn="ctr"/>
-                    <a:endParaRPr lang="en-US" altLang="zh-CN" sz="2400" b="0" dirty="0"/>
+                    <a:endParaRPr lang="en-US" altLang="zh-CN" sz="2400" dirty="0"/>
                   </a:p>
                 </p:txBody>
               </p:sp>
@@ -14913,7 +14562,7 @@
                   <a:lstStyle/>
                   <a:p>
                     <a:pPr algn="ctr"/>
-                    <a:endParaRPr lang="en-US" altLang="zh-CN" sz="2400" b="0" dirty="0"/>
+                    <a:endParaRPr lang="en-US" altLang="zh-CN" sz="2400" dirty="0"/>
                   </a:p>
                 </p:txBody>
               </p:sp>
@@ -14960,7 +14609,7 @@
                   <a:lstStyle/>
                   <a:p>
                     <a:pPr algn="ctr"/>
-                    <a:endParaRPr lang="en-US" altLang="zh-CN" sz="2400" b="0" dirty="0"/>
+                    <a:endParaRPr lang="en-US" altLang="zh-CN" sz="2400" dirty="0"/>
                   </a:p>
                 </p:txBody>
               </p:sp>
@@ -15009,7 +14658,7 @@
                   <a:lstStyle/>
                   <a:p>
                     <a:pPr algn="ctr"/>
-                    <a:endParaRPr lang="en-US" altLang="zh-CN" sz="2400" b="0" dirty="0"/>
+                    <a:endParaRPr lang="en-US" altLang="zh-CN" sz="2400" dirty="0"/>
                   </a:p>
                 </p:txBody>
               </p:sp>
@@ -15056,7 +14705,7 @@
                   <a:lstStyle/>
                   <a:p>
                     <a:pPr algn="ctr"/>
-                    <a:endParaRPr lang="en-US" altLang="zh-CN" sz="2400" b="0" dirty="0"/>
+                    <a:endParaRPr lang="en-US" altLang="zh-CN" sz="2400" dirty="0"/>
                   </a:p>
                 </p:txBody>
               </p:sp>
@@ -15103,7 +14752,7 @@
                   <a:lstStyle/>
                   <a:p>
                     <a:pPr algn="ctr"/>
-                    <a:endParaRPr lang="en-US" altLang="zh-CN" sz="2400" b="0" dirty="0"/>
+                    <a:endParaRPr lang="en-US" altLang="zh-CN" sz="2400" dirty="0"/>
                   </a:p>
                 </p:txBody>
               </p:sp>
@@ -15150,7 +14799,7 @@
                   <a:lstStyle/>
                   <a:p>
                     <a:pPr algn="ctr"/>
-                    <a:endParaRPr lang="en-US" altLang="zh-CN" sz="2400" b="0" dirty="0"/>
+                    <a:endParaRPr lang="en-US" altLang="zh-CN" sz="2400" dirty="0"/>
                   </a:p>
                 </p:txBody>
               </p:sp>
@@ -15199,7 +14848,7 @@
                   <a:lstStyle/>
                   <a:p>
                     <a:pPr algn="ctr"/>
-                    <a:endParaRPr lang="en-US" altLang="zh-CN" sz="2400" b="0" dirty="0"/>
+                    <a:endParaRPr lang="en-US" altLang="zh-CN" sz="2400" dirty="0"/>
                   </a:p>
                 </p:txBody>
               </p:sp>
@@ -15246,7 +14895,7 @@
                   <a:lstStyle/>
                   <a:p>
                     <a:pPr algn="ctr"/>
-                    <a:endParaRPr lang="en-US" altLang="zh-CN" sz="2400" b="0" dirty="0"/>
+                    <a:endParaRPr lang="en-US" altLang="zh-CN" sz="2400" dirty="0"/>
                   </a:p>
                 </p:txBody>
               </p:sp>
@@ -15293,7 +14942,7 @@
                   <a:lstStyle/>
                   <a:p>
                     <a:pPr algn="ctr"/>
-                    <a:endParaRPr lang="en-US" altLang="zh-CN" sz="2400" b="0" dirty="0"/>
+                    <a:endParaRPr lang="en-US" altLang="zh-CN" sz="2400" dirty="0"/>
                   </a:p>
                 </p:txBody>
               </p:sp>
@@ -15383,7 +15032,7 @@
                 <a:lstStyle/>
                 <a:p>
                   <a:pPr algn="ctr"/>
-                  <a:endParaRPr lang="en-US" altLang="zh-CN" sz="2400" b="0" dirty="0"/>
+                  <a:endParaRPr lang="en-US" altLang="zh-CN" sz="2400" dirty="0"/>
                 </a:p>
               </p:txBody>
             </p:sp>
@@ -15429,7 +15078,7 @@
                 <a:lstStyle/>
                 <a:p>
                   <a:pPr algn="ctr"/>
-                  <a:endParaRPr lang="en-US" altLang="zh-CN" sz="2400" b="0" dirty="0"/>
+                  <a:endParaRPr lang="en-US" altLang="zh-CN" sz="2400" dirty="0"/>
                 </a:p>
               </p:txBody>
             </p:sp>
@@ -15476,7 +15125,7 @@
                 <a:lstStyle/>
                 <a:p>
                   <a:pPr algn="ctr"/>
-                  <a:endParaRPr lang="en-US" altLang="zh-CN" sz="2400" b="0" dirty="0"/>
+                  <a:endParaRPr lang="en-US" altLang="zh-CN" sz="2400" dirty="0"/>
                 </a:p>
               </p:txBody>
             </p:sp>
@@ -15523,7 +15172,7 @@
                 <a:lstStyle/>
                 <a:p>
                   <a:pPr algn="ctr"/>
-                  <a:endParaRPr lang="en-US" altLang="zh-CN" sz="2400" b="0" dirty="0"/>
+                  <a:endParaRPr lang="en-US" altLang="zh-CN" sz="2400" dirty="0"/>
                 </a:p>
               </p:txBody>
             </p:sp>
@@ -15570,7 +15219,7 @@
                 <a:lstStyle/>
                 <a:p>
                   <a:pPr algn="ctr"/>
-                  <a:endParaRPr lang="en-US" altLang="zh-CN" sz="2400" b="0" dirty="0"/>
+                  <a:endParaRPr lang="en-US" altLang="zh-CN" sz="2400" dirty="0"/>
                 </a:p>
               </p:txBody>
             </p:sp>
@@ -15616,7 +15265,7 @@
                 <a:lstStyle/>
                 <a:p>
                   <a:pPr algn="ctr"/>
-                  <a:endParaRPr lang="en-US" altLang="zh-CN" sz="2400" b="0" dirty="0"/>
+                  <a:endParaRPr lang="en-US" altLang="zh-CN" sz="2400" dirty="0"/>
                 </a:p>
               </p:txBody>
             </p:sp>
@@ -15663,7 +15312,7 @@
                 <a:lstStyle/>
                 <a:p>
                   <a:pPr algn="ctr"/>
-                  <a:endParaRPr lang="en-US" altLang="zh-CN" sz="2400" b="0" dirty="0"/>
+                  <a:endParaRPr lang="en-US" altLang="zh-CN" sz="2400" dirty="0"/>
                 </a:p>
               </p:txBody>
             </p:sp>
@@ -15710,7 +15359,7 @@
                 <a:lstStyle/>
                 <a:p>
                   <a:pPr algn="ctr"/>
-                  <a:endParaRPr lang="en-US" altLang="zh-CN" sz="2400" b="0" dirty="0"/>
+                  <a:endParaRPr lang="en-US" altLang="zh-CN" sz="2400" dirty="0"/>
                 </a:p>
               </p:txBody>
             </p:sp>
@@ -15757,7 +15406,7 @@
                 <a:lstStyle/>
                 <a:p>
                   <a:pPr algn="ctr"/>
-                  <a:endParaRPr lang="en-US" altLang="zh-CN" sz="2400" b="0" dirty="0"/>
+                  <a:endParaRPr lang="en-US" altLang="zh-CN" sz="2400" dirty="0"/>
                 </a:p>
               </p:txBody>
             </p:sp>
@@ -15806,7 +15455,7 @@
                 <a:lstStyle/>
                 <a:p>
                   <a:pPr algn="ctr"/>
-                  <a:endParaRPr lang="en-US" altLang="zh-CN" sz="2400" b="0" dirty="0"/>
+                  <a:endParaRPr lang="en-US" altLang="zh-CN" sz="2400" dirty="0"/>
                 </a:p>
               </p:txBody>
             </p:sp>
@@ -15853,7 +15502,7 @@
                 <a:lstStyle/>
                 <a:p>
                   <a:pPr algn="ctr"/>
-                  <a:endParaRPr lang="en-US" altLang="zh-CN" sz="2400" b="0" dirty="0"/>
+                  <a:endParaRPr lang="en-US" altLang="zh-CN" sz="2400" dirty="0"/>
                 </a:p>
               </p:txBody>
             </p:sp>
@@ -15900,7 +15549,7 @@
                 <a:lstStyle/>
                 <a:p>
                   <a:pPr algn="ctr"/>
-                  <a:endParaRPr lang="en-US" altLang="zh-CN" sz="2400" b="0" dirty="0"/>
+                  <a:endParaRPr lang="en-US" altLang="zh-CN" sz="2400" dirty="0"/>
                 </a:p>
               </p:txBody>
             </p:sp>
@@ -15947,7 +15596,7 @@
                 <a:lstStyle/>
                 <a:p>
                   <a:pPr algn="ctr"/>
-                  <a:endParaRPr lang="en-US" altLang="zh-CN" sz="2400" b="0" dirty="0"/>
+                  <a:endParaRPr lang="en-US" altLang="zh-CN" sz="2400" dirty="0"/>
                 </a:p>
               </p:txBody>
             </p:sp>
@@ -15996,7 +15645,7 @@
                 <a:lstStyle/>
                 <a:p>
                   <a:pPr algn="ctr"/>
-                  <a:endParaRPr lang="en-US" altLang="zh-CN" sz="2400" b="0" dirty="0"/>
+                  <a:endParaRPr lang="en-US" altLang="zh-CN" sz="2400" dirty="0"/>
                 </a:p>
               </p:txBody>
             </p:sp>
@@ -16043,7 +15692,7 @@
                 <a:lstStyle/>
                 <a:p>
                   <a:pPr algn="ctr"/>
-                  <a:endParaRPr lang="en-US" altLang="zh-CN" sz="2400" b="0" dirty="0"/>
+                  <a:endParaRPr lang="en-US" altLang="zh-CN" sz="2400" dirty="0"/>
                 </a:p>
               </p:txBody>
             </p:sp>
@@ -16090,7 +15739,7 @@
                 <a:lstStyle/>
                 <a:p>
                   <a:pPr algn="ctr"/>
-                  <a:endParaRPr lang="en-US" altLang="zh-CN" sz="2400" b="0" dirty="0"/>
+                  <a:endParaRPr lang="en-US" altLang="zh-CN" sz="2400" dirty="0"/>
                 </a:p>
               </p:txBody>
             </p:sp>
@@ -16158,7 +15807,7 @@
                 <a:lstStyle/>
                 <a:p>
                   <a:pPr algn="ctr"/>
-                  <a:endParaRPr lang="en-US" altLang="zh-CN" sz="2400" b="0" dirty="0"/>
+                  <a:endParaRPr lang="en-US" altLang="zh-CN" sz="2400" dirty="0"/>
                 </a:p>
               </p:txBody>
             </p:sp>
@@ -16204,7 +15853,7 @@
                 <a:lstStyle/>
                 <a:p>
                   <a:pPr algn="ctr"/>
-                  <a:endParaRPr lang="en-US" altLang="zh-CN" sz="2400" b="0" dirty="0"/>
+                  <a:endParaRPr lang="en-US" altLang="zh-CN" sz="2400" dirty="0"/>
                 </a:p>
               </p:txBody>
             </p:sp>
@@ -16251,7 +15900,7 @@
                 <a:lstStyle/>
                 <a:p>
                   <a:pPr algn="ctr"/>
-                  <a:endParaRPr lang="en-US" altLang="zh-CN" sz="2400" b="0" dirty="0"/>
+                  <a:endParaRPr lang="en-US" altLang="zh-CN" sz="2400" dirty="0"/>
                 </a:p>
               </p:txBody>
             </p:sp>
@@ -16298,7 +15947,7 @@
                 <a:lstStyle/>
                 <a:p>
                   <a:pPr algn="ctr"/>
-                  <a:endParaRPr lang="en-US" altLang="zh-CN" sz="2400" b="0" dirty="0"/>
+                  <a:endParaRPr lang="en-US" altLang="zh-CN" sz="2400" dirty="0"/>
                 </a:p>
               </p:txBody>
             </p:sp>
@@ -16345,7 +15994,7 @@
                 <a:lstStyle/>
                 <a:p>
                   <a:pPr algn="ctr"/>
-                  <a:endParaRPr lang="en-US" altLang="zh-CN" sz="2400" b="0" dirty="0"/>
+                  <a:endParaRPr lang="en-US" altLang="zh-CN" sz="2400" dirty="0"/>
                 </a:p>
               </p:txBody>
             </p:sp>
@@ -16391,7 +16040,7 @@
                 <a:lstStyle/>
                 <a:p>
                   <a:pPr algn="ctr"/>
-                  <a:endParaRPr lang="en-US" altLang="zh-CN" sz="2400" b="0" dirty="0"/>
+                  <a:endParaRPr lang="en-US" altLang="zh-CN" sz="2400" dirty="0"/>
                 </a:p>
               </p:txBody>
             </p:sp>
@@ -16438,7 +16087,7 @@
                 <a:lstStyle/>
                 <a:p>
                   <a:pPr algn="ctr"/>
-                  <a:endParaRPr lang="en-US" altLang="zh-CN" sz="2400" b="0" dirty="0"/>
+                  <a:endParaRPr lang="en-US" altLang="zh-CN" sz="2400" dirty="0"/>
                 </a:p>
               </p:txBody>
             </p:sp>
@@ -16485,7 +16134,7 @@
                 <a:lstStyle/>
                 <a:p>
                   <a:pPr algn="ctr"/>
-                  <a:endParaRPr lang="en-US" altLang="zh-CN" sz="2400" b="0" dirty="0"/>
+                  <a:endParaRPr lang="en-US" altLang="zh-CN" sz="2400" dirty="0"/>
                 </a:p>
               </p:txBody>
             </p:sp>
@@ -16532,7 +16181,7 @@
                 <a:lstStyle/>
                 <a:p>
                   <a:pPr algn="ctr"/>
-                  <a:endParaRPr lang="en-US" altLang="zh-CN" sz="2400" b="0" dirty="0"/>
+                  <a:endParaRPr lang="en-US" altLang="zh-CN" sz="2400" dirty="0"/>
                 </a:p>
               </p:txBody>
             </p:sp>
@@ -16581,7 +16230,7 @@
                 <a:lstStyle/>
                 <a:p>
                   <a:pPr algn="ctr"/>
-                  <a:endParaRPr lang="en-US" altLang="zh-CN" sz="2400" b="0" dirty="0"/>
+                  <a:endParaRPr lang="en-US" altLang="zh-CN" sz="2400" dirty="0"/>
                 </a:p>
               </p:txBody>
             </p:sp>
@@ -16628,7 +16277,7 @@
                 <a:lstStyle/>
                 <a:p>
                   <a:pPr algn="ctr"/>
-                  <a:endParaRPr lang="en-US" altLang="zh-CN" sz="2400" b="0" dirty="0"/>
+                  <a:endParaRPr lang="en-US" altLang="zh-CN" sz="2400" dirty="0"/>
                 </a:p>
               </p:txBody>
             </p:sp>
@@ -16675,7 +16324,7 @@
                 <a:lstStyle/>
                 <a:p>
                   <a:pPr algn="ctr"/>
-                  <a:endParaRPr lang="en-US" altLang="zh-CN" sz="2400" b="0" dirty="0"/>
+                  <a:endParaRPr lang="en-US" altLang="zh-CN" sz="2400" dirty="0"/>
                 </a:p>
               </p:txBody>
             </p:sp>
@@ -16722,7 +16371,7 @@
                 <a:lstStyle/>
                 <a:p>
                   <a:pPr algn="ctr"/>
-                  <a:endParaRPr lang="en-US" altLang="zh-CN" sz="2400" b="0" dirty="0"/>
+                  <a:endParaRPr lang="en-US" altLang="zh-CN" sz="2400" dirty="0"/>
                 </a:p>
               </p:txBody>
             </p:sp>
@@ -16771,7 +16420,7 @@
                 <a:lstStyle/>
                 <a:p>
                   <a:pPr algn="ctr"/>
-                  <a:endParaRPr lang="en-US" altLang="zh-CN" sz="2400" b="0" dirty="0"/>
+                  <a:endParaRPr lang="en-US" altLang="zh-CN" sz="2400" dirty="0"/>
                 </a:p>
               </p:txBody>
             </p:sp>
@@ -16818,7 +16467,7 @@
                 <a:lstStyle/>
                 <a:p>
                   <a:pPr algn="ctr"/>
-                  <a:endParaRPr lang="en-US" altLang="zh-CN" sz="2400" b="0" dirty="0"/>
+                  <a:endParaRPr lang="en-US" altLang="zh-CN" sz="2400" dirty="0"/>
                 </a:p>
               </p:txBody>
             </p:sp>
@@ -16865,7 +16514,7 @@
                 <a:lstStyle/>
                 <a:p>
                   <a:pPr algn="ctr"/>
-                  <a:endParaRPr lang="en-US" altLang="zh-CN" sz="2400" b="0" dirty="0"/>
+                  <a:endParaRPr lang="en-US" altLang="zh-CN" sz="2400" dirty="0"/>
                 </a:p>
               </p:txBody>
             </p:sp>
@@ -16953,7 +16602,7 @@
                   <a:lstStyle/>
                   <a:p>
                     <a:pPr algn="ctr"/>
-                    <a:endParaRPr lang="en-US" altLang="zh-CN" sz="2400" b="0" dirty="0"/>
+                    <a:endParaRPr lang="en-US" altLang="zh-CN" sz="2400" dirty="0"/>
                   </a:p>
                 </p:txBody>
               </p:sp>
@@ -16999,7 +16648,7 @@
                   <a:lstStyle/>
                   <a:p>
                     <a:pPr algn="ctr"/>
-                    <a:endParaRPr lang="en-US" altLang="zh-CN" sz="2400" b="0" dirty="0"/>
+                    <a:endParaRPr lang="en-US" altLang="zh-CN" sz="2400" dirty="0"/>
                   </a:p>
                 </p:txBody>
               </p:sp>
@@ -17046,7 +16695,7 @@
                   <a:lstStyle/>
                   <a:p>
                     <a:pPr algn="ctr"/>
-                    <a:endParaRPr lang="en-US" altLang="zh-CN" sz="2400" b="0" dirty="0"/>
+                    <a:endParaRPr lang="en-US" altLang="zh-CN" sz="2400" dirty="0"/>
                   </a:p>
                 </p:txBody>
               </p:sp>
@@ -17093,7 +16742,7 @@
                   <a:lstStyle/>
                   <a:p>
                     <a:pPr algn="ctr"/>
-                    <a:endParaRPr lang="en-US" altLang="zh-CN" sz="2400" b="0" dirty="0"/>
+                    <a:endParaRPr lang="en-US" altLang="zh-CN" sz="2400" dirty="0"/>
                   </a:p>
                 </p:txBody>
               </p:sp>
@@ -17140,7 +16789,7 @@
                   <a:lstStyle/>
                   <a:p>
                     <a:pPr algn="ctr"/>
-                    <a:endParaRPr lang="en-US" altLang="zh-CN" sz="2400" b="0" dirty="0"/>
+                    <a:endParaRPr lang="en-US" altLang="zh-CN" sz="2400" dirty="0"/>
                   </a:p>
                 </p:txBody>
               </p:sp>
@@ -17186,7 +16835,7 @@
                   <a:lstStyle/>
                   <a:p>
                     <a:pPr algn="ctr"/>
-                    <a:endParaRPr lang="en-US" altLang="zh-CN" sz="2400" b="0" dirty="0"/>
+                    <a:endParaRPr lang="en-US" altLang="zh-CN" sz="2400" dirty="0"/>
                   </a:p>
                 </p:txBody>
               </p:sp>
@@ -17233,7 +16882,7 @@
                   <a:lstStyle/>
                   <a:p>
                     <a:pPr algn="ctr"/>
-                    <a:endParaRPr lang="en-US" altLang="zh-CN" sz="2400" b="0" dirty="0"/>
+                    <a:endParaRPr lang="en-US" altLang="zh-CN" sz="2400" dirty="0"/>
                   </a:p>
                 </p:txBody>
               </p:sp>
@@ -17280,7 +16929,7 @@
                   <a:lstStyle/>
                   <a:p>
                     <a:pPr algn="ctr"/>
-                    <a:endParaRPr lang="en-US" altLang="zh-CN" sz="2400" b="0" dirty="0"/>
+                    <a:endParaRPr lang="en-US" altLang="zh-CN" sz="2400" dirty="0"/>
                   </a:p>
                 </p:txBody>
               </p:sp>
@@ -17327,7 +16976,7 @@
                   <a:lstStyle/>
                   <a:p>
                     <a:pPr algn="ctr"/>
-                    <a:endParaRPr lang="en-US" altLang="zh-CN" sz="2400" b="0" dirty="0"/>
+                    <a:endParaRPr lang="en-US" altLang="zh-CN" sz="2400" dirty="0"/>
                   </a:p>
                 </p:txBody>
               </p:sp>
@@ -17376,7 +17025,7 @@
                   <a:lstStyle/>
                   <a:p>
                     <a:pPr algn="ctr"/>
-                    <a:endParaRPr lang="en-US" altLang="zh-CN" sz="2400" b="0" dirty="0"/>
+                    <a:endParaRPr lang="en-US" altLang="zh-CN" sz="2400" dirty="0"/>
                   </a:p>
                 </p:txBody>
               </p:sp>
@@ -17423,7 +17072,7 @@
                   <a:lstStyle/>
                   <a:p>
                     <a:pPr algn="ctr"/>
-                    <a:endParaRPr lang="en-US" altLang="zh-CN" sz="2400" b="0" dirty="0"/>
+                    <a:endParaRPr lang="en-US" altLang="zh-CN" sz="2400" dirty="0"/>
                   </a:p>
                 </p:txBody>
               </p:sp>
@@ -17470,7 +17119,7 @@
                   <a:lstStyle/>
                   <a:p>
                     <a:pPr algn="ctr"/>
-                    <a:endParaRPr lang="en-US" altLang="zh-CN" sz="2400" b="0" dirty="0"/>
+                    <a:endParaRPr lang="en-US" altLang="zh-CN" sz="2400" dirty="0"/>
                   </a:p>
                 </p:txBody>
               </p:sp>
@@ -17517,7 +17166,7 @@
                   <a:lstStyle/>
                   <a:p>
                     <a:pPr algn="ctr"/>
-                    <a:endParaRPr lang="en-US" altLang="zh-CN" sz="2400" b="0" dirty="0"/>
+                    <a:endParaRPr lang="en-US" altLang="zh-CN" sz="2400" dirty="0"/>
                   </a:p>
                 </p:txBody>
               </p:sp>
@@ -17566,7 +17215,7 @@
                   <a:lstStyle/>
                   <a:p>
                     <a:pPr algn="ctr"/>
-                    <a:endParaRPr lang="en-US" altLang="zh-CN" sz="2400" b="0" dirty="0"/>
+                    <a:endParaRPr lang="en-US" altLang="zh-CN" sz="2400" dirty="0"/>
                   </a:p>
                 </p:txBody>
               </p:sp>
@@ -17613,7 +17262,7 @@
                   <a:lstStyle/>
                   <a:p>
                     <a:pPr algn="ctr"/>
-                    <a:endParaRPr lang="en-US" altLang="zh-CN" sz="2400" b="0" dirty="0"/>
+                    <a:endParaRPr lang="en-US" altLang="zh-CN" sz="2400" dirty="0"/>
                   </a:p>
                 </p:txBody>
               </p:sp>
@@ -17660,7 +17309,7 @@
                   <a:lstStyle/>
                   <a:p>
                     <a:pPr algn="ctr"/>
-                    <a:endParaRPr lang="en-US" altLang="zh-CN" sz="2400" b="0" dirty="0"/>
+                    <a:endParaRPr lang="en-US" altLang="zh-CN" sz="2400" dirty="0"/>
                   </a:p>
                 </p:txBody>
               </p:sp>
@@ -17728,7 +17377,7 @@
                   <a:lstStyle/>
                   <a:p>
                     <a:pPr algn="ctr"/>
-                    <a:endParaRPr lang="en-US" altLang="zh-CN" sz="2400" b="0" dirty="0"/>
+                    <a:endParaRPr lang="en-US" altLang="zh-CN" sz="2400" dirty="0"/>
                   </a:p>
                 </p:txBody>
               </p:sp>
@@ -17774,7 +17423,7 @@
                   <a:lstStyle/>
                   <a:p>
                     <a:pPr algn="ctr"/>
-                    <a:endParaRPr lang="en-US" altLang="zh-CN" sz="2400" b="0" dirty="0"/>
+                    <a:endParaRPr lang="en-US" altLang="zh-CN" sz="2400" dirty="0"/>
                   </a:p>
                 </p:txBody>
               </p:sp>
@@ -17821,7 +17470,7 @@
                   <a:lstStyle/>
                   <a:p>
                     <a:pPr algn="ctr"/>
-                    <a:endParaRPr lang="en-US" altLang="zh-CN" sz="2400" b="0" dirty="0"/>
+                    <a:endParaRPr lang="en-US" altLang="zh-CN" sz="2400" dirty="0"/>
                   </a:p>
                 </p:txBody>
               </p:sp>
@@ -17868,7 +17517,7 @@
                   <a:lstStyle/>
                   <a:p>
                     <a:pPr algn="ctr"/>
-                    <a:endParaRPr lang="en-US" altLang="zh-CN" sz="2400" b="0" dirty="0"/>
+                    <a:endParaRPr lang="en-US" altLang="zh-CN" sz="2400" dirty="0"/>
                   </a:p>
                 </p:txBody>
               </p:sp>
@@ -17915,7 +17564,7 @@
                   <a:lstStyle/>
                   <a:p>
                     <a:pPr algn="ctr"/>
-                    <a:endParaRPr lang="en-US" altLang="zh-CN" sz="2400" b="0" dirty="0"/>
+                    <a:endParaRPr lang="en-US" altLang="zh-CN" sz="2400" dirty="0"/>
                   </a:p>
                 </p:txBody>
               </p:sp>
@@ -17961,7 +17610,7 @@
                   <a:lstStyle/>
                   <a:p>
                     <a:pPr algn="ctr"/>
-                    <a:endParaRPr lang="en-US" altLang="zh-CN" sz="2400" b="0" dirty="0"/>
+                    <a:endParaRPr lang="en-US" altLang="zh-CN" sz="2400" dirty="0"/>
                   </a:p>
                 </p:txBody>
               </p:sp>
@@ -18008,7 +17657,7 @@
                   <a:lstStyle/>
                   <a:p>
                     <a:pPr algn="ctr"/>
-                    <a:endParaRPr lang="en-US" altLang="zh-CN" sz="2400" b="0" dirty="0"/>
+                    <a:endParaRPr lang="en-US" altLang="zh-CN" sz="2400" dirty="0"/>
                   </a:p>
                 </p:txBody>
               </p:sp>
@@ -18055,7 +17704,7 @@
                   <a:lstStyle/>
                   <a:p>
                     <a:pPr algn="ctr"/>
-                    <a:endParaRPr lang="en-US" altLang="zh-CN" sz="2400" b="0" dirty="0"/>
+                    <a:endParaRPr lang="en-US" altLang="zh-CN" sz="2400" dirty="0"/>
                   </a:p>
                 </p:txBody>
               </p:sp>
@@ -18102,7 +17751,7 @@
                   <a:lstStyle/>
                   <a:p>
                     <a:pPr algn="ctr"/>
-                    <a:endParaRPr lang="en-US" altLang="zh-CN" sz="2400" b="0" dirty="0"/>
+                    <a:endParaRPr lang="en-US" altLang="zh-CN" sz="2400" dirty="0"/>
                   </a:p>
                 </p:txBody>
               </p:sp>
@@ -18151,7 +17800,7 @@
                   <a:lstStyle/>
                   <a:p>
                     <a:pPr algn="ctr"/>
-                    <a:endParaRPr lang="en-US" altLang="zh-CN" sz="2400" b="0" dirty="0"/>
+                    <a:endParaRPr lang="en-US" altLang="zh-CN" sz="2400" dirty="0"/>
                   </a:p>
                 </p:txBody>
               </p:sp>
@@ -18198,7 +17847,7 @@
                   <a:lstStyle/>
                   <a:p>
                     <a:pPr algn="ctr"/>
-                    <a:endParaRPr lang="en-US" altLang="zh-CN" sz="2400" b="0" dirty="0"/>
+                    <a:endParaRPr lang="en-US" altLang="zh-CN" sz="2400" dirty="0"/>
                   </a:p>
                 </p:txBody>
               </p:sp>
@@ -18245,7 +17894,7 @@
                   <a:lstStyle/>
                   <a:p>
                     <a:pPr algn="ctr"/>
-                    <a:endParaRPr lang="en-US" altLang="zh-CN" sz="2400" b="0" dirty="0"/>
+                    <a:endParaRPr lang="en-US" altLang="zh-CN" sz="2400" dirty="0"/>
                   </a:p>
                 </p:txBody>
               </p:sp>
@@ -18292,7 +17941,7 @@
                   <a:lstStyle/>
                   <a:p>
                     <a:pPr algn="ctr"/>
-                    <a:endParaRPr lang="en-US" altLang="zh-CN" sz="2400" b="0" dirty="0"/>
+                    <a:endParaRPr lang="en-US" altLang="zh-CN" sz="2400" dirty="0"/>
                   </a:p>
                 </p:txBody>
               </p:sp>
@@ -18341,7 +17990,7 @@
                   <a:lstStyle/>
                   <a:p>
                     <a:pPr algn="ctr"/>
-                    <a:endParaRPr lang="en-US" altLang="zh-CN" sz="2400" b="0" dirty="0"/>
+                    <a:endParaRPr lang="en-US" altLang="zh-CN" sz="2400" dirty="0"/>
                   </a:p>
                 </p:txBody>
               </p:sp>
@@ -18388,7 +18037,7 @@
                   <a:lstStyle/>
                   <a:p>
                     <a:pPr algn="ctr"/>
-                    <a:endParaRPr lang="en-US" altLang="zh-CN" sz="2400" b="0" dirty="0"/>
+                    <a:endParaRPr lang="en-US" altLang="zh-CN" sz="2400" dirty="0"/>
                   </a:p>
                 </p:txBody>
               </p:sp>
@@ -18435,7 +18084,7 @@
                   <a:lstStyle/>
                   <a:p>
                     <a:pPr algn="ctr"/>
-                    <a:endParaRPr lang="en-US" altLang="zh-CN" sz="2400" b="0" dirty="0"/>
+                    <a:endParaRPr lang="en-US" altLang="zh-CN" sz="2400" dirty="0"/>
                   </a:p>
                 </p:txBody>
               </p:sp>
@@ -18525,7 +18174,7 @@
                 <a:lstStyle/>
                 <a:p>
                   <a:pPr algn="ctr"/>
-                  <a:endParaRPr lang="en-US" altLang="zh-CN" sz="2400" b="0" dirty="0"/>
+                  <a:endParaRPr lang="en-US" altLang="zh-CN" sz="2400" dirty="0"/>
                 </a:p>
               </p:txBody>
             </p:sp>
@@ -18571,7 +18220,7 @@
                 <a:lstStyle/>
                 <a:p>
                   <a:pPr algn="ctr"/>
-                  <a:endParaRPr lang="en-US" altLang="zh-CN" sz="2400" b="0" dirty="0"/>
+                  <a:endParaRPr lang="en-US" altLang="zh-CN" sz="2400" dirty="0"/>
                 </a:p>
               </p:txBody>
             </p:sp>
@@ -18618,7 +18267,7 @@
                 <a:lstStyle/>
                 <a:p>
                   <a:pPr algn="ctr"/>
-                  <a:endParaRPr lang="en-US" altLang="zh-CN" sz="2400" b="0" dirty="0"/>
+                  <a:endParaRPr lang="en-US" altLang="zh-CN" sz="2400" dirty="0"/>
                 </a:p>
               </p:txBody>
             </p:sp>
@@ -18665,7 +18314,7 @@
                 <a:lstStyle/>
                 <a:p>
                   <a:pPr algn="ctr"/>
-                  <a:endParaRPr lang="en-US" altLang="zh-CN" sz="2400" b="0" dirty="0"/>
+                  <a:endParaRPr lang="en-US" altLang="zh-CN" sz="2400" dirty="0"/>
                 </a:p>
               </p:txBody>
             </p:sp>
@@ -18712,7 +18361,7 @@
                 <a:lstStyle/>
                 <a:p>
                   <a:pPr algn="ctr"/>
-                  <a:endParaRPr lang="en-US" altLang="zh-CN" sz="2400" b="0" dirty="0"/>
+                  <a:endParaRPr lang="en-US" altLang="zh-CN" sz="2400" dirty="0"/>
                 </a:p>
               </p:txBody>
             </p:sp>
@@ -18758,7 +18407,7 @@
                 <a:lstStyle/>
                 <a:p>
                   <a:pPr algn="ctr"/>
-                  <a:endParaRPr lang="en-US" altLang="zh-CN" sz="2400" b="0" dirty="0"/>
+                  <a:endParaRPr lang="en-US" altLang="zh-CN" sz="2400" dirty="0"/>
                 </a:p>
               </p:txBody>
             </p:sp>
@@ -18805,7 +18454,7 @@
                 <a:lstStyle/>
                 <a:p>
                   <a:pPr algn="ctr"/>
-                  <a:endParaRPr lang="en-US" altLang="zh-CN" sz="2400" b="0" dirty="0"/>
+                  <a:endParaRPr lang="en-US" altLang="zh-CN" sz="2400" dirty="0"/>
                 </a:p>
               </p:txBody>
             </p:sp>
@@ -18852,7 +18501,7 @@
                 <a:lstStyle/>
                 <a:p>
                   <a:pPr algn="ctr"/>
-                  <a:endParaRPr lang="en-US" altLang="zh-CN" sz="2400" b="0" dirty="0"/>
+                  <a:endParaRPr lang="en-US" altLang="zh-CN" sz="2400" dirty="0"/>
                 </a:p>
               </p:txBody>
             </p:sp>
@@ -18899,7 +18548,7 @@
                 <a:lstStyle/>
                 <a:p>
                   <a:pPr algn="ctr"/>
-                  <a:endParaRPr lang="en-US" altLang="zh-CN" sz="2400" b="0" dirty="0"/>
+                  <a:endParaRPr lang="en-US" altLang="zh-CN" sz="2400" dirty="0"/>
                 </a:p>
               </p:txBody>
             </p:sp>
@@ -18948,7 +18597,7 @@
                 <a:lstStyle/>
                 <a:p>
                   <a:pPr algn="ctr"/>
-                  <a:endParaRPr lang="en-US" altLang="zh-CN" sz="2400" b="0" dirty="0"/>
+                  <a:endParaRPr lang="en-US" altLang="zh-CN" sz="2400" dirty="0"/>
                 </a:p>
               </p:txBody>
             </p:sp>
@@ -18995,7 +18644,7 @@
                 <a:lstStyle/>
                 <a:p>
                   <a:pPr algn="ctr"/>
-                  <a:endParaRPr lang="en-US" altLang="zh-CN" sz="2400" b="0" dirty="0"/>
+                  <a:endParaRPr lang="en-US" altLang="zh-CN" sz="2400" dirty="0"/>
                 </a:p>
               </p:txBody>
             </p:sp>
@@ -19042,7 +18691,7 @@
                 <a:lstStyle/>
                 <a:p>
                   <a:pPr algn="ctr"/>
-                  <a:endParaRPr lang="en-US" altLang="zh-CN" sz="2400" b="0" dirty="0"/>
+                  <a:endParaRPr lang="en-US" altLang="zh-CN" sz="2400" dirty="0"/>
                 </a:p>
               </p:txBody>
             </p:sp>
@@ -19089,7 +18738,7 @@
                 <a:lstStyle/>
                 <a:p>
                   <a:pPr algn="ctr"/>
-                  <a:endParaRPr lang="en-US" altLang="zh-CN" sz="2400" b="0" dirty="0"/>
+                  <a:endParaRPr lang="en-US" altLang="zh-CN" sz="2400" dirty="0"/>
                 </a:p>
               </p:txBody>
             </p:sp>
@@ -19138,7 +18787,7 @@
                 <a:lstStyle/>
                 <a:p>
                   <a:pPr algn="ctr"/>
-                  <a:endParaRPr lang="en-US" altLang="zh-CN" sz="2400" b="0" dirty="0"/>
+                  <a:endParaRPr lang="en-US" altLang="zh-CN" sz="2400" dirty="0"/>
                 </a:p>
               </p:txBody>
             </p:sp>
@@ -19185,7 +18834,7 @@
                 <a:lstStyle/>
                 <a:p>
                   <a:pPr algn="ctr"/>
-                  <a:endParaRPr lang="en-US" altLang="zh-CN" sz="2400" b="0" dirty="0"/>
+                  <a:endParaRPr lang="en-US" altLang="zh-CN" sz="2400" dirty="0"/>
                 </a:p>
               </p:txBody>
             </p:sp>
@@ -19232,7 +18881,7 @@
                 <a:lstStyle/>
                 <a:p>
                   <a:pPr algn="ctr"/>
-                  <a:endParaRPr lang="en-US" altLang="zh-CN" sz="2400" b="0" dirty="0"/>
+                  <a:endParaRPr lang="en-US" altLang="zh-CN" sz="2400" dirty="0"/>
                 </a:p>
               </p:txBody>
             </p:sp>
@@ -19300,7 +18949,7 @@
                 <a:lstStyle/>
                 <a:p>
                   <a:pPr algn="ctr"/>
-                  <a:endParaRPr lang="en-US" altLang="zh-CN" sz="2400" b="0" dirty="0"/>
+                  <a:endParaRPr lang="en-US" altLang="zh-CN" sz="2400" dirty="0"/>
                 </a:p>
               </p:txBody>
             </p:sp>
@@ -19346,7 +18995,7 @@
                 <a:lstStyle/>
                 <a:p>
                   <a:pPr algn="ctr"/>
-                  <a:endParaRPr lang="en-US" altLang="zh-CN" sz="2400" b="0" dirty="0"/>
+                  <a:endParaRPr lang="en-US" altLang="zh-CN" sz="2400" dirty="0"/>
                 </a:p>
               </p:txBody>
             </p:sp>
@@ -19393,7 +19042,7 @@
                 <a:lstStyle/>
                 <a:p>
                   <a:pPr algn="ctr"/>
-                  <a:endParaRPr lang="en-US" altLang="zh-CN" sz="2400" b="0" dirty="0"/>
+                  <a:endParaRPr lang="en-US" altLang="zh-CN" sz="2400" dirty="0"/>
                 </a:p>
               </p:txBody>
             </p:sp>
@@ -19440,7 +19089,7 @@
                 <a:lstStyle/>
                 <a:p>
                   <a:pPr algn="ctr"/>
-                  <a:endParaRPr lang="en-US" altLang="zh-CN" sz="2400" b="0" dirty="0"/>
+                  <a:endParaRPr lang="en-US" altLang="zh-CN" sz="2400" dirty="0"/>
                 </a:p>
               </p:txBody>
             </p:sp>
@@ -19487,7 +19136,7 @@
                 <a:lstStyle/>
                 <a:p>
                   <a:pPr algn="ctr"/>
-                  <a:endParaRPr lang="en-US" altLang="zh-CN" sz="2400" b="0" dirty="0"/>
+                  <a:endParaRPr lang="en-US" altLang="zh-CN" sz="2400" dirty="0"/>
                 </a:p>
               </p:txBody>
             </p:sp>
@@ -19533,7 +19182,7 @@
                 <a:lstStyle/>
                 <a:p>
                   <a:pPr algn="ctr"/>
-                  <a:endParaRPr lang="en-US" altLang="zh-CN" sz="2400" b="0" dirty="0"/>
+                  <a:endParaRPr lang="en-US" altLang="zh-CN" sz="2400" dirty="0"/>
                 </a:p>
               </p:txBody>
             </p:sp>
@@ -19580,7 +19229,7 @@
                 <a:lstStyle/>
                 <a:p>
                   <a:pPr algn="ctr"/>
-                  <a:endParaRPr lang="en-US" altLang="zh-CN" sz="2400" b="0" dirty="0"/>
+                  <a:endParaRPr lang="en-US" altLang="zh-CN" sz="2400" dirty="0"/>
                 </a:p>
               </p:txBody>
             </p:sp>
@@ -19627,7 +19276,7 @@
                 <a:lstStyle/>
                 <a:p>
                   <a:pPr algn="ctr"/>
-                  <a:endParaRPr lang="en-US" altLang="zh-CN" sz="2400" b="0" dirty="0"/>
+                  <a:endParaRPr lang="en-US" altLang="zh-CN" sz="2400" dirty="0"/>
                 </a:p>
               </p:txBody>
             </p:sp>
@@ -19674,7 +19323,7 @@
                 <a:lstStyle/>
                 <a:p>
                   <a:pPr algn="ctr"/>
-                  <a:endParaRPr lang="en-US" altLang="zh-CN" sz="2400" b="0" dirty="0"/>
+                  <a:endParaRPr lang="en-US" altLang="zh-CN" sz="2400" dirty="0"/>
                 </a:p>
               </p:txBody>
             </p:sp>
@@ -19723,7 +19372,7 @@
                 <a:lstStyle/>
                 <a:p>
                   <a:pPr algn="ctr"/>
-                  <a:endParaRPr lang="en-US" altLang="zh-CN" sz="2400" b="0" dirty="0"/>
+                  <a:endParaRPr lang="en-US" altLang="zh-CN" sz="2400" dirty="0"/>
                 </a:p>
               </p:txBody>
             </p:sp>
@@ -19770,7 +19419,7 @@
                 <a:lstStyle/>
                 <a:p>
                   <a:pPr algn="ctr"/>
-                  <a:endParaRPr lang="en-US" altLang="zh-CN" sz="2400" b="0" dirty="0"/>
+                  <a:endParaRPr lang="en-US" altLang="zh-CN" sz="2400" dirty="0"/>
                 </a:p>
               </p:txBody>
             </p:sp>
@@ -19817,7 +19466,7 @@
                 <a:lstStyle/>
                 <a:p>
                   <a:pPr algn="ctr"/>
-                  <a:endParaRPr lang="en-US" altLang="zh-CN" sz="2400" b="0" dirty="0"/>
+                  <a:endParaRPr lang="en-US" altLang="zh-CN" sz="2400" dirty="0"/>
                 </a:p>
               </p:txBody>
             </p:sp>
@@ -19864,7 +19513,7 @@
                 <a:lstStyle/>
                 <a:p>
                   <a:pPr algn="ctr"/>
-                  <a:endParaRPr lang="en-US" altLang="zh-CN" sz="2400" b="0" dirty="0"/>
+                  <a:endParaRPr lang="en-US" altLang="zh-CN" sz="2400" dirty="0"/>
                 </a:p>
               </p:txBody>
             </p:sp>
@@ -19913,7 +19562,7 @@
                 <a:lstStyle/>
                 <a:p>
                   <a:pPr algn="ctr"/>
-                  <a:endParaRPr lang="en-US" altLang="zh-CN" sz="2400" b="0" dirty="0"/>
+                  <a:endParaRPr lang="en-US" altLang="zh-CN" sz="2400" dirty="0"/>
                 </a:p>
               </p:txBody>
             </p:sp>
@@ -19960,7 +19609,7 @@
                 <a:lstStyle/>
                 <a:p>
                   <a:pPr algn="ctr"/>
-                  <a:endParaRPr lang="en-US" altLang="zh-CN" sz="2400" b="0" dirty="0"/>
+                  <a:endParaRPr lang="en-US" altLang="zh-CN" sz="2400" dirty="0"/>
                 </a:p>
               </p:txBody>
             </p:sp>
@@ -20007,7 +19656,7 @@
                 <a:lstStyle/>
                 <a:p>
                   <a:pPr algn="ctr"/>
-                  <a:endParaRPr lang="en-US" altLang="zh-CN" sz="2400" b="0" dirty="0"/>
+                  <a:endParaRPr lang="en-US" altLang="zh-CN" sz="2400" dirty="0"/>
                 </a:p>
               </p:txBody>
             </p:sp>
@@ -20095,7 +19744,7 @@
                   <a:lstStyle/>
                   <a:p>
                     <a:pPr algn="ctr"/>
-                    <a:endParaRPr lang="en-US" altLang="zh-CN" sz="2400" b="0" dirty="0"/>
+                    <a:endParaRPr lang="en-US" altLang="zh-CN" sz="2400" dirty="0"/>
                   </a:p>
                 </p:txBody>
               </p:sp>
@@ -20141,7 +19790,7 @@
                   <a:lstStyle/>
                   <a:p>
                     <a:pPr algn="ctr"/>
-                    <a:endParaRPr lang="en-US" altLang="zh-CN" sz="2400" b="0" dirty="0"/>
+                    <a:endParaRPr lang="en-US" altLang="zh-CN" sz="2400" dirty="0"/>
                   </a:p>
                 </p:txBody>
               </p:sp>
@@ -20188,7 +19837,7 @@
                   <a:lstStyle/>
                   <a:p>
                     <a:pPr algn="ctr"/>
-                    <a:endParaRPr lang="en-US" altLang="zh-CN" sz="2400" b="0" dirty="0"/>
+                    <a:endParaRPr lang="en-US" altLang="zh-CN" sz="2400" dirty="0"/>
                   </a:p>
                 </p:txBody>
               </p:sp>
@@ -20235,7 +19884,7 @@
                   <a:lstStyle/>
                   <a:p>
                     <a:pPr algn="ctr"/>
-                    <a:endParaRPr lang="en-US" altLang="zh-CN" sz="2400" b="0" dirty="0"/>
+                    <a:endParaRPr lang="en-US" altLang="zh-CN" sz="2400" dirty="0"/>
                   </a:p>
                 </p:txBody>
               </p:sp>
@@ -20282,7 +19931,7 @@
                   <a:lstStyle/>
                   <a:p>
                     <a:pPr algn="ctr"/>
-                    <a:endParaRPr lang="en-US" altLang="zh-CN" sz="2400" b="0" dirty="0"/>
+                    <a:endParaRPr lang="en-US" altLang="zh-CN" sz="2400" dirty="0"/>
                   </a:p>
                 </p:txBody>
               </p:sp>
@@ -20328,7 +19977,7 @@
                   <a:lstStyle/>
                   <a:p>
                     <a:pPr algn="ctr"/>
-                    <a:endParaRPr lang="en-US" altLang="zh-CN" sz="2400" b="0" dirty="0"/>
+                    <a:endParaRPr lang="en-US" altLang="zh-CN" sz="2400" dirty="0"/>
                   </a:p>
                 </p:txBody>
               </p:sp>
@@ -20375,7 +20024,7 @@
                   <a:lstStyle/>
                   <a:p>
                     <a:pPr algn="ctr"/>
-                    <a:endParaRPr lang="en-US" altLang="zh-CN" sz="2400" b="0" dirty="0"/>
+                    <a:endParaRPr lang="en-US" altLang="zh-CN" sz="2400" dirty="0"/>
                   </a:p>
                 </p:txBody>
               </p:sp>
@@ -20422,7 +20071,7 @@
                   <a:lstStyle/>
                   <a:p>
                     <a:pPr algn="ctr"/>
-                    <a:endParaRPr lang="en-US" altLang="zh-CN" sz="2400" b="0" dirty="0"/>
+                    <a:endParaRPr lang="en-US" altLang="zh-CN" sz="2400" dirty="0"/>
                   </a:p>
                 </p:txBody>
               </p:sp>
@@ -20469,7 +20118,7 @@
                   <a:lstStyle/>
                   <a:p>
                     <a:pPr algn="ctr"/>
-                    <a:endParaRPr lang="en-US" altLang="zh-CN" sz="2400" b="0" dirty="0"/>
+                    <a:endParaRPr lang="en-US" altLang="zh-CN" sz="2400" dirty="0"/>
                   </a:p>
                 </p:txBody>
               </p:sp>
@@ -20518,7 +20167,7 @@
                   <a:lstStyle/>
                   <a:p>
                     <a:pPr algn="ctr"/>
-                    <a:endParaRPr lang="en-US" altLang="zh-CN" sz="2400" b="0" dirty="0"/>
+                    <a:endParaRPr lang="en-US" altLang="zh-CN" sz="2400" dirty="0"/>
                   </a:p>
                 </p:txBody>
               </p:sp>
@@ -20565,7 +20214,7 @@
                   <a:lstStyle/>
                   <a:p>
                     <a:pPr algn="ctr"/>
-                    <a:endParaRPr lang="en-US" altLang="zh-CN" sz="2400" b="0" dirty="0"/>
+                    <a:endParaRPr lang="en-US" altLang="zh-CN" sz="2400" dirty="0"/>
                   </a:p>
                 </p:txBody>
               </p:sp>
@@ -20612,7 +20261,7 @@
                   <a:lstStyle/>
                   <a:p>
                     <a:pPr algn="ctr"/>
-                    <a:endParaRPr lang="en-US" altLang="zh-CN" sz="2400" b="0" dirty="0"/>
+                    <a:endParaRPr lang="en-US" altLang="zh-CN" sz="2400" dirty="0"/>
                   </a:p>
                 </p:txBody>
               </p:sp>
@@ -20659,7 +20308,7 @@
                   <a:lstStyle/>
                   <a:p>
                     <a:pPr algn="ctr"/>
-                    <a:endParaRPr lang="en-US" altLang="zh-CN" sz="2400" b="0" dirty="0"/>
+                    <a:endParaRPr lang="en-US" altLang="zh-CN" sz="2400" dirty="0"/>
                   </a:p>
                 </p:txBody>
               </p:sp>
@@ -20708,7 +20357,7 @@
                   <a:lstStyle/>
                   <a:p>
                     <a:pPr algn="ctr"/>
-                    <a:endParaRPr lang="en-US" altLang="zh-CN" sz="2400" b="0" dirty="0"/>
+                    <a:endParaRPr lang="en-US" altLang="zh-CN" sz="2400" dirty="0"/>
                   </a:p>
                 </p:txBody>
               </p:sp>
@@ -20755,7 +20404,7 @@
                   <a:lstStyle/>
                   <a:p>
                     <a:pPr algn="ctr"/>
-                    <a:endParaRPr lang="en-US" altLang="zh-CN" sz="2400" b="0" dirty="0"/>
+                    <a:endParaRPr lang="en-US" altLang="zh-CN" sz="2400" dirty="0"/>
                   </a:p>
                 </p:txBody>
               </p:sp>
@@ -20802,7 +20451,7 @@
                   <a:lstStyle/>
                   <a:p>
                     <a:pPr algn="ctr"/>
-                    <a:endParaRPr lang="en-US" altLang="zh-CN" sz="2400" b="0" dirty="0"/>
+                    <a:endParaRPr lang="en-US" altLang="zh-CN" sz="2400" dirty="0"/>
                   </a:p>
                 </p:txBody>
               </p:sp>
@@ -20870,7 +20519,7 @@
                   <a:lstStyle/>
                   <a:p>
                     <a:pPr algn="ctr"/>
-                    <a:endParaRPr lang="en-US" altLang="zh-CN" sz="2400" b="0" dirty="0"/>
+                    <a:endParaRPr lang="en-US" altLang="zh-CN" sz="2400" dirty="0"/>
                   </a:p>
                 </p:txBody>
               </p:sp>
@@ -20916,7 +20565,7 @@
                   <a:lstStyle/>
                   <a:p>
                     <a:pPr algn="ctr"/>
-                    <a:endParaRPr lang="en-US" altLang="zh-CN" sz="2400" b="0" dirty="0"/>
+                    <a:endParaRPr lang="en-US" altLang="zh-CN" sz="2400" dirty="0"/>
                   </a:p>
                 </p:txBody>
               </p:sp>
@@ -20963,7 +20612,7 @@
                   <a:lstStyle/>
                   <a:p>
                     <a:pPr algn="ctr"/>
-                    <a:endParaRPr lang="en-US" altLang="zh-CN" sz="2400" b="0" dirty="0"/>
+                    <a:endParaRPr lang="en-US" altLang="zh-CN" sz="2400" dirty="0"/>
                   </a:p>
                 </p:txBody>
               </p:sp>
@@ -21010,7 +20659,7 @@
                   <a:lstStyle/>
                   <a:p>
                     <a:pPr algn="ctr"/>
-                    <a:endParaRPr lang="en-US" altLang="zh-CN" sz="2400" b="0" dirty="0"/>
+                    <a:endParaRPr lang="en-US" altLang="zh-CN" sz="2400" dirty="0"/>
                   </a:p>
                 </p:txBody>
               </p:sp>
@@ -21057,7 +20706,7 @@
                   <a:lstStyle/>
                   <a:p>
                     <a:pPr algn="ctr"/>
-                    <a:endParaRPr lang="en-US" altLang="zh-CN" sz="2400" b="0" dirty="0"/>
+                    <a:endParaRPr lang="en-US" altLang="zh-CN" sz="2400" dirty="0"/>
                   </a:p>
                 </p:txBody>
               </p:sp>
@@ -21103,7 +20752,7 @@
                   <a:lstStyle/>
                   <a:p>
                     <a:pPr algn="ctr"/>
-                    <a:endParaRPr lang="en-US" altLang="zh-CN" sz="2400" b="0" dirty="0"/>
+                    <a:endParaRPr lang="en-US" altLang="zh-CN" sz="2400" dirty="0"/>
                   </a:p>
                 </p:txBody>
               </p:sp>
@@ -21150,7 +20799,7 @@
                   <a:lstStyle/>
                   <a:p>
                     <a:pPr algn="ctr"/>
-                    <a:endParaRPr lang="en-US" altLang="zh-CN" sz="2400" b="0" dirty="0"/>
+                    <a:endParaRPr lang="en-US" altLang="zh-CN" sz="2400" dirty="0"/>
                   </a:p>
                 </p:txBody>
               </p:sp>
@@ -21197,7 +20846,7 @@
                   <a:lstStyle/>
                   <a:p>
                     <a:pPr algn="ctr"/>
-                    <a:endParaRPr lang="en-US" altLang="zh-CN" sz="2400" b="0" dirty="0"/>
+                    <a:endParaRPr lang="en-US" altLang="zh-CN" sz="2400" dirty="0"/>
                   </a:p>
                 </p:txBody>
               </p:sp>
@@ -21244,7 +20893,7 @@
                   <a:lstStyle/>
                   <a:p>
                     <a:pPr algn="ctr"/>
-                    <a:endParaRPr lang="en-US" altLang="zh-CN" sz="2400" b="0" dirty="0"/>
+                    <a:endParaRPr lang="en-US" altLang="zh-CN" sz="2400" dirty="0"/>
                   </a:p>
                 </p:txBody>
               </p:sp>
@@ -21293,7 +20942,7 @@
                   <a:lstStyle/>
                   <a:p>
                     <a:pPr algn="ctr"/>
-                    <a:endParaRPr lang="en-US" altLang="zh-CN" sz="2400" b="0" dirty="0"/>
+                    <a:endParaRPr lang="en-US" altLang="zh-CN" sz="2400" dirty="0"/>
                   </a:p>
                 </p:txBody>
               </p:sp>
@@ -21340,7 +20989,7 @@
                   <a:lstStyle/>
                   <a:p>
                     <a:pPr algn="ctr"/>
-                    <a:endParaRPr lang="en-US" altLang="zh-CN" sz="2400" b="0" dirty="0"/>
+                    <a:endParaRPr lang="en-US" altLang="zh-CN" sz="2400" dirty="0"/>
                   </a:p>
                 </p:txBody>
               </p:sp>
@@ -21387,7 +21036,7 @@
                   <a:lstStyle/>
                   <a:p>
                     <a:pPr algn="ctr"/>
-                    <a:endParaRPr lang="en-US" altLang="zh-CN" sz="2400" b="0" dirty="0"/>
+                    <a:endParaRPr lang="en-US" altLang="zh-CN" sz="2400" dirty="0"/>
                   </a:p>
                 </p:txBody>
               </p:sp>
@@ -21434,7 +21083,7 @@
                   <a:lstStyle/>
                   <a:p>
                     <a:pPr algn="ctr"/>
-                    <a:endParaRPr lang="en-US" altLang="zh-CN" sz="2400" b="0" dirty="0"/>
+                    <a:endParaRPr lang="en-US" altLang="zh-CN" sz="2400" dirty="0"/>
                   </a:p>
                 </p:txBody>
               </p:sp>
@@ -21483,7 +21132,7 @@
                   <a:lstStyle/>
                   <a:p>
                     <a:pPr algn="ctr"/>
-                    <a:endParaRPr lang="en-US" altLang="zh-CN" sz="2400" b="0" dirty="0"/>
+                    <a:endParaRPr lang="en-US" altLang="zh-CN" sz="2400" dirty="0"/>
                   </a:p>
                 </p:txBody>
               </p:sp>
@@ -21530,7 +21179,7 @@
                   <a:lstStyle/>
                   <a:p>
                     <a:pPr algn="ctr"/>
-                    <a:endParaRPr lang="en-US" altLang="zh-CN" sz="2400" b="0" dirty="0"/>
+                    <a:endParaRPr lang="en-US" altLang="zh-CN" sz="2400" dirty="0"/>
                   </a:p>
                 </p:txBody>
               </p:sp>
@@ -21577,7 +21226,7 @@
                   <a:lstStyle/>
                   <a:p>
                     <a:pPr algn="ctr"/>
-                    <a:endParaRPr lang="en-US" altLang="zh-CN" sz="2400" b="0" dirty="0"/>
+                    <a:endParaRPr lang="en-US" altLang="zh-CN" sz="2400" dirty="0"/>
                   </a:p>
                 </p:txBody>
               </p:sp>
@@ -21599,7 +21248,7 @@
         </p:nvSpPr>
         <p:spPr>
           <a:xfrm>
-            <a:off x="2798637" y="496415"/>
+            <a:off x="19742818" y="10027768"/>
             <a:ext cx="4064000" cy="584775"/>
           </a:xfrm>
           <a:prstGeom prst="rect">
@@ -21668,7 +21317,7 @@
         </p:nvCxnSpPr>
         <p:spPr>
           <a:xfrm flipV="1">
-            <a:off x="7188200" y="4744012"/>
+            <a:off x="24132381" y="14275362"/>
             <a:ext cx="730642" cy="5788"/>
           </a:xfrm>
           <a:prstGeom prst="straightConnector1">
@@ -21707,7 +21356,7 @@
         </p:nvGrpSpPr>
         <p:grpSpPr>
           <a:xfrm>
-            <a:off x="1017164" y="649288"/>
+            <a:off x="17961345" y="10180638"/>
             <a:ext cx="5372100" cy="2340894"/>
             <a:chOff x="2947564" y="2846241"/>
             <a:chExt cx="5372100" cy="2340894"/>
@@ -22406,7 +22055,7 @@
         </p:nvSpPr>
         <p:spPr>
           <a:xfrm>
-            <a:off x="6858000" y="1628944"/>
+            <a:off x="23802181" y="11160297"/>
             <a:ext cx="4064000" cy="584775"/>
           </a:xfrm>
           <a:prstGeom prst="rect">
@@ -22442,7 +22091,7 @@
         </p:nvSpPr>
         <p:spPr>
           <a:xfrm>
-            <a:off x="7918842" y="3404162"/>
+            <a:off x="24863023" y="12935512"/>
             <a:ext cx="2463800" cy="2679700"/>
           </a:xfrm>
           <a:prstGeom prst="roundRect">
@@ -22488,7 +22137,7 @@
         </p:nvSpPr>
         <p:spPr>
           <a:xfrm>
-            <a:off x="7702476" y="6228711"/>
+            <a:off x="24646657" y="15760064"/>
             <a:ext cx="4064000" cy="584775"/>
           </a:xfrm>
           <a:prstGeom prst="rect">
@@ -22524,7 +22173,7 @@
         </p:nvSpPr>
         <p:spPr>
           <a:xfrm>
-            <a:off x="8157163" y="3646439"/>
+            <a:off x="25101344" y="13177792"/>
             <a:ext cx="1987158" cy="584775"/>
           </a:xfrm>
           <a:prstGeom prst="roundRect">
@@ -22577,7 +22226,7 @@
         </p:nvSpPr>
         <p:spPr>
           <a:xfrm>
-            <a:off x="8157163" y="4451624"/>
+            <a:off x="25101344" y="13982977"/>
             <a:ext cx="1987158" cy="584775"/>
           </a:xfrm>
           <a:prstGeom prst="roundRect">
@@ -22630,7 +22279,7 @@
         </p:nvSpPr>
         <p:spPr>
           <a:xfrm>
-            <a:off x="8157163" y="5219723"/>
+            <a:off x="25101344" y="14751076"/>
             <a:ext cx="1987158" cy="584775"/>
           </a:xfrm>
           <a:prstGeom prst="roundRect">
@@ -22685,7 +22334,7 @@
         </p:nvCxnSpPr>
         <p:spPr>
           <a:xfrm>
-            <a:off x="10382642" y="4749800"/>
+            <a:off x="27326823" y="14281150"/>
             <a:ext cx="635000" cy="0"/>
           </a:xfrm>
           <a:prstGeom prst="straightConnector1">
@@ -22794,8 +22443,8 @@
           </p:nvPr>
         </p:nvGraphicFramePr>
         <p:xfrm>
-          <a:off x="1387926" y="2167465"/>
-          <a:ext cx="9416148" cy="3309407"/>
+          <a:off x="18332107" y="11698818"/>
+          <a:ext cx="9416148" cy="25613870"/>
         </p:xfrm>
         <a:graphic>
           <a:graphicData uri="http://schemas.openxmlformats.org/drawingml/2006/table">
@@ -23727,8 +23376,8 @@
           </p:nvPr>
         </p:nvGraphicFramePr>
         <p:xfrm>
-          <a:off x="1387926" y="2167465"/>
-          <a:ext cx="9416148" cy="3309407"/>
+          <a:off x="18332107" y="11698818"/>
+          <a:ext cx="9416148" cy="25613870"/>
         </p:xfrm>
         <a:graphic>
           <a:graphicData uri="http://schemas.openxmlformats.org/drawingml/2006/table">
@@ -24589,10 +24238,1983 @@
 </p:sld>
 </file>
 
+<file path=ppt/slides/slide8.xml><?xml version="1.0" encoding="utf-8"?>
+<p:sld xmlns:a="http://schemas.openxmlformats.org/drawingml/2006/main" xmlns:r="http://schemas.openxmlformats.org/officeDocument/2006/relationships" xmlns:p="http://schemas.openxmlformats.org/presentationml/2006/main">
+  <p:cSld>
+    <p:spTree>
+      <p:nvGrpSpPr>
+        <p:cNvPr id="1" name=""/>
+        <p:cNvGrpSpPr/>
+        <p:nvPr/>
+      </p:nvGrpSpPr>
+      <p:grpSpPr>
+        <a:xfrm>
+          <a:off x="0" y="0"/>
+          <a:ext cx="0" cy="0"/>
+          <a:chOff x="0" y="0"/>
+          <a:chExt cx="0" cy="0"/>
+        </a:xfrm>
+      </p:grpSpPr>
+      <p:sp>
+        <p:nvSpPr>
+          <p:cNvPr id="2" name="标题 1">
+            <a:extLst>
+              <a:ext uri="{FF2B5EF4-FFF2-40B4-BE49-F238E27FC236}">
+                <a16:creationId xmlns:a16="http://schemas.microsoft.com/office/drawing/2014/main" id="{D2476420-C578-A357-3DB8-90F62EA50CCF}"/>
+              </a:ext>
+            </a:extLst>
+          </p:cNvPr>
+          <p:cNvSpPr>
+            <a:spLocks noGrp="1"/>
+          </p:cNvSpPr>
+          <p:nvPr>
+            <p:ph type="title"/>
+          </p:nvPr>
+        </p:nvSpPr>
+        <p:spPr/>
+        <p:txBody>
+          <a:bodyPr/>
+          <a:lstStyle/>
+          <a:p>
+            <a:r>
+              <a:rPr lang="zh-CN" altLang="en-US" dirty="0"/>
+              <a:t>开题技术路线绘制</a:t>
+            </a:r>
+          </a:p>
+        </p:txBody>
+      </p:sp>
+      <p:sp>
+        <p:nvSpPr>
+          <p:cNvPr id="4" name="矩形: 圆角 3">
+            <a:extLst>
+              <a:ext uri="{FF2B5EF4-FFF2-40B4-BE49-F238E27FC236}">
+                <a16:creationId xmlns:a16="http://schemas.microsoft.com/office/drawing/2014/main" id="{B63597EB-4E48-E2EA-8712-AD70735B708D}"/>
+              </a:ext>
+            </a:extLst>
+          </p:cNvPr>
+          <p:cNvSpPr/>
+          <p:nvPr/>
+        </p:nvSpPr>
+        <p:spPr>
+          <a:xfrm>
+            <a:off x="23761702" y="12241213"/>
+            <a:ext cx="2874169" cy="2152650"/>
+          </a:xfrm>
+          <a:prstGeom prst="roundRect">
+            <a:avLst/>
+          </a:prstGeom>
+          <a:solidFill>
+            <a:schemeClr val="accent2">
+              <a:lumMod val="60000"/>
+              <a:lumOff val="40000"/>
+            </a:schemeClr>
+          </a:solidFill>
+          <a:ln w="28575"/>
+        </p:spPr>
+        <p:style>
+          <a:lnRef idx="2">
+            <a:schemeClr val="accent1">
+              <a:shade val="15000"/>
+            </a:schemeClr>
+          </a:lnRef>
+          <a:fillRef idx="1">
+            <a:schemeClr val="accent1"/>
+          </a:fillRef>
+          <a:effectRef idx="0">
+            <a:schemeClr val="accent1"/>
+          </a:effectRef>
+          <a:fontRef idx="minor">
+            <a:schemeClr val="lt1"/>
+          </a:fontRef>
+        </p:style>
+        <p:txBody>
+          <a:bodyPr rtlCol="0" anchor="ctr"/>
+          <a:lstStyle/>
+          <a:p>
+            <a:pPr algn="ctr"/>
+            <a:r>
+              <a:rPr lang="zh-CN" altLang="en-US" dirty="0"/>
+              <a:t>深度学习模型</a:t>
+            </a:r>
+          </a:p>
+        </p:txBody>
+      </p:sp>
+      <p:sp>
+        <p:nvSpPr>
+          <p:cNvPr id="5" name="流程图: 终止 4">
+            <a:extLst>
+              <a:ext uri="{FF2B5EF4-FFF2-40B4-BE49-F238E27FC236}">
+                <a16:creationId xmlns:a16="http://schemas.microsoft.com/office/drawing/2014/main" id="{34F19556-B274-D5BB-4F05-32101A4087FA}"/>
+              </a:ext>
+            </a:extLst>
+          </p:cNvPr>
+          <p:cNvSpPr/>
+          <p:nvPr/>
+        </p:nvSpPr>
+        <p:spPr>
+          <a:xfrm>
+            <a:off x="21802009" y="12725401"/>
+            <a:ext cx="1238172" cy="469898"/>
+          </a:xfrm>
+          <a:prstGeom prst="flowChartTerminator">
+            <a:avLst/>
+          </a:prstGeom>
+          <a:ln w="28575"/>
+        </p:spPr>
+        <p:style>
+          <a:lnRef idx="2">
+            <a:schemeClr val="accent1">
+              <a:shade val="15000"/>
+            </a:schemeClr>
+          </a:lnRef>
+          <a:fillRef idx="1">
+            <a:schemeClr val="accent1"/>
+          </a:fillRef>
+          <a:effectRef idx="0">
+            <a:schemeClr val="accent1"/>
+          </a:effectRef>
+          <a:fontRef idx="minor">
+            <a:schemeClr val="lt1"/>
+          </a:fontRef>
+        </p:style>
+        <p:txBody>
+          <a:bodyPr rtlCol="0" anchor="ctr"/>
+          <a:lstStyle/>
+          <a:p>
+            <a:pPr algn="ctr"/>
+            <a:r>
+              <a:rPr lang="zh-CN" altLang="en-US" dirty="0"/>
+              <a:t>点标签</a:t>
+            </a:r>
+          </a:p>
+        </p:txBody>
+      </p:sp>
+      <p:sp>
+        <p:nvSpPr>
+          <p:cNvPr id="6" name="流程图: 终止 5">
+            <a:extLst>
+              <a:ext uri="{FF2B5EF4-FFF2-40B4-BE49-F238E27FC236}">
+                <a16:creationId xmlns:a16="http://schemas.microsoft.com/office/drawing/2014/main" id="{38D42091-FE83-7A45-F230-48237A906CFF}"/>
+              </a:ext>
+            </a:extLst>
+          </p:cNvPr>
+          <p:cNvSpPr/>
+          <p:nvPr/>
+        </p:nvSpPr>
+        <p:spPr>
+          <a:xfrm>
+            <a:off x="21802009" y="13442158"/>
+            <a:ext cx="1238172" cy="469898"/>
+          </a:xfrm>
+          <a:prstGeom prst="flowChartTerminator">
+            <a:avLst/>
+          </a:prstGeom>
+          <a:ln w="28575"/>
+        </p:spPr>
+        <p:style>
+          <a:lnRef idx="2">
+            <a:schemeClr val="accent1">
+              <a:shade val="15000"/>
+            </a:schemeClr>
+          </a:lnRef>
+          <a:fillRef idx="1">
+            <a:schemeClr val="accent1"/>
+          </a:fillRef>
+          <a:effectRef idx="0">
+            <a:schemeClr val="accent1"/>
+          </a:effectRef>
+          <a:fontRef idx="minor">
+            <a:schemeClr val="lt1"/>
+          </a:fontRef>
+        </p:style>
+        <p:txBody>
+          <a:bodyPr rtlCol="0" anchor="ctr"/>
+          <a:lstStyle/>
+          <a:p>
+            <a:pPr algn="ctr"/>
+            <a:r>
+              <a:rPr lang="zh-CN" altLang="en-US" dirty="0"/>
+              <a:t>红外图像</a:t>
+            </a:r>
+          </a:p>
+        </p:txBody>
+      </p:sp>
+      <p:sp>
+        <p:nvSpPr>
+          <p:cNvPr id="8" name="梯形 7">
+            <a:extLst>
+              <a:ext uri="{FF2B5EF4-FFF2-40B4-BE49-F238E27FC236}">
+                <a16:creationId xmlns:a16="http://schemas.microsoft.com/office/drawing/2014/main" id="{FE7BDD87-30F1-6D0A-C408-100DF87B0485}"/>
+              </a:ext>
+            </a:extLst>
+          </p:cNvPr>
+          <p:cNvSpPr/>
+          <p:nvPr/>
+        </p:nvSpPr>
+        <p:spPr>
+          <a:xfrm rot="5400000">
+            <a:off x="19292134" y="12587407"/>
+            <a:ext cx="2134553" cy="1442166"/>
+          </a:xfrm>
+          <a:prstGeom prst="trapezoid">
+            <a:avLst>
+              <a:gd name="adj" fmla="val 14189"/>
+            </a:avLst>
+          </a:prstGeom>
+          <a:solidFill>
+            <a:schemeClr val="accent4">
+              <a:lumMod val="60000"/>
+              <a:lumOff val="40000"/>
+            </a:schemeClr>
+          </a:solidFill>
+          <a:ln w="28575"/>
+        </p:spPr>
+        <p:style>
+          <a:lnRef idx="2">
+            <a:schemeClr val="accent1">
+              <a:shade val="15000"/>
+            </a:schemeClr>
+          </a:lnRef>
+          <a:fillRef idx="1">
+            <a:schemeClr val="accent1"/>
+          </a:fillRef>
+          <a:effectRef idx="0">
+            <a:schemeClr val="accent1"/>
+          </a:effectRef>
+          <a:fontRef idx="minor">
+            <a:schemeClr val="lt1"/>
+          </a:fontRef>
+        </p:style>
+        <p:txBody>
+          <a:bodyPr vert="vert270" rtlCol="0" anchor="ctr"/>
+          <a:lstStyle/>
+          <a:p>
+            <a:pPr algn="ctr"/>
+            <a:r>
+              <a:rPr lang="zh-CN" altLang="en-US" sz="1400" dirty="0"/>
+              <a:t>点标签扩散模块</a:t>
+            </a:r>
+          </a:p>
+        </p:txBody>
+      </p:sp>
+      <p:sp>
+        <p:nvSpPr>
+          <p:cNvPr id="9" name="流程图: 终止 8">
+            <a:extLst>
+              <a:ext uri="{FF2B5EF4-FFF2-40B4-BE49-F238E27FC236}">
+                <a16:creationId xmlns:a16="http://schemas.microsoft.com/office/drawing/2014/main" id="{11759EDA-5BFB-E86B-0AC5-CA02B65AC03C}"/>
+              </a:ext>
+            </a:extLst>
+          </p:cNvPr>
+          <p:cNvSpPr/>
+          <p:nvPr/>
+        </p:nvSpPr>
+        <p:spPr>
+          <a:xfrm>
+            <a:off x="17474642" y="13073541"/>
+            <a:ext cx="1442167" cy="469898"/>
+          </a:xfrm>
+          <a:prstGeom prst="flowChartTerminator">
+            <a:avLst/>
+          </a:prstGeom>
+          <a:ln w="28575"/>
+        </p:spPr>
+        <p:style>
+          <a:lnRef idx="2">
+            <a:schemeClr val="accent1">
+              <a:shade val="15000"/>
+            </a:schemeClr>
+          </a:lnRef>
+          <a:fillRef idx="1">
+            <a:schemeClr val="accent1"/>
+          </a:fillRef>
+          <a:effectRef idx="0">
+            <a:schemeClr val="accent1"/>
+          </a:effectRef>
+          <a:fontRef idx="minor">
+            <a:schemeClr val="lt1"/>
+          </a:fontRef>
+        </p:style>
+        <p:txBody>
+          <a:bodyPr rtlCol="0" anchor="ctr"/>
+          <a:lstStyle/>
+          <a:p>
+            <a:pPr algn="ctr"/>
+            <a:r>
+              <a:rPr lang="zh-CN" altLang="en-US" sz="1400" dirty="0"/>
+              <a:t>像素级伪标签</a:t>
+            </a:r>
+          </a:p>
+        </p:txBody>
+      </p:sp>
+      <p:sp>
+        <p:nvSpPr>
+          <p:cNvPr id="12" name="流程图: 终止 11">
+            <a:extLst>
+              <a:ext uri="{FF2B5EF4-FFF2-40B4-BE49-F238E27FC236}">
+                <a16:creationId xmlns:a16="http://schemas.microsoft.com/office/drawing/2014/main" id="{7C5CE125-F91C-8C72-3D50-9508A1331D2D}"/>
+              </a:ext>
+            </a:extLst>
+          </p:cNvPr>
+          <p:cNvSpPr/>
+          <p:nvPr/>
+        </p:nvSpPr>
+        <p:spPr>
+          <a:xfrm>
+            <a:off x="27357389" y="12725401"/>
+            <a:ext cx="1442167" cy="469898"/>
+          </a:xfrm>
+          <a:prstGeom prst="flowChartTerminator">
+            <a:avLst/>
+          </a:prstGeom>
+          <a:ln w="28575"/>
+        </p:spPr>
+        <p:style>
+          <a:lnRef idx="2">
+            <a:schemeClr val="accent1">
+              <a:shade val="15000"/>
+            </a:schemeClr>
+          </a:lnRef>
+          <a:fillRef idx="1">
+            <a:schemeClr val="accent1"/>
+          </a:fillRef>
+          <a:effectRef idx="0">
+            <a:schemeClr val="accent1"/>
+          </a:effectRef>
+          <a:fontRef idx="minor">
+            <a:schemeClr val="lt1"/>
+          </a:fontRef>
+        </p:style>
+        <p:txBody>
+          <a:bodyPr rtlCol="0" anchor="ctr"/>
+          <a:lstStyle/>
+          <a:p>
+            <a:pPr algn="ctr"/>
+            <a:r>
+              <a:rPr lang="zh-CN" altLang="en-US" sz="1400" dirty="0"/>
+              <a:t>预测标签</a:t>
+            </a:r>
+          </a:p>
+        </p:txBody>
+      </p:sp>
+      <p:sp>
+        <p:nvSpPr>
+          <p:cNvPr id="13" name="流程图: 终止 12">
+            <a:extLst>
+              <a:ext uri="{FF2B5EF4-FFF2-40B4-BE49-F238E27FC236}">
+                <a16:creationId xmlns:a16="http://schemas.microsoft.com/office/drawing/2014/main" id="{74DF43F0-99F0-6544-6324-F7926A26F5A0}"/>
+              </a:ext>
+            </a:extLst>
+          </p:cNvPr>
+          <p:cNvSpPr/>
+          <p:nvPr/>
+        </p:nvSpPr>
+        <p:spPr>
+          <a:xfrm>
+            <a:off x="27357389" y="13407234"/>
+            <a:ext cx="1442167" cy="469898"/>
+          </a:xfrm>
+          <a:prstGeom prst="flowChartTerminator">
+            <a:avLst/>
+          </a:prstGeom>
+          <a:ln w="28575"/>
+        </p:spPr>
+        <p:style>
+          <a:lnRef idx="2">
+            <a:schemeClr val="accent1">
+              <a:shade val="15000"/>
+            </a:schemeClr>
+          </a:lnRef>
+          <a:fillRef idx="1">
+            <a:schemeClr val="accent1"/>
+          </a:fillRef>
+          <a:effectRef idx="0">
+            <a:schemeClr val="accent1"/>
+          </a:effectRef>
+          <a:fontRef idx="minor">
+            <a:schemeClr val="lt1"/>
+          </a:fontRef>
+        </p:style>
+        <p:txBody>
+          <a:bodyPr rtlCol="0" anchor="ctr"/>
+          <a:lstStyle/>
+          <a:p>
+            <a:pPr algn="ctr"/>
+            <a:r>
+              <a:rPr lang="zh-CN" altLang="en-US" sz="1400" dirty="0"/>
+              <a:t>更新标签</a:t>
+            </a:r>
+          </a:p>
+        </p:txBody>
+      </p:sp>
+      <p:cxnSp>
+        <p:nvCxnSpPr>
+          <p:cNvPr id="15" name="连接符: 肘形 14">
+            <a:extLst>
+              <a:ext uri="{FF2B5EF4-FFF2-40B4-BE49-F238E27FC236}">
+                <a16:creationId xmlns:a16="http://schemas.microsoft.com/office/drawing/2014/main" id="{4F5FDD3A-FBB2-BF51-0E81-1B4772D5657C}"/>
+              </a:ext>
+            </a:extLst>
+          </p:cNvPr>
+          <p:cNvCxnSpPr>
+            <a:cxnSpLocks/>
+            <a:stCxn id="13" idx="2"/>
+            <a:endCxn id="8" idx="3"/>
+          </p:cNvCxnSpPr>
+          <p:nvPr/>
+        </p:nvCxnSpPr>
+        <p:spPr>
+          <a:xfrm rot="5400000">
+            <a:off x="24020782" y="10215761"/>
+            <a:ext cx="396321" cy="7719062"/>
+          </a:xfrm>
+          <a:prstGeom prst="bentConnector3">
+            <a:avLst>
+              <a:gd name="adj1" fmla="val 228330"/>
+            </a:avLst>
+          </a:prstGeom>
+          <a:ln w="28575">
+            <a:tailEnd type="triangle"/>
+          </a:ln>
+        </p:spPr>
+        <p:style>
+          <a:lnRef idx="1">
+            <a:schemeClr val="accent1"/>
+          </a:lnRef>
+          <a:fillRef idx="0">
+            <a:schemeClr val="accent1"/>
+          </a:fillRef>
+          <a:effectRef idx="0">
+            <a:schemeClr val="accent1"/>
+          </a:effectRef>
+          <a:fontRef idx="minor">
+            <a:schemeClr val="tx1"/>
+          </a:fontRef>
+        </p:style>
+      </p:cxnSp>
+      <p:cxnSp>
+        <p:nvCxnSpPr>
+          <p:cNvPr id="24" name="直接箭头连接符 23">
+            <a:extLst>
+              <a:ext uri="{FF2B5EF4-FFF2-40B4-BE49-F238E27FC236}">
+                <a16:creationId xmlns:a16="http://schemas.microsoft.com/office/drawing/2014/main" id="{03E80124-5BAE-A7C1-13AA-B907932519C7}"/>
+              </a:ext>
+            </a:extLst>
+          </p:cNvPr>
+          <p:cNvCxnSpPr>
+            <a:cxnSpLocks/>
+          </p:cNvCxnSpPr>
+          <p:nvPr/>
+        </p:nvCxnSpPr>
+        <p:spPr>
+          <a:xfrm>
+            <a:off x="23009225" y="13683457"/>
+            <a:ext cx="752474" cy="0"/>
+          </a:xfrm>
+          <a:prstGeom prst="straightConnector1">
+            <a:avLst/>
+          </a:prstGeom>
+          <a:ln w="28575">
+            <a:tailEnd type="triangle"/>
+          </a:ln>
+        </p:spPr>
+        <p:style>
+          <a:lnRef idx="1">
+            <a:schemeClr val="accent1"/>
+          </a:lnRef>
+          <a:fillRef idx="0">
+            <a:schemeClr val="accent1"/>
+          </a:fillRef>
+          <a:effectRef idx="0">
+            <a:schemeClr val="accent1"/>
+          </a:effectRef>
+          <a:fontRef idx="minor">
+            <a:schemeClr val="tx1"/>
+          </a:fontRef>
+        </p:style>
+      </p:cxnSp>
+      <p:cxnSp>
+        <p:nvCxnSpPr>
+          <p:cNvPr id="29" name="连接符: 肘形 28">
+            <a:extLst>
+              <a:ext uri="{FF2B5EF4-FFF2-40B4-BE49-F238E27FC236}">
+                <a16:creationId xmlns:a16="http://schemas.microsoft.com/office/drawing/2014/main" id="{73303058-9EFE-13DB-E646-E2F3610972F0}"/>
+              </a:ext>
+            </a:extLst>
+          </p:cNvPr>
+          <p:cNvCxnSpPr/>
+          <p:nvPr/>
+        </p:nvCxnSpPr>
+        <p:spPr>
+          <a:xfrm flipV="1">
+            <a:off x="23009225" y="12960353"/>
+            <a:ext cx="752474" cy="583089"/>
+          </a:xfrm>
+          <a:prstGeom prst="bentConnector3">
+            <a:avLst/>
+          </a:prstGeom>
+          <a:ln w="28575">
+            <a:tailEnd type="triangle"/>
+          </a:ln>
+        </p:spPr>
+        <p:style>
+          <a:lnRef idx="1">
+            <a:schemeClr val="accent1"/>
+          </a:lnRef>
+          <a:fillRef idx="0">
+            <a:schemeClr val="accent1"/>
+          </a:fillRef>
+          <a:effectRef idx="0">
+            <a:schemeClr val="accent1"/>
+          </a:effectRef>
+          <a:fontRef idx="minor">
+            <a:schemeClr val="tx1"/>
+          </a:fontRef>
+        </p:style>
+      </p:cxnSp>
+      <p:cxnSp>
+        <p:nvCxnSpPr>
+          <p:cNvPr id="7" name="直接箭头连接符 6">
+            <a:extLst>
+              <a:ext uri="{FF2B5EF4-FFF2-40B4-BE49-F238E27FC236}">
+                <a16:creationId xmlns:a16="http://schemas.microsoft.com/office/drawing/2014/main" id="{74BDFAA1-4925-7C28-F51E-53D49EF201DD}"/>
+              </a:ext>
+            </a:extLst>
+          </p:cNvPr>
+          <p:cNvCxnSpPr>
+            <a:stCxn id="5" idx="1"/>
+          </p:cNvCxnSpPr>
+          <p:nvPr/>
+        </p:nvCxnSpPr>
+        <p:spPr>
+          <a:xfrm flipH="1">
+            <a:off x="21080491" y="12960350"/>
+            <a:ext cx="721518" cy="0"/>
+          </a:xfrm>
+          <a:prstGeom prst="straightConnector1">
+            <a:avLst/>
+          </a:prstGeom>
+          <a:ln w="28575">
+            <a:tailEnd type="triangle"/>
+          </a:ln>
+        </p:spPr>
+        <p:style>
+          <a:lnRef idx="1">
+            <a:schemeClr val="accent1"/>
+          </a:lnRef>
+          <a:fillRef idx="0">
+            <a:schemeClr val="accent1"/>
+          </a:fillRef>
+          <a:effectRef idx="0">
+            <a:schemeClr val="accent1"/>
+          </a:effectRef>
+          <a:fontRef idx="minor">
+            <a:schemeClr val="tx1"/>
+          </a:fontRef>
+        </p:style>
+      </p:cxnSp>
+      <p:cxnSp>
+        <p:nvCxnSpPr>
+          <p:cNvPr id="10" name="直接箭头连接符 9">
+            <a:extLst>
+              <a:ext uri="{FF2B5EF4-FFF2-40B4-BE49-F238E27FC236}">
+                <a16:creationId xmlns:a16="http://schemas.microsoft.com/office/drawing/2014/main" id="{9FEF163A-942F-A10A-4CA2-A45EFF56E0E0}"/>
+              </a:ext>
+            </a:extLst>
+          </p:cNvPr>
+          <p:cNvCxnSpPr/>
+          <p:nvPr/>
+        </p:nvCxnSpPr>
+        <p:spPr>
+          <a:xfrm flipH="1">
+            <a:off x="21080491" y="13683457"/>
+            <a:ext cx="721518" cy="0"/>
+          </a:xfrm>
+          <a:prstGeom prst="straightConnector1">
+            <a:avLst/>
+          </a:prstGeom>
+          <a:ln w="28575">
+            <a:tailEnd type="triangle"/>
+          </a:ln>
+        </p:spPr>
+        <p:style>
+          <a:lnRef idx="1">
+            <a:schemeClr val="accent1"/>
+          </a:lnRef>
+          <a:fillRef idx="0">
+            <a:schemeClr val="accent1"/>
+          </a:fillRef>
+          <a:effectRef idx="0">
+            <a:schemeClr val="accent1"/>
+          </a:effectRef>
+          <a:fontRef idx="minor">
+            <a:schemeClr val="tx1"/>
+          </a:fontRef>
+        </p:style>
+      </p:cxnSp>
+      <p:cxnSp>
+        <p:nvCxnSpPr>
+          <p:cNvPr id="11" name="直接箭头连接符 10">
+            <a:extLst>
+              <a:ext uri="{FF2B5EF4-FFF2-40B4-BE49-F238E27FC236}">
+                <a16:creationId xmlns:a16="http://schemas.microsoft.com/office/drawing/2014/main" id="{9DE7C745-0E73-F771-8D45-1580BCF049C6}"/>
+              </a:ext>
+            </a:extLst>
+          </p:cNvPr>
+          <p:cNvCxnSpPr>
+            <a:cxnSpLocks/>
+          </p:cNvCxnSpPr>
+          <p:nvPr/>
+        </p:nvCxnSpPr>
+        <p:spPr>
+          <a:xfrm flipH="1">
+            <a:off x="18916806" y="13318024"/>
+            <a:ext cx="721518" cy="0"/>
+          </a:xfrm>
+          <a:prstGeom prst="straightConnector1">
+            <a:avLst/>
+          </a:prstGeom>
+          <a:ln w="28575">
+            <a:tailEnd type="triangle"/>
+          </a:ln>
+        </p:spPr>
+        <p:style>
+          <a:lnRef idx="1">
+            <a:schemeClr val="accent1"/>
+          </a:lnRef>
+          <a:fillRef idx="0">
+            <a:schemeClr val="accent1"/>
+          </a:fillRef>
+          <a:effectRef idx="0">
+            <a:schemeClr val="accent1"/>
+          </a:effectRef>
+          <a:fontRef idx="minor">
+            <a:schemeClr val="tx1"/>
+          </a:fontRef>
+        </p:style>
+      </p:cxnSp>
+      <p:cxnSp>
+        <p:nvCxnSpPr>
+          <p:cNvPr id="18" name="直接箭头连接符 17">
+            <a:extLst>
+              <a:ext uri="{FF2B5EF4-FFF2-40B4-BE49-F238E27FC236}">
+                <a16:creationId xmlns:a16="http://schemas.microsoft.com/office/drawing/2014/main" id="{994884D0-451D-1753-8971-3D593FBFF754}"/>
+              </a:ext>
+            </a:extLst>
+          </p:cNvPr>
+          <p:cNvCxnSpPr>
+            <a:cxnSpLocks/>
+          </p:cNvCxnSpPr>
+          <p:nvPr/>
+        </p:nvCxnSpPr>
+        <p:spPr>
+          <a:xfrm>
+            <a:off x="26635868" y="12960350"/>
+            <a:ext cx="721518" cy="0"/>
+          </a:xfrm>
+          <a:prstGeom prst="straightConnector1">
+            <a:avLst/>
+          </a:prstGeom>
+          <a:ln w="28575">
+            <a:tailEnd type="triangle"/>
+          </a:ln>
+        </p:spPr>
+        <p:style>
+          <a:lnRef idx="1">
+            <a:schemeClr val="accent1"/>
+          </a:lnRef>
+          <a:fillRef idx="0">
+            <a:schemeClr val="accent1"/>
+          </a:fillRef>
+          <a:effectRef idx="0">
+            <a:schemeClr val="accent1"/>
+          </a:effectRef>
+          <a:fontRef idx="minor">
+            <a:schemeClr val="tx1"/>
+          </a:fontRef>
+        </p:style>
+      </p:cxnSp>
+      <p:cxnSp>
+        <p:nvCxnSpPr>
+          <p:cNvPr id="20" name="直接箭头连接符 19">
+            <a:extLst>
+              <a:ext uri="{FF2B5EF4-FFF2-40B4-BE49-F238E27FC236}">
+                <a16:creationId xmlns:a16="http://schemas.microsoft.com/office/drawing/2014/main" id="{10523190-D8D0-89AE-40E1-ED9A5403CEE8}"/>
+              </a:ext>
+            </a:extLst>
+          </p:cNvPr>
+          <p:cNvCxnSpPr>
+            <a:cxnSpLocks/>
+          </p:cNvCxnSpPr>
+          <p:nvPr/>
+        </p:nvCxnSpPr>
+        <p:spPr>
+          <a:xfrm>
+            <a:off x="26635868" y="13677107"/>
+            <a:ext cx="721518" cy="0"/>
+          </a:xfrm>
+          <a:prstGeom prst="straightConnector1">
+            <a:avLst/>
+          </a:prstGeom>
+          <a:ln w="28575">
+            <a:tailEnd type="triangle"/>
+          </a:ln>
+        </p:spPr>
+        <p:style>
+          <a:lnRef idx="1">
+            <a:schemeClr val="accent1"/>
+          </a:lnRef>
+          <a:fillRef idx="0">
+            <a:schemeClr val="accent1"/>
+          </a:fillRef>
+          <a:effectRef idx="0">
+            <a:schemeClr val="accent1"/>
+          </a:effectRef>
+          <a:fontRef idx="minor">
+            <a:schemeClr val="tx1"/>
+          </a:fontRef>
+        </p:style>
+      </p:cxnSp>
+      <p:sp>
+        <p:nvSpPr>
+          <p:cNvPr id="25" name="矩形 24">
+            <a:extLst>
+              <a:ext uri="{FF2B5EF4-FFF2-40B4-BE49-F238E27FC236}">
+                <a16:creationId xmlns:a16="http://schemas.microsoft.com/office/drawing/2014/main" id="{8AB020E2-8FA6-1FAF-11FD-AEEB3946841E}"/>
+              </a:ext>
+            </a:extLst>
+          </p:cNvPr>
+          <p:cNvSpPr/>
+          <p:nvPr/>
+        </p:nvSpPr>
+        <p:spPr>
+          <a:xfrm>
+            <a:off x="22421095" y="11647893"/>
+            <a:ext cx="1249206" cy="471883"/>
+          </a:xfrm>
+          <a:prstGeom prst="rect">
+            <a:avLst/>
+          </a:prstGeom>
+          <a:solidFill>
+            <a:schemeClr val="accent6">
+              <a:lumMod val="60000"/>
+              <a:lumOff val="40000"/>
+            </a:schemeClr>
+          </a:solidFill>
+          <a:ln w="28575"/>
+        </p:spPr>
+        <p:style>
+          <a:lnRef idx="2">
+            <a:schemeClr val="accent1">
+              <a:shade val="15000"/>
+            </a:schemeClr>
+          </a:lnRef>
+          <a:fillRef idx="1">
+            <a:schemeClr val="accent1"/>
+          </a:fillRef>
+          <a:effectRef idx="0">
+            <a:schemeClr val="accent1"/>
+          </a:effectRef>
+          <a:fontRef idx="minor">
+            <a:schemeClr val="lt1"/>
+          </a:fontRef>
+        </p:style>
+        <p:txBody>
+          <a:bodyPr rtlCol="0" anchor="ctr"/>
+          <a:lstStyle/>
+          <a:p>
+            <a:pPr algn="ctr"/>
+            <a:r>
+              <a:rPr lang="en-US" altLang="zh-CN" dirty="0"/>
+              <a:t>Loss</a:t>
+            </a:r>
+            <a:endParaRPr lang="zh-CN" altLang="en-US" dirty="0"/>
+          </a:p>
+        </p:txBody>
+      </p:sp>
+      <p:cxnSp>
+        <p:nvCxnSpPr>
+          <p:cNvPr id="30" name="连接符: 肘形 29">
+            <a:extLst>
+              <a:ext uri="{FF2B5EF4-FFF2-40B4-BE49-F238E27FC236}">
+                <a16:creationId xmlns:a16="http://schemas.microsoft.com/office/drawing/2014/main" id="{2F6D06E6-CE5E-8B5B-398E-377F8DEE5489}"/>
+              </a:ext>
+            </a:extLst>
+          </p:cNvPr>
+          <p:cNvCxnSpPr>
+            <a:stCxn id="12" idx="0"/>
+            <a:endCxn id="25" idx="3"/>
+          </p:cNvCxnSpPr>
+          <p:nvPr/>
+        </p:nvCxnSpPr>
+        <p:spPr>
+          <a:xfrm rot="16200000" flipV="1">
+            <a:off x="25453605" y="10100535"/>
+            <a:ext cx="841569" cy="4408169"/>
+          </a:xfrm>
+          <a:prstGeom prst="bentConnector2">
+            <a:avLst/>
+          </a:prstGeom>
+          <a:ln w="28575">
+            <a:tailEnd type="triangle"/>
+          </a:ln>
+        </p:spPr>
+        <p:style>
+          <a:lnRef idx="1">
+            <a:schemeClr val="accent1"/>
+          </a:lnRef>
+          <a:fillRef idx="0">
+            <a:schemeClr val="accent1"/>
+          </a:fillRef>
+          <a:effectRef idx="0">
+            <a:schemeClr val="accent1"/>
+          </a:effectRef>
+          <a:fontRef idx="minor">
+            <a:schemeClr val="tx1"/>
+          </a:fontRef>
+        </p:style>
+      </p:cxnSp>
+      <p:cxnSp>
+        <p:nvCxnSpPr>
+          <p:cNvPr id="32" name="连接符: 肘形 31">
+            <a:extLst>
+              <a:ext uri="{FF2B5EF4-FFF2-40B4-BE49-F238E27FC236}">
+                <a16:creationId xmlns:a16="http://schemas.microsoft.com/office/drawing/2014/main" id="{D077A77D-5220-CF31-42BF-12523870435A}"/>
+              </a:ext>
+            </a:extLst>
+          </p:cNvPr>
+          <p:cNvCxnSpPr>
+            <a:stCxn id="9" idx="0"/>
+            <a:endCxn id="25" idx="1"/>
+          </p:cNvCxnSpPr>
+          <p:nvPr/>
+        </p:nvCxnSpPr>
+        <p:spPr>
+          <a:xfrm rot="5400000" flipH="1" flipV="1">
+            <a:off x="19713558" y="10366001"/>
+            <a:ext cx="1189709" cy="4225372"/>
+          </a:xfrm>
+          <a:prstGeom prst="bentConnector2">
+            <a:avLst/>
+          </a:prstGeom>
+          <a:ln w="28575">
+            <a:tailEnd type="triangle"/>
+          </a:ln>
+        </p:spPr>
+        <p:style>
+          <a:lnRef idx="1">
+            <a:schemeClr val="accent1"/>
+          </a:lnRef>
+          <a:fillRef idx="0">
+            <a:schemeClr val="accent1"/>
+          </a:fillRef>
+          <a:effectRef idx="0">
+            <a:schemeClr val="accent1"/>
+          </a:effectRef>
+          <a:fontRef idx="minor">
+            <a:schemeClr val="tx1"/>
+          </a:fontRef>
+        </p:style>
+      </p:cxnSp>
+    </p:spTree>
+    <p:extLst>
+      <p:ext uri="{BB962C8B-B14F-4D97-AF65-F5344CB8AC3E}">
+        <p14:creationId xmlns:p14="http://schemas.microsoft.com/office/powerpoint/2010/main" val="575625344"/>
+      </p:ext>
+    </p:extLst>
+  </p:cSld>
+  <p:clrMapOvr>
+    <a:masterClrMapping/>
+  </p:clrMapOvr>
+</p:sld>
+</file>
+
+<file path=ppt/slides/slide9.xml><?xml version="1.0" encoding="utf-8"?>
+<p:sld xmlns:a="http://schemas.openxmlformats.org/drawingml/2006/main" xmlns:r="http://schemas.openxmlformats.org/officeDocument/2006/relationships" xmlns:p="http://schemas.openxmlformats.org/presentationml/2006/main">
+  <p:cSld>
+    <p:spTree>
+      <p:nvGrpSpPr>
+        <p:cNvPr id="1" name=""/>
+        <p:cNvGrpSpPr/>
+        <p:nvPr/>
+      </p:nvGrpSpPr>
+      <p:grpSpPr>
+        <a:xfrm>
+          <a:off x="0" y="0"/>
+          <a:ext cx="0" cy="0"/>
+          <a:chOff x="0" y="0"/>
+          <a:chExt cx="0" cy="0"/>
+        </a:xfrm>
+      </p:grpSpPr>
+      <p:pic>
+        <p:nvPicPr>
+          <p:cNvPr id="7" name="图片 6">
+            <a:extLst>
+              <a:ext uri="{FF2B5EF4-FFF2-40B4-BE49-F238E27FC236}">
+                <a16:creationId xmlns:a16="http://schemas.microsoft.com/office/drawing/2014/main" id="{4E9A87C9-43FD-FB1E-9D13-3B78AF9B9882}"/>
+              </a:ext>
+            </a:extLst>
+          </p:cNvPr>
+          <p:cNvPicPr>
+            <a:picLocks noChangeAspect="1"/>
+          </p:cNvPicPr>
+          <p:nvPr/>
+        </p:nvPicPr>
+        <p:blipFill>
+          <a:blip r:embed="rId2">
+            <a:extLst>
+              <a:ext uri="{28A0092B-C50C-407E-A947-70E740481C1C}">
+                <a14:useLocalDpi xmlns:a14="http://schemas.microsoft.com/office/drawing/2010/main" val="0"/>
+              </a:ext>
+            </a:extLst>
+          </a:blip>
+          <a:stretch>
+            <a:fillRect/>
+          </a:stretch>
+        </p:blipFill>
+        <p:spPr>
+          <a:xfrm rot="21080248">
+            <a:off x="2422371" y="5032242"/>
+            <a:ext cx="2777858" cy="2777858"/>
+          </a:xfrm>
+          <a:prstGeom prst="rect">
+            <a:avLst/>
+          </a:prstGeom>
+          <a:scene3d>
+            <a:camera prst="isometricOffAxis2Top"/>
+            <a:lightRig rig="threePt" dir="t"/>
+          </a:scene3d>
+        </p:spPr>
+      </p:pic>
+      <p:sp>
+        <p:nvSpPr>
+          <p:cNvPr id="2" name="标题 1">
+            <a:extLst>
+              <a:ext uri="{FF2B5EF4-FFF2-40B4-BE49-F238E27FC236}">
+                <a16:creationId xmlns:a16="http://schemas.microsoft.com/office/drawing/2014/main" id="{44F54E9C-73E9-0118-FBD9-C20BC7EAEEED}"/>
+              </a:ext>
+            </a:extLst>
+          </p:cNvPr>
+          <p:cNvSpPr>
+            <a:spLocks noGrp="1"/>
+          </p:cNvSpPr>
+          <p:nvPr>
+            <p:ph type="title"/>
+          </p:nvPr>
+        </p:nvSpPr>
+        <p:spPr/>
+        <p:txBody>
+          <a:bodyPr/>
+          <a:lstStyle/>
+          <a:p>
+            <a:r>
+              <a:rPr lang="zh-CN" altLang="en-US" dirty="0"/>
+              <a:t>点标签扩散模块</a:t>
+            </a:r>
+          </a:p>
+        </p:txBody>
+      </p:sp>
+      <p:grpSp>
+        <p:nvGrpSpPr>
+          <p:cNvPr id="15" name="组合 14">
+            <a:extLst>
+              <a:ext uri="{FF2B5EF4-FFF2-40B4-BE49-F238E27FC236}">
+                <a16:creationId xmlns:a16="http://schemas.microsoft.com/office/drawing/2014/main" id="{D7F24116-E730-5CC4-1777-0D2920BA3A21}"/>
+              </a:ext>
+            </a:extLst>
+          </p:cNvPr>
+          <p:cNvGrpSpPr/>
+          <p:nvPr/>
+        </p:nvGrpSpPr>
+        <p:grpSpPr>
+          <a:xfrm>
+            <a:off x="2313181" y="13405081"/>
+            <a:ext cx="3610947" cy="965714"/>
+            <a:chOff x="3825119" y="3380789"/>
+            <a:chExt cx="3610947" cy="965714"/>
+          </a:xfrm>
+        </p:grpSpPr>
+        <p:sp>
+          <p:nvSpPr>
+            <p:cNvPr id="8" name="平行四边形 7">
+              <a:extLst>
+                <a:ext uri="{FF2B5EF4-FFF2-40B4-BE49-F238E27FC236}">
+                  <a16:creationId xmlns:a16="http://schemas.microsoft.com/office/drawing/2014/main" id="{01996D8C-4B1F-F087-2CB7-CC2132CCC45F}"/>
+                </a:ext>
+              </a:extLst>
+            </p:cNvPr>
+            <p:cNvSpPr/>
+            <p:nvPr/>
+          </p:nvSpPr>
+          <p:spPr>
+            <a:xfrm>
+              <a:off x="3825119" y="3380789"/>
+              <a:ext cx="3610947" cy="965714"/>
+            </a:xfrm>
+            <a:prstGeom prst="parallelogram">
+              <a:avLst>
+                <a:gd name="adj" fmla="val 110025"/>
+              </a:avLst>
+            </a:prstGeom>
+          </p:spPr>
+          <p:style>
+            <a:lnRef idx="2">
+              <a:schemeClr val="dk1">
+                <a:shade val="15000"/>
+              </a:schemeClr>
+            </a:lnRef>
+            <a:fillRef idx="1">
+              <a:schemeClr val="dk1"/>
+            </a:fillRef>
+            <a:effectRef idx="0">
+              <a:schemeClr val="dk1"/>
+            </a:effectRef>
+            <a:fontRef idx="minor">
+              <a:schemeClr val="lt1"/>
+            </a:fontRef>
+          </p:style>
+          <p:txBody>
+            <a:bodyPr rtlCol="0" anchor="ctr"/>
+            <a:lstStyle/>
+            <a:p>
+              <a:pPr algn="ctr"/>
+              <a:endParaRPr lang="zh-CN" altLang="en-US"/>
+            </a:p>
+          </p:txBody>
+        </p:sp>
+        <p:sp>
+          <p:nvSpPr>
+            <p:cNvPr id="11" name="椭圆 10">
+              <a:extLst>
+                <a:ext uri="{FF2B5EF4-FFF2-40B4-BE49-F238E27FC236}">
+                  <a16:creationId xmlns:a16="http://schemas.microsoft.com/office/drawing/2014/main" id="{1C8685FB-C157-44EC-1A68-4DEDC6DEA36F}"/>
+                </a:ext>
+              </a:extLst>
+            </p:cNvPr>
+            <p:cNvSpPr/>
+            <p:nvPr/>
+          </p:nvSpPr>
+          <p:spPr>
+            <a:xfrm>
+              <a:off x="6150388" y="3876377"/>
+              <a:ext cx="52291" cy="51740"/>
+            </a:xfrm>
+            <a:prstGeom prst="ellipse">
+              <a:avLst/>
+            </a:prstGeom>
+            <a:solidFill>
+              <a:schemeClr val="bg1"/>
+            </a:solidFill>
+          </p:spPr>
+          <p:style>
+            <a:lnRef idx="0">
+              <a:schemeClr val="accent4"/>
+            </a:lnRef>
+            <a:fillRef idx="3">
+              <a:schemeClr val="accent4"/>
+            </a:fillRef>
+            <a:effectRef idx="3">
+              <a:schemeClr val="accent4"/>
+            </a:effectRef>
+            <a:fontRef idx="minor">
+              <a:schemeClr val="lt1"/>
+            </a:fontRef>
+          </p:style>
+          <p:txBody>
+            <a:bodyPr rtlCol="0" anchor="ctr"/>
+            <a:lstStyle/>
+            <a:p>
+              <a:pPr algn="ctr"/>
+              <a:endParaRPr lang="zh-CN" altLang="en-US"/>
+            </a:p>
+          </p:txBody>
+        </p:sp>
+        <p:sp>
+          <p:nvSpPr>
+            <p:cNvPr id="12" name="椭圆 11">
+              <a:extLst>
+                <a:ext uri="{FF2B5EF4-FFF2-40B4-BE49-F238E27FC236}">
+                  <a16:creationId xmlns:a16="http://schemas.microsoft.com/office/drawing/2014/main" id="{E4BD382B-8A35-F481-C343-78F914791A90}"/>
+                </a:ext>
+              </a:extLst>
+            </p:cNvPr>
+            <p:cNvSpPr/>
+            <p:nvPr/>
+          </p:nvSpPr>
+          <p:spPr>
+            <a:xfrm>
+              <a:off x="6085127" y="3762375"/>
+              <a:ext cx="52291" cy="51740"/>
+            </a:xfrm>
+            <a:prstGeom prst="ellipse">
+              <a:avLst/>
+            </a:prstGeom>
+            <a:solidFill>
+              <a:schemeClr val="bg1"/>
+            </a:solidFill>
+          </p:spPr>
+          <p:style>
+            <a:lnRef idx="0">
+              <a:schemeClr val="accent4"/>
+            </a:lnRef>
+            <a:fillRef idx="3">
+              <a:schemeClr val="accent4"/>
+            </a:fillRef>
+            <a:effectRef idx="3">
+              <a:schemeClr val="accent4"/>
+            </a:effectRef>
+            <a:fontRef idx="minor">
+              <a:schemeClr val="lt1"/>
+            </a:fontRef>
+          </p:style>
+          <p:txBody>
+            <a:bodyPr rtlCol="0" anchor="ctr"/>
+            <a:lstStyle/>
+            <a:p>
+              <a:pPr algn="ctr"/>
+              <a:endParaRPr lang="zh-CN" altLang="en-US"/>
+            </a:p>
+          </p:txBody>
+        </p:sp>
+        <p:sp>
+          <p:nvSpPr>
+            <p:cNvPr id="13" name="椭圆 12">
+              <a:extLst>
+                <a:ext uri="{FF2B5EF4-FFF2-40B4-BE49-F238E27FC236}">
+                  <a16:creationId xmlns:a16="http://schemas.microsoft.com/office/drawing/2014/main" id="{C8A0C08C-5665-A477-A1F0-E36F34F366FC}"/>
+                </a:ext>
+              </a:extLst>
+            </p:cNvPr>
+            <p:cNvSpPr/>
+            <p:nvPr/>
+          </p:nvSpPr>
+          <p:spPr>
+            <a:xfrm>
+              <a:off x="6483131" y="3762375"/>
+              <a:ext cx="52291" cy="51740"/>
+            </a:xfrm>
+            <a:prstGeom prst="ellipse">
+              <a:avLst/>
+            </a:prstGeom>
+            <a:solidFill>
+              <a:schemeClr val="bg1"/>
+            </a:solidFill>
+          </p:spPr>
+          <p:style>
+            <a:lnRef idx="0">
+              <a:schemeClr val="accent4"/>
+            </a:lnRef>
+            <a:fillRef idx="3">
+              <a:schemeClr val="accent4"/>
+            </a:fillRef>
+            <a:effectRef idx="3">
+              <a:schemeClr val="accent4"/>
+            </a:effectRef>
+            <a:fontRef idx="minor">
+              <a:schemeClr val="lt1"/>
+            </a:fontRef>
+          </p:style>
+          <p:txBody>
+            <a:bodyPr rtlCol="0" anchor="ctr"/>
+            <a:lstStyle/>
+            <a:p>
+              <a:pPr algn="ctr"/>
+              <a:endParaRPr lang="zh-CN" altLang="en-US"/>
+            </a:p>
+          </p:txBody>
+        </p:sp>
+      </p:grpSp>
+      <p:grpSp>
+        <p:nvGrpSpPr>
+          <p:cNvPr id="26" name="组合 25">
+            <a:extLst>
+              <a:ext uri="{FF2B5EF4-FFF2-40B4-BE49-F238E27FC236}">
+                <a16:creationId xmlns:a16="http://schemas.microsoft.com/office/drawing/2014/main" id="{82B53DDC-7DA3-911F-AB37-C9FAE16A31EE}"/>
+              </a:ext>
+            </a:extLst>
+          </p:cNvPr>
+          <p:cNvGrpSpPr/>
+          <p:nvPr/>
+        </p:nvGrpSpPr>
+        <p:grpSpPr>
+          <a:xfrm>
+            <a:off x="2731279" y="9979743"/>
+            <a:ext cx="2774746" cy="2774746"/>
+            <a:chOff x="4657465" y="1306161"/>
+            <a:chExt cx="2774746" cy="2774746"/>
+          </a:xfrm>
+        </p:grpSpPr>
+        <p:pic>
+          <p:nvPicPr>
+            <p:cNvPr id="5" name="图片 4">
+              <a:extLst>
+                <a:ext uri="{FF2B5EF4-FFF2-40B4-BE49-F238E27FC236}">
+                  <a16:creationId xmlns:a16="http://schemas.microsoft.com/office/drawing/2014/main" id="{4DAFF745-125C-9B63-10D6-CA78223C0F0E}"/>
+                </a:ext>
+              </a:extLst>
+            </p:cNvPr>
+            <p:cNvPicPr>
+              <a:picLocks noChangeAspect="1"/>
+            </p:cNvPicPr>
+            <p:nvPr/>
+          </p:nvPicPr>
+          <p:blipFill>
+            <a:blip r:embed="rId3">
+              <a:extLst>
+                <a:ext uri="{28A0092B-C50C-407E-A947-70E740481C1C}">
+                  <a14:useLocalDpi xmlns:a14="http://schemas.microsoft.com/office/drawing/2010/main" val="0"/>
+                </a:ext>
+              </a:extLst>
+            </a:blip>
+            <a:stretch>
+              <a:fillRect/>
+            </a:stretch>
+          </p:blipFill>
+          <p:spPr>
+            <a:xfrm rot="21075822">
+              <a:off x="4657465" y="1306161"/>
+              <a:ext cx="2774746" cy="2774746"/>
+            </a:xfrm>
+            <a:prstGeom prst="rect">
+              <a:avLst/>
+            </a:prstGeom>
+            <a:scene3d>
+              <a:camera prst="isometricOffAxis2Top"/>
+              <a:lightRig rig="threePt" dir="t"/>
+            </a:scene3d>
+          </p:spPr>
+        </p:pic>
+        <p:sp>
+          <p:nvSpPr>
+            <p:cNvPr id="16" name="平行四边形 15">
+              <a:extLst>
+                <a:ext uri="{FF2B5EF4-FFF2-40B4-BE49-F238E27FC236}">
+                  <a16:creationId xmlns:a16="http://schemas.microsoft.com/office/drawing/2014/main" id="{42651115-D29F-C313-E882-5437AA9B3377}"/>
+                </a:ext>
+              </a:extLst>
+            </p:cNvPr>
+            <p:cNvSpPr/>
+            <p:nvPr/>
+          </p:nvSpPr>
+          <p:spPr>
+            <a:xfrm>
+              <a:off x="6338989" y="2577799"/>
+              <a:ext cx="277935" cy="70687"/>
+            </a:xfrm>
+            <a:prstGeom prst="parallelogram">
+              <a:avLst>
+                <a:gd name="adj" fmla="val 114165"/>
+              </a:avLst>
+            </a:prstGeom>
+            <a:noFill/>
+            <a:ln w="12700"/>
+          </p:spPr>
+          <p:style>
+            <a:lnRef idx="2">
+              <a:schemeClr val="accent4"/>
+            </a:lnRef>
+            <a:fillRef idx="1">
+              <a:schemeClr val="lt1"/>
+            </a:fillRef>
+            <a:effectRef idx="0">
+              <a:schemeClr val="accent4"/>
+            </a:effectRef>
+            <a:fontRef idx="minor">
+              <a:schemeClr val="dk1"/>
+            </a:fontRef>
+          </p:style>
+          <p:txBody>
+            <a:bodyPr rtlCol="0" anchor="ctr"/>
+            <a:lstStyle/>
+            <a:p>
+              <a:pPr algn="ctr"/>
+              <a:endParaRPr lang="zh-CN" altLang="en-US"/>
+            </a:p>
+          </p:txBody>
+        </p:sp>
+        <p:sp>
+          <p:nvSpPr>
+            <p:cNvPr id="18" name="平行四边形 17">
+              <a:extLst>
+                <a:ext uri="{FF2B5EF4-FFF2-40B4-BE49-F238E27FC236}">
+                  <a16:creationId xmlns:a16="http://schemas.microsoft.com/office/drawing/2014/main" id="{FB121961-C22F-AF8B-792C-5DA001436D33}"/>
+                </a:ext>
+              </a:extLst>
+            </p:cNvPr>
+            <p:cNvSpPr/>
+            <p:nvPr/>
+          </p:nvSpPr>
+          <p:spPr>
+            <a:xfrm>
+              <a:off x="6386549" y="2710476"/>
+              <a:ext cx="277935" cy="70687"/>
+            </a:xfrm>
+            <a:prstGeom prst="parallelogram">
+              <a:avLst>
+                <a:gd name="adj" fmla="val 114165"/>
+              </a:avLst>
+            </a:prstGeom>
+            <a:noFill/>
+            <a:ln w="12700"/>
+          </p:spPr>
+          <p:style>
+            <a:lnRef idx="2">
+              <a:schemeClr val="accent4"/>
+            </a:lnRef>
+            <a:fillRef idx="1">
+              <a:schemeClr val="lt1"/>
+            </a:fillRef>
+            <a:effectRef idx="0">
+              <a:schemeClr val="accent4"/>
+            </a:effectRef>
+            <a:fontRef idx="minor">
+              <a:schemeClr val="dk1"/>
+            </a:fontRef>
+          </p:style>
+          <p:txBody>
+            <a:bodyPr rtlCol="0" anchor="ctr"/>
+            <a:lstStyle/>
+            <a:p>
+              <a:pPr algn="ctr"/>
+              <a:endParaRPr lang="zh-CN" altLang="en-US"/>
+            </a:p>
+          </p:txBody>
+        </p:sp>
+        <p:sp>
+          <p:nvSpPr>
+            <p:cNvPr id="19" name="平行四边形 18">
+              <a:extLst>
+                <a:ext uri="{FF2B5EF4-FFF2-40B4-BE49-F238E27FC236}">
+                  <a16:creationId xmlns:a16="http://schemas.microsoft.com/office/drawing/2014/main" id="{6D0C5D2C-2DAC-27B5-9ACC-6BE506850545}"/>
+                </a:ext>
+              </a:extLst>
+            </p:cNvPr>
+            <p:cNvSpPr/>
+            <p:nvPr/>
+          </p:nvSpPr>
+          <p:spPr>
+            <a:xfrm>
+              <a:off x="6879468" y="2577799"/>
+              <a:ext cx="277935" cy="70687"/>
+            </a:xfrm>
+            <a:prstGeom prst="parallelogram">
+              <a:avLst>
+                <a:gd name="adj" fmla="val 114165"/>
+              </a:avLst>
+            </a:prstGeom>
+            <a:noFill/>
+            <a:ln w="12700"/>
+          </p:spPr>
+          <p:style>
+            <a:lnRef idx="2">
+              <a:schemeClr val="accent4"/>
+            </a:lnRef>
+            <a:fillRef idx="1">
+              <a:schemeClr val="lt1"/>
+            </a:fillRef>
+            <a:effectRef idx="0">
+              <a:schemeClr val="accent4"/>
+            </a:effectRef>
+            <a:fontRef idx="minor">
+              <a:schemeClr val="dk1"/>
+            </a:fontRef>
+          </p:style>
+          <p:txBody>
+            <a:bodyPr rtlCol="0" anchor="ctr"/>
+            <a:lstStyle/>
+            <a:p>
+              <a:pPr algn="ctr"/>
+              <a:endParaRPr lang="zh-CN" altLang="en-US"/>
+            </a:p>
+          </p:txBody>
+        </p:sp>
+      </p:grpSp>
+      <p:pic>
+        <p:nvPicPr>
+          <p:cNvPr id="22" name="图片 21">
+            <a:extLst>
+              <a:ext uri="{FF2B5EF4-FFF2-40B4-BE49-F238E27FC236}">
+                <a16:creationId xmlns:a16="http://schemas.microsoft.com/office/drawing/2014/main" id="{A41AEA7F-98E8-7443-9793-F1E6AF6EE6AD}"/>
+              </a:ext>
+            </a:extLst>
+          </p:cNvPr>
+          <p:cNvPicPr>
+            <a:picLocks noChangeAspect="1"/>
+          </p:cNvPicPr>
+          <p:nvPr/>
+        </p:nvPicPr>
+        <p:blipFill>
+          <a:blip r:embed="rId3">
+            <a:extLst>
+              <a:ext uri="{28A0092B-C50C-407E-A947-70E740481C1C}">
+                <a14:useLocalDpi xmlns:a14="http://schemas.microsoft.com/office/drawing/2010/main" val="0"/>
+              </a:ext>
+            </a:extLst>
+          </a:blip>
+          <a:srcRect l="68444" t="53222" r="25410" b="40916"/>
+          <a:stretch/>
+        </p:blipFill>
+        <p:spPr>
+          <a:xfrm>
+            <a:off x="8545703" y="12163883"/>
+            <a:ext cx="299729" cy="285876"/>
+          </a:xfrm>
+          <a:prstGeom prst="rect">
+            <a:avLst/>
+          </a:prstGeom>
+        </p:spPr>
+      </p:pic>
+      <p:pic>
+        <p:nvPicPr>
+          <p:cNvPr id="23" name="图片 22">
+            <a:extLst>
+              <a:ext uri="{FF2B5EF4-FFF2-40B4-BE49-F238E27FC236}">
+                <a16:creationId xmlns:a16="http://schemas.microsoft.com/office/drawing/2014/main" id="{B6542A9A-C710-CAEA-813E-8C06310BC902}"/>
+              </a:ext>
+            </a:extLst>
+          </p:cNvPr>
+          <p:cNvPicPr>
+            <a:picLocks noChangeAspect="1"/>
+          </p:cNvPicPr>
+          <p:nvPr/>
+        </p:nvPicPr>
+        <p:blipFill>
+          <a:blip r:embed="rId3">
+            <a:extLst>
+              <a:ext uri="{28A0092B-C50C-407E-A947-70E740481C1C}">
+                <a14:useLocalDpi xmlns:a14="http://schemas.microsoft.com/office/drawing/2010/main" val="0"/>
+              </a:ext>
+            </a:extLst>
+          </a:blip>
+          <a:srcRect l="82311" t="38979" r="11438" b="54770"/>
+          <a:stretch/>
+        </p:blipFill>
+        <p:spPr>
+          <a:xfrm>
+            <a:off x="8543165" y="10743083"/>
+            <a:ext cx="304800" cy="304799"/>
+          </a:xfrm>
+          <a:prstGeom prst="rect">
+            <a:avLst/>
+          </a:prstGeom>
+        </p:spPr>
+      </p:pic>
+      <p:pic>
+        <p:nvPicPr>
+          <p:cNvPr id="24" name="图片 23">
+            <a:extLst>
+              <a:ext uri="{FF2B5EF4-FFF2-40B4-BE49-F238E27FC236}">
+                <a16:creationId xmlns:a16="http://schemas.microsoft.com/office/drawing/2014/main" id="{DB7CEAD1-1355-7001-011F-B207397AE90D}"/>
+              </a:ext>
+            </a:extLst>
+          </p:cNvPr>
+          <p:cNvPicPr>
+            <a:picLocks noChangeAspect="1"/>
+          </p:cNvPicPr>
+          <p:nvPr/>
+        </p:nvPicPr>
+        <p:blipFill>
+          <a:blip r:embed="rId3">
+            <a:extLst>
+              <a:ext uri="{28A0092B-C50C-407E-A947-70E740481C1C}">
+                <a14:useLocalDpi xmlns:a14="http://schemas.microsoft.com/office/drawing/2010/main" val="0"/>
+              </a:ext>
+            </a:extLst>
+          </a:blip>
+          <a:srcRect l="60759" t="39525" r="32991" b="54613"/>
+          <a:stretch/>
+        </p:blipFill>
+        <p:spPr>
+          <a:xfrm>
+            <a:off x="8543165" y="11462943"/>
+            <a:ext cx="304800" cy="285876"/>
+          </a:xfrm>
+          <a:prstGeom prst="rect">
+            <a:avLst/>
+          </a:prstGeom>
+        </p:spPr>
+      </p:pic>
+      <p:cxnSp>
+        <p:nvCxnSpPr>
+          <p:cNvPr id="4" name="直接箭头连接符 3">
+            <a:extLst>
+              <a:ext uri="{FF2B5EF4-FFF2-40B4-BE49-F238E27FC236}">
+                <a16:creationId xmlns:a16="http://schemas.microsoft.com/office/drawing/2014/main" id="{132D92D4-3977-EFA3-9424-6561369E2F18}"/>
+              </a:ext>
+            </a:extLst>
+          </p:cNvPr>
+          <p:cNvCxnSpPr>
+            <a:cxnSpLocks/>
+          </p:cNvCxnSpPr>
+          <p:nvPr/>
+        </p:nvCxnSpPr>
+        <p:spPr>
+          <a:xfrm>
+            <a:off x="4766290" y="11973897"/>
+            <a:ext cx="0" cy="1431184"/>
+          </a:xfrm>
+          <a:prstGeom prst="straightConnector1">
+            <a:avLst/>
+          </a:prstGeom>
+          <a:ln w="28575">
+            <a:headEnd type="triangle"/>
+            <a:tailEnd type="triangle"/>
+          </a:ln>
+        </p:spPr>
+        <p:style>
+          <a:lnRef idx="1">
+            <a:schemeClr val="accent1"/>
+          </a:lnRef>
+          <a:fillRef idx="0">
+            <a:schemeClr val="accent1"/>
+          </a:fillRef>
+          <a:effectRef idx="0">
+            <a:schemeClr val="accent1"/>
+          </a:effectRef>
+          <a:fontRef idx="minor">
+            <a:schemeClr val="tx1"/>
+          </a:fontRef>
+        </p:style>
+      </p:cxnSp>
+      <p:sp>
+        <p:nvSpPr>
+          <p:cNvPr id="6" name="文本框 5">
+            <a:extLst>
+              <a:ext uri="{FF2B5EF4-FFF2-40B4-BE49-F238E27FC236}">
+                <a16:creationId xmlns:a16="http://schemas.microsoft.com/office/drawing/2014/main" id="{4CF55A88-BCA4-79F3-08F2-75915FB1CEA9}"/>
+              </a:ext>
+            </a:extLst>
+          </p:cNvPr>
+          <p:cNvSpPr txBox="1"/>
+          <p:nvPr/>
+        </p:nvSpPr>
+        <p:spPr>
+          <a:xfrm>
+            <a:off x="2536651" y="12449759"/>
+            <a:ext cx="2088826" cy="646331"/>
+          </a:xfrm>
+          <a:prstGeom prst="rect">
+            <a:avLst/>
+          </a:prstGeom>
+          <a:noFill/>
+        </p:spPr>
+        <p:txBody>
+          <a:bodyPr wrap="square" rtlCol="0">
+            <a:spAutoFit/>
+          </a:bodyPr>
+          <a:lstStyle/>
+          <a:p>
+            <a:r>
+              <a:rPr lang="zh-CN" altLang="en-US" dirty="0"/>
+              <a:t>根据点标签确认目标位置</a:t>
+            </a:r>
+          </a:p>
+        </p:txBody>
+      </p:sp>
+      <p:cxnSp>
+        <p:nvCxnSpPr>
+          <p:cNvPr id="10" name="直接箭头连接符 9">
+            <a:extLst>
+              <a:ext uri="{FF2B5EF4-FFF2-40B4-BE49-F238E27FC236}">
+                <a16:creationId xmlns:a16="http://schemas.microsoft.com/office/drawing/2014/main" id="{C74126AC-C06B-1FDF-E7E7-13A610FC359B}"/>
+              </a:ext>
+            </a:extLst>
+          </p:cNvPr>
+          <p:cNvCxnSpPr>
+            <a:cxnSpLocks/>
+          </p:cNvCxnSpPr>
+          <p:nvPr/>
+        </p:nvCxnSpPr>
+        <p:spPr>
+          <a:xfrm>
+            <a:off x="6617133" y="11484699"/>
+            <a:ext cx="1129004" cy="0"/>
+          </a:xfrm>
+          <a:prstGeom prst="straightConnector1">
+            <a:avLst/>
+          </a:prstGeom>
+          <a:ln w="28575">
+            <a:tailEnd type="triangle"/>
+          </a:ln>
+        </p:spPr>
+        <p:style>
+          <a:lnRef idx="1">
+            <a:schemeClr val="accent1"/>
+          </a:lnRef>
+          <a:fillRef idx="0">
+            <a:schemeClr val="accent1"/>
+          </a:fillRef>
+          <a:effectRef idx="0">
+            <a:schemeClr val="accent1"/>
+          </a:effectRef>
+          <a:fontRef idx="minor">
+            <a:schemeClr val="tx1"/>
+          </a:fontRef>
+        </p:style>
+      </p:cxnSp>
+      <p:sp>
+        <p:nvSpPr>
+          <p:cNvPr id="14" name="文本框 13">
+            <a:extLst>
+              <a:ext uri="{FF2B5EF4-FFF2-40B4-BE49-F238E27FC236}">
+                <a16:creationId xmlns:a16="http://schemas.microsoft.com/office/drawing/2014/main" id="{DD7D043A-D09E-3D21-13D6-B6CFEEC4E512}"/>
+              </a:ext>
+            </a:extLst>
+          </p:cNvPr>
+          <p:cNvSpPr txBox="1"/>
+          <p:nvPr/>
+        </p:nvSpPr>
+        <p:spPr>
+          <a:xfrm>
+            <a:off x="6137222" y="11748819"/>
+            <a:ext cx="2088826" cy="646331"/>
+          </a:xfrm>
+          <a:prstGeom prst="rect">
+            <a:avLst/>
+          </a:prstGeom>
+          <a:noFill/>
+        </p:spPr>
+        <p:txBody>
+          <a:bodyPr wrap="square" rtlCol="0">
+            <a:spAutoFit/>
+          </a:bodyPr>
+          <a:lstStyle/>
+          <a:p>
+            <a:r>
+              <a:rPr lang="zh-CN" altLang="en-US" dirty="0"/>
+              <a:t>以</a:t>
+            </a:r>
+            <a:r>
+              <a:rPr lang="en-US" altLang="zh-CN" dirty="0"/>
+              <a:t>32*32</a:t>
+            </a:r>
+            <a:r>
+              <a:rPr lang="zh-CN" altLang="en-US" dirty="0"/>
+              <a:t>像素的尺寸裁切目标</a:t>
+            </a:r>
+          </a:p>
+        </p:txBody>
+      </p:sp>
+      <p:cxnSp>
+        <p:nvCxnSpPr>
+          <p:cNvPr id="17" name="直接箭头连接符 16">
+            <a:extLst>
+              <a:ext uri="{FF2B5EF4-FFF2-40B4-BE49-F238E27FC236}">
+                <a16:creationId xmlns:a16="http://schemas.microsoft.com/office/drawing/2014/main" id="{0B4B0548-697B-D5B3-428A-EC1E8B320BC4}"/>
+              </a:ext>
+            </a:extLst>
+          </p:cNvPr>
+          <p:cNvCxnSpPr>
+            <a:cxnSpLocks/>
+          </p:cNvCxnSpPr>
+          <p:nvPr/>
+        </p:nvCxnSpPr>
+        <p:spPr>
+          <a:xfrm>
+            <a:off x="9515650" y="11484126"/>
+            <a:ext cx="1129004" cy="0"/>
+          </a:xfrm>
+          <a:prstGeom prst="straightConnector1">
+            <a:avLst/>
+          </a:prstGeom>
+          <a:ln w="28575">
+            <a:tailEnd type="triangle"/>
+          </a:ln>
+        </p:spPr>
+        <p:style>
+          <a:lnRef idx="1">
+            <a:schemeClr val="accent1"/>
+          </a:lnRef>
+          <a:fillRef idx="0">
+            <a:schemeClr val="accent1"/>
+          </a:fillRef>
+          <a:effectRef idx="0">
+            <a:schemeClr val="accent1"/>
+          </a:effectRef>
+          <a:fontRef idx="minor">
+            <a:schemeClr val="tx1"/>
+          </a:fontRef>
+        </p:style>
+      </p:cxnSp>
+      <p:sp>
+        <p:nvSpPr>
+          <p:cNvPr id="20" name="文本框 19">
+            <a:extLst>
+              <a:ext uri="{FF2B5EF4-FFF2-40B4-BE49-F238E27FC236}">
+                <a16:creationId xmlns:a16="http://schemas.microsoft.com/office/drawing/2014/main" id="{A4303815-6F68-B920-E051-32714642F2B0}"/>
+              </a:ext>
+            </a:extLst>
+          </p:cNvPr>
+          <p:cNvSpPr txBox="1"/>
+          <p:nvPr/>
+        </p:nvSpPr>
+        <p:spPr>
+          <a:xfrm>
+            <a:off x="9165082" y="11746723"/>
+            <a:ext cx="2088826" cy="923330"/>
+          </a:xfrm>
+          <a:prstGeom prst="rect">
+            <a:avLst/>
+          </a:prstGeom>
+          <a:noFill/>
+        </p:spPr>
+        <p:txBody>
+          <a:bodyPr wrap="square" rtlCol="0">
+            <a:spAutoFit/>
+          </a:bodyPr>
+          <a:lstStyle/>
+          <a:p>
+            <a:r>
+              <a:rPr lang="zh-CN" altLang="en-US" dirty="0"/>
+              <a:t>归一化，测梯度，</a:t>
+            </a:r>
+            <a:endParaRPr lang="en-US" altLang="zh-CN" dirty="0"/>
+          </a:p>
+          <a:p>
+            <a:r>
+              <a:rPr lang="zh-CN" altLang="en-US" dirty="0"/>
+              <a:t>八个方向的梯度反向延申</a:t>
+            </a:r>
+          </a:p>
+        </p:txBody>
+      </p:sp>
+      <p:pic>
+        <p:nvPicPr>
+          <p:cNvPr id="28" name="图片 27">
+            <a:extLst>
+              <a:ext uri="{FF2B5EF4-FFF2-40B4-BE49-F238E27FC236}">
+                <a16:creationId xmlns:a16="http://schemas.microsoft.com/office/drawing/2014/main" id="{DD627785-330F-0021-7828-49A60C9FF047}"/>
+              </a:ext>
+            </a:extLst>
+          </p:cNvPr>
+          <p:cNvPicPr>
+            <a:picLocks noChangeAspect="1"/>
+          </p:cNvPicPr>
+          <p:nvPr/>
+        </p:nvPicPr>
+        <p:blipFill>
+          <a:blip r:embed="rId4">
+            <a:extLst>
+              <a:ext uri="{28A0092B-C50C-407E-A947-70E740481C1C}">
+                <a14:useLocalDpi xmlns:a14="http://schemas.microsoft.com/office/drawing/2010/main" val="0"/>
+              </a:ext>
+            </a:extLst>
+          </a:blip>
+          <a:stretch>
+            <a:fillRect/>
+          </a:stretch>
+        </p:blipFill>
+        <p:spPr>
+          <a:xfrm>
+            <a:off x="11571025" y="10733617"/>
+            <a:ext cx="304800" cy="304800"/>
+          </a:xfrm>
+          <a:prstGeom prst="rect">
+            <a:avLst/>
+          </a:prstGeom>
+        </p:spPr>
+      </p:pic>
+      <p:pic>
+        <p:nvPicPr>
+          <p:cNvPr id="30" name="图片 29">
+            <a:extLst>
+              <a:ext uri="{FF2B5EF4-FFF2-40B4-BE49-F238E27FC236}">
+                <a16:creationId xmlns:a16="http://schemas.microsoft.com/office/drawing/2014/main" id="{0447AD57-780D-FFED-4E6D-3564ED547A53}"/>
+              </a:ext>
+            </a:extLst>
+          </p:cNvPr>
+          <p:cNvPicPr>
+            <a:picLocks noChangeAspect="1"/>
+          </p:cNvPicPr>
+          <p:nvPr/>
+        </p:nvPicPr>
+        <p:blipFill>
+          <a:blip r:embed="rId5">
+            <a:extLst>
+              <a:ext uri="{28A0092B-C50C-407E-A947-70E740481C1C}">
+                <a14:useLocalDpi xmlns:a14="http://schemas.microsoft.com/office/drawing/2010/main" val="0"/>
+              </a:ext>
+            </a:extLst>
+          </a:blip>
+          <a:stretch>
+            <a:fillRect/>
+          </a:stretch>
+        </p:blipFill>
+        <p:spPr>
+          <a:xfrm>
+            <a:off x="11571025" y="11457879"/>
+            <a:ext cx="304800" cy="304800"/>
+          </a:xfrm>
+          <a:prstGeom prst="rect">
+            <a:avLst/>
+          </a:prstGeom>
+        </p:spPr>
+      </p:pic>
+      <p:pic>
+        <p:nvPicPr>
+          <p:cNvPr id="32" name="图片 31">
+            <a:extLst>
+              <a:ext uri="{FF2B5EF4-FFF2-40B4-BE49-F238E27FC236}">
+                <a16:creationId xmlns:a16="http://schemas.microsoft.com/office/drawing/2014/main" id="{3453D9B0-F2D0-21A4-D867-8C718F9C84C3}"/>
+              </a:ext>
+            </a:extLst>
+          </p:cNvPr>
+          <p:cNvPicPr>
+            <a:picLocks noChangeAspect="1"/>
+          </p:cNvPicPr>
+          <p:nvPr/>
+        </p:nvPicPr>
+        <p:blipFill>
+          <a:blip r:embed="rId6">
+            <a:extLst>
+              <a:ext uri="{28A0092B-C50C-407E-A947-70E740481C1C}">
+                <a14:useLocalDpi xmlns:a14="http://schemas.microsoft.com/office/drawing/2010/main" val="0"/>
+              </a:ext>
+            </a:extLst>
+          </a:blip>
+          <a:stretch>
+            <a:fillRect/>
+          </a:stretch>
+        </p:blipFill>
+        <p:spPr>
+          <a:xfrm>
+            <a:off x="11571025" y="12144959"/>
+            <a:ext cx="304800" cy="304800"/>
+          </a:xfrm>
+          <a:prstGeom prst="rect">
+            <a:avLst/>
+          </a:prstGeom>
+        </p:spPr>
+      </p:pic>
+      <p:cxnSp>
+        <p:nvCxnSpPr>
+          <p:cNvPr id="3" name="直接箭头连接符 2">
+            <a:extLst>
+              <a:ext uri="{FF2B5EF4-FFF2-40B4-BE49-F238E27FC236}">
+                <a16:creationId xmlns:a16="http://schemas.microsoft.com/office/drawing/2014/main" id="{637D60B4-6A3D-792E-3D62-CEF9B53C3E38}"/>
+              </a:ext>
+            </a:extLst>
+          </p:cNvPr>
+          <p:cNvCxnSpPr>
+            <a:cxnSpLocks/>
+          </p:cNvCxnSpPr>
+          <p:nvPr/>
+        </p:nvCxnSpPr>
+        <p:spPr>
+          <a:xfrm>
+            <a:off x="12660429" y="11500082"/>
+            <a:ext cx="1129004" cy="0"/>
+          </a:xfrm>
+          <a:prstGeom prst="straightConnector1">
+            <a:avLst/>
+          </a:prstGeom>
+          <a:ln w="28575">
+            <a:tailEnd type="triangle"/>
+          </a:ln>
+        </p:spPr>
+        <p:style>
+          <a:lnRef idx="1">
+            <a:schemeClr val="accent1"/>
+          </a:lnRef>
+          <a:fillRef idx="0">
+            <a:schemeClr val="accent1"/>
+          </a:fillRef>
+          <a:effectRef idx="0">
+            <a:schemeClr val="accent1"/>
+          </a:effectRef>
+          <a:fontRef idx="minor">
+            <a:schemeClr val="tx1"/>
+          </a:fontRef>
+        </p:style>
+      </p:cxnSp>
+      <p:sp>
+        <p:nvSpPr>
+          <p:cNvPr id="9" name="文本框 8">
+            <a:extLst>
+              <a:ext uri="{FF2B5EF4-FFF2-40B4-BE49-F238E27FC236}">
+                <a16:creationId xmlns:a16="http://schemas.microsoft.com/office/drawing/2014/main" id="{F62EC6E4-FE53-FAA4-54CC-6D682A5AB269}"/>
+              </a:ext>
+            </a:extLst>
+          </p:cNvPr>
+          <p:cNvSpPr txBox="1"/>
+          <p:nvPr/>
+        </p:nvSpPr>
+        <p:spPr>
+          <a:xfrm>
+            <a:off x="12309861" y="11762679"/>
+            <a:ext cx="2088826" cy="646331"/>
+          </a:xfrm>
+          <a:prstGeom prst="rect">
+            <a:avLst/>
+          </a:prstGeom>
+          <a:noFill/>
+        </p:spPr>
+        <p:txBody>
+          <a:bodyPr wrap="square" rtlCol="0">
+            <a:spAutoFit/>
+          </a:bodyPr>
+          <a:lstStyle/>
+          <a:p>
+            <a:r>
+              <a:rPr lang="zh-CN" altLang="en-US" dirty="0"/>
+              <a:t>计算阈值，过滤，重新组合</a:t>
+            </a:r>
+          </a:p>
+        </p:txBody>
+      </p:sp>
+      <p:pic>
+        <p:nvPicPr>
+          <p:cNvPr id="25" name="图片 24">
+            <a:extLst>
+              <a:ext uri="{FF2B5EF4-FFF2-40B4-BE49-F238E27FC236}">
+                <a16:creationId xmlns:a16="http://schemas.microsoft.com/office/drawing/2014/main" id="{0788DECB-E100-2BEC-BF72-E036BAEC60FF}"/>
+              </a:ext>
+            </a:extLst>
+          </p:cNvPr>
+          <p:cNvPicPr>
+            <a:picLocks noChangeAspect="1"/>
+          </p:cNvPicPr>
+          <p:nvPr/>
+        </p:nvPicPr>
+        <p:blipFill>
+          <a:blip r:embed="rId7">
+            <a:extLst>
+              <a:ext uri="{28A0092B-C50C-407E-A947-70E740481C1C}">
+                <a14:useLocalDpi xmlns:a14="http://schemas.microsoft.com/office/drawing/2010/main" val="0"/>
+              </a:ext>
+            </a:extLst>
+          </a:blip>
+          <a:stretch>
+            <a:fillRect/>
+          </a:stretch>
+        </p:blipFill>
+        <p:spPr>
+          <a:xfrm>
+            <a:off x="14398687" y="9857291"/>
+            <a:ext cx="3497179" cy="3497179"/>
+          </a:xfrm>
+          <a:prstGeom prst="rect">
+            <a:avLst/>
+          </a:prstGeom>
+        </p:spPr>
+      </p:pic>
+    </p:spTree>
+    <p:extLst>
+      <p:ext uri="{BB962C8B-B14F-4D97-AF65-F5344CB8AC3E}">
+        <p14:creationId xmlns:p14="http://schemas.microsoft.com/office/powerpoint/2010/main" val="224280798"/>
+      </p:ext>
+    </p:extLst>
+  </p:cSld>
+  <p:clrMapOvr>
+    <a:masterClrMapping/>
+  </p:clrMapOvr>
+</p:sld>
+</file>
+
 <file path=ppt/theme/theme1.xml><?xml version="1.0" encoding="utf-8"?>
 <a:theme xmlns:a="http://schemas.openxmlformats.org/drawingml/2006/main" name="Office 主题​​">
   <a:themeElements>
-    <a:clrScheme name="Office">
+    <a:clrScheme name="Office 主题​​">
       <a:dk1>
         <a:sysClr val="windowText" lastClr="000000"/>
       </a:dk1>
@@ -24630,9 +26252,9 @@
         <a:srgbClr val="954F72"/>
       </a:folHlink>
     </a:clrScheme>
-    <a:fontScheme name="Office">
+    <a:fontScheme name="Office 主题​​">
       <a:majorFont>
-        <a:latin typeface="等线 Light" panose="020F0302020204030204"/>
+        <a:latin typeface="Calibri Light" panose="020F0302020204030204"/>
         <a:ea typeface=""/>
         <a:cs typeface=""/>
         <a:font script="Jpan" typeface="游ゴシック Light"/>
@@ -24665,26 +26287,9 @@
         <a:font script="Viet" typeface="Times New Roman"/>
         <a:font script="Uigh" typeface="Microsoft Uighur"/>
         <a:font script="Geor" typeface="Sylfaen"/>
-        <a:font script="Armn" typeface="Arial"/>
-        <a:font script="Bugi" typeface="Leelawadee UI"/>
-        <a:font script="Bopo" typeface="Microsoft JhengHei"/>
-        <a:font script="Java" typeface="Javanese Text"/>
-        <a:font script="Lisu" typeface="Segoe UI"/>
-        <a:font script="Mymr" typeface="Myanmar Text"/>
-        <a:font script="Nkoo" typeface="Ebrima"/>
-        <a:font script="Olck" typeface="Nirmala UI"/>
-        <a:font script="Osma" typeface="Ebrima"/>
-        <a:font script="Phag" typeface="Phagspa"/>
-        <a:font script="Syrn" typeface="Estrangelo Edessa"/>
-        <a:font script="Syrj" typeface="Estrangelo Edessa"/>
-        <a:font script="Syre" typeface="Estrangelo Edessa"/>
-        <a:font script="Sora" typeface="Nirmala UI"/>
-        <a:font script="Tale" typeface="Microsoft Tai Le"/>
-        <a:font script="Talu" typeface="Microsoft New Tai Lue"/>
-        <a:font script="Tfng" typeface="Ebrima"/>
       </a:majorFont>
       <a:minorFont>
-        <a:latin typeface="等线" panose="020F0502020204030204"/>
+        <a:latin typeface="Calibri" panose="020F0502020204030204"/>
         <a:ea typeface=""/>
         <a:cs typeface=""/>
         <a:font script="Jpan" typeface="游ゴシック"/>
@@ -24717,26 +26322,9 @@
         <a:font script="Viet" typeface="Arial"/>
         <a:font script="Uigh" typeface="Microsoft Uighur"/>
         <a:font script="Geor" typeface="Sylfaen"/>
-        <a:font script="Armn" typeface="Arial"/>
-        <a:font script="Bugi" typeface="Leelawadee UI"/>
-        <a:font script="Bopo" typeface="Microsoft JhengHei"/>
-        <a:font script="Java" typeface="Javanese Text"/>
-        <a:font script="Lisu" typeface="Segoe UI"/>
-        <a:font script="Mymr" typeface="Myanmar Text"/>
-        <a:font script="Nkoo" typeface="Ebrima"/>
-        <a:font script="Olck" typeface="Nirmala UI"/>
-        <a:font script="Osma" typeface="Ebrima"/>
-        <a:font script="Phag" typeface="Phagspa"/>
-        <a:font script="Syrn" typeface="Estrangelo Edessa"/>
-        <a:font script="Syrj" typeface="Estrangelo Edessa"/>
-        <a:font script="Syre" typeface="Estrangelo Edessa"/>
-        <a:font script="Sora" typeface="Nirmala UI"/>
-        <a:font script="Tale" typeface="Microsoft Tai Le"/>
-        <a:font script="Talu" typeface="Microsoft New Tai Lue"/>
-        <a:font script="Tfng" typeface="Ebrima"/>
       </a:minorFont>
     </a:fontScheme>
-    <a:fmtScheme name="Office">
+    <a:fmtScheme name="Office 主题​​">
       <a:fillStyleLst>
         <a:solidFill>
           <a:schemeClr val="phClr"/>
@@ -24878,7 +26466,7 @@
   <a:extraClrSchemeLst/>
   <a:extLst>
     <a:ext uri="{05A4C25C-085E-4340-85A3-A5531E510DB2}">
-      <thm15:themeFamily xmlns:thm15="http://schemas.microsoft.com/office/thememl/2012/main" name="Office Theme" id="{62F939B6-93AF-4DB8-9C6B-D6C7DFDC589F}" vid="{4A3C46E8-61CC-4603-A589-7422A47A8E4A}"/>
+      <thm15:themeFamily xmlns:thm15="http://schemas.microsoft.com/office/thememl/2012/main" name="Office 2013 - 2022 Theme" id="{62F939B6-93AF-4DB8-9C6B-D6C7DFDC589F}" vid="{4A3C46E8-61CC-4603-A589-7422A47A8E4A}"/>
     </a:ext>
   </a:extLst>
 </a:theme>

--- a/doc/框架示意图.pptx
+++ b/doc/框架示意图.pptx
@@ -3198,7 +3198,7 @@
         </p:nvGraphicFramePr>
         <p:xfrm>
           <a:off x="18976184" y="14500286"/>
-          <a:ext cx="8127999" cy="1112520"/>
+          <a:ext cx="8127999" cy="8568437"/>
         </p:xfrm>
         <a:graphic>
           <a:graphicData uri="http://schemas.openxmlformats.org/drawingml/2006/table">
@@ -26190,7 +26190,7 @@
         </p:blipFill>
         <p:spPr>
           <a:xfrm>
-            <a:off x="14398687" y="9857291"/>
+            <a:off x="14598885" y="10701169"/>
             <a:ext cx="3497179" cy="3497179"/>
           </a:xfrm>
           <a:prstGeom prst="rect">

--- a/doc/框架示意图.pptx
+++ b/doc/框架示意图.pptx
@@ -262,7 +262,7 @@
           <a:p>
             <a:fld id="{491C741C-B799-49C2-8687-763E5822C94D}" type="datetimeFigureOut">
               <a:rPr lang="zh-CN" altLang="en-US" smtClean="0"/>
-              <a:t>2024/11/15</a:t>
+              <a:t>2024/12/18</a:t>
             </a:fld>
             <a:endParaRPr lang="zh-CN" altLang="en-US"/>
           </a:p>
@@ -432,7 +432,7 @@
           <a:p>
             <a:fld id="{491C741C-B799-49C2-8687-763E5822C94D}" type="datetimeFigureOut">
               <a:rPr lang="zh-CN" altLang="en-US" smtClean="0"/>
-              <a:t>2024/11/15</a:t>
+              <a:t>2024/12/18</a:t>
             </a:fld>
             <a:endParaRPr lang="zh-CN" altLang="en-US"/>
           </a:p>
@@ -612,7 +612,7 @@
           <a:p>
             <a:fld id="{491C741C-B799-49C2-8687-763E5822C94D}" type="datetimeFigureOut">
               <a:rPr lang="zh-CN" altLang="en-US" smtClean="0"/>
-              <a:t>2024/11/15</a:t>
+              <a:t>2024/12/18</a:t>
             </a:fld>
             <a:endParaRPr lang="zh-CN" altLang="en-US"/>
           </a:p>
@@ -782,7 +782,7 @@
           <a:p>
             <a:fld id="{491C741C-B799-49C2-8687-763E5822C94D}" type="datetimeFigureOut">
               <a:rPr lang="zh-CN" altLang="en-US" smtClean="0"/>
-              <a:t>2024/11/15</a:t>
+              <a:t>2024/12/18</a:t>
             </a:fld>
             <a:endParaRPr lang="zh-CN" altLang="en-US"/>
           </a:p>
@@ -1028,7 +1028,7 @@
           <a:p>
             <a:fld id="{491C741C-B799-49C2-8687-763E5822C94D}" type="datetimeFigureOut">
               <a:rPr lang="zh-CN" altLang="en-US" smtClean="0"/>
-              <a:t>2024/11/15</a:t>
+              <a:t>2024/12/18</a:t>
             </a:fld>
             <a:endParaRPr lang="zh-CN" altLang="en-US"/>
           </a:p>
@@ -1260,7 +1260,7 @@
           <a:p>
             <a:fld id="{491C741C-B799-49C2-8687-763E5822C94D}" type="datetimeFigureOut">
               <a:rPr lang="zh-CN" altLang="en-US" smtClean="0"/>
-              <a:t>2024/11/15</a:t>
+              <a:t>2024/12/18</a:t>
             </a:fld>
             <a:endParaRPr lang="zh-CN" altLang="en-US"/>
           </a:p>
@@ -1627,7 +1627,7 @@
           <a:p>
             <a:fld id="{491C741C-B799-49C2-8687-763E5822C94D}" type="datetimeFigureOut">
               <a:rPr lang="zh-CN" altLang="en-US" smtClean="0"/>
-              <a:t>2024/11/15</a:t>
+              <a:t>2024/12/18</a:t>
             </a:fld>
             <a:endParaRPr lang="zh-CN" altLang="en-US"/>
           </a:p>
@@ -1745,7 +1745,7 @@
           <a:p>
             <a:fld id="{491C741C-B799-49C2-8687-763E5822C94D}" type="datetimeFigureOut">
               <a:rPr lang="zh-CN" altLang="en-US" smtClean="0"/>
-              <a:t>2024/11/15</a:t>
+              <a:t>2024/12/18</a:t>
             </a:fld>
             <a:endParaRPr lang="zh-CN" altLang="en-US"/>
           </a:p>
@@ -1840,7 +1840,7 @@
           <a:p>
             <a:fld id="{491C741C-B799-49C2-8687-763E5822C94D}" type="datetimeFigureOut">
               <a:rPr lang="zh-CN" altLang="en-US" smtClean="0"/>
-              <a:t>2024/11/15</a:t>
+              <a:t>2024/12/18</a:t>
             </a:fld>
             <a:endParaRPr lang="zh-CN" altLang="en-US"/>
           </a:p>
@@ -2117,7 +2117,7 @@
           <a:p>
             <a:fld id="{491C741C-B799-49C2-8687-763E5822C94D}" type="datetimeFigureOut">
               <a:rPr lang="zh-CN" altLang="en-US" smtClean="0"/>
-              <a:t>2024/11/15</a:t>
+              <a:t>2024/12/18</a:t>
             </a:fld>
             <a:endParaRPr lang="zh-CN" altLang="en-US"/>
           </a:p>
@@ -2374,7 +2374,7 @@
           <a:p>
             <a:fld id="{491C741C-B799-49C2-8687-763E5822C94D}" type="datetimeFigureOut">
               <a:rPr lang="zh-CN" altLang="en-US" smtClean="0"/>
-              <a:t>2024/11/15</a:t>
+              <a:t>2024/12/18</a:t>
             </a:fld>
             <a:endParaRPr lang="zh-CN" altLang="en-US"/>
           </a:p>
@@ -2587,7 +2587,7 @@
           <a:p>
             <a:fld id="{491C741C-B799-49C2-8687-763E5822C94D}" type="datetimeFigureOut">
               <a:rPr lang="zh-CN" altLang="en-US" smtClean="0"/>
-              <a:t>2024/11/15</a:t>
+              <a:t>2024/12/18</a:t>
             </a:fld>
             <a:endParaRPr lang="zh-CN" altLang="en-US"/>
           </a:p>
@@ -5685,14 +5685,14 @@
           <p:nvPr>
             <p:extLst>
               <p:ext uri="{D42A27DB-BD31-4B8C-83A1-F6EECF244321}">
-                <p14:modId xmlns:p14="http://schemas.microsoft.com/office/powerpoint/2010/main" val="3781812132"/>
+                <p14:modId xmlns:p14="http://schemas.microsoft.com/office/powerpoint/2010/main" val="2991250883"/>
               </p:ext>
             </p:extLst>
           </p:nvPr>
         </p:nvGraphicFramePr>
         <p:xfrm>
-          <a:off x="18332107" y="11698818"/>
-          <a:ext cx="9416148" cy="25613870"/>
+          <a:off x="2878667" y="11698818"/>
+          <a:ext cx="40877066" cy="9025640"/>
         </p:xfrm>
         <a:graphic>
           <a:graphicData uri="http://schemas.openxmlformats.org/drawingml/2006/table">
@@ -5701,42 +5701,42 @@
                 <a:tableStyleId>{5C22544A-7EE6-4342-B048-85BDC9FD1C3A}</a:tableStyleId>
               </a:tblPr>
               <a:tblGrid>
-                <a:gridCol w="1569358">
+                <a:gridCol w="6812844">
                   <a:extLst>
                     <a:ext uri="{9D8B030D-6E8A-4147-A177-3AD203B41FA5}">
                       <a16:colId xmlns:a16="http://schemas.microsoft.com/office/drawing/2014/main" val="3491198133"/>
                     </a:ext>
                   </a:extLst>
                 </a:gridCol>
-                <a:gridCol w="1569358">
+                <a:gridCol w="6812844">
                   <a:extLst>
                     <a:ext uri="{9D8B030D-6E8A-4147-A177-3AD203B41FA5}">
                       <a16:colId xmlns:a16="http://schemas.microsoft.com/office/drawing/2014/main" val="4198922465"/>
                     </a:ext>
                   </a:extLst>
                 </a:gridCol>
-                <a:gridCol w="1569358">
+                <a:gridCol w="6812844">
                   <a:extLst>
                     <a:ext uri="{9D8B030D-6E8A-4147-A177-3AD203B41FA5}">
                       <a16:colId xmlns:a16="http://schemas.microsoft.com/office/drawing/2014/main" val="1564828181"/>
                     </a:ext>
                   </a:extLst>
                 </a:gridCol>
-                <a:gridCol w="1569358">
+                <a:gridCol w="6812844">
                   <a:extLst>
                     <a:ext uri="{9D8B030D-6E8A-4147-A177-3AD203B41FA5}">
                       <a16:colId xmlns:a16="http://schemas.microsoft.com/office/drawing/2014/main" val="3053582763"/>
                     </a:ext>
                   </a:extLst>
                 </a:gridCol>
-                <a:gridCol w="1707242">
+                <a:gridCol w="7411423">
                   <a:extLst>
                     <a:ext uri="{9D8B030D-6E8A-4147-A177-3AD203B41FA5}">
                       <a16:colId xmlns:a16="http://schemas.microsoft.com/office/drawing/2014/main" val="2141840885"/>
                     </a:ext>
                   </a:extLst>
                 </a:gridCol>
-                <a:gridCol w="1431474">
+                <a:gridCol w="6214267">
                   <a:extLst>
                     <a:ext uri="{9D8B030D-6E8A-4147-A177-3AD203B41FA5}">
                       <a16:colId xmlns:a16="http://schemas.microsoft.com/office/drawing/2014/main" val="3172906774"/>
@@ -6533,6 +6533,75 @@
                 <a:extLst>
                   <a:ext uri="{0D108BD9-81ED-4DB2-BD59-A6C34878D82A}">
                     <a16:rowId xmlns:a16="http://schemas.microsoft.com/office/drawing/2014/main" val="1029630921"/>
+                  </a:ext>
+                </a:extLst>
+              </a:tr>
+            </a:tbl>
+          </a:graphicData>
+        </a:graphic>
+      </p:graphicFrame>
+      <p:graphicFrame>
+        <p:nvGraphicFramePr>
+          <p:cNvPr id="3" name="表格 2">
+            <a:extLst>
+              <a:ext uri="{FF2B5EF4-FFF2-40B4-BE49-F238E27FC236}">
+                <a16:creationId xmlns:a16="http://schemas.microsoft.com/office/drawing/2014/main" id="{D552B923-FDB6-F3C7-8198-7615B9873F49}"/>
+              </a:ext>
+            </a:extLst>
+          </p:cNvPr>
+          <p:cNvGraphicFramePr>
+            <a:graphicFrameLocks noGrp="1"/>
+          </p:cNvGraphicFramePr>
+          <p:nvPr>
+            <p:extLst>
+              <p:ext uri="{D42A27DB-BD31-4B8C-83A1-F6EECF244321}">
+                <p14:modId xmlns:p14="http://schemas.microsoft.com/office/powerpoint/2010/main" val="957749137"/>
+              </p:ext>
+            </p:extLst>
+          </p:nvPr>
+        </p:nvGraphicFramePr>
+        <p:xfrm>
+          <a:off x="3168650" y="15021465"/>
+          <a:ext cx="39743063" cy="433388"/>
+        </p:xfrm>
+        <a:graphic>
+          <a:graphicData uri="http://schemas.openxmlformats.org/drawingml/2006/table">
+            <a:tbl>
+              <a:tblPr>
+                <a:tableStyleId>{5C22544A-7EE6-4342-B048-85BDC9FD1C3A}</a:tableStyleId>
+              </a:tblPr>
+              <a:tblGrid>
+                <a:gridCol w="39743063">
+                  <a:extLst>
+                    <a:ext uri="{9D8B030D-6E8A-4147-A177-3AD203B41FA5}">
+                      <a16:colId xmlns:a16="http://schemas.microsoft.com/office/drawing/2014/main" val="1211522737"/>
+                    </a:ext>
+                  </a:extLst>
+                </a:gridCol>
+              </a:tblGrid>
+              <a:tr h="0">
+                <a:tc>
+                  <a:txBody>
+                    <a:bodyPr/>
+                    <a:lstStyle/>
+                    <a:p>
+                      <a:pPr indent="152400" algn="just">
+                        <a:lnSpc>
+                          <a:spcPts val="1800"/>
+                        </a:lnSpc>
+                      </a:pPr>
+                      <a:endParaRPr lang="zh-CN" sz="8800" kern="100" dirty="0">
+                        <a:effectLst/>
+                        <a:latin typeface="Times New Roman" panose="02020603050405020304" pitchFamily="18" charset="0"/>
+                        <a:ea typeface="宋体" panose="02010600030101010101" pitchFamily="2" charset="-122"/>
+                      </a:endParaRPr>
+                    </a:p>
+                  </a:txBody>
+                  <a:tcPr marL="114300" marR="114300" marT="0" marB="0"/>
+                </a:tc>
+                <a:extLst>
+                  <a:ext uri="{0D108BD9-81ED-4DB2-BD59-A6C34878D82A}">
+                    <a16:rowId xmlns:a16="http://schemas.microsoft.com/office/drawing/2014/main" val="3893714407"/>
                   </a:ext>
                 </a:extLst>
               </a:tr>
@@ -7545,7 +7614,7 @@
         </p:nvSpPr>
         <p:spPr>
           <a:xfrm>
-            <a:off x="23761702" y="12241213"/>
+            <a:off x="36698768" y="8527194"/>
             <a:ext cx="2874169" cy="2152650"/>
           </a:xfrm>
           <a:prstGeom prst="roundRect">
@@ -7601,7 +7670,7 @@
         </p:nvSpPr>
         <p:spPr>
           <a:xfrm>
-            <a:off x="21802009" y="12725401"/>
+            <a:off x="34739075" y="9011382"/>
             <a:ext cx="1238172" cy="469898"/>
           </a:xfrm>
           <a:prstGeom prst="flowChartTerminator">
@@ -7631,7 +7700,7 @@
           <a:p>
             <a:pPr algn="ctr"/>
             <a:r>
-              <a:rPr lang="zh-CN" altLang="en-US" dirty="0"/>
+              <a:rPr lang="zh-CN" altLang="en-US" sz="1600" dirty="0"/>
               <a:t>点标签</a:t>
             </a:r>
           </a:p>
@@ -7651,7 +7720,7 @@
         </p:nvSpPr>
         <p:spPr>
           <a:xfrm>
-            <a:off x="21802009" y="13442158"/>
+            <a:off x="34739075" y="9728139"/>
             <a:ext cx="1238172" cy="469898"/>
           </a:xfrm>
           <a:prstGeom prst="flowChartTerminator">
@@ -7681,7 +7750,7 @@
           <a:p>
             <a:pPr algn="ctr"/>
             <a:r>
-              <a:rPr lang="zh-CN" altLang="en-US" dirty="0"/>
+              <a:rPr lang="zh-CN" altLang="en-US" sz="1600" dirty="0"/>
               <a:t>红外图像</a:t>
             </a:r>
           </a:p>
@@ -7701,7 +7770,7 @@
         </p:nvSpPr>
         <p:spPr>
           <a:xfrm rot="5400000">
-            <a:off x="19292134" y="12587407"/>
+            <a:off x="32229200" y="8873388"/>
             <a:ext cx="2134553" cy="1442166"/>
           </a:xfrm>
           <a:prstGeom prst="trapezoid">
@@ -7710,10 +7779,7 @@
             </a:avLst>
           </a:prstGeom>
           <a:solidFill>
-            <a:schemeClr val="accent4">
-              <a:lumMod val="60000"/>
-              <a:lumOff val="40000"/>
-            </a:schemeClr>
+            <a:srgbClr val="FF0000"/>
           </a:solidFill>
           <a:ln w="28575"/>
         </p:spPr>
@@ -7739,8 +7805,16 @@
           <a:p>
             <a:pPr algn="ctr"/>
             <a:r>
-              <a:rPr lang="zh-CN" altLang="en-US" sz="1400" dirty="0"/>
-              <a:t>点标签扩散模块</a:t>
+              <a:rPr lang="zh-CN" altLang="en-US" sz="1600" dirty="0"/>
+              <a:t>点标签</a:t>
+            </a:r>
+            <a:endParaRPr lang="en-US" altLang="zh-CN" sz="1600" dirty="0"/>
+          </a:p>
+          <a:p>
+            <a:pPr algn="ctr"/>
+            <a:r>
+              <a:rPr lang="zh-CN" altLang="en-US" sz="1600" dirty="0"/>
+              <a:t>扩散模块</a:t>
             </a:r>
           </a:p>
         </p:txBody>
@@ -7759,8 +7833,8 @@
         </p:nvSpPr>
         <p:spPr>
           <a:xfrm>
-            <a:off x="17474642" y="13073541"/>
-            <a:ext cx="1442167" cy="469898"/>
+            <a:off x="30285266" y="9359522"/>
+            <a:ext cx="1568609" cy="469898"/>
           </a:xfrm>
           <a:prstGeom prst="flowChartTerminator">
             <a:avLst/>
@@ -7789,7 +7863,7 @@
           <a:p>
             <a:pPr algn="ctr"/>
             <a:r>
-              <a:rPr lang="zh-CN" altLang="en-US" sz="1400" dirty="0"/>
+              <a:rPr lang="zh-CN" altLang="en-US" sz="1600" dirty="0"/>
               <a:t>像素级伪标签</a:t>
             </a:r>
           </a:p>
@@ -7809,7 +7883,7 @@
         </p:nvSpPr>
         <p:spPr>
           <a:xfrm>
-            <a:off x="27357389" y="12725401"/>
+            <a:off x="40294455" y="9011382"/>
             <a:ext cx="1442167" cy="469898"/>
           </a:xfrm>
           <a:prstGeom prst="flowChartTerminator">
@@ -7839,8 +7913,8 @@
           <a:p>
             <a:pPr algn="ctr"/>
             <a:r>
-              <a:rPr lang="zh-CN" altLang="en-US" sz="1400" dirty="0"/>
-              <a:t>预测标签</a:t>
+              <a:rPr lang="zh-CN" altLang="en-US" sz="1600" dirty="0"/>
+              <a:t>预测</a:t>
             </a:r>
           </a:p>
         </p:txBody>
@@ -7859,7 +7933,7 @@
         </p:nvSpPr>
         <p:spPr>
           <a:xfrm>
-            <a:off x="27357389" y="13407234"/>
+            <a:off x="40294455" y="9693215"/>
             <a:ext cx="1442167" cy="469898"/>
           </a:xfrm>
           <a:prstGeom prst="flowChartTerminator">
@@ -7889,7 +7963,7 @@
           <a:p>
             <a:pPr algn="ctr"/>
             <a:r>
-              <a:rPr lang="zh-CN" altLang="en-US" sz="1400" dirty="0"/>
+              <a:rPr lang="zh-CN" altLang="en-US" sz="1600" dirty="0"/>
               <a:t>更新标签</a:t>
             </a:r>
           </a:p>
@@ -7913,7 +7987,7 @@
         </p:nvCxnSpPr>
         <p:spPr>
           <a:xfrm rot="5400000">
-            <a:off x="24020782" y="10215761"/>
+            <a:off x="36957848" y="6501742"/>
             <a:ext cx="396321" cy="7719062"/>
           </a:xfrm>
           <a:prstGeom prst="bentConnector3">
@@ -7922,6 +7996,9 @@
             </a:avLst>
           </a:prstGeom>
           <a:ln w="28575">
+            <a:solidFill>
+              <a:schemeClr val="accent3"/>
+            </a:solidFill>
             <a:tailEnd type="triangle"/>
           </a:ln>
         </p:spPr>
@@ -7956,13 +8033,16 @@
         </p:nvCxnSpPr>
         <p:spPr>
           <a:xfrm>
-            <a:off x="23009225" y="13683457"/>
+            <a:off x="35946291" y="9969438"/>
             <a:ext cx="752474" cy="0"/>
           </a:xfrm>
           <a:prstGeom prst="straightConnector1">
             <a:avLst/>
           </a:prstGeom>
           <a:ln w="28575">
+            <a:solidFill>
+              <a:schemeClr val="accent3"/>
+            </a:solidFill>
             <a:tailEnd type="triangle"/>
           </a:ln>
         </p:spPr>
@@ -7995,7 +8075,7 @@
         </p:nvCxnSpPr>
         <p:spPr>
           <a:xfrm flipV="1">
-            <a:off x="23009225" y="12960353"/>
+            <a:off x="35946291" y="9246334"/>
             <a:ext cx="752474" cy="583089"/>
           </a:xfrm>
           <a:prstGeom prst="bentConnector3">
@@ -8036,7 +8116,7 @@
         </p:nvCxnSpPr>
         <p:spPr>
           <a:xfrm flipH="1">
-            <a:off x="21080491" y="12960350"/>
+            <a:off x="34017557" y="9246331"/>
             <a:ext cx="721518" cy="0"/>
           </a:xfrm>
           <a:prstGeom prst="straightConnector1">
@@ -8075,7 +8155,7 @@
         </p:nvCxnSpPr>
         <p:spPr>
           <a:xfrm flipH="1">
-            <a:off x="21080491" y="13683457"/>
+            <a:off x="34017557" y="9969438"/>
             <a:ext cx="721518" cy="0"/>
           </a:xfrm>
           <a:prstGeom prst="straightConnector1">
@@ -8116,7 +8196,7 @@
         </p:nvCxnSpPr>
         <p:spPr>
           <a:xfrm flipH="1">
-            <a:off x="18916806" y="13318024"/>
+            <a:off x="31853872" y="9604005"/>
             <a:ext cx="721518" cy="0"/>
           </a:xfrm>
           <a:prstGeom prst="straightConnector1">
@@ -8157,7 +8237,7 @@
         </p:nvCxnSpPr>
         <p:spPr>
           <a:xfrm>
-            <a:off x="26635868" y="12960350"/>
+            <a:off x="39572934" y="9246331"/>
             <a:ext cx="721518" cy="0"/>
           </a:xfrm>
           <a:prstGeom prst="straightConnector1">
@@ -8198,13 +8278,16 @@
         </p:nvCxnSpPr>
         <p:spPr>
           <a:xfrm>
-            <a:off x="26635868" y="13677107"/>
+            <a:off x="39572934" y="9963088"/>
             <a:ext cx="721518" cy="0"/>
           </a:xfrm>
           <a:prstGeom prst="straightConnector1">
             <a:avLst/>
           </a:prstGeom>
           <a:ln w="28575">
+            <a:solidFill>
+              <a:schemeClr val="accent3"/>
+            </a:solidFill>
             <a:tailEnd type="triangle"/>
           </a:ln>
         </p:spPr>
@@ -8237,7 +8320,7 @@
         </p:nvSpPr>
         <p:spPr>
           <a:xfrm>
-            <a:off x="22421095" y="11647893"/>
+            <a:off x="35358161" y="7933874"/>
             <a:ext cx="1249206" cy="471883"/>
           </a:xfrm>
           <a:prstGeom prst="rect">
@@ -8274,7 +8357,7 @@
             <a:pPr algn="ctr"/>
             <a:r>
               <a:rPr lang="en-US" altLang="zh-CN" dirty="0"/>
-              <a:t>Loss</a:t>
+              <a:t>Loss2</a:t>
             </a:r>
             <a:endParaRPr lang="zh-CN" altLang="en-US" dirty="0"/>
           </a:p>
@@ -8297,7 +8380,7 @@
         </p:nvCxnSpPr>
         <p:spPr>
           <a:xfrm rot="16200000" flipV="1">
-            <a:off x="25453605" y="10100535"/>
+            <a:off x="38390671" y="6386516"/>
             <a:ext cx="841569" cy="4408169"/>
           </a:xfrm>
           <a:prstGeom prst="bentConnector2">
@@ -8332,6 +8415,7 @@
             </a:extLst>
           </p:cNvPr>
           <p:cNvCxnSpPr>
+            <a:cxnSpLocks/>
             <a:stCxn id="9" idx="0"/>
             <a:endCxn id="25" idx="1"/>
           </p:cNvCxnSpPr>
@@ -8339,10 +8423,2060 @@
         </p:nvCxnSpPr>
         <p:spPr>
           <a:xfrm rot="5400000" flipH="1" flipV="1">
-            <a:off x="19713558" y="10366001"/>
-            <a:ext cx="1189709" cy="4225372"/>
+            <a:off x="32619013" y="6620374"/>
+            <a:ext cx="1189706" cy="4288590"/>
           </a:xfrm>
           <a:prstGeom prst="bentConnector2">
+            <a:avLst/>
+          </a:prstGeom>
+          <a:ln w="28575">
+            <a:tailEnd type="triangle"/>
+          </a:ln>
+        </p:spPr>
+        <p:style>
+          <a:lnRef idx="1">
+            <a:schemeClr val="accent1"/>
+          </a:lnRef>
+          <a:fillRef idx="0">
+            <a:schemeClr val="accent1"/>
+          </a:fillRef>
+          <a:effectRef idx="0">
+            <a:schemeClr val="accent1"/>
+          </a:effectRef>
+          <a:fontRef idx="minor">
+            <a:schemeClr val="tx1"/>
+          </a:fontRef>
+        </p:style>
+      </p:cxnSp>
+      <p:sp>
+        <p:nvSpPr>
+          <p:cNvPr id="3" name="矩形: 圆角 2">
+            <a:extLst>
+              <a:ext uri="{FF2B5EF4-FFF2-40B4-BE49-F238E27FC236}">
+                <a16:creationId xmlns:a16="http://schemas.microsoft.com/office/drawing/2014/main" id="{B1971458-0FAF-0BF0-D770-99F9FD505515}"/>
+              </a:ext>
+            </a:extLst>
+          </p:cNvPr>
+          <p:cNvSpPr/>
+          <p:nvPr/>
+        </p:nvSpPr>
+        <p:spPr>
+          <a:xfrm>
+            <a:off x="32483992" y="4678249"/>
+            <a:ext cx="2874169" cy="2152650"/>
+          </a:xfrm>
+          <a:prstGeom prst="roundRect">
+            <a:avLst/>
+          </a:prstGeom>
+          <a:solidFill>
+            <a:schemeClr val="accent2">
+              <a:lumMod val="60000"/>
+              <a:lumOff val="40000"/>
+            </a:schemeClr>
+          </a:solidFill>
+          <a:ln w="28575"/>
+        </p:spPr>
+        <p:style>
+          <a:lnRef idx="2">
+            <a:schemeClr val="accent1">
+              <a:shade val="15000"/>
+            </a:schemeClr>
+          </a:lnRef>
+          <a:fillRef idx="1">
+            <a:schemeClr val="accent1"/>
+          </a:fillRef>
+          <a:effectRef idx="0">
+            <a:schemeClr val="accent1"/>
+          </a:effectRef>
+          <a:fontRef idx="minor">
+            <a:schemeClr val="lt1"/>
+          </a:fontRef>
+        </p:style>
+        <p:txBody>
+          <a:bodyPr rtlCol="0" anchor="ctr"/>
+          <a:lstStyle/>
+          <a:p>
+            <a:pPr algn="ctr"/>
+            <a:r>
+              <a:rPr lang="zh-CN" altLang="en-US" dirty="0"/>
+              <a:t>深度学习模型</a:t>
+            </a:r>
+          </a:p>
+        </p:txBody>
+      </p:sp>
+      <p:sp>
+        <p:nvSpPr>
+          <p:cNvPr id="14" name="流程图: 终止 13">
+            <a:extLst>
+              <a:ext uri="{FF2B5EF4-FFF2-40B4-BE49-F238E27FC236}">
+                <a16:creationId xmlns:a16="http://schemas.microsoft.com/office/drawing/2014/main" id="{6FF8590F-BE0A-AB0F-F890-87BB5CE6FFFC}"/>
+              </a:ext>
+            </a:extLst>
+          </p:cNvPr>
+          <p:cNvSpPr/>
+          <p:nvPr/>
+        </p:nvSpPr>
+        <p:spPr>
+          <a:xfrm>
+            <a:off x="30450484" y="5516305"/>
+            <a:ext cx="1238172" cy="469898"/>
+          </a:xfrm>
+          <a:prstGeom prst="flowChartTerminator">
+            <a:avLst/>
+          </a:prstGeom>
+          <a:ln w="28575"/>
+        </p:spPr>
+        <p:style>
+          <a:lnRef idx="2">
+            <a:schemeClr val="accent1">
+              <a:shade val="15000"/>
+            </a:schemeClr>
+          </a:lnRef>
+          <a:fillRef idx="1">
+            <a:schemeClr val="accent1"/>
+          </a:fillRef>
+          <a:effectRef idx="0">
+            <a:schemeClr val="accent1"/>
+          </a:effectRef>
+          <a:fontRef idx="minor">
+            <a:schemeClr val="lt1"/>
+          </a:fontRef>
+        </p:style>
+        <p:txBody>
+          <a:bodyPr rtlCol="0" anchor="ctr"/>
+          <a:lstStyle/>
+          <a:p>
+            <a:pPr algn="ctr"/>
+            <a:r>
+              <a:rPr lang="zh-CN" altLang="en-US" dirty="0"/>
+              <a:t>红外图像</a:t>
+            </a:r>
+          </a:p>
+        </p:txBody>
+      </p:sp>
+      <p:sp>
+        <p:nvSpPr>
+          <p:cNvPr id="17" name="流程图: 终止 16">
+            <a:extLst>
+              <a:ext uri="{FF2B5EF4-FFF2-40B4-BE49-F238E27FC236}">
+                <a16:creationId xmlns:a16="http://schemas.microsoft.com/office/drawing/2014/main" id="{659F9323-9432-FBE9-7AA6-BD53BB359D74}"/>
+              </a:ext>
+            </a:extLst>
+          </p:cNvPr>
+          <p:cNvSpPr/>
+          <p:nvPr/>
+        </p:nvSpPr>
+        <p:spPr>
+          <a:xfrm>
+            <a:off x="36044950" y="5516305"/>
+            <a:ext cx="1442167" cy="469898"/>
+          </a:xfrm>
+          <a:prstGeom prst="flowChartTerminator">
+            <a:avLst/>
+          </a:prstGeom>
+          <a:ln w="28575"/>
+        </p:spPr>
+        <p:style>
+          <a:lnRef idx="2">
+            <a:schemeClr val="accent1">
+              <a:shade val="15000"/>
+            </a:schemeClr>
+          </a:lnRef>
+          <a:fillRef idx="1">
+            <a:schemeClr val="accent1"/>
+          </a:fillRef>
+          <a:effectRef idx="0">
+            <a:schemeClr val="accent1"/>
+          </a:effectRef>
+          <a:fontRef idx="minor">
+            <a:schemeClr val="lt1"/>
+          </a:fontRef>
+        </p:style>
+        <p:txBody>
+          <a:bodyPr rtlCol="0" anchor="ctr"/>
+          <a:lstStyle/>
+          <a:p>
+            <a:pPr algn="ctr"/>
+            <a:r>
+              <a:rPr lang="zh-CN" altLang="en-US" sz="1600" dirty="0"/>
+              <a:t>预测</a:t>
+            </a:r>
+          </a:p>
+        </p:txBody>
+      </p:sp>
+      <p:sp>
+        <p:nvSpPr>
+          <p:cNvPr id="19" name="矩形 18">
+            <a:extLst>
+              <a:ext uri="{FF2B5EF4-FFF2-40B4-BE49-F238E27FC236}">
+                <a16:creationId xmlns:a16="http://schemas.microsoft.com/office/drawing/2014/main" id="{595A0AA7-B337-45E0-2119-B3C1B3CB12ED}"/>
+              </a:ext>
+            </a:extLst>
+          </p:cNvPr>
+          <p:cNvSpPr/>
+          <p:nvPr/>
+        </p:nvSpPr>
+        <p:spPr>
+          <a:xfrm>
+            <a:off x="38266183" y="5514320"/>
+            <a:ext cx="1249206" cy="471883"/>
+          </a:xfrm>
+          <a:prstGeom prst="rect">
+            <a:avLst/>
+          </a:prstGeom>
+          <a:solidFill>
+            <a:schemeClr val="accent6">
+              <a:lumMod val="60000"/>
+              <a:lumOff val="40000"/>
+            </a:schemeClr>
+          </a:solidFill>
+          <a:ln w="28575"/>
+        </p:spPr>
+        <p:style>
+          <a:lnRef idx="2">
+            <a:schemeClr val="accent1">
+              <a:shade val="15000"/>
+            </a:schemeClr>
+          </a:lnRef>
+          <a:fillRef idx="1">
+            <a:schemeClr val="accent1"/>
+          </a:fillRef>
+          <a:effectRef idx="0">
+            <a:schemeClr val="accent1"/>
+          </a:effectRef>
+          <a:fontRef idx="minor">
+            <a:schemeClr val="lt1"/>
+          </a:fontRef>
+        </p:style>
+        <p:txBody>
+          <a:bodyPr rtlCol="0" anchor="ctr"/>
+          <a:lstStyle/>
+          <a:p>
+            <a:pPr algn="ctr"/>
+            <a:r>
+              <a:rPr lang="en-US" altLang="zh-CN" dirty="0"/>
+              <a:t>Loss1</a:t>
+            </a:r>
+            <a:endParaRPr lang="zh-CN" altLang="en-US" dirty="0"/>
+          </a:p>
+        </p:txBody>
+      </p:sp>
+      <p:sp>
+        <p:nvSpPr>
+          <p:cNvPr id="21" name="流程图: 终止 20">
+            <a:extLst>
+              <a:ext uri="{FF2B5EF4-FFF2-40B4-BE49-F238E27FC236}">
+                <a16:creationId xmlns:a16="http://schemas.microsoft.com/office/drawing/2014/main" id="{41729DC6-92CE-16C4-D966-DD05C293DB23}"/>
+              </a:ext>
+            </a:extLst>
+          </p:cNvPr>
+          <p:cNvSpPr/>
+          <p:nvPr/>
+        </p:nvSpPr>
+        <p:spPr>
+          <a:xfrm>
+            <a:off x="40294455" y="5516305"/>
+            <a:ext cx="1442167" cy="469898"/>
+          </a:xfrm>
+          <a:prstGeom prst="flowChartTerminator">
+            <a:avLst/>
+          </a:prstGeom>
+          <a:ln w="28575"/>
+        </p:spPr>
+        <p:style>
+          <a:lnRef idx="2">
+            <a:schemeClr val="accent1">
+              <a:shade val="15000"/>
+            </a:schemeClr>
+          </a:lnRef>
+          <a:fillRef idx="1">
+            <a:schemeClr val="accent1"/>
+          </a:fillRef>
+          <a:effectRef idx="0">
+            <a:schemeClr val="accent1"/>
+          </a:effectRef>
+          <a:fontRef idx="minor">
+            <a:schemeClr val="lt1"/>
+          </a:fontRef>
+        </p:style>
+        <p:txBody>
+          <a:bodyPr rtlCol="0" anchor="ctr"/>
+          <a:lstStyle/>
+          <a:p>
+            <a:pPr algn="ctr"/>
+            <a:r>
+              <a:rPr lang="zh-CN" altLang="en-US" sz="1600" dirty="0"/>
+              <a:t>像素级标签</a:t>
+            </a:r>
+          </a:p>
+        </p:txBody>
+      </p:sp>
+      <p:cxnSp>
+        <p:nvCxnSpPr>
+          <p:cNvPr id="23" name="直接箭头连接符 22">
+            <a:extLst>
+              <a:ext uri="{FF2B5EF4-FFF2-40B4-BE49-F238E27FC236}">
+                <a16:creationId xmlns:a16="http://schemas.microsoft.com/office/drawing/2014/main" id="{33B5962C-9437-8633-0525-D610C272BC8A}"/>
+              </a:ext>
+            </a:extLst>
+          </p:cNvPr>
+          <p:cNvCxnSpPr>
+            <a:stCxn id="14" idx="3"/>
+            <a:endCxn id="3" idx="1"/>
+          </p:cNvCxnSpPr>
+          <p:nvPr/>
+        </p:nvCxnSpPr>
+        <p:spPr>
+          <a:xfrm>
+            <a:off x="31688656" y="5751254"/>
+            <a:ext cx="795336" cy="3320"/>
+          </a:xfrm>
+          <a:prstGeom prst="straightConnector1">
+            <a:avLst/>
+          </a:prstGeom>
+          <a:ln w="28575">
+            <a:solidFill>
+              <a:schemeClr val="tx1"/>
+            </a:solidFill>
+            <a:tailEnd type="triangle"/>
+          </a:ln>
+        </p:spPr>
+        <p:style>
+          <a:lnRef idx="1">
+            <a:schemeClr val="accent1"/>
+          </a:lnRef>
+          <a:fillRef idx="0">
+            <a:schemeClr val="accent1"/>
+          </a:fillRef>
+          <a:effectRef idx="0">
+            <a:schemeClr val="accent1"/>
+          </a:effectRef>
+          <a:fontRef idx="minor">
+            <a:schemeClr val="tx1"/>
+          </a:fontRef>
+        </p:style>
+      </p:cxnSp>
+      <p:cxnSp>
+        <p:nvCxnSpPr>
+          <p:cNvPr id="26" name="直接箭头连接符 25">
+            <a:extLst>
+              <a:ext uri="{FF2B5EF4-FFF2-40B4-BE49-F238E27FC236}">
+                <a16:creationId xmlns:a16="http://schemas.microsoft.com/office/drawing/2014/main" id="{74D319DD-2E8C-C3B2-5E78-A3EA92ABEDB7}"/>
+              </a:ext>
+            </a:extLst>
+          </p:cNvPr>
+          <p:cNvCxnSpPr>
+            <a:cxnSpLocks/>
+            <a:stCxn id="3" idx="3"/>
+            <a:endCxn id="17" idx="1"/>
+          </p:cNvCxnSpPr>
+          <p:nvPr/>
+        </p:nvCxnSpPr>
+        <p:spPr>
+          <a:xfrm flipV="1">
+            <a:off x="35358161" y="5751254"/>
+            <a:ext cx="686789" cy="3320"/>
+          </a:xfrm>
+          <a:prstGeom prst="straightConnector1">
+            <a:avLst/>
+          </a:prstGeom>
+          <a:ln w="28575">
+            <a:solidFill>
+              <a:schemeClr val="tx1"/>
+            </a:solidFill>
+            <a:tailEnd type="triangle"/>
+          </a:ln>
+        </p:spPr>
+        <p:style>
+          <a:lnRef idx="1">
+            <a:schemeClr val="accent1"/>
+          </a:lnRef>
+          <a:fillRef idx="0">
+            <a:schemeClr val="accent1"/>
+          </a:fillRef>
+          <a:effectRef idx="0">
+            <a:schemeClr val="accent1"/>
+          </a:effectRef>
+          <a:fontRef idx="minor">
+            <a:schemeClr val="tx1"/>
+          </a:fontRef>
+        </p:style>
+      </p:cxnSp>
+      <p:cxnSp>
+        <p:nvCxnSpPr>
+          <p:cNvPr id="31" name="直接箭头连接符 30">
+            <a:extLst>
+              <a:ext uri="{FF2B5EF4-FFF2-40B4-BE49-F238E27FC236}">
+                <a16:creationId xmlns:a16="http://schemas.microsoft.com/office/drawing/2014/main" id="{F45B8129-416F-9229-C52C-F27997FE6F6D}"/>
+              </a:ext>
+            </a:extLst>
+          </p:cNvPr>
+          <p:cNvCxnSpPr>
+            <a:cxnSpLocks/>
+            <a:stCxn id="17" idx="3"/>
+            <a:endCxn id="19" idx="1"/>
+          </p:cNvCxnSpPr>
+          <p:nvPr/>
+        </p:nvCxnSpPr>
+        <p:spPr>
+          <a:xfrm flipV="1">
+            <a:off x="37487117" y="5750262"/>
+            <a:ext cx="779066" cy="992"/>
+          </a:xfrm>
+          <a:prstGeom prst="straightConnector1">
+            <a:avLst/>
+          </a:prstGeom>
+          <a:ln w="28575">
+            <a:solidFill>
+              <a:schemeClr val="tx1"/>
+            </a:solidFill>
+            <a:tailEnd type="triangle"/>
+          </a:ln>
+        </p:spPr>
+        <p:style>
+          <a:lnRef idx="1">
+            <a:schemeClr val="accent1"/>
+          </a:lnRef>
+          <a:fillRef idx="0">
+            <a:schemeClr val="accent1"/>
+          </a:fillRef>
+          <a:effectRef idx="0">
+            <a:schemeClr val="accent1"/>
+          </a:effectRef>
+          <a:fontRef idx="minor">
+            <a:schemeClr val="tx1"/>
+          </a:fontRef>
+        </p:style>
+      </p:cxnSp>
+      <p:cxnSp>
+        <p:nvCxnSpPr>
+          <p:cNvPr id="35" name="直接箭头连接符 34">
+            <a:extLst>
+              <a:ext uri="{FF2B5EF4-FFF2-40B4-BE49-F238E27FC236}">
+                <a16:creationId xmlns:a16="http://schemas.microsoft.com/office/drawing/2014/main" id="{D292E15D-CC42-C890-E9D5-434D18F52FCC}"/>
+              </a:ext>
+            </a:extLst>
+          </p:cNvPr>
+          <p:cNvCxnSpPr>
+            <a:cxnSpLocks/>
+            <a:stCxn id="21" idx="1"/>
+            <a:endCxn id="19" idx="3"/>
+          </p:cNvCxnSpPr>
+          <p:nvPr/>
+        </p:nvCxnSpPr>
+        <p:spPr>
+          <a:xfrm flipH="1" flipV="1">
+            <a:off x="39515389" y="5750262"/>
+            <a:ext cx="779066" cy="992"/>
+          </a:xfrm>
+          <a:prstGeom prst="straightConnector1">
+            <a:avLst/>
+          </a:prstGeom>
+          <a:ln w="28575">
+            <a:solidFill>
+              <a:schemeClr val="tx1"/>
+            </a:solidFill>
+            <a:tailEnd type="triangle"/>
+          </a:ln>
+        </p:spPr>
+        <p:style>
+          <a:lnRef idx="1">
+            <a:schemeClr val="accent1"/>
+          </a:lnRef>
+          <a:fillRef idx="0">
+            <a:schemeClr val="accent1"/>
+          </a:fillRef>
+          <a:effectRef idx="0">
+            <a:schemeClr val="accent1"/>
+          </a:effectRef>
+          <a:fontRef idx="minor">
+            <a:schemeClr val="tx1"/>
+          </a:fontRef>
+        </p:style>
+      </p:cxnSp>
+      <p:cxnSp>
+        <p:nvCxnSpPr>
+          <p:cNvPr id="40" name="直接连接符 39">
+            <a:extLst>
+              <a:ext uri="{FF2B5EF4-FFF2-40B4-BE49-F238E27FC236}">
+                <a16:creationId xmlns:a16="http://schemas.microsoft.com/office/drawing/2014/main" id="{513343F7-C390-4B84-EB63-0FB6300F7099}"/>
+              </a:ext>
+            </a:extLst>
+          </p:cNvPr>
+          <p:cNvCxnSpPr/>
+          <p:nvPr/>
+        </p:nvCxnSpPr>
+        <p:spPr>
+          <a:xfrm>
+            <a:off x="29626170" y="7620382"/>
+            <a:ext cx="12941300" cy="0"/>
+          </a:xfrm>
+          <a:prstGeom prst="line">
+            <a:avLst/>
+          </a:prstGeom>
+          <a:ln w="19050">
+            <a:prstDash val="lgDash"/>
+          </a:ln>
+        </p:spPr>
+        <p:style>
+          <a:lnRef idx="1">
+            <a:schemeClr val="accent1"/>
+          </a:lnRef>
+          <a:fillRef idx="0">
+            <a:schemeClr val="accent1"/>
+          </a:fillRef>
+          <a:effectRef idx="0">
+            <a:schemeClr val="accent1"/>
+          </a:effectRef>
+          <a:fontRef idx="minor">
+            <a:schemeClr val="tx1"/>
+          </a:fontRef>
+        </p:style>
+      </p:cxnSp>
+      <p:sp>
+        <p:nvSpPr>
+          <p:cNvPr id="42" name="文本框 41">
+            <a:extLst>
+              <a:ext uri="{FF2B5EF4-FFF2-40B4-BE49-F238E27FC236}">
+                <a16:creationId xmlns:a16="http://schemas.microsoft.com/office/drawing/2014/main" id="{1B9C7047-8BAC-7FE6-04DD-68EB0A85367F}"/>
+              </a:ext>
+            </a:extLst>
+          </p:cNvPr>
+          <p:cNvSpPr txBox="1"/>
+          <p:nvPr/>
+        </p:nvSpPr>
+        <p:spPr>
+          <a:xfrm>
+            <a:off x="33335022" y="7011707"/>
+            <a:ext cx="5284449" cy="400110"/>
+          </a:xfrm>
+          <a:prstGeom prst="rect">
+            <a:avLst/>
+          </a:prstGeom>
+          <a:noFill/>
+        </p:spPr>
+        <p:txBody>
+          <a:bodyPr wrap="square" rtlCol="0">
+            <a:spAutoFit/>
+          </a:bodyPr>
+          <a:lstStyle/>
+          <a:p>
+            <a:r>
+              <a:rPr lang="zh-CN" altLang="en-US" sz="2000" dirty="0"/>
+              <a:t>研究内容</a:t>
+            </a:r>
+            <a:r>
+              <a:rPr lang="en-US" altLang="zh-CN" sz="2000" dirty="0"/>
+              <a:t>1</a:t>
+            </a:r>
+            <a:r>
+              <a:rPr lang="zh-CN" altLang="en-US" sz="2000" dirty="0"/>
+              <a:t>：构建、训练及验证深度学习模型</a:t>
+            </a:r>
+          </a:p>
+        </p:txBody>
+      </p:sp>
+      <p:sp>
+        <p:nvSpPr>
+          <p:cNvPr id="43" name="文本框 42">
+            <a:extLst>
+              <a:ext uri="{FF2B5EF4-FFF2-40B4-BE49-F238E27FC236}">
+                <a16:creationId xmlns:a16="http://schemas.microsoft.com/office/drawing/2014/main" id="{AB1E3444-FB2F-6D99-9EA2-2BD26282B042}"/>
+              </a:ext>
+            </a:extLst>
+          </p:cNvPr>
+          <p:cNvSpPr txBox="1"/>
+          <p:nvPr/>
+        </p:nvSpPr>
+        <p:spPr>
+          <a:xfrm>
+            <a:off x="34244858" y="11283379"/>
+            <a:ext cx="3464775" cy="400110"/>
+          </a:xfrm>
+          <a:prstGeom prst="rect">
+            <a:avLst/>
+          </a:prstGeom>
+          <a:noFill/>
+        </p:spPr>
+        <p:txBody>
+          <a:bodyPr wrap="square" rtlCol="0">
+            <a:spAutoFit/>
+          </a:bodyPr>
+          <a:lstStyle/>
+          <a:p>
+            <a:r>
+              <a:rPr lang="zh-CN" altLang="en-US" sz="2000" dirty="0"/>
+              <a:t>研究内容</a:t>
+            </a:r>
+            <a:r>
+              <a:rPr lang="en-US" altLang="zh-CN" sz="2000" dirty="0"/>
+              <a:t>2</a:t>
+            </a:r>
+            <a:r>
+              <a:rPr lang="zh-CN" altLang="en-US" sz="2000" dirty="0"/>
+              <a:t>：点标签扩散框架</a:t>
+            </a:r>
+          </a:p>
+        </p:txBody>
+      </p:sp>
+      <p:sp>
+        <p:nvSpPr>
+          <p:cNvPr id="16" name="矩形: 圆角 15">
+            <a:extLst>
+              <a:ext uri="{FF2B5EF4-FFF2-40B4-BE49-F238E27FC236}">
+                <a16:creationId xmlns:a16="http://schemas.microsoft.com/office/drawing/2014/main" id="{8A78371D-CD41-A3C1-64FE-F04DF08C8987}"/>
+              </a:ext>
+            </a:extLst>
+          </p:cNvPr>
+          <p:cNvSpPr/>
+          <p:nvPr/>
+        </p:nvSpPr>
+        <p:spPr>
+          <a:xfrm>
+            <a:off x="7776333" y="14171602"/>
+            <a:ext cx="2056170" cy="1539998"/>
+          </a:xfrm>
+          <a:prstGeom prst="roundRect">
+            <a:avLst/>
+          </a:prstGeom>
+          <a:solidFill>
+            <a:schemeClr val="accent2">
+              <a:lumMod val="60000"/>
+              <a:lumOff val="40000"/>
+            </a:schemeClr>
+          </a:solidFill>
+          <a:ln w="28575"/>
+        </p:spPr>
+        <p:style>
+          <a:lnRef idx="2">
+            <a:schemeClr val="accent1">
+              <a:shade val="15000"/>
+            </a:schemeClr>
+          </a:lnRef>
+          <a:fillRef idx="1">
+            <a:schemeClr val="accent1"/>
+          </a:fillRef>
+          <a:effectRef idx="0">
+            <a:schemeClr val="accent1"/>
+          </a:effectRef>
+          <a:fontRef idx="minor">
+            <a:schemeClr val="lt1"/>
+          </a:fontRef>
+        </p:style>
+        <p:txBody>
+          <a:bodyPr rtlCol="0" anchor="ctr"/>
+          <a:lstStyle/>
+          <a:p>
+            <a:pPr algn="ctr"/>
+            <a:r>
+              <a:rPr lang="zh-CN" altLang="en-US" dirty="0"/>
+              <a:t>深度学习模型</a:t>
+            </a:r>
+          </a:p>
+        </p:txBody>
+      </p:sp>
+      <p:sp>
+        <p:nvSpPr>
+          <p:cNvPr id="22" name="流程图: 终止 21">
+            <a:extLst>
+              <a:ext uri="{FF2B5EF4-FFF2-40B4-BE49-F238E27FC236}">
+                <a16:creationId xmlns:a16="http://schemas.microsoft.com/office/drawing/2014/main" id="{526EC957-A5EC-426F-0F57-FC5DE893FA43}"/>
+              </a:ext>
+            </a:extLst>
+          </p:cNvPr>
+          <p:cNvSpPr/>
+          <p:nvPr/>
+        </p:nvSpPr>
+        <p:spPr>
+          <a:xfrm>
+            <a:off x="8185335" y="13190383"/>
+            <a:ext cx="1238172" cy="469898"/>
+          </a:xfrm>
+          <a:prstGeom prst="flowChartTerminator">
+            <a:avLst/>
+          </a:prstGeom>
+          <a:ln w="28575"/>
+        </p:spPr>
+        <p:style>
+          <a:lnRef idx="2">
+            <a:schemeClr val="accent1">
+              <a:shade val="15000"/>
+            </a:schemeClr>
+          </a:lnRef>
+          <a:fillRef idx="1">
+            <a:schemeClr val="accent1"/>
+          </a:fillRef>
+          <a:effectRef idx="0">
+            <a:schemeClr val="accent1"/>
+          </a:effectRef>
+          <a:fontRef idx="minor">
+            <a:schemeClr val="lt1"/>
+          </a:fontRef>
+        </p:style>
+        <p:txBody>
+          <a:bodyPr rtlCol="0" anchor="ctr"/>
+          <a:lstStyle/>
+          <a:p>
+            <a:pPr algn="ctr"/>
+            <a:r>
+              <a:rPr lang="zh-CN" altLang="en-US" dirty="0"/>
+              <a:t>红外图像</a:t>
+            </a:r>
+          </a:p>
+        </p:txBody>
+      </p:sp>
+      <p:sp>
+        <p:nvSpPr>
+          <p:cNvPr id="27" name="流程图: 终止 26">
+            <a:extLst>
+              <a:ext uri="{FF2B5EF4-FFF2-40B4-BE49-F238E27FC236}">
+                <a16:creationId xmlns:a16="http://schemas.microsoft.com/office/drawing/2014/main" id="{B541E874-B40A-7FB2-69E5-46BF4FAEA363}"/>
+              </a:ext>
+            </a:extLst>
+          </p:cNvPr>
+          <p:cNvSpPr/>
+          <p:nvPr/>
+        </p:nvSpPr>
+        <p:spPr>
+          <a:xfrm>
+            <a:off x="8121436" y="16222921"/>
+            <a:ext cx="1442167" cy="469898"/>
+          </a:xfrm>
+          <a:prstGeom prst="flowChartTerminator">
+            <a:avLst/>
+          </a:prstGeom>
+          <a:ln w="28575"/>
+        </p:spPr>
+        <p:style>
+          <a:lnRef idx="2">
+            <a:schemeClr val="accent1">
+              <a:shade val="15000"/>
+            </a:schemeClr>
+          </a:lnRef>
+          <a:fillRef idx="1">
+            <a:schemeClr val="accent1"/>
+          </a:fillRef>
+          <a:effectRef idx="0">
+            <a:schemeClr val="accent1"/>
+          </a:effectRef>
+          <a:fontRef idx="minor">
+            <a:schemeClr val="lt1"/>
+          </a:fontRef>
+        </p:style>
+        <p:txBody>
+          <a:bodyPr rtlCol="0" anchor="ctr"/>
+          <a:lstStyle/>
+          <a:p>
+            <a:pPr algn="ctr"/>
+            <a:r>
+              <a:rPr lang="zh-CN" altLang="en-US" sz="1600" dirty="0"/>
+              <a:t>预测</a:t>
+            </a:r>
+          </a:p>
+        </p:txBody>
+      </p:sp>
+      <p:sp>
+        <p:nvSpPr>
+          <p:cNvPr id="28" name="矩形 27">
+            <a:extLst>
+              <a:ext uri="{FF2B5EF4-FFF2-40B4-BE49-F238E27FC236}">
+                <a16:creationId xmlns:a16="http://schemas.microsoft.com/office/drawing/2014/main" id="{1BE23F0E-0E54-1BFC-E69C-5AFD1956C724}"/>
+              </a:ext>
+            </a:extLst>
+          </p:cNvPr>
+          <p:cNvSpPr/>
+          <p:nvPr/>
+        </p:nvSpPr>
+        <p:spPr>
+          <a:xfrm>
+            <a:off x="7405436" y="17152788"/>
+            <a:ext cx="1249206" cy="471883"/>
+          </a:xfrm>
+          <a:prstGeom prst="rect">
+            <a:avLst/>
+          </a:prstGeom>
+          <a:solidFill>
+            <a:schemeClr val="accent6">
+              <a:lumMod val="60000"/>
+              <a:lumOff val="40000"/>
+            </a:schemeClr>
+          </a:solidFill>
+          <a:ln w="28575"/>
+        </p:spPr>
+        <p:style>
+          <a:lnRef idx="2">
+            <a:schemeClr val="accent1">
+              <a:shade val="15000"/>
+            </a:schemeClr>
+          </a:lnRef>
+          <a:fillRef idx="1">
+            <a:schemeClr val="accent1"/>
+          </a:fillRef>
+          <a:effectRef idx="0">
+            <a:schemeClr val="accent1"/>
+          </a:effectRef>
+          <a:fontRef idx="minor">
+            <a:schemeClr val="lt1"/>
+          </a:fontRef>
+        </p:style>
+        <p:txBody>
+          <a:bodyPr rtlCol="0" anchor="ctr"/>
+          <a:lstStyle/>
+          <a:p>
+            <a:pPr algn="ctr"/>
+            <a:r>
+              <a:rPr lang="en-US" altLang="zh-CN" dirty="0" err="1"/>
+              <a:t>SoftIoU</a:t>
+            </a:r>
+            <a:endParaRPr lang="zh-CN" altLang="en-US" dirty="0"/>
+          </a:p>
+        </p:txBody>
+      </p:sp>
+      <p:sp>
+        <p:nvSpPr>
+          <p:cNvPr id="33" name="流程图: 终止 32">
+            <a:extLst>
+              <a:ext uri="{FF2B5EF4-FFF2-40B4-BE49-F238E27FC236}">
+                <a16:creationId xmlns:a16="http://schemas.microsoft.com/office/drawing/2014/main" id="{B7D957D5-C5B7-E182-F863-5BD94BE671A3}"/>
+              </a:ext>
+            </a:extLst>
+          </p:cNvPr>
+          <p:cNvSpPr/>
+          <p:nvPr/>
+        </p:nvSpPr>
+        <p:spPr>
+          <a:xfrm>
+            <a:off x="8121435" y="18084640"/>
+            <a:ext cx="1442167" cy="469898"/>
+          </a:xfrm>
+          <a:prstGeom prst="flowChartTerminator">
+            <a:avLst/>
+          </a:prstGeom>
+          <a:ln w="28575"/>
+        </p:spPr>
+        <p:style>
+          <a:lnRef idx="2">
+            <a:schemeClr val="accent1">
+              <a:shade val="15000"/>
+            </a:schemeClr>
+          </a:lnRef>
+          <a:fillRef idx="1">
+            <a:schemeClr val="accent1"/>
+          </a:fillRef>
+          <a:effectRef idx="0">
+            <a:schemeClr val="accent1"/>
+          </a:effectRef>
+          <a:fontRef idx="minor">
+            <a:schemeClr val="lt1"/>
+          </a:fontRef>
+        </p:style>
+        <p:txBody>
+          <a:bodyPr rtlCol="0" anchor="ctr"/>
+          <a:lstStyle/>
+          <a:p>
+            <a:pPr algn="ctr"/>
+            <a:r>
+              <a:rPr lang="zh-CN" altLang="en-US" sz="1600" dirty="0"/>
+              <a:t>全标签</a:t>
+            </a:r>
+          </a:p>
+        </p:txBody>
+      </p:sp>
+      <p:cxnSp>
+        <p:nvCxnSpPr>
+          <p:cNvPr id="34" name="直接箭头连接符 33">
+            <a:extLst>
+              <a:ext uri="{FF2B5EF4-FFF2-40B4-BE49-F238E27FC236}">
+                <a16:creationId xmlns:a16="http://schemas.microsoft.com/office/drawing/2014/main" id="{6E8ACBAC-A1CF-4FD5-CDCA-CC5D3FB152AF}"/>
+              </a:ext>
+            </a:extLst>
+          </p:cNvPr>
+          <p:cNvCxnSpPr>
+            <a:cxnSpLocks/>
+            <a:stCxn id="22" idx="2"/>
+            <a:endCxn id="16" idx="0"/>
+          </p:cNvCxnSpPr>
+          <p:nvPr/>
+        </p:nvCxnSpPr>
+        <p:spPr>
+          <a:xfrm flipH="1">
+            <a:off x="8804418" y="13660281"/>
+            <a:ext cx="3" cy="511321"/>
+          </a:xfrm>
+          <a:prstGeom prst="straightConnector1">
+            <a:avLst/>
+          </a:prstGeom>
+          <a:ln w="28575">
+            <a:solidFill>
+              <a:schemeClr val="tx1"/>
+            </a:solidFill>
+            <a:tailEnd type="triangle"/>
+          </a:ln>
+        </p:spPr>
+        <p:style>
+          <a:lnRef idx="1">
+            <a:schemeClr val="accent1"/>
+          </a:lnRef>
+          <a:fillRef idx="0">
+            <a:schemeClr val="accent1"/>
+          </a:fillRef>
+          <a:effectRef idx="0">
+            <a:schemeClr val="accent1"/>
+          </a:effectRef>
+          <a:fontRef idx="minor">
+            <a:schemeClr val="tx1"/>
+          </a:fontRef>
+        </p:style>
+      </p:cxnSp>
+      <p:cxnSp>
+        <p:nvCxnSpPr>
+          <p:cNvPr id="37" name="直接箭头连接符 36">
+            <a:extLst>
+              <a:ext uri="{FF2B5EF4-FFF2-40B4-BE49-F238E27FC236}">
+                <a16:creationId xmlns:a16="http://schemas.microsoft.com/office/drawing/2014/main" id="{82D59E9F-0C48-556E-6F1A-8786F5A2D366}"/>
+              </a:ext>
+            </a:extLst>
+          </p:cNvPr>
+          <p:cNvCxnSpPr>
+            <a:cxnSpLocks/>
+            <a:stCxn id="27" idx="2"/>
+            <a:endCxn id="28" idx="0"/>
+          </p:cNvCxnSpPr>
+          <p:nvPr/>
+        </p:nvCxnSpPr>
+        <p:spPr>
+          <a:xfrm flipH="1">
+            <a:off x="8030039" y="16692819"/>
+            <a:ext cx="812481" cy="459969"/>
+          </a:xfrm>
+          <a:prstGeom prst="straightConnector1">
+            <a:avLst/>
+          </a:prstGeom>
+          <a:ln w="28575">
+            <a:solidFill>
+              <a:schemeClr val="tx1"/>
+            </a:solidFill>
+            <a:tailEnd type="triangle"/>
+          </a:ln>
+        </p:spPr>
+        <p:style>
+          <a:lnRef idx="1">
+            <a:schemeClr val="accent1"/>
+          </a:lnRef>
+          <a:fillRef idx="0">
+            <a:schemeClr val="accent1"/>
+          </a:fillRef>
+          <a:effectRef idx="0">
+            <a:schemeClr val="accent1"/>
+          </a:effectRef>
+          <a:fontRef idx="minor">
+            <a:schemeClr val="tx1"/>
+          </a:fontRef>
+        </p:style>
+      </p:cxnSp>
+      <p:cxnSp>
+        <p:nvCxnSpPr>
+          <p:cNvPr id="47" name="直接箭头连接符 46">
+            <a:extLst>
+              <a:ext uri="{FF2B5EF4-FFF2-40B4-BE49-F238E27FC236}">
+                <a16:creationId xmlns:a16="http://schemas.microsoft.com/office/drawing/2014/main" id="{4E37FA4E-271F-65CB-8983-7A1C48B66121}"/>
+              </a:ext>
+            </a:extLst>
+          </p:cNvPr>
+          <p:cNvCxnSpPr>
+            <a:cxnSpLocks/>
+          </p:cNvCxnSpPr>
+          <p:nvPr/>
+        </p:nvCxnSpPr>
+        <p:spPr>
+          <a:xfrm>
+            <a:off x="8842519" y="15711600"/>
+            <a:ext cx="0" cy="511321"/>
+          </a:xfrm>
+          <a:prstGeom prst="straightConnector1">
+            <a:avLst/>
+          </a:prstGeom>
+          <a:ln w="28575">
+            <a:solidFill>
+              <a:schemeClr val="tx1"/>
+            </a:solidFill>
+            <a:tailEnd type="triangle"/>
+          </a:ln>
+        </p:spPr>
+        <p:style>
+          <a:lnRef idx="1">
+            <a:schemeClr val="accent1"/>
+          </a:lnRef>
+          <a:fillRef idx="0">
+            <a:schemeClr val="accent1"/>
+          </a:fillRef>
+          <a:effectRef idx="0">
+            <a:schemeClr val="accent1"/>
+          </a:effectRef>
+          <a:fontRef idx="minor">
+            <a:schemeClr val="tx1"/>
+          </a:fontRef>
+        </p:style>
+      </p:cxnSp>
+      <p:cxnSp>
+        <p:nvCxnSpPr>
+          <p:cNvPr id="56" name="直接箭头连接符 55">
+            <a:extLst>
+              <a:ext uri="{FF2B5EF4-FFF2-40B4-BE49-F238E27FC236}">
+                <a16:creationId xmlns:a16="http://schemas.microsoft.com/office/drawing/2014/main" id="{FFB05877-5342-ACF0-A2BF-82095B3D3737}"/>
+              </a:ext>
+            </a:extLst>
+          </p:cNvPr>
+          <p:cNvCxnSpPr>
+            <a:cxnSpLocks/>
+            <a:stCxn id="33" idx="0"/>
+            <a:endCxn id="28" idx="2"/>
+          </p:cNvCxnSpPr>
+          <p:nvPr/>
+        </p:nvCxnSpPr>
+        <p:spPr>
+          <a:xfrm flipH="1" flipV="1">
+            <a:off x="8030039" y="17624671"/>
+            <a:ext cx="812480" cy="459969"/>
+          </a:xfrm>
+          <a:prstGeom prst="straightConnector1">
+            <a:avLst/>
+          </a:prstGeom>
+          <a:ln w="28575">
+            <a:solidFill>
+              <a:schemeClr val="tx1"/>
+            </a:solidFill>
+            <a:tailEnd type="triangle"/>
+          </a:ln>
+        </p:spPr>
+        <p:style>
+          <a:lnRef idx="1">
+            <a:schemeClr val="accent1"/>
+          </a:lnRef>
+          <a:fillRef idx="0">
+            <a:schemeClr val="accent1"/>
+          </a:fillRef>
+          <a:effectRef idx="0">
+            <a:schemeClr val="accent1"/>
+          </a:effectRef>
+          <a:fontRef idx="minor">
+            <a:schemeClr val="tx1"/>
+          </a:fontRef>
+        </p:style>
+      </p:cxnSp>
+      <p:sp>
+        <p:nvSpPr>
+          <p:cNvPr id="62" name="矩形 61">
+            <a:extLst>
+              <a:ext uri="{FF2B5EF4-FFF2-40B4-BE49-F238E27FC236}">
+                <a16:creationId xmlns:a16="http://schemas.microsoft.com/office/drawing/2014/main" id="{DDCAD4BC-0FE7-D963-A19E-4D67B672A2CA}"/>
+              </a:ext>
+            </a:extLst>
+          </p:cNvPr>
+          <p:cNvSpPr/>
+          <p:nvPr/>
+        </p:nvSpPr>
+        <p:spPr>
+          <a:xfrm>
+            <a:off x="9030399" y="17146831"/>
+            <a:ext cx="1249206" cy="471883"/>
+          </a:xfrm>
+          <a:prstGeom prst="rect">
+            <a:avLst/>
+          </a:prstGeom>
+          <a:solidFill>
+            <a:schemeClr val="accent6">
+              <a:lumMod val="60000"/>
+              <a:lumOff val="40000"/>
+            </a:schemeClr>
+          </a:solidFill>
+          <a:ln w="28575"/>
+        </p:spPr>
+        <p:style>
+          <a:lnRef idx="2">
+            <a:schemeClr val="accent1">
+              <a:shade val="15000"/>
+            </a:schemeClr>
+          </a:lnRef>
+          <a:fillRef idx="1">
+            <a:schemeClr val="accent1"/>
+          </a:fillRef>
+          <a:effectRef idx="0">
+            <a:schemeClr val="accent1"/>
+          </a:effectRef>
+          <a:fontRef idx="minor">
+            <a:schemeClr val="lt1"/>
+          </a:fontRef>
+        </p:style>
+        <p:txBody>
+          <a:bodyPr rtlCol="0" anchor="ctr"/>
+          <a:lstStyle/>
+          <a:p>
+            <a:pPr algn="ctr"/>
+            <a:endParaRPr lang="zh-CN" altLang="en-US" dirty="0"/>
+          </a:p>
+        </p:txBody>
+      </p:sp>
+      <p:cxnSp>
+        <p:nvCxnSpPr>
+          <p:cNvPr id="63" name="直接箭头连接符 62">
+            <a:extLst>
+              <a:ext uri="{FF2B5EF4-FFF2-40B4-BE49-F238E27FC236}">
+                <a16:creationId xmlns:a16="http://schemas.microsoft.com/office/drawing/2014/main" id="{72E8FAF4-4A02-45D2-B5E5-D5022384253C}"/>
+              </a:ext>
+            </a:extLst>
+          </p:cNvPr>
+          <p:cNvCxnSpPr>
+            <a:cxnSpLocks/>
+            <a:stCxn id="27" idx="2"/>
+            <a:endCxn id="62" idx="0"/>
+          </p:cNvCxnSpPr>
+          <p:nvPr/>
+        </p:nvCxnSpPr>
+        <p:spPr>
+          <a:xfrm>
+            <a:off x="8842520" y="16692819"/>
+            <a:ext cx="812482" cy="454012"/>
+          </a:xfrm>
+          <a:prstGeom prst="straightConnector1">
+            <a:avLst/>
+          </a:prstGeom>
+          <a:ln w="28575">
+            <a:solidFill>
+              <a:schemeClr val="tx1"/>
+            </a:solidFill>
+            <a:tailEnd type="triangle"/>
+          </a:ln>
+        </p:spPr>
+        <p:style>
+          <a:lnRef idx="1">
+            <a:schemeClr val="accent1"/>
+          </a:lnRef>
+          <a:fillRef idx="0">
+            <a:schemeClr val="accent1"/>
+          </a:fillRef>
+          <a:effectRef idx="0">
+            <a:schemeClr val="accent1"/>
+          </a:effectRef>
+          <a:fontRef idx="minor">
+            <a:schemeClr val="tx1"/>
+          </a:fontRef>
+        </p:style>
+      </p:cxnSp>
+      <p:cxnSp>
+        <p:nvCxnSpPr>
+          <p:cNvPr id="66" name="直接箭头连接符 65">
+            <a:extLst>
+              <a:ext uri="{FF2B5EF4-FFF2-40B4-BE49-F238E27FC236}">
+                <a16:creationId xmlns:a16="http://schemas.microsoft.com/office/drawing/2014/main" id="{8AAFF0A9-5A85-DB8B-CB9C-A0E067FC47FA}"/>
+              </a:ext>
+            </a:extLst>
+          </p:cNvPr>
+          <p:cNvCxnSpPr>
+            <a:cxnSpLocks/>
+            <a:stCxn id="33" idx="0"/>
+            <a:endCxn id="62" idx="2"/>
+          </p:cNvCxnSpPr>
+          <p:nvPr/>
+        </p:nvCxnSpPr>
+        <p:spPr>
+          <a:xfrm flipV="1">
+            <a:off x="8842519" y="17618714"/>
+            <a:ext cx="812483" cy="465926"/>
+          </a:xfrm>
+          <a:prstGeom prst="straightConnector1">
+            <a:avLst/>
+          </a:prstGeom>
+          <a:ln w="28575">
+            <a:solidFill>
+              <a:schemeClr val="tx1"/>
+            </a:solidFill>
+            <a:tailEnd type="triangle"/>
+          </a:ln>
+        </p:spPr>
+        <p:style>
+          <a:lnRef idx="1">
+            <a:schemeClr val="accent1"/>
+          </a:lnRef>
+          <a:fillRef idx="0">
+            <a:schemeClr val="accent1"/>
+          </a:fillRef>
+          <a:effectRef idx="0">
+            <a:schemeClr val="accent1"/>
+          </a:effectRef>
+          <a:fontRef idx="minor">
+            <a:schemeClr val="tx1"/>
+          </a:fontRef>
+        </p:style>
+      </p:cxnSp>
+      <p:sp>
+        <p:nvSpPr>
+          <p:cNvPr id="89" name="矩形: 圆角 88">
+            <a:extLst>
+              <a:ext uri="{FF2B5EF4-FFF2-40B4-BE49-F238E27FC236}">
+                <a16:creationId xmlns:a16="http://schemas.microsoft.com/office/drawing/2014/main" id="{1E614660-61A2-E6E9-1B61-57F4233F3450}"/>
+              </a:ext>
+            </a:extLst>
+          </p:cNvPr>
+          <p:cNvSpPr/>
+          <p:nvPr/>
+        </p:nvSpPr>
+        <p:spPr>
+          <a:xfrm>
+            <a:off x="19909368" y="14767175"/>
+            <a:ext cx="2874169" cy="2152650"/>
+          </a:xfrm>
+          <a:prstGeom prst="roundRect">
+            <a:avLst/>
+          </a:prstGeom>
+          <a:solidFill>
+            <a:schemeClr val="accent2">
+              <a:lumMod val="60000"/>
+              <a:lumOff val="40000"/>
+            </a:schemeClr>
+          </a:solidFill>
+          <a:ln w="28575"/>
+        </p:spPr>
+        <p:style>
+          <a:lnRef idx="2">
+            <a:schemeClr val="accent1">
+              <a:shade val="15000"/>
+            </a:schemeClr>
+          </a:lnRef>
+          <a:fillRef idx="1">
+            <a:schemeClr val="accent1"/>
+          </a:fillRef>
+          <a:effectRef idx="0">
+            <a:schemeClr val="accent1"/>
+          </a:effectRef>
+          <a:fontRef idx="minor">
+            <a:schemeClr val="lt1"/>
+          </a:fontRef>
+        </p:style>
+        <p:txBody>
+          <a:bodyPr rtlCol="0" anchor="ctr"/>
+          <a:lstStyle/>
+          <a:p>
+            <a:pPr algn="ctr"/>
+            <a:r>
+              <a:rPr lang="zh-CN" altLang="en-US" dirty="0"/>
+              <a:t>深度学习模型</a:t>
+            </a:r>
+          </a:p>
+        </p:txBody>
+      </p:sp>
+      <p:sp>
+        <p:nvSpPr>
+          <p:cNvPr id="90" name="流程图: 终止 89">
+            <a:extLst>
+              <a:ext uri="{FF2B5EF4-FFF2-40B4-BE49-F238E27FC236}">
+                <a16:creationId xmlns:a16="http://schemas.microsoft.com/office/drawing/2014/main" id="{2DB57F2F-FA7F-4EC0-31CC-0FC8E91C8E15}"/>
+              </a:ext>
+            </a:extLst>
+          </p:cNvPr>
+          <p:cNvSpPr/>
+          <p:nvPr/>
+        </p:nvSpPr>
+        <p:spPr>
+          <a:xfrm>
+            <a:off x="17949675" y="15251363"/>
+            <a:ext cx="1238172" cy="469898"/>
+          </a:xfrm>
+          <a:prstGeom prst="flowChartTerminator">
+            <a:avLst/>
+          </a:prstGeom>
+          <a:ln w="28575"/>
+        </p:spPr>
+        <p:style>
+          <a:lnRef idx="2">
+            <a:schemeClr val="accent1">
+              <a:shade val="15000"/>
+            </a:schemeClr>
+          </a:lnRef>
+          <a:fillRef idx="1">
+            <a:schemeClr val="accent1"/>
+          </a:fillRef>
+          <a:effectRef idx="0">
+            <a:schemeClr val="accent1"/>
+          </a:effectRef>
+          <a:fontRef idx="minor">
+            <a:schemeClr val="lt1"/>
+          </a:fontRef>
+        </p:style>
+        <p:txBody>
+          <a:bodyPr rtlCol="0" anchor="ctr"/>
+          <a:lstStyle/>
+          <a:p>
+            <a:pPr algn="ctr"/>
+            <a:r>
+              <a:rPr lang="zh-CN" altLang="en-US" sz="1600" dirty="0"/>
+              <a:t>点标签</a:t>
+            </a:r>
+          </a:p>
+        </p:txBody>
+      </p:sp>
+      <p:sp>
+        <p:nvSpPr>
+          <p:cNvPr id="91" name="流程图: 终止 90">
+            <a:extLst>
+              <a:ext uri="{FF2B5EF4-FFF2-40B4-BE49-F238E27FC236}">
+                <a16:creationId xmlns:a16="http://schemas.microsoft.com/office/drawing/2014/main" id="{2C58354F-9759-F79D-124C-B6EA31FC99CE}"/>
+              </a:ext>
+            </a:extLst>
+          </p:cNvPr>
+          <p:cNvSpPr/>
+          <p:nvPr/>
+        </p:nvSpPr>
+        <p:spPr>
+          <a:xfrm>
+            <a:off x="17949675" y="15968120"/>
+            <a:ext cx="1238172" cy="469898"/>
+          </a:xfrm>
+          <a:prstGeom prst="flowChartTerminator">
+            <a:avLst/>
+          </a:prstGeom>
+          <a:ln w="28575"/>
+        </p:spPr>
+        <p:style>
+          <a:lnRef idx="2">
+            <a:schemeClr val="accent1">
+              <a:shade val="15000"/>
+            </a:schemeClr>
+          </a:lnRef>
+          <a:fillRef idx="1">
+            <a:schemeClr val="accent1"/>
+          </a:fillRef>
+          <a:effectRef idx="0">
+            <a:schemeClr val="accent1"/>
+          </a:effectRef>
+          <a:fontRef idx="minor">
+            <a:schemeClr val="lt1"/>
+          </a:fontRef>
+        </p:style>
+        <p:txBody>
+          <a:bodyPr rtlCol="0" anchor="ctr"/>
+          <a:lstStyle/>
+          <a:p>
+            <a:pPr algn="ctr"/>
+            <a:r>
+              <a:rPr lang="zh-CN" altLang="en-US" sz="1600" dirty="0"/>
+              <a:t>红外图像</a:t>
+            </a:r>
+          </a:p>
+        </p:txBody>
+      </p:sp>
+      <p:sp>
+        <p:nvSpPr>
+          <p:cNvPr id="92" name="梯形 91">
+            <a:extLst>
+              <a:ext uri="{FF2B5EF4-FFF2-40B4-BE49-F238E27FC236}">
+                <a16:creationId xmlns:a16="http://schemas.microsoft.com/office/drawing/2014/main" id="{F61A71F7-0930-A280-D585-75D2265D82C4}"/>
+              </a:ext>
+            </a:extLst>
+          </p:cNvPr>
+          <p:cNvSpPr/>
+          <p:nvPr/>
+        </p:nvSpPr>
+        <p:spPr>
+          <a:xfrm rot="5400000">
+            <a:off x="15439800" y="15113369"/>
+            <a:ext cx="2134553" cy="1442166"/>
+          </a:xfrm>
+          <a:prstGeom prst="trapezoid">
+            <a:avLst>
+              <a:gd name="adj" fmla="val 14189"/>
+            </a:avLst>
+          </a:prstGeom>
+          <a:solidFill>
+            <a:srgbClr val="FF0000"/>
+          </a:solidFill>
+          <a:ln w="28575"/>
+        </p:spPr>
+        <p:style>
+          <a:lnRef idx="2">
+            <a:schemeClr val="accent1">
+              <a:shade val="15000"/>
+            </a:schemeClr>
+          </a:lnRef>
+          <a:fillRef idx="1">
+            <a:schemeClr val="accent1"/>
+          </a:fillRef>
+          <a:effectRef idx="0">
+            <a:schemeClr val="accent1"/>
+          </a:effectRef>
+          <a:fontRef idx="minor">
+            <a:schemeClr val="lt1"/>
+          </a:fontRef>
+        </p:style>
+        <p:txBody>
+          <a:bodyPr vert="vert270" rtlCol="0" anchor="ctr"/>
+          <a:lstStyle/>
+          <a:p>
+            <a:pPr algn="ctr"/>
+            <a:r>
+              <a:rPr lang="zh-CN" altLang="en-US" sz="1600" dirty="0"/>
+              <a:t>点标签</a:t>
+            </a:r>
+            <a:endParaRPr lang="en-US" altLang="zh-CN" sz="1600" dirty="0"/>
+          </a:p>
+          <a:p>
+            <a:pPr algn="ctr"/>
+            <a:r>
+              <a:rPr lang="zh-CN" altLang="en-US" sz="1600" dirty="0"/>
+              <a:t>扩散模块</a:t>
+            </a:r>
+          </a:p>
+        </p:txBody>
+      </p:sp>
+      <p:sp>
+        <p:nvSpPr>
+          <p:cNvPr id="93" name="流程图: 终止 92">
+            <a:extLst>
+              <a:ext uri="{FF2B5EF4-FFF2-40B4-BE49-F238E27FC236}">
+                <a16:creationId xmlns:a16="http://schemas.microsoft.com/office/drawing/2014/main" id="{E589F183-86C7-9AC6-F7FC-E723031F1D66}"/>
+              </a:ext>
+            </a:extLst>
+          </p:cNvPr>
+          <p:cNvSpPr/>
+          <p:nvPr/>
+        </p:nvSpPr>
+        <p:spPr>
+          <a:xfrm>
+            <a:off x="13495866" y="15599503"/>
+            <a:ext cx="1568609" cy="469898"/>
+          </a:xfrm>
+          <a:prstGeom prst="flowChartTerminator">
+            <a:avLst/>
+          </a:prstGeom>
+          <a:ln w="28575"/>
+        </p:spPr>
+        <p:style>
+          <a:lnRef idx="2">
+            <a:schemeClr val="accent1">
+              <a:shade val="15000"/>
+            </a:schemeClr>
+          </a:lnRef>
+          <a:fillRef idx="1">
+            <a:schemeClr val="accent1"/>
+          </a:fillRef>
+          <a:effectRef idx="0">
+            <a:schemeClr val="accent1"/>
+          </a:effectRef>
+          <a:fontRef idx="minor">
+            <a:schemeClr val="lt1"/>
+          </a:fontRef>
+        </p:style>
+        <p:txBody>
+          <a:bodyPr rtlCol="0" anchor="ctr"/>
+          <a:lstStyle/>
+          <a:p>
+            <a:pPr algn="ctr"/>
+            <a:r>
+              <a:rPr lang="zh-CN" altLang="en-US" sz="1600" dirty="0"/>
+              <a:t>像素级伪标签</a:t>
+            </a:r>
+          </a:p>
+        </p:txBody>
+      </p:sp>
+      <p:sp>
+        <p:nvSpPr>
+          <p:cNvPr id="94" name="流程图: 终止 93">
+            <a:extLst>
+              <a:ext uri="{FF2B5EF4-FFF2-40B4-BE49-F238E27FC236}">
+                <a16:creationId xmlns:a16="http://schemas.microsoft.com/office/drawing/2014/main" id="{7F331BEF-6EA3-3B4E-1A13-3DE574D7BCA2}"/>
+              </a:ext>
+            </a:extLst>
+          </p:cNvPr>
+          <p:cNvSpPr/>
+          <p:nvPr/>
+        </p:nvSpPr>
+        <p:spPr>
+          <a:xfrm>
+            <a:off x="23505055" y="15251363"/>
+            <a:ext cx="1442167" cy="469898"/>
+          </a:xfrm>
+          <a:prstGeom prst="flowChartTerminator">
+            <a:avLst/>
+          </a:prstGeom>
+          <a:ln w="28575"/>
+        </p:spPr>
+        <p:style>
+          <a:lnRef idx="2">
+            <a:schemeClr val="accent1">
+              <a:shade val="15000"/>
+            </a:schemeClr>
+          </a:lnRef>
+          <a:fillRef idx="1">
+            <a:schemeClr val="accent1"/>
+          </a:fillRef>
+          <a:effectRef idx="0">
+            <a:schemeClr val="accent1"/>
+          </a:effectRef>
+          <a:fontRef idx="minor">
+            <a:schemeClr val="lt1"/>
+          </a:fontRef>
+        </p:style>
+        <p:txBody>
+          <a:bodyPr rtlCol="0" anchor="ctr"/>
+          <a:lstStyle/>
+          <a:p>
+            <a:pPr algn="ctr"/>
+            <a:r>
+              <a:rPr lang="zh-CN" altLang="en-US" sz="1600" dirty="0"/>
+              <a:t>预测</a:t>
+            </a:r>
+          </a:p>
+        </p:txBody>
+      </p:sp>
+      <p:sp>
+        <p:nvSpPr>
+          <p:cNvPr id="95" name="流程图: 终止 94">
+            <a:extLst>
+              <a:ext uri="{FF2B5EF4-FFF2-40B4-BE49-F238E27FC236}">
+                <a16:creationId xmlns:a16="http://schemas.microsoft.com/office/drawing/2014/main" id="{017BDD77-4BC0-9845-499A-CF3A73A63484}"/>
+              </a:ext>
+            </a:extLst>
+          </p:cNvPr>
+          <p:cNvSpPr/>
+          <p:nvPr/>
+        </p:nvSpPr>
+        <p:spPr>
+          <a:xfrm>
+            <a:off x="23505055" y="15933196"/>
+            <a:ext cx="1442167" cy="469898"/>
+          </a:xfrm>
+          <a:prstGeom prst="flowChartTerminator">
+            <a:avLst/>
+          </a:prstGeom>
+          <a:ln w="28575"/>
+        </p:spPr>
+        <p:style>
+          <a:lnRef idx="2">
+            <a:schemeClr val="accent1">
+              <a:shade val="15000"/>
+            </a:schemeClr>
+          </a:lnRef>
+          <a:fillRef idx="1">
+            <a:schemeClr val="accent1"/>
+          </a:fillRef>
+          <a:effectRef idx="0">
+            <a:schemeClr val="accent1"/>
+          </a:effectRef>
+          <a:fontRef idx="minor">
+            <a:schemeClr val="lt1"/>
+          </a:fontRef>
+        </p:style>
+        <p:txBody>
+          <a:bodyPr rtlCol="0" anchor="ctr"/>
+          <a:lstStyle/>
+          <a:p>
+            <a:pPr algn="ctr"/>
+            <a:r>
+              <a:rPr lang="zh-CN" altLang="en-US" sz="1600" dirty="0"/>
+              <a:t>更新标签</a:t>
+            </a:r>
+          </a:p>
+        </p:txBody>
+      </p:sp>
+      <p:cxnSp>
+        <p:nvCxnSpPr>
+          <p:cNvPr id="96" name="连接符: 肘形 95">
+            <a:extLst>
+              <a:ext uri="{FF2B5EF4-FFF2-40B4-BE49-F238E27FC236}">
+                <a16:creationId xmlns:a16="http://schemas.microsoft.com/office/drawing/2014/main" id="{14040952-0571-89CE-79CF-78EC7C197470}"/>
+              </a:ext>
+            </a:extLst>
+          </p:cNvPr>
+          <p:cNvCxnSpPr>
+            <a:cxnSpLocks/>
+            <a:stCxn id="95" idx="2"/>
+            <a:endCxn id="92" idx="3"/>
+          </p:cNvCxnSpPr>
+          <p:nvPr/>
+        </p:nvCxnSpPr>
+        <p:spPr>
+          <a:xfrm rot="5400000">
+            <a:off x="20168448" y="12741723"/>
+            <a:ext cx="396321" cy="7719062"/>
+          </a:xfrm>
+          <a:prstGeom prst="bentConnector3">
+            <a:avLst>
+              <a:gd name="adj1" fmla="val 228330"/>
+            </a:avLst>
+          </a:prstGeom>
+          <a:ln w="28575">
+            <a:solidFill>
+              <a:schemeClr val="accent3"/>
+            </a:solidFill>
+            <a:tailEnd type="triangle"/>
+          </a:ln>
+        </p:spPr>
+        <p:style>
+          <a:lnRef idx="1">
+            <a:schemeClr val="accent1"/>
+          </a:lnRef>
+          <a:fillRef idx="0">
+            <a:schemeClr val="accent1"/>
+          </a:fillRef>
+          <a:effectRef idx="0">
+            <a:schemeClr val="accent1"/>
+          </a:effectRef>
+          <a:fontRef idx="minor">
+            <a:schemeClr val="tx1"/>
+          </a:fontRef>
+        </p:style>
+      </p:cxnSp>
+      <p:cxnSp>
+        <p:nvCxnSpPr>
+          <p:cNvPr id="97" name="直接箭头连接符 96">
+            <a:extLst>
+              <a:ext uri="{FF2B5EF4-FFF2-40B4-BE49-F238E27FC236}">
+                <a16:creationId xmlns:a16="http://schemas.microsoft.com/office/drawing/2014/main" id="{6F5A8CD9-8FDD-AF62-FB3E-3BD21B171EBC}"/>
+              </a:ext>
+            </a:extLst>
+          </p:cNvPr>
+          <p:cNvCxnSpPr>
+            <a:cxnSpLocks/>
+          </p:cNvCxnSpPr>
+          <p:nvPr/>
+        </p:nvCxnSpPr>
+        <p:spPr>
+          <a:xfrm>
+            <a:off x="19156891" y="16209419"/>
+            <a:ext cx="752474" cy="0"/>
+          </a:xfrm>
+          <a:prstGeom prst="straightConnector1">
+            <a:avLst/>
+          </a:prstGeom>
+          <a:ln w="28575">
+            <a:solidFill>
+              <a:schemeClr val="accent3"/>
+            </a:solidFill>
+            <a:tailEnd type="triangle"/>
+          </a:ln>
+        </p:spPr>
+        <p:style>
+          <a:lnRef idx="1">
+            <a:schemeClr val="accent1"/>
+          </a:lnRef>
+          <a:fillRef idx="0">
+            <a:schemeClr val="accent1"/>
+          </a:fillRef>
+          <a:effectRef idx="0">
+            <a:schemeClr val="accent1"/>
+          </a:effectRef>
+          <a:fontRef idx="minor">
+            <a:schemeClr val="tx1"/>
+          </a:fontRef>
+        </p:style>
+      </p:cxnSp>
+      <p:cxnSp>
+        <p:nvCxnSpPr>
+          <p:cNvPr id="98" name="连接符: 肘形 97">
+            <a:extLst>
+              <a:ext uri="{FF2B5EF4-FFF2-40B4-BE49-F238E27FC236}">
+                <a16:creationId xmlns:a16="http://schemas.microsoft.com/office/drawing/2014/main" id="{CA019139-5C84-17D7-8ED6-E58D62B30858}"/>
+              </a:ext>
+            </a:extLst>
+          </p:cNvPr>
+          <p:cNvCxnSpPr/>
+          <p:nvPr/>
+        </p:nvCxnSpPr>
+        <p:spPr>
+          <a:xfrm flipV="1">
+            <a:off x="19156891" y="15486315"/>
+            <a:ext cx="752474" cy="583089"/>
+          </a:xfrm>
+          <a:prstGeom prst="bentConnector3">
+            <a:avLst/>
+          </a:prstGeom>
+          <a:ln w="28575">
+            <a:tailEnd type="triangle"/>
+          </a:ln>
+        </p:spPr>
+        <p:style>
+          <a:lnRef idx="1">
+            <a:schemeClr val="accent1"/>
+          </a:lnRef>
+          <a:fillRef idx="0">
+            <a:schemeClr val="accent1"/>
+          </a:fillRef>
+          <a:effectRef idx="0">
+            <a:schemeClr val="accent1"/>
+          </a:effectRef>
+          <a:fontRef idx="minor">
+            <a:schemeClr val="tx1"/>
+          </a:fontRef>
+        </p:style>
+      </p:cxnSp>
+      <p:cxnSp>
+        <p:nvCxnSpPr>
+          <p:cNvPr id="99" name="直接箭头连接符 98">
+            <a:extLst>
+              <a:ext uri="{FF2B5EF4-FFF2-40B4-BE49-F238E27FC236}">
+                <a16:creationId xmlns:a16="http://schemas.microsoft.com/office/drawing/2014/main" id="{980690B9-F071-DC99-67B9-115FA6F6CD2C}"/>
+              </a:ext>
+            </a:extLst>
+          </p:cNvPr>
+          <p:cNvCxnSpPr>
+            <a:stCxn id="90" idx="1"/>
+          </p:cNvCxnSpPr>
+          <p:nvPr/>
+        </p:nvCxnSpPr>
+        <p:spPr>
+          <a:xfrm flipH="1">
+            <a:off x="17228157" y="15486312"/>
+            <a:ext cx="721518" cy="0"/>
+          </a:xfrm>
+          <a:prstGeom prst="straightConnector1">
+            <a:avLst/>
+          </a:prstGeom>
+          <a:ln w="28575">
+            <a:tailEnd type="triangle"/>
+          </a:ln>
+        </p:spPr>
+        <p:style>
+          <a:lnRef idx="1">
+            <a:schemeClr val="accent1"/>
+          </a:lnRef>
+          <a:fillRef idx="0">
+            <a:schemeClr val="accent1"/>
+          </a:fillRef>
+          <a:effectRef idx="0">
+            <a:schemeClr val="accent1"/>
+          </a:effectRef>
+          <a:fontRef idx="minor">
+            <a:schemeClr val="tx1"/>
+          </a:fontRef>
+        </p:style>
+      </p:cxnSp>
+      <p:cxnSp>
+        <p:nvCxnSpPr>
+          <p:cNvPr id="100" name="直接箭头连接符 99">
+            <a:extLst>
+              <a:ext uri="{FF2B5EF4-FFF2-40B4-BE49-F238E27FC236}">
+                <a16:creationId xmlns:a16="http://schemas.microsoft.com/office/drawing/2014/main" id="{2615CBF9-7A72-3398-3C9E-10BEDDEB2837}"/>
+              </a:ext>
+            </a:extLst>
+          </p:cNvPr>
+          <p:cNvCxnSpPr/>
+          <p:nvPr/>
+        </p:nvCxnSpPr>
+        <p:spPr>
+          <a:xfrm flipH="1">
+            <a:off x="17228157" y="16209419"/>
+            <a:ext cx="721518" cy="0"/>
+          </a:xfrm>
+          <a:prstGeom prst="straightConnector1">
+            <a:avLst/>
+          </a:prstGeom>
+          <a:ln w="28575">
+            <a:tailEnd type="triangle"/>
+          </a:ln>
+        </p:spPr>
+        <p:style>
+          <a:lnRef idx="1">
+            <a:schemeClr val="accent1"/>
+          </a:lnRef>
+          <a:fillRef idx="0">
+            <a:schemeClr val="accent1"/>
+          </a:fillRef>
+          <a:effectRef idx="0">
+            <a:schemeClr val="accent1"/>
+          </a:effectRef>
+          <a:fontRef idx="minor">
+            <a:schemeClr val="tx1"/>
+          </a:fontRef>
+        </p:style>
+      </p:cxnSp>
+      <p:cxnSp>
+        <p:nvCxnSpPr>
+          <p:cNvPr id="101" name="直接箭头连接符 100">
+            <a:extLst>
+              <a:ext uri="{FF2B5EF4-FFF2-40B4-BE49-F238E27FC236}">
+                <a16:creationId xmlns:a16="http://schemas.microsoft.com/office/drawing/2014/main" id="{6ADD4E5B-C7A9-C937-388D-86F9EBF72F68}"/>
+              </a:ext>
+            </a:extLst>
+          </p:cNvPr>
+          <p:cNvCxnSpPr>
+            <a:cxnSpLocks/>
+          </p:cNvCxnSpPr>
+          <p:nvPr/>
+        </p:nvCxnSpPr>
+        <p:spPr>
+          <a:xfrm flipH="1">
+            <a:off x="15064472" y="15843986"/>
+            <a:ext cx="721518" cy="0"/>
+          </a:xfrm>
+          <a:prstGeom prst="straightConnector1">
+            <a:avLst/>
+          </a:prstGeom>
+          <a:ln w="28575">
+            <a:tailEnd type="triangle"/>
+          </a:ln>
+        </p:spPr>
+        <p:style>
+          <a:lnRef idx="1">
+            <a:schemeClr val="accent1"/>
+          </a:lnRef>
+          <a:fillRef idx="0">
+            <a:schemeClr val="accent1"/>
+          </a:fillRef>
+          <a:effectRef idx="0">
+            <a:schemeClr val="accent1"/>
+          </a:effectRef>
+          <a:fontRef idx="minor">
+            <a:schemeClr val="tx1"/>
+          </a:fontRef>
+        </p:style>
+      </p:cxnSp>
+      <p:cxnSp>
+        <p:nvCxnSpPr>
+          <p:cNvPr id="102" name="直接箭头连接符 101">
+            <a:extLst>
+              <a:ext uri="{FF2B5EF4-FFF2-40B4-BE49-F238E27FC236}">
+                <a16:creationId xmlns:a16="http://schemas.microsoft.com/office/drawing/2014/main" id="{F61DDFEE-7CE2-2D7A-7E9A-00C67FA9725C}"/>
+              </a:ext>
+            </a:extLst>
+          </p:cNvPr>
+          <p:cNvCxnSpPr>
+            <a:cxnSpLocks/>
+          </p:cNvCxnSpPr>
+          <p:nvPr/>
+        </p:nvCxnSpPr>
+        <p:spPr>
+          <a:xfrm>
+            <a:off x="22783534" y="15486312"/>
+            <a:ext cx="721518" cy="0"/>
+          </a:xfrm>
+          <a:prstGeom prst="straightConnector1">
+            <a:avLst/>
+          </a:prstGeom>
+          <a:ln w="28575">
+            <a:tailEnd type="triangle"/>
+          </a:ln>
+        </p:spPr>
+        <p:style>
+          <a:lnRef idx="1">
+            <a:schemeClr val="accent1"/>
+          </a:lnRef>
+          <a:fillRef idx="0">
+            <a:schemeClr val="accent1"/>
+          </a:fillRef>
+          <a:effectRef idx="0">
+            <a:schemeClr val="accent1"/>
+          </a:effectRef>
+          <a:fontRef idx="minor">
+            <a:schemeClr val="tx1"/>
+          </a:fontRef>
+        </p:style>
+      </p:cxnSp>
+      <p:cxnSp>
+        <p:nvCxnSpPr>
+          <p:cNvPr id="103" name="直接箭头连接符 102">
+            <a:extLst>
+              <a:ext uri="{FF2B5EF4-FFF2-40B4-BE49-F238E27FC236}">
+                <a16:creationId xmlns:a16="http://schemas.microsoft.com/office/drawing/2014/main" id="{EC714411-9136-3478-2D2D-F9AF9233B64F}"/>
+              </a:ext>
+            </a:extLst>
+          </p:cNvPr>
+          <p:cNvCxnSpPr>
+            <a:cxnSpLocks/>
+          </p:cNvCxnSpPr>
+          <p:nvPr/>
+        </p:nvCxnSpPr>
+        <p:spPr>
+          <a:xfrm>
+            <a:off x="22783534" y="16203069"/>
+            <a:ext cx="721518" cy="0"/>
+          </a:xfrm>
+          <a:prstGeom prst="straightConnector1">
+            <a:avLst/>
+          </a:prstGeom>
+          <a:ln w="28575">
+            <a:solidFill>
+              <a:schemeClr val="accent3"/>
+            </a:solidFill>
+            <a:tailEnd type="triangle"/>
+          </a:ln>
+        </p:spPr>
+        <p:style>
+          <a:lnRef idx="1">
+            <a:schemeClr val="accent1"/>
+          </a:lnRef>
+          <a:fillRef idx="0">
+            <a:schemeClr val="accent1"/>
+          </a:fillRef>
+          <a:effectRef idx="0">
+            <a:schemeClr val="accent1"/>
+          </a:effectRef>
+          <a:fontRef idx="minor">
+            <a:schemeClr val="tx1"/>
+          </a:fontRef>
+        </p:style>
+      </p:cxnSp>
+      <p:sp>
+        <p:nvSpPr>
+          <p:cNvPr id="104" name="矩形 103">
+            <a:extLst>
+              <a:ext uri="{FF2B5EF4-FFF2-40B4-BE49-F238E27FC236}">
+                <a16:creationId xmlns:a16="http://schemas.microsoft.com/office/drawing/2014/main" id="{3A0C8614-5D07-293A-3253-B588AE5A9B1D}"/>
+              </a:ext>
+            </a:extLst>
+          </p:cNvPr>
+          <p:cNvSpPr/>
+          <p:nvPr/>
+        </p:nvSpPr>
+        <p:spPr>
+          <a:xfrm>
+            <a:off x="18568761" y="14173855"/>
+            <a:ext cx="1249206" cy="471883"/>
+          </a:xfrm>
+          <a:prstGeom prst="rect">
+            <a:avLst/>
+          </a:prstGeom>
+          <a:solidFill>
+            <a:schemeClr val="accent6">
+              <a:lumMod val="60000"/>
+              <a:lumOff val="40000"/>
+            </a:schemeClr>
+          </a:solidFill>
+          <a:ln w="28575"/>
+        </p:spPr>
+        <p:style>
+          <a:lnRef idx="2">
+            <a:schemeClr val="accent1">
+              <a:shade val="15000"/>
+            </a:schemeClr>
+          </a:lnRef>
+          <a:fillRef idx="1">
+            <a:schemeClr val="accent1"/>
+          </a:fillRef>
+          <a:effectRef idx="0">
+            <a:schemeClr val="accent1"/>
+          </a:effectRef>
+          <a:fontRef idx="minor">
+            <a:schemeClr val="lt1"/>
+          </a:fontRef>
+        </p:style>
+        <p:txBody>
+          <a:bodyPr rtlCol="0" anchor="ctr"/>
+          <a:lstStyle/>
+          <a:p>
+            <a:pPr algn="ctr"/>
+            <a:r>
+              <a:rPr lang="en-US" altLang="zh-CN" dirty="0"/>
+              <a:t>Loss2</a:t>
+            </a:r>
+            <a:endParaRPr lang="zh-CN" altLang="en-US" dirty="0"/>
+          </a:p>
+        </p:txBody>
+      </p:sp>
+      <p:cxnSp>
+        <p:nvCxnSpPr>
+          <p:cNvPr id="105" name="连接符: 肘形 104">
+            <a:extLst>
+              <a:ext uri="{FF2B5EF4-FFF2-40B4-BE49-F238E27FC236}">
+                <a16:creationId xmlns:a16="http://schemas.microsoft.com/office/drawing/2014/main" id="{46C0F4D6-3EE4-AA7C-C098-517C1FC23F0B}"/>
+              </a:ext>
+            </a:extLst>
+          </p:cNvPr>
+          <p:cNvCxnSpPr>
+            <a:stCxn id="94" idx="0"/>
+            <a:endCxn id="104" idx="3"/>
+          </p:cNvCxnSpPr>
+          <p:nvPr/>
+        </p:nvCxnSpPr>
+        <p:spPr>
+          <a:xfrm rot="16200000" flipV="1">
+            <a:off x="21601271" y="12626497"/>
+            <a:ext cx="841569" cy="4408169"/>
+          </a:xfrm>
+          <a:prstGeom prst="bentConnector2">
+            <a:avLst/>
+          </a:prstGeom>
+          <a:ln w="28575">
+            <a:tailEnd type="triangle"/>
+          </a:ln>
+        </p:spPr>
+        <p:style>
+          <a:lnRef idx="1">
+            <a:schemeClr val="accent1"/>
+          </a:lnRef>
+          <a:fillRef idx="0">
+            <a:schemeClr val="accent1"/>
+          </a:fillRef>
+          <a:effectRef idx="0">
+            <a:schemeClr val="accent1"/>
+          </a:effectRef>
+          <a:fontRef idx="minor">
+            <a:schemeClr val="tx1"/>
+          </a:fontRef>
+        </p:style>
+      </p:cxnSp>
+      <p:cxnSp>
+        <p:nvCxnSpPr>
+          <p:cNvPr id="106" name="连接符: 肘形 105">
+            <a:extLst>
+              <a:ext uri="{FF2B5EF4-FFF2-40B4-BE49-F238E27FC236}">
+                <a16:creationId xmlns:a16="http://schemas.microsoft.com/office/drawing/2014/main" id="{29A78064-D334-6361-DD82-24C400831337}"/>
+              </a:ext>
+            </a:extLst>
+          </p:cNvPr>
+          <p:cNvCxnSpPr>
+            <a:cxnSpLocks/>
+            <a:stCxn id="93" idx="0"/>
+            <a:endCxn id="104" idx="1"/>
+          </p:cNvCxnSpPr>
+          <p:nvPr/>
+        </p:nvCxnSpPr>
+        <p:spPr>
+          <a:xfrm rot="5400000" flipH="1" flipV="1">
+            <a:off x="15829613" y="12860355"/>
+            <a:ext cx="1189706" cy="4288590"/>
+          </a:xfrm>
+          <a:prstGeom prst="bentConnector2">
+            <a:avLst/>
+          </a:prstGeom>
+          <a:ln w="28575">
+            <a:tailEnd type="triangle"/>
+          </a:ln>
+        </p:spPr>
+        <p:style>
+          <a:lnRef idx="1">
+            <a:schemeClr val="accent1"/>
+          </a:lnRef>
+          <a:fillRef idx="0">
+            <a:schemeClr val="accent1"/>
+          </a:fillRef>
+          <a:effectRef idx="0">
+            <a:schemeClr val="accent1"/>
+          </a:effectRef>
+          <a:fontRef idx="minor">
+            <a:schemeClr val="tx1"/>
+          </a:fontRef>
+        </p:style>
+      </p:cxnSp>
+      <p:cxnSp>
+        <p:nvCxnSpPr>
+          <p:cNvPr id="108" name="连接符: 肘形 107">
+            <a:extLst>
+              <a:ext uri="{FF2B5EF4-FFF2-40B4-BE49-F238E27FC236}">
+                <a16:creationId xmlns:a16="http://schemas.microsoft.com/office/drawing/2014/main" id="{16CEB5ED-B6C5-0828-3393-96357712D3FF}"/>
+              </a:ext>
+            </a:extLst>
+          </p:cNvPr>
+          <p:cNvCxnSpPr>
+            <a:cxnSpLocks/>
+          </p:cNvCxnSpPr>
+          <p:nvPr/>
+        </p:nvCxnSpPr>
+        <p:spPr>
+          <a:xfrm>
+            <a:off x="9456266" y="13425332"/>
+            <a:ext cx="4039600" cy="740313"/>
+          </a:xfrm>
+          <a:prstGeom prst="bentConnector3">
             <a:avLst/>
           </a:prstGeom>
           <a:ln w="28575">
